--- a/i-Coding.pptx
+++ b/i-Coding.pptx
@@ -225,7 +225,7 @@
           <a:p>
             <a:fld id="{1EAF0E99-DAD2-4DB0-A11D-671AB3AEBB15}" type="datetimeFigureOut">
               <a:rPr lang="zh-CN" altLang="en-US" smtClean="0"/>
-              <a:t>2019/5/23</a:t>
+              <a:t>2019/5/24</a:t>
             </a:fld>
             <a:endParaRPr lang="zh-CN" altLang="en-US"/>
           </a:p>
@@ -2043,7 +2043,7 @@
           <a:p>
             <a:fld id="{E648AFBE-CB95-410C-9170-E8C374E6C10C}" type="datetimeFigureOut">
               <a:rPr lang="zh-CN" altLang="en-US" smtClean="0"/>
-              <a:t>2019/5/23</a:t>
+              <a:t>2019/5/24</a:t>
             </a:fld>
             <a:endParaRPr lang="zh-CN" altLang="en-US"/>
           </a:p>
@@ -2249,7 +2249,7 @@
           <a:p>
             <a:fld id="{E648AFBE-CB95-410C-9170-E8C374E6C10C}" type="datetimeFigureOut">
               <a:rPr lang="zh-CN" altLang="en-US" smtClean="0"/>
-              <a:t>2019/5/23</a:t>
+              <a:t>2019/5/24</a:t>
             </a:fld>
             <a:endParaRPr lang="zh-CN" altLang="en-US"/>
           </a:p>
@@ -2465,7 +2465,7 @@
           <a:p>
             <a:fld id="{E648AFBE-CB95-410C-9170-E8C374E6C10C}" type="datetimeFigureOut">
               <a:rPr lang="zh-CN" altLang="en-US" smtClean="0"/>
-              <a:t>2019/5/23</a:t>
+              <a:t>2019/5/24</a:t>
             </a:fld>
             <a:endParaRPr lang="zh-CN" altLang="en-US"/>
           </a:p>
@@ -2795,7 +2795,7 @@
           <a:p>
             <a:fld id="{E648AFBE-CB95-410C-9170-E8C374E6C10C}" type="datetimeFigureOut">
               <a:rPr lang="zh-CN" altLang="en-US" smtClean="0"/>
-              <a:t>2019/5/23</a:t>
+              <a:t>2019/5/24</a:t>
             </a:fld>
             <a:endParaRPr lang="zh-CN" altLang="en-US"/>
           </a:p>
@@ -3078,7 +3078,7 @@
           <a:p>
             <a:fld id="{E648AFBE-CB95-410C-9170-E8C374E6C10C}" type="datetimeFigureOut">
               <a:rPr lang="zh-CN" altLang="en-US" smtClean="0"/>
-              <a:t>2019/5/23</a:t>
+              <a:t>2019/5/24</a:t>
             </a:fld>
             <a:endParaRPr lang="zh-CN" altLang="en-US"/>
           </a:p>
@@ -3351,7 +3351,7 @@
           <a:p>
             <a:fld id="{E648AFBE-CB95-410C-9170-E8C374E6C10C}" type="datetimeFigureOut">
               <a:rPr lang="zh-CN" altLang="en-US" smtClean="0"/>
-              <a:t>2019/5/23</a:t>
+              <a:t>2019/5/24</a:t>
             </a:fld>
             <a:endParaRPr lang="zh-CN" altLang="en-US"/>
           </a:p>
@@ -3771,7 +3771,7 @@
           <a:p>
             <a:fld id="{E648AFBE-CB95-410C-9170-E8C374E6C10C}" type="datetimeFigureOut">
               <a:rPr lang="zh-CN" altLang="en-US" smtClean="0"/>
-              <a:t>2019/5/23</a:t>
+              <a:t>2019/5/24</a:t>
             </a:fld>
             <a:endParaRPr lang="zh-CN" altLang="en-US"/>
           </a:p>
@@ -3920,7 +3920,7 @@
           <a:p>
             <a:fld id="{E648AFBE-CB95-410C-9170-E8C374E6C10C}" type="datetimeFigureOut">
               <a:rPr lang="zh-CN" altLang="en-US" smtClean="0"/>
-              <a:t>2019/5/23</a:t>
+              <a:t>2019/5/24</a:t>
             </a:fld>
             <a:endParaRPr lang="zh-CN" altLang="en-US"/>
           </a:p>
@@ -4041,7 +4041,7 @@
           <a:p>
             <a:fld id="{E648AFBE-CB95-410C-9170-E8C374E6C10C}" type="datetimeFigureOut">
               <a:rPr lang="zh-CN" altLang="en-US" smtClean="0"/>
-              <a:t>2019/5/23</a:t>
+              <a:t>2019/5/24</a:t>
             </a:fld>
             <a:endParaRPr lang="zh-CN" altLang="en-US"/>
           </a:p>
@@ -4527,7 +4527,7 @@
           <a:p>
             <a:fld id="{E648AFBE-CB95-410C-9170-E8C374E6C10C}" type="datetimeFigureOut">
               <a:rPr lang="zh-CN" altLang="en-US" smtClean="0"/>
-              <a:t>2019/5/23</a:t>
+              <a:t>2019/5/24</a:t>
             </a:fld>
             <a:endParaRPr lang="zh-CN" altLang="en-US"/>
           </a:p>
@@ -4823,7 +4823,7 @@
           <a:p>
             <a:fld id="{E648AFBE-CB95-410C-9170-E8C374E6C10C}" type="datetimeFigureOut">
               <a:rPr lang="zh-CN" altLang="en-US" smtClean="0"/>
-              <a:t>2019/5/23</a:t>
+              <a:t>2019/5/24</a:t>
             </a:fld>
             <a:endParaRPr lang="zh-CN" altLang="en-US"/>
           </a:p>
@@ -5072,7 +5072,7 @@
           <a:p>
             <a:fld id="{E648AFBE-CB95-410C-9170-E8C374E6C10C}" type="datetimeFigureOut">
               <a:rPr lang="zh-CN" altLang="en-US" smtClean="0"/>
-              <a:t>2019/5/23</a:t>
+              <a:t>2019/5/24</a:t>
             </a:fld>
             <a:endParaRPr lang="zh-CN" altLang="en-US"/>
           </a:p>
@@ -9411,14 +9411,7 @@
                   <a:latin typeface="微軟正黑體" panose="020B0604030504040204" pitchFamily="34" charset="-120"/>
                   <a:ea typeface="微軟正黑體" panose="020B0604030504040204" pitchFamily="34" charset="-120"/>
                 </a:rPr>
-                <a:t>觀看影片的完整</a:t>
-              </a:r>
-              <a:r>
-                <a:rPr lang="zh-TW" altLang="en-US" sz="2400" dirty="0" smtClean="0">
-                  <a:latin typeface="微軟正黑體" panose="020B0604030504040204" pitchFamily="34" charset="-120"/>
-                  <a:ea typeface="微軟正黑體" panose="020B0604030504040204" pitchFamily="34" charset="-120"/>
-                </a:rPr>
-                <a:t>度</a:t>
+                <a:t>觀看影片的完整度</a:t>
               </a:r>
               <a:r>
                 <a:rPr lang="en-US" altLang="zh-TW" sz="2400" dirty="0" smtClean="0">
@@ -11498,8 +11491,8 @@
           </p:style>
         </p:cxnSp>
       </p:grpSp>
-      <mc:AlternateContent xmlns:mc="http://schemas.openxmlformats.org/markup-compatibility/2006">
-        <mc:Choice xmlns:a14="http://schemas.microsoft.com/office/drawing/2010/main" Requires="a14">
+      <mc:AlternateContent xmlns:mc="http://schemas.openxmlformats.org/markup-compatibility/2006" xmlns:a14="http://schemas.microsoft.com/office/drawing/2010/main">
+        <mc:Choice Requires="a14">
           <p:sp>
             <p:nvSpPr>
               <p:cNvPr id="8" name="矩形 7"/>
@@ -11945,7 +11938,7 @@
             </p:txBody>
           </p:sp>
         </mc:Choice>
-        <mc:Fallback>
+        <mc:Fallback xmlns="">
           <p:sp>
             <p:nvSpPr>
               <p:cNvPr id="8" name="矩形 7"/>
@@ -20472,7 +20465,7 @@
           <a:graphicData uri="http://schemas.openxmlformats.org/presentationml/2006/ole">
             <mc:AlternateContent xmlns:mc="http://schemas.openxmlformats.org/markup-compatibility/2006">
               <mc:Choice xmlns:v="urn:schemas-microsoft-com:vml" Requires="v">
-                <p:oleObj spid="_x0000_s1053" name="Visio" r:id="rId4" imgW="10706135" imgH="7574217" progId="Visio.Drawing.11">
+                <p:oleObj spid="_x0000_s1055" name="Visio" r:id="rId4" imgW="10706135" imgH="7574217" progId="Visio.Drawing.11">
                   <p:embed/>
                 </p:oleObj>
               </mc:Choice>
@@ -20951,16 +20944,7 @@
                   <a:cs typeface="Roboto Black" charset="0"/>
                   <a:sym typeface="Source Han Serif SC" panose="02020400000000000000" pitchFamily="18" charset="-122"/>
                 </a:rPr>
-                <a:t>分析</a:t>
-              </a:r>
-              <a:r>
-                <a:rPr lang="zh-TW" altLang="en-US" sz="2400" b="1" dirty="0" smtClean="0">
-                  <a:latin typeface="微軟正黑體" panose="020B0604030504040204" pitchFamily="34" charset="-120"/>
-                  <a:ea typeface="微軟正黑體" panose="020B0604030504040204" pitchFamily="34" charset="-120"/>
-                  <a:cs typeface="Roboto Black" charset="0"/>
-                  <a:sym typeface="Source Han Serif SC" panose="02020400000000000000" pitchFamily="18" charset="-122"/>
-                </a:rPr>
-                <a:t>學習成效</a:t>
+                <a:t>分析學習成效</a:t>
               </a:r>
               <a:endParaRPr lang="en-US" sz="2400" b="1" dirty="0">
                 <a:latin typeface="微軟正黑體" panose="020B0604030504040204" pitchFamily="34" charset="-120"/>
@@ -21133,15 +21117,7 @@
                   <a:ea typeface="微軟正黑體" panose="020B0604030504040204" pitchFamily="34" charset="-120"/>
                   <a:sym typeface="Source Han Serif SC" panose="02020400000000000000" pitchFamily="18" charset="-122"/>
                 </a:rPr>
-                <a:t>記錄</a:t>
-              </a:r>
-              <a:r>
-                <a:rPr lang="zh-TW" altLang="en-US" sz="2000" dirty="0" smtClean="0">
-                  <a:latin typeface="微軟正黑體" panose="020B0604030504040204" pitchFamily="34" charset="-120"/>
-                  <a:ea typeface="微軟正黑體" panose="020B0604030504040204" pitchFamily="34" charset="-120"/>
-                  <a:sym typeface="Source Han Serif SC" panose="02020400000000000000" pitchFamily="18" charset="-122"/>
-                </a:rPr>
-                <a:t>學生</a:t>
+                <a:t>記錄學生</a:t>
               </a:r>
               <a:r>
                 <a:rPr lang="zh-TW" altLang="en-US" sz="2000" dirty="0">
@@ -21345,31 +21321,7 @@
                   <a:ea typeface="微軟正黑體" panose="020B0604030504040204" pitchFamily="34" charset="-120"/>
                   <a:sym typeface="Source Han Serif SC" panose="02020400000000000000" pitchFamily="18" charset="-122"/>
                 </a:rPr>
-                <a:t>系統</a:t>
-              </a:r>
-              <a:r>
-                <a:rPr lang="zh-TW" altLang="en-US" sz="2000" dirty="0" smtClean="0">
-                  <a:latin typeface="微軟正黑體" panose="020B0604030504040204" pitchFamily="34" charset="-120"/>
-                  <a:ea typeface="微軟正黑體" panose="020B0604030504040204" pitchFamily="34" charset="-120"/>
-                  <a:sym typeface="Source Han Serif SC" panose="02020400000000000000" pitchFamily="18" charset="-122"/>
-                </a:rPr>
-                <a:t>提供自動</a:t>
-              </a:r>
-              <a:r>
-                <a:rPr lang="zh-TW" altLang="en-US" sz="2000" dirty="0" smtClean="0">
-                  <a:latin typeface="微軟正黑體" panose="020B0604030504040204" pitchFamily="34" charset="-120"/>
-                  <a:ea typeface="微軟正黑體" panose="020B0604030504040204" pitchFamily="34" charset="-120"/>
-                  <a:sym typeface="Source Han Serif SC" panose="02020400000000000000" pitchFamily="18" charset="-122"/>
-                </a:rPr>
-                <a:t>批閱減少</a:t>
-              </a:r>
-              <a:r>
-                <a:rPr lang="zh-TW" altLang="en-US" sz="2000" dirty="0" smtClean="0">
-                  <a:latin typeface="微軟正黑體" panose="020B0604030504040204" pitchFamily="34" charset="-120"/>
-                  <a:ea typeface="微軟正黑體" panose="020B0604030504040204" pitchFamily="34" charset="-120"/>
-                  <a:sym typeface="Source Han Serif SC" panose="02020400000000000000" pitchFamily="18" charset="-122"/>
-                </a:rPr>
-                <a:t>教師批改測驗時間，並以圖表統計呈現。</a:t>
+                <a:t>系統提供自動批閱減少教師批改測驗時間，並以圖表統計呈現。</a:t>
               </a:r>
               <a:endParaRPr lang="zh-CN" altLang="zh-CN" sz="2000" dirty="0">
                 <a:latin typeface="微軟正黑體" panose="020B0604030504040204" pitchFamily="34" charset="-120"/>
@@ -21541,23 +21493,7 @@
                   <a:ea typeface="微軟正黑體" panose="020B0604030504040204" pitchFamily="34" charset="-120"/>
                   <a:sym typeface="Source Han Serif SC" panose="02020400000000000000" pitchFamily="18" charset="-122"/>
                 </a:rPr>
-                <a:t>提供線上編譯器給學生一個更加便利的學習環境，同時訓練學生運算</a:t>
-              </a:r>
-              <a:r>
-                <a:rPr lang="zh-TW" altLang="en-US" sz="2000" dirty="0" smtClean="0">
-                  <a:latin typeface="微軟正黑體" panose="020B0604030504040204" pitchFamily="34" charset="-120"/>
-                  <a:ea typeface="微軟正黑體" panose="020B0604030504040204" pitchFamily="34" charset="-120"/>
-                  <a:sym typeface="Source Han Serif SC" panose="02020400000000000000" pitchFamily="18" charset="-122"/>
-                </a:rPr>
-                <a:t>思維</a:t>
-              </a:r>
-              <a:r>
-                <a:rPr lang="zh-TW" altLang="en-US" sz="2000" dirty="0" smtClean="0">
-                  <a:latin typeface="微軟正黑體" panose="020B0604030504040204" pitchFamily="34" charset="-120"/>
-                  <a:ea typeface="微軟正黑體" panose="020B0604030504040204" pitchFamily="34" charset="-120"/>
-                  <a:sym typeface="Source Han Serif SC" panose="02020400000000000000" pitchFamily="18" charset="-122"/>
-                </a:rPr>
-                <a:t>能力。</a:t>
+                <a:t>提供線上編譯器給學生一個更加便利的學習環境，同時訓練學生運算思維能力。</a:t>
               </a:r>
               <a:endParaRPr lang="zh-CN" altLang="zh-CN" sz="2000" dirty="0">
                 <a:latin typeface="微軟正黑體" panose="020B0604030504040204" pitchFamily="34" charset="-120"/>
@@ -21691,7 +21627,7 @@
           </p:nvSpPr>
           <p:spPr>
             <a:xfrm flipH="1">
-              <a:off x="5488777" y="1801998"/>
+              <a:off x="5598106" y="1801998"/>
               <a:ext cx="1415772" cy="461665"/>
             </a:xfrm>
             <a:prstGeom prst="rect">
@@ -21813,7 +21749,7 @@
           </p:nvSpPr>
           <p:spPr>
             <a:xfrm flipH="1">
-              <a:off x="8907331" y="1801216"/>
+              <a:off x="9036538" y="1801216"/>
               <a:ext cx="1723548" cy="461665"/>
             </a:xfrm>
             <a:prstGeom prst="rect">

--- a/i-Coding.pptx
+++ b/i-Coding.pptx
@@ -2041,10 +2041,6 @@
           <a:bodyPr/>
           <a:lstStyle/>
           <a:p>
-            <a:fld id="{E648AFBE-CB95-410C-9170-E8C374E6C10C}" type="datetimeFigureOut">
-              <a:rPr lang="zh-CN" altLang="en-US" smtClean="0"/>
-              <a:t>2019/5/24</a:t>
-            </a:fld>
             <a:endParaRPr lang="zh-CN" altLang="en-US"/>
           </a:p>
         </p:txBody>
@@ -2247,10 +2243,6 @@
           <a:bodyPr/>
           <a:lstStyle/>
           <a:p>
-            <a:fld id="{E648AFBE-CB95-410C-9170-E8C374E6C10C}" type="datetimeFigureOut">
-              <a:rPr lang="zh-CN" altLang="en-US" smtClean="0"/>
-              <a:t>2019/5/24</a:t>
-            </a:fld>
             <a:endParaRPr lang="zh-CN" altLang="en-US"/>
           </a:p>
         </p:txBody>
@@ -2463,10 +2455,6 @@
           <a:bodyPr/>
           <a:lstStyle/>
           <a:p>
-            <a:fld id="{E648AFBE-CB95-410C-9170-E8C374E6C10C}" type="datetimeFigureOut">
-              <a:rPr lang="zh-CN" altLang="en-US" smtClean="0"/>
-              <a:t>2019/5/24</a:t>
-            </a:fld>
             <a:endParaRPr lang="zh-CN" altLang="en-US"/>
           </a:p>
         </p:txBody>
@@ -2793,10 +2781,6 @@
           <a:bodyPr/>
           <a:lstStyle/>
           <a:p>
-            <a:fld id="{E648AFBE-CB95-410C-9170-E8C374E6C10C}" type="datetimeFigureOut">
-              <a:rPr lang="zh-CN" altLang="en-US" smtClean="0"/>
-              <a:t>2019/5/24</a:t>
-            </a:fld>
             <a:endParaRPr lang="zh-CN" altLang="en-US"/>
           </a:p>
         </p:txBody>
@@ -3076,10 +3060,6 @@
           <a:bodyPr/>
           <a:lstStyle/>
           <a:p>
-            <a:fld id="{E648AFBE-CB95-410C-9170-E8C374E6C10C}" type="datetimeFigureOut">
-              <a:rPr lang="zh-CN" altLang="en-US" smtClean="0"/>
-              <a:t>2019/5/24</a:t>
-            </a:fld>
             <a:endParaRPr lang="zh-CN" altLang="en-US"/>
           </a:p>
         </p:txBody>
@@ -3349,10 +3329,6 @@
           <a:bodyPr/>
           <a:lstStyle/>
           <a:p>
-            <a:fld id="{E648AFBE-CB95-410C-9170-E8C374E6C10C}" type="datetimeFigureOut">
-              <a:rPr lang="zh-CN" altLang="en-US" smtClean="0"/>
-              <a:t>2019/5/24</a:t>
-            </a:fld>
             <a:endParaRPr lang="zh-CN" altLang="en-US"/>
           </a:p>
         </p:txBody>
@@ -3769,10 +3745,6 @@
           <a:bodyPr/>
           <a:lstStyle/>
           <a:p>
-            <a:fld id="{E648AFBE-CB95-410C-9170-E8C374E6C10C}" type="datetimeFigureOut">
-              <a:rPr lang="zh-CN" altLang="en-US" smtClean="0"/>
-              <a:t>2019/5/24</a:t>
-            </a:fld>
             <a:endParaRPr lang="zh-CN" altLang="en-US"/>
           </a:p>
         </p:txBody>
@@ -3918,10 +3890,6 @@
           <a:bodyPr/>
           <a:lstStyle/>
           <a:p>
-            <a:fld id="{E648AFBE-CB95-410C-9170-E8C374E6C10C}" type="datetimeFigureOut">
-              <a:rPr lang="zh-CN" altLang="en-US" smtClean="0"/>
-              <a:t>2019/5/24</a:t>
-            </a:fld>
             <a:endParaRPr lang="zh-CN" altLang="en-US"/>
           </a:p>
         </p:txBody>
@@ -4039,10 +4007,6 @@
           <a:bodyPr/>
           <a:lstStyle/>
           <a:p>
-            <a:fld id="{E648AFBE-CB95-410C-9170-E8C374E6C10C}" type="datetimeFigureOut">
-              <a:rPr lang="zh-CN" altLang="en-US" smtClean="0"/>
-              <a:t>2019/5/24</a:t>
-            </a:fld>
             <a:endParaRPr lang="zh-CN" altLang="en-US"/>
           </a:p>
         </p:txBody>
@@ -4525,10 +4489,6 @@
           <a:bodyPr/>
           <a:lstStyle/>
           <a:p>
-            <a:fld id="{E648AFBE-CB95-410C-9170-E8C374E6C10C}" type="datetimeFigureOut">
-              <a:rPr lang="zh-CN" altLang="en-US" smtClean="0"/>
-              <a:t>2019/5/24</a:t>
-            </a:fld>
             <a:endParaRPr lang="zh-CN" altLang="en-US"/>
           </a:p>
         </p:txBody>
@@ -4821,10 +4781,6 @@
           <a:bodyPr/>
           <a:lstStyle/>
           <a:p>
-            <a:fld id="{E648AFBE-CB95-410C-9170-E8C374E6C10C}" type="datetimeFigureOut">
-              <a:rPr lang="zh-CN" altLang="en-US" smtClean="0"/>
-              <a:t>2019/5/24</a:t>
-            </a:fld>
             <a:endParaRPr lang="zh-CN" altLang="en-US"/>
           </a:p>
         </p:txBody>
@@ -5070,10 +5026,6 @@
             </a:lvl1pPr>
           </a:lstStyle>
           <a:p>
-            <a:fld id="{E648AFBE-CB95-410C-9170-E8C374E6C10C}" type="datetimeFigureOut">
-              <a:rPr lang="zh-CN" altLang="en-US" smtClean="0"/>
-              <a:t>2019/5/24</a:t>
-            </a:fld>
             <a:endParaRPr lang="zh-CN" altLang="en-US"/>
           </a:p>
         </p:txBody>
@@ -5200,6 +5152,7 @@
       <p:transition/>
     </mc:Fallback>
   </mc:AlternateContent>
+  <p:hf hdr="0" ftr="0" dt="0"/>
   <p:txStyles>
     <p:titleStyle>
       <a:lvl1pPr algn="l" defTabSz="914400" rtl="0" eaLnBrk="1" latinLnBrk="0" hangingPunct="1">
@@ -6254,604 +6207,681 @@
       </p:grpSp>
       <p:sp>
         <p:nvSpPr>
-          <p:cNvPr id="19" name="箭头2"/>
-          <p:cNvSpPr/>
-          <p:nvPr/>
+          <p:cNvPr id="3" name="投影片編號版面配置區 2"/>
+          <p:cNvSpPr>
+            <a:spLocks noGrp="1"/>
+          </p:cNvSpPr>
+          <p:nvPr>
+            <p:ph type="sldNum" sz="quarter" idx="12"/>
+          </p:nvPr>
         </p:nvSpPr>
-        <p:spPr bwMode="gray">
-          <a:xfrm rot="16200000">
-            <a:off x="4404617" y="3412956"/>
-            <a:ext cx="285515" cy="720000"/>
-          </a:xfrm>
-          <a:custGeom>
-            <a:avLst/>
-            <a:gdLst>
-              <a:gd name="T0" fmla="*/ 37 w 142"/>
-              <a:gd name="T1" fmla="*/ 1 h 604"/>
-              <a:gd name="T2" fmla="*/ 45 w 142"/>
-              <a:gd name="T3" fmla="*/ 472 h 604"/>
-              <a:gd name="T4" fmla="*/ 0 w 142"/>
-              <a:gd name="T5" fmla="*/ 474 h 604"/>
-              <a:gd name="T6" fmla="*/ 72 w 142"/>
-              <a:gd name="T7" fmla="*/ 604 h 604"/>
-              <a:gd name="T8" fmla="*/ 142 w 142"/>
-              <a:gd name="T9" fmla="*/ 474 h 604"/>
-              <a:gd name="T10" fmla="*/ 100 w 142"/>
-              <a:gd name="T11" fmla="*/ 474 h 604"/>
-              <a:gd name="T12" fmla="*/ 99 w 142"/>
-              <a:gd name="T13" fmla="*/ 0 h 604"/>
-              <a:gd name="T14" fmla="*/ 37 w 142"/>
-              <a:gd name="T15" fmla="*/ 1 h 604"/>
-            </a:gdLst>
-            <a:ahLst/>
-            <a:cxnLst>
-              <a:cxn ang="0">
-                <a:pos x="T0" y="T1"/>
-              </a:cxn>
-              <a:cxn ang="0">
-                <a:pos x="T2" y="T3"/>
-              </a:cxn>
-              <a:cxn ang="0">
-                <a:pos x="T4" y="T5"/>
-              </a:cxn>
-              <a:cxn ang="0">
-                <a:pos x="T6" y="T7"/>
-              </a:cxn>
-              <a:cxn ang="0">
-                <a:pos x="T8" y="T9"/>
-              </a:cxn>
-              <a:cxn ang="0">
-                <a:pos x="T10" y="T11"/>
-              </a:cxn>
-              <a:cxn ang="0">
-                <a:pos x="T12" y="T13"/>
-              </a:cxn>
-              <a:cxn ang="0">
-                <a:pos x="T14" y="T15"/>
-              </a:cxn>
-            </a:cxnLst>
-            <a:rect l="0" t="0" r="r" b="b"/>
-            <a:pathLst>
-              <a:path w="142" h="604">
-                <a:moveTo>
-                  <a:pt x="37" y="1"/>
-                </a:moveTo>
-                <a:lnTo>
-                  <a:pt x="45" y="472"/>
-                </a:lnTo>
-                <a:lnTo>
-                  <a:pt x="0" y="474"/>
-                </a:lnTo>
-                <a:lnTo>
-                  <a:pt x="72" y="604"/>
-                </a:lnTo>
-                <a:lnTo>
-                  <a:pt x="142" y="474"/>
-                </a:lnTo>
-                <a:lnTo>
-                  <a:pt x="100" y="474"/>
-                </a:lnTo>
-                <a:lnTo>
-                  <a:pt x="99" y="0"/>
-                </a:lnTo>
-                <a:lnTo>
-                  <a:pt x="37" y="1"/>
-                </a:lnTo>
-                <a:close/>
-              </a:path>
-            </a:pathLst>
-          </a:custGeom>
-          <a:solidFill>
-            <a:srgbClr val="660066"/>
-          </a:solidFill>
-          <a:ln>
-            <a:noFill/>
-          </a:ln>
-          <a:effectLst/>
-        </p:spPr>
+        <p:spPr/>
         <p:txBody>
-          <a:bodyPr wrap="none" lIns="80884" tIns="40441" rIns="80884" bIns="40441" anchor="ctr">
-            <a:noAutofit/>
-          </a:bodyPr>
-          <a:lstStyle>
-            <a:defPPr>
-              <a:defRPr lang="zh-CN"/>
-            </a:defPPr>
-            <a:lvl1pPr marL="0" algn="l" defTabSz="914400" rtl="0" eaLnBrk="1" latinLnBrk="0" hangingPunct="1">
-              <a:defRPr sz="1800" kern="1200">
-                <a:solidFill>
-                  <a:schemeClr val="tx1"/>
-                </a:solidFill>
-                <a:latin typeface="+mn-lt"/>
-                <a:ea typeface="+mn-ea"/>
-                <a:cs typeface="+mn-cs"/>
-              </a:defRPr>
-            </a:lvl1pPr>
-            <a:lvl2pPr marL="457200" algn="l" defTabSz="914400" rtl="0" eaLnBrk="1" latinLnBrk="0" hangingPunct="1">
-              <a:defRPr sz="1800" kern="1200">
-                <a:solidFill>
-                  <a:schemeClr val="tx1"/>
-                </a:solidFill>
-                <a:latin typeface="+mn-lt"/>
-                <a:ea typeface="+mn-ea"/>
-                <a:cs typeface="+mn-cs"/>
-              </a:defRPr>
-            </a:lvl2pPr>
-            <a:lvl3pPr marL="914400" algn="l" defTabSz="914400" rtl="0" eaLnBrk="1" latinLnBrk="0" hangingPunct="1">
-              <a:defRPr sz="1800" kern="1200">
-                <a:solidFill>
-                  <a:schemeClr val="tx1"/>
-                </a:solidFill>
-                <a:latin typeface="+mn-lt"/>
-                <a:ea typeface="+mn-ea"/>
-                <a:cs typeface="+mn-cs"/>
-              </a:defRPr>
-            </a:lvl3pPr>
-            <a:lvl4pPr marL="1371600" algn="l" defTabSz="914400" rtl="0" eaLnBrk="1" latinLnBrk="0" hangingPunct="1">
-              <a:defRPr sz="1800" kern="1200">
-                <a:solidFill>
-                  <a:schemeClr val="tx1"/>
-                </a:solidFill>
-                <a:latin typeface="+mn-lt"/>
-                <a:ea typeface="+mn-ea"/>
-                <a:cs typeface="+mn-cs"/>
-              </a:defRPr>
-            </a:lvl4pPr>
-            <a:lvl5pPr marL="1828800" algn="l" defTabSz="914400" rtl="0" eaLnBrk="1" latinLnBrk="0" hangingPunct="1">
-              <a:defRPr sz="1800" kern="1200">
-                <a:solidFill>
-                  <a:schemeClr val="tx1"/>
-                </a:solidFill>
-                <a:latin typeface="+mn-lt"/>
-                <a:ea typeface="+mn-ea"/>
-                <a:cs typeface="+mn-cs"/>
-              </a:defRPr>
-            </a:lvl5pPr>
-            <a:lvl6pPr marL="2286000" algn="l" defTabSz="914400" rtl="0" eaLnBrk="1" latinLnBrk="0" hangingPunct="1">
-              <a:defRPr sz="1800" kern="1200">
-                <a:solidFill>
-                  <a:schemeClr val="tx1"/>
-                </a:solidFill>
-                <a:latin typeface="+mn-lt"/>
-                <a:ea typeface="+mn-ea"/>
-                <a:cs typeface="+mn-cs"/>
-              </a:defRPr>
-            </a:lvl6pPr>
-            <a:lvl7pPr marL="2743200" algn="l" defTabSz="914400" rtl="0" eaLnBrk="1" latinLnBrk="0" hangingPunct="1">
-              <a:defRPr sz="1800" kern="1200">
-                <a:solidFill>
-                  <a:schemeClr val="tx1"/>
-                </a:solidFill>
-                <a:latin typeface="+mn-lt"/>
-                <a:ea typeface="+mn-ea"/>
-                <a:cs typeface="+mn-cs"/>
-              </a:defRPr>
-            </a:lvl7pPr>
-            <a:lvl8pPr marL="3200400" algn="l" defTabSz="914400" rtl="0" eaLnBrk="1" latinLnBrk="0" hangingPunct="1">
-              <a:defRPr sz="1800" kern="1200">
-                <a:solidFill>
-                  <a:schemeClr val="tx1"/>
-                </a:solidFill>
-                <a:latin typeface="+mn-lt"/>
-                <a:ea typeface="+mn-ea"/>
-                <a:cs typeface="+mn-cs"/>
-              </a:defRPr>
-            </a:lvl8pPr>
-            <a:lvl9pPr marL="3657600" algn="l" defTabSz="914400" rtl="0" eaLnBrk="1" latinLnBrk="0" hangingPunct="1">
-              <a:defRPr sz="1800" kern="1200">
-                <a:solidFill>
-                  <a:schemeClr val="tx1"/>
-                </a:solidFill>
-                <a:latin typeface="+mn-lt"/>
-                <a:ea typeface="+mn-ea"/>
-                <a:cs typeface="+mn-cs"/>
-              </a:defRPr>
-            </a:lvl9pPr>
-          </a:lstStyle>
+          <a:bodyPr/>
+          <a:lstStyle/>
           <a:p>
-            <a:pPr>
-              <a:defRPr/>
-            </a:pPr>
-            <a:endParaRPr lang="zh-CN" altLang="en-US" sz="1465" dirty="0">
-              <a:solidFill>
-                <a:schemeClr val="bg1"/>
-              </a:solidFill>
-              <a:latin typeface="微軟正黑體" panose="020B0604030504040204" pitchFamily="34" charset="-120"/>
-              <a:ea typeface="微軟正黑體" panose="020B0604030504040204" pitchFamily="34" charset="-120"/>
-              <a:sym typeface="Source Han Serif SC" panose="02020400000000000000" pitchFamily="18" charset="-122"/>
-            </a:endParaRPr>
+            <a:fld id="{C216DB24-B25B-49D7-A066-6E012C0AC9EA}" type="slidenum">
+              <a:rPr lang="zh-CN" altLang="en-US" smtClean="0"/>
+              <a:t>10</a:t>
+            </a:fld>
+            <a:endParaRPr lang="zh-CN" altLang="en-US"/>
           </a:p>
         </p:txBody>
       </p:sp>
-      <p:sp>
-        <p:nvSpPr>
-          <p:cNvPr id="25" name="椭圆 24"/>
-          <p:cNvSpPr/>
+      <p:grpSp>
+        <p:nvGrpSpPr>
+          <p:cNvPr id="5" name="群組 4"/>
+          <p:cNvGrpSpPr/>
           <p:nvPr/>
-        </p:nvSpPr>
-        <p:spPr>
+        </p:nvGrpSpPr>
+        <p:grpSpPr>
           <a:xfrm>
-            <a:off x="4983069" y="3098878"/>
-            <a:ext cx="1351271" cy="1351274"/>
+            <a:off x="321445" y="1531360"/>
+            <a:ext cx="11758833" cy="4937214"/>
+            <a:chOff x="321445" y="1531360"/>
+            <a:chExt cx="11758833" cy="4937214"/>
           </a:xfrm>
-          <a:prstGeom prst="ellipse">
-            <a:avLst/>
-          </a:prstGeom>
-          <a:solidFill>
-            <a:srgbClr val="660066"/>
-          </a:solidFill>
-          <a:ln w="31750">
-            <a:noFill/>
-          </a:ln>
-          <a:effectLst/>
-        </p:spPr>
-        <p:style>
-          <a:lnRef idx="2">
-            <a:schemeClr val="accent1">
-              <a:shade val="50000"/>
-            </a:schemeClr>
-          </a:lnRef>
-          <a:fillRef idx="1">
-            <a:schemeClr val="accent1"/>
-          </a:fillRef>
-          <a:effectRef idx="0">
-            <a:schemeClr val="accent1"/>
-          </a:effectRef>
-          <a:fontRef idx="minor">
-            <a:schemeClr val="lt1"/>
-          </a:fontRef>
-        </p:style>
-        <p:txBody>
-          <a:bodyPr rtlCol="0" anchor="ctr"/>
-          <a:lstStyle/>
-          <a:p>
-            <a:pPr algn="ctr">
-              <a:defRPr/>
-            </a:pPr>
-            <a:endParaRPr lang="zh-CN" altLang="en-US" sz="2665" dirty="0">
-              <a:solidFill>
-                <a:schemeClr val="bg1"/>
-              </a:solidFill>
-              <a:latin typeface="微軟正黑體" panose="020B0604030504040204" pitchFamily="34" charset="-120"/>
-              <a:ea typeface="微軟正黑體" panose="020B0604030504040204" pitchFamily="34" charset="-120"/>
-              <a:sym typeface="Source Han Serif SC" panose="02020400000000000000" pitchFamily="18" charset="-122"/>
-            </a:endParaRPr>
-          </a:p>
-        </p:txBody>
-      </p:sp>
-      <p:sp>
-        <p:nvSpPr>
-          <p:cNvPr id="29" name="文本框 38"/>
-          <p:cNvSpPr txBox="1"/>
-          <p:nvPr/>
-        </p:nvSpPr>
-        <p:spPr>
-          <a:xfrm>
-            <a:off x="4889832" y="3566777"/>
-            <a:ext cx="1537745" cy="415475"/>
-          </a:xfrm>
-          <a:prstGeom prst="rect">
-            <a:avLst/>
-          </a:prstGeom>
-          <a:noFill/>
-        </p:spPr>
-        <p:txBody>
-          <a:bodyPr wrap="square" rtlCol="0">
-            <a:spAutoFit/>
-          </a:bodyPr>
-          <a:lstStyle/>
-          <a:p>
-            <a:pPr algn="ctr"/>
-            <a:r>
-              <a:rPr lang="en-US" altLang="zh-TW" sz="2400" b="1" dirty="0" smtClean="0">
+        </p:grpSpPr>
+        <p:sp>
+          <p:nvSpPr>
+            <p:cNvPr id="19" name="箭头2"/>
+            <p:cNvSpPr/>
+            <p:nvPr/>
+          </p:nvSpPr>
+          <p:spPr bwMode="gray">
+            <a:xfrm rot="16200000">
+              <a:off x="4404617" y="3412956"/>
+              <a:ext cx="285515" cy="720000"/>
+            </a:xfrm>
+            <a:custGeom>
+              <a:avLst/>
+              <a:gdLst>
+                <a:gd name="T0" fmla="*/ 37 w 142"/>
+                <a:gd name="T1" fmla="*/ 1 h 604"/>
+                <a:gd name="T2" fmla="*/ 45 w 142"/>
+                <a:gd name="T3" fmla="*/ 472 h 604"/>
+                <a:gd name="T4" fmla="*/ 0 w 142"/>
+                <a:gd name="T5" fmla="*/ 474 h 604"/>
+                <a:gd name="T6" fmla="*/ 72 w 142"/>
+                <a:gd name="T7" fmla="*/ 604 h 604"/>
+                <a:gd name="T8" fmla="*/ 142 w 142"/>
+                <a:gd name="T9" fmla="*/ 474 h 604"/>
+                <a:gd name="T10" fmla="*/ 100 w 142"/>
+                <a:gd name="T11" fmla="*/ 474 h 604"/>
+                <a:gd name="T12" fmla="*/ 99 w 142"/>
+                <a:gd name="T13" fmla="*/ 0 h 604"/>
+                <a:gd name="T14" fmla="*/ 37 w 142"/>
+                <a:gd name="T15" fmla="*/ 1 h 604"/>
+              </a:gdLst>
+              <a:ahLst/>
+              <a:cxnLst>
+                <a:cxn ang="0">
+                  <a:pos x="T0" y="T1"/>
+                </a:cxn>
+                <a:cxn ang="0">
+                  <a:pos x="T2" y="T3"/>
+                </a:cxn>
+                <a:cxn ang="0">
+                  <a:pos x="T4" y="T5"/>
+                </a:cxn>
+                <a:cxn ang="0">
+                  <a:pos x="T6" y="T7"/>
+                </a:cxn>
+                <a:cxn ang="0">
+                  <a:pos x="T8" y="T9"/>
+                </a:cxn>
+                <a:cxn ang="0">
+                  <a:pos x="T10" y="T11"/>
+                </a:cxn>
+                <a:cxn ang="0">
+                  <a:pos x="T12" y="T13"/>
+                </a:cxn>
+                <a:cxn ang="0">
+                  <a:pos x="T14" y="T15"/>
+                </a:cxn>
+              </a:cxnLst>
+              <a:rect l="0" t="0" r="r" b="b"/>
+              <a:pathLst>
+                <a:path w="142" h="604">
+                  <a:moveTo>
+                    <a:pt x="37" y="1"/>
+                  </a:moveTo>
+                  <a:lnTo>
+                    <a:pt x="45" y="472"/>
+                  </a:lnTo>
+                  <a:lnTo>
+                    <a:pt x="0" y="474"/>
+                  </a:lnTo>
+                  <a:lnTo>
+                    <a:pt x="72" y="604"/>
+                  </a:lnTo>
+                  <a:lnTo>
+                    <a:pt x="142" y="474"/>
+                  </a:lnTo>
+                  <a:lnTo>
+                    <a:pt x="100" y="474"/>
+                  </a:lnTo>
+                  <a:lnTo>
+                    <a:pt x="99" y="0"/>
+                  </a:lnTo>
+                  <a:lnTo>
+                    <a:pt x="37" y="1"/>
+                  </a:lnTo>
+                  <a:close/>
+                </a:path>
+              </a:pathLst>
+            </a:custGeom>
+            <a:solidFill>
+              <a:srgbClr val="660066"/>
+            </a:solidFill>
+            <a:ln>
+              <a:noFill/>
+            </a:ln>
+            <a:effectLst/>
+          </p:spPr>
+          <p:txBody>
+            <a:bodyPr wrap="none" lIns="80884" tIns="40441" rIns="80884" bIns="40441" anchor="ctr">
+              <a:noAutofit/>
+            </a:bodyPr>
+            <a:lstStyle>
+              <a:defPPr>
+                <a:defRPr lang="zh-CN"/>
+              </a:defPPr>
+              <a:lvl1pPr marL="0" algn="l" defTabSz="914400" rtl="0" eaLnBrk="1" latinLnBrk="0" hangingPunct="1">
+                <a:defRPr sz="1800" kern="1200">
+                  <a:solidFill>
+                    <a:schemeClr val="tx1"/>
+                  </a:solidFill>
+                  <a:latin typeface="+mn-lt"/>
+                  <a:ea typeface="+mn-ea"/>
+                  <a:cs typeface="+mn-cs"/>
+                </a:defRPr>
+              </a:lvl1pPr>
+              <a:lvl2pPr marL="457200" algn="l" defTabSz="914400" rtl="0" eaLnBrk="1" latinLnBrk="0" hangingPunct="1">
+                <a:defRPr sz="1800" kern="1200">
+                  <a:solidFill>
+                    <a:schemeClr val="tx1"/>
+                  </a:solidFill>
+                  <a:latin typeface="+mn-lt"/>
+                  <a:ea typeface="+mn-ea"/>
+                  <a:cs typeface="+mn-cs"/>
+                </a:defRPr>
+              </a:lvl2pPr>
+              <a:lvl3pPr marL="914400" algn="l" defTabSz="914400" rtl="0" eaLnBrk="1" latinLnBrk="0" hangingPunct="1">
+                <a:defRPr sz="1800" kern="1200">
+                  <a:solidFill>
+                    <a:schemeClr val="tx1"/>
+                  </a:solidFill>
+                  <a:latin typeface="+mn-lt"/>
+                  <a:ea typeface="+mn-ea"/>
+                  <a:cs typeface="+mn-cs"/>
+                </a:defRPr>
+              </a:lvl3pPr>
+              <a:lvl4pPr marL="1371600" algn="l" defTabSz="914400" rtl="0" eaLnBrk="1" latinLnBrk="0" hangingPunct="1">
+                <a:defRPr sz="1800" kern="1200">
+                  <a:solidFill>
+                    <a:schemeClr val="tx1"/>
+                  </a:solidFill>
+                  <a:latin typeface="+mn-lt"/>
+                  <a:ea typeface="+mn-ea"/>
+                  <a:cs typeface="+mn-cs"/>
+                </a:defRPr>
+              </a:lvl4pPr>
+              <a:lvl5pPr marL="1828800" algn="l" defTabSz="914400" rtl="0" eaLnBrk="1" latinLnBrk="0" hangingPunct="1">
+                <a:defRPr sz="1800" kern="1200">
+                  <a:solidFill>
+                    <a:schemeClr val="tx1"/>
+                  </a:solidFill>
+                  <a:latin typeface="+mn-lt"/>
+                  <a:ea typeface="+mn-ea"/>
+                  <a:cs typeface="+mn-cs"/>
+                </a:defRPr>
+              </a:lvl5pPr>
+              <a:lvl6pPr marL="2286000" algn="l" defTabSz="914400" rtl="0" eaLnBrk="1" latinLnBrk="0" hangingPunct="1">
+                <a:defRPr sz="1800" kern="1200">
+                  <a:solidFill>
+                    <a:schemeClr val="tx1"/>
+                  </a:solidFill>
+                  <a:latin typeface="+mn-lt"/>
+                  <a:ea typeface="+mn-ea"/>
+                  <a:cs typeface="+mn-cs"/>
+                </a:defRPr>
+              </a:lvl6pPr>
+              <a:lvl7pPr marL="2743200" algn="l" defTabSz="914400" rtl="0" eaLnBrk="1" latinLnBrk="0" hangingPunct="1">
+                <a:defRPr sz="1800" kern="1200">
+                  <a:solidFill>
+                    <a:schemeClr val="tx1"/>
+                  </a:solidFill>
+                  <a:latin typeface="+mn-lt"/>
+                  <a:ea typeface="+mn-ea"/>
+                  <a:cs typeface="+mn-cs"/>
+                </a:defRPr>
+              </a:lvl7pPr>
+              <a:lvl8pPr marL="3200400" algn="l" defTabSz="914400" rtl="0" eaLnBrk="1" latinLnBrk="0" hangingPunct="1">
+                <a:defRPr sz="1800" kern="1200">
+                  <a:solidFill>
+                    <a:schemeClr val="tx1"/>
+                  </a:solidFill>
+                  <a:latin typeface="+mn-lt"/>
+                  <a:ea typeface="+mn-ea"/>
+                  <a:cs typeface="+mn-cs"/>
+                </a:defRPr>
+              </a:lvl8pPr>
+              <a:lvl9pPr marL="3657600" algn="l" defTabSz="914400" rtl="0" eaLnBrk="1" latinLnBrk="0" hangingPunct="1">
+                <a:defRPr sz="1800" kern="1200">
+                  <a:solidFill>
+                    <a:schemeClr val="tx1"/>
+                  </a:solidFill>
+                  <a:latin typeface="+mn-lt"/>
+                  <a:ea typeface="+mn-ea"/>
+                  <a:cs typeface="+mn-cs"/>
+                </a:defRPr>
+              </a:lvl9pPr>
+            </a:lstStyle>
+            <a:p>
+              <a:pPr>
+                <a:defRPr/>
+              </a:pPr>
+              <a:endParaRPr lang="zh-CN" altLang="en-US" sz="1465" dirty="0">
                 <a:solidFill>
                   <a:schemeClr val="bg1"/>
                 </a:solidFill>
                 <a:latin typeface="微軟正黑體" panose="020B0604030504040204" pitchFamily="34" charset="-120"/>
                 <a:ea typeface="微軟正黑體" panose="020B0604030504040204" pitchFamily="34" charset="-120"/>
                 <a:sym typeface="Source Han Serif SC" panose="02020400000000000000" pitchFamily="18" charset="-122"/>
-              </a:rPr>
-              <a:t>RFM</a:t>
-            </a:r>
-            <a:r>
-              <a:rPr lang="zh-TW" altLang="en-US" sz="2400" b="1" dirty="0" smtClean="0">
+              </a:endParaRPr>
+            </a:p>
+          </p:txBody>
+        </p:sp>
+        <p:sp>
+          <p:nvSpPr>
+            <p:cNvPr id="25" name="椭圆 24"/>
+            <p:cNvSpPr/>
+            <p:nvPr/>
+          </p:nvSpPr>
+          <p:spPr>
+            <a:xfrm>
+              <a:off x="4983069" y="3098878"/>
+              <a:ext cx="1351271" cy="1351274"/>
+            </a:xfrm>
+            <a:prstGeom prst="ellipse">
+              <a:avLst/>
+            </a:prstGeom>
+            <a:solidFill>
+              <a:srgbClr val="660066"/>
+            </a:solidFill>
+            <a:ln w="31750">
+              <a:noFill/>
+            </a:ln>
+            <a:effectLst/>
+          </p:spPr>
+          <p:style>
+            <a:lnRef idx="2">
+              <a:schemeClr val="accent1">
+                <a:shade val="50000"/>
+              </a:schemeClr>
+            </a:lnRef>
+            <a:fillRef idx="1">
+              <a:schemeClr val="accent1"/>
+            </a:fillRef>
+            <a:effectRef idx="0">
+              <a:schemeClr val="accent1"/>
+            </a:effectRef>
+            <a:fontRef idx="minor">
+              <a:schemeClr val="lt1"/>
+            </a:fontRef>
+          </p:style>
+          <p:txBody>
+            <a:bodyPr rtlCol="0" anchor="ctr"/>
+            <a:lstStyle/>
+            <a:p>
+              <a:pPr algn="ctr">
+                <a:defRPr/>
+              </a:pPr>
+              <a:endParaRPr lang="zh-CN" altLang="en-US" sz="2665" dirty="0">
                 <a:solidFill>
                   <a:schemeClr val="bg1"/>
                 </a:solidFill>
                 <a:latin typeface="微軟正黑體" panose="020B0604030504040204" pitchFamily="34" charset="-120"/>
                 <a:ea typeface="微軟正黑體" panose="020B0604030504040204" pitchFamily="34" charset="-120"/>
                 <a:sym typeface="Source Han Serif SC" panose="02020400000000000000" pitchFamily="18" charset="-122"/>
-              </a:rPr>
-              <a:t>模型</a:t>
-            </a:r>
-            <a:endParaRPr lang="zh-CN" altLang="en-US" sz="2400" b="1" dirty="0">
+              </a:endParaRPr>
+            </a:p>
+          </p:txBody>
+        </p:sp>
+        <p:sp>
+          <p:nvSpPr>
+            <p:cNvPr id="29" name="文本框 38"/>
+            <p:cNvSpPr txBox="1"/>
+            <p:nvPr/>
+          </p:nvSpPr>
+          <p:spPr>
+            <a:xfrm>
+              <a:off x="4889832" y="3566777"/>
+              <a:ext cx="1537745" cy="415475"/>
+            </a:xfrm>
+            <a:prstGeom prst="rect">
+              <a:avLst/>
+            </a:prstGeom>
+            <a:noFill/>
+          </p:spPr>
+          <p:txBody>
+            <a:bodyPr wrap="square" rtlCol="0">
+              <a:spAutoFit/>
+            </a:bodyPr>
+            <a:lstStyle/>
+            <a:p>
+              <a:pPr algn="ctr"/>
+              <a:r>
+                <a:rPr lang="en-US" altLang="zh-TW" sz="2400" b="1" dirty="0" smtClean="0">
+                  <a:solidFill>
+                    <a:schemeClr val="bg1"/>
+                  </a:solidFill>
+                  <a:latin typeface="微軟正黑體" panose="020B0604030504040204" pitchFamily="34" charset="-120"/>
+                  <a:ea typeface="微軟正黑體" panose="020B0604030504040204" pitchFamily="34" charset="-120"/>
+                  <a:sym typeface="Source Han Serif SC" panose="02020400000000000000" pitchFamily="18" charset="-122"/>
+                </a:rPr>
+                <a:t>RFM</a:t>
+              </a:r>
+              <a:r>
+                <a:rPr lang="zh-TW" altLang="en-US" sz="2400" b="1" dirty="0" smtClean="0">
+                  <a:solidFill>
+                    <a:schemeClr val="bg1"/>
+                  </a:solidFill>
+                  <a:latin typeface="微軟正黑體" panose="020B0604030504040204" pitchFamily="34" charset="-120"/>
+                  <a:ea typeface="微軟正黑體" panose="020B0604030504040204" pitchFamily="34" charset="-120"/>
+                  <a:sym typeface="Source Han Serif SC" panose="02020400000000000000" pitchFamily="18" charset="-122"/>
+                </a:rPr>
+                <a:t>模型</a:t>
+              </a:r>
+              <a:endParaRPr lang="zh-CN" altLang="en-US" sz="2400" b="1" dirty="0">
+                <a:solidFill>
+                  <a:schemeClr val="bg1"/>
+                </a:solidFill>
+                <a:latin typeface="微軟正黑體" panose="020B0604030504040204" pitchFamily="34" charset="-120"/>
+                <a:ea typeface="微軟正黑體" panose="020B0604030504040204" pitchFamily="34" charset="-120"/>
+                <a:sym typeface="Source Han Serif SC" panose="02020400000000000000" pitchFamily="18" charset="-122"/>
+              </a:endParaRPr>
+            </a:p>
+          </p:txBody>
+        </p:sp>
+        <p:pic>
+          <p:nvPicPr>
+            <p:cNvPr id="2" name="圖片 1"/>
+            <p:cNvPicPr>
+              <a:picLocks noChangeAspect="1"/>
+            </p:cNvPicPr>
+            <p:nvPr/>
+          </p:nvPicPr>
+          <p:blipFill>
+            <a:blip r:embed="rId3">
+              <a:extLst>
+                <a:ext uri="{28A0092B-C50C-407E-A947-70E740481C1C}">
+                  <a14:useLocalDpi xmlns:a14="http://schemas.microsoft.com/office/drawing/2010/main" val="0"/>
+                </a:ext>
+              </a:extLst>
+            </a:blip>
+            <a:stretch>
+              <a:fillRect/>
+            </a:stretch>
+          </p:blipFill>
+          <p:spPr>
+            <a:xfrm>
+              <a:off x="7193539" y="2123914"/>
+              <a:ext cx="4886739" cy="3301197"/>
+            </a:xfrm>
+            <a:prstGeom prst="rect">
+              <a:avLst/>
+            </a:prstGeom>
+            <a:ln>
               <a:solidFill>
-                <a:schemeClr val="bg1"/>
+                <a:schemeClr val="bg2">
+                  <a:lumMod val="75000"/>
+                </a:schemeClr>
               </a:solidFill>
-              <a:latin typeface="微軟正黑體" panose="020B0604030504040204" pitchFamily="34" charset="-120"/>
-              <a:ea typeface="微軟正黑體" panose="020B0604030504040204" pitchFamily="34" charset="-120"/>
-              <a:sym typeface="Source Han Serif SC" panose="02020400000000000000" pitchFamily="18" charset="-122"/>
-            </a:endParaRPr>
-          </a:p>
-        </p:txBody>
-      </p:sp>
-      <p:pic>
-        <p:nvPicPr>
-          <p:cNvPr id="2" name="圖片 1"/>
-          <p:cNvPicPr>
-            <a:picLocks noChangeAspect="1"/>
-          </p:cNvPicPr>
-          <p:nvPr/>
-        </p:nvPicPr>
-        <p:blipFill>
-          <a:blip r:embed="rId3">
-            <a:extLst>
-              <a:ext uri="{28A0092B-C50C-407E-A947-70E740481C1C}">
-                <a14:useLocalDpi xmlns:a14="http://schemas.microsoft.com/office/drawing/2010/main" val="0"/>
-              </a:ext>
-            </a:extLst>
-          </a:blip>
-          <a:stretch>
-            <a:fillRect/>
-          </a:stretch>
-        </p:blipFill>
-        <p:spPr>
-          <a:xfrm>
-            <a:off x="7193539" y="2123914"/>
-            <a:ext cx="4886739" cy="3301197"/>
-          </a:xfrm>
-          <a:prstGeom prst="rect">
-            <a:avLst/>
-          </a:prstGeom>
-          <a:ln>
+            </a:ln>
+          </p:spPr>
+        </p:pic>
+        <p:sp>
+          <p:nvSpPr>
+            <p:cNvPr id="26" name="箭头2"/>
+            <p:cNvSpPr/>
+            <p:nvPr/>
+          </p:nvSpPr>
+          <p:spPr bwMode="gray">
+            <a:xfrm rot="16200000">
+              <a:off x="6633746" y="3414511"/>
+              <a:ext cx="285515" cy="720000"/>
+            </a:xfrm>
+            <a:custGeom>
+              <a:avLst/>
+              <a:gdLst>
+                <a:gd name="T0" fmla="*/ 37 w 142"/>
+                <a:gd name="T1" fmla="*/ 1 h 604"/>
+                <a:gd name="T2" fmla="*/ 45 w 142"/>
+                <a:gd name="T3" fmla="*/ 472 h 604"/>
+                <a:gd name="T4" fmla="*/ 0 w 142"/>
+                <a:gd name="T5" fmla="*/ 474 h 604"/>
+                <a:gd name="T6" fmla="*/ 72 w 142"/>
+                <a:gd name="T7" fmla="*/ 604 h 604"/>
+                <a:gd name="T8" fmla="*/ 142 w 142"/>
+                <a:gd name="T9" fmla="*/ 474 h 604"/>
+                <a:gd name="T10" fmla="*/ 100 w 142"/>
+                <a:gd name="T11" fmla="*/ 474 h 604"/>
+                <a:gd name="T12" fmla="*/ 99 w 142"/>
+                <a:gd name="T13" fmla="*/ 0 h 604"/>
+                <a:gd name="T14" fmla="*/ 37 w 142"/>
+                <a:gd name="T15" fmla="*/ 1 h 604"/>
+              </a:gdLst>
+              <a:ahLst/>
+              <a:cxnLst>
+                <a:cxn ang="0">
+                  <a:pos x="T0" y="T1"/>
+                </a:cxn>
+                <a:cxn ang="0">
+                  <a:pos x="T2" y="T3"/>
+                </a:cxn>
+                <a:cxn ang="0">
+                  <a:pos x="T4" y="T5"/>
+                </a:cxn>
+                <a:cxn ang="0">
+                  <a:pos x="T6" y="T7"/>
+                </a:cxn>
+                <a:cxn ang="0">
+                  <a:pos x="T8" y="T9"/>
+                </a:cxn>
+                <a:cxn ang="0">
+                  <a:pos x="T10" y="T11"/>
+                </a:cxn>
+                <a:cxn ang="0">
+                  <a:pos x="T12" y="T13"/>
+                </a:cxn>
+                <a:cxn ang="0">
+                  <a:pos x="T14" y="T15"/>
+                </a:cxn>
+              </a:cxnLst>
+              <a:rect l="0" t="0" r="r" b="b"/>
+              <a:pathLst>
+                <a:path w="142" h="604">
+                  <a:moveTo>
+                    <a:pt x="37" y="1"/>
+                  </a:moveTo>
+                  <a:lnTo>
+                    <a:pt x="45" y="472"/>
+                  </a:lnTo>
+                  <a:lnTo>
+                    <a:pt x="0" y="474"/>
+                  </a:lnTo>
+                  <a:lnTo>
+                    <a:pt x="72" y="604"/>
+                  </a:lnTo>
+                  <a:lnTo>
+                    <a:pt x="142" y="474"/>
+                  </a:lnTo>
+                  <a:lnTo>
+                    <a:pt x="100" y="474"/>
+                  </a:lnTo>
+                  <a:lnTo>
+                    <a:pt x="99" y="0"/>
+                  </a:lnTo>
+                  <a:lnTo>
+                    <a:pt x="37" y="1"/>
+                  </a:lnTo>
+                  <a:close/>
+                </a:path>
+              </a:pathLst>
+            </a:custGeom>
             <a:solidFill>
-              <a:schemeClr val="bg2">
-                <a:lumMod val="75000"/>
-              </a:schemeClr>
+              <a:srgbClr val="660066"/>
             </a:solidFill>
-          </a:ln>
-        </p:spPr>
-      </p:pic>
-      <p:sp>
-        <p:nvSpPr>
-          <p:cNvPr id="26" name="箭头2"/>
-          <p:cNvSpPr/>
-          <p:nvPr/>
-        </p:nvSpPr>
-        <p:spPr bwMode="gray">
-          <a:xfrm rot="16200000">
-            <a:off x="6633746" y="3414511"/>
-            <a:ext cx="285515" cy="720000"/>
-          </a:xfrm>
-          <a:custGeom>
-            <a:avLst/>
-            <a:gdLst>
-              <a:gd name="T0" fmla="*/ 37 w 142"/>
-              <a:gd name="T1" fmla="*/ 1 h 604"/>
-              <a:gd name="T2" fmla="*/ 45 w 142"/>
-              <a:gd name="T3" fmla="*/ 472 h 604"/>
-              <a:gd name="T4" fmla="*/ 0 w 142"/>
-              <a:gd name="T5" fmla="*/ 474 h 604"/>
-              <a:gd name="T6" fmla="*/ 72 w 142"/>
-              <a:gd name="T7" fmla="*/ 604 h 604"/>
-              <a:gd name="T8" fmla="*/ 142 w 142"/>
-              <a:gd name="T9" fmla="*/ 474 h 604"/>
-              <a:gd name="T10" fmla="*/ 100 w 142"/>
-              <a:gd name="T11" fmla="*/ 474 h 604"/>
-              <a:gd name="T12" fmla="*/ 99 w 142"/>
-              <a:gd name="T13" fmla="*/ 0 h 604"/>
-              <a:gd name="T14" fmla="*/ 37 w 142"/>
-              <a:gd name="T15" fmla="*/ 1 h 604"/>
-            </a:gdLst>
-            <a:ahLst/>
-            <a:cxnLst>
-              <a:cxn ang="0">
-                <a:pos x="T0" y="T1"/>
-              </a:cxn>
-              <a:cxn ang="0">
-                <a:pos x="T2" y="T3"/>
-              </a:cxn>
-              <a:cxn ang="0">
-                <a:pos x="T4" y="T5"/>
-              </a:cxn>
-              <a:cxn ang="0">
-                <a:pos x="T6" y="T7"/>
-              </a:cxn>
-              <a:cxn ang="0">
-                <a:pos x="T8" y="T9"/>
-              </a:cxn>
-              <a:cxn ang="0">
-                <a:pos x="T10" y="T11"/>
-              </a:cxn>
-              <a:cxn ang="0">
-                <a:pos x="T12" y="T13"/>
-              </a:cxn>
-              <a:cxn ang="0">
-                <a:pos x="T14" y="T15"/>
-              </a:cxn>
-            </a:cxnLst>
-            <a:rect l="0" t="0" r="r" b="b"/>
-            <a:pathLst>
-              <a:path w="142" h="604">
-                <a:moveTo>
-                  <a:pt x="37" y="1"/>
-                </a:moveTo>
-                <a:lnTo>
-                  <a:pt x="45" y="472"/>
-                </a:lnTo>
-                <a:lnTo>
-                  <a:pt x="0" y="474"/>
-                </a:lnTo>
-                <a:lnTo>
-                  <a:pt x="72" y="604"/>
-                </a:lnTo>
-                <a:lnTo>
-                  <a:pt x="142" y="474"/>
-                </a:lnTo>
-                <a:lnTo>
-                  <a:pt x="100" y="474"/>
-                </a:lnTo>
-                <a:lnTo>
-                  <a:pt x="99" y="0"/>
-                </a:lnTo>
-                <a:lnTo>
-                  <a:pt x="37" y="1"/>
-                </a:lnTo>
-                <a:close/>
-              </a:path>
-            </a:pathLst>
-          </a:custGeom>
-          <a:solidFill>
-            <a:srgbClr val="660066"/>
-          </a:solidFill>
-          <a:ln>
+            <a:ln>
+              <a:noFill/>
+            </a:ln>
+            <a:effectLst/>
+          </p:spPr>
+          <p:txBody>
+            <a:bodyPr wrap="none" lIns="80884" tIns="40441" rIns="80884" bIns="40441" anchor="ctr">
+              <a:noAutofit/>
+            </a:bodyPr>
+            <a:lstStyle>
+              <a:defPPr>
+                <a:defRPr lang="zh-CN"/>
+              </a:defPPr>
+              <a:lvl1pPr marL="0" algn="l" defTabSz="914400" rtl="0" eaLnBrk="1" latinLnBrk="0" hangingPunct="1">
+                <a:defRPr sz="1800" kern="1200">
+                  <a:solidFill>
+                    <a:schemeClr val="tx1"/>
+                  </a:solidFill>
+                  <a:latin typeface="+mn-lt"/>
+                  <a:ea typeface="+mn-ea"/>
+                  <a:cs typeface="+mn-cs"/>
+                </a:defRPr>
+              </a:lvl1pPr>
+              <a:lvl2pPr marL="457200" algn="l" defTabSz="914400" rtl="0" eaLnBrk="1" latinLnBrk="0" hangingPunct="1">
+                <a:defRPr sz="1800" kern="1200">
+                  <a:solidFill>
+                    <a:schemeClr val="tx1"/>
+                  </a:solidFill>
+                  <a:latin typeface="+mn-lt"/>
+                  <a:ea typeface="+mn-ea"/>
+                  <a:cs typeface="+mn-cs"/>
+                </a:defRPr>
+              </a:lvl2pPr>
+              <a:lvl3pPr marL="914400" algn="l" defTabSz="914400" rtl="0" eaLnBrk="1" latinLnBrk="0" hangingPunct="1">
+                <a:defRPr sz="1800" kern="1200">
+                  <a:solidFill>
+                    <a:schemeClr val="tx1"/>
+                  </a:solidFill>
+                  <a:latin typeface="+mn-lt"/>
+                  <a:ea typeface="+mn-ea"/>
+                  <a:cs typeface="+mn-cs"/>
+                </a:defRPr>
+              </a:lvl3pPr>
+              <a:lvl4pPr marL="1371600" algn="l" defTabSz="914400" rtl="0" eaLnBrk="1" latinLnBrk="0" hangingPunct="1">
+                <a:defRPr sz="1800" kern="1200">
+                  <a:solidFill>
+                    <a:schemeClr val="tx1"/>
+                  </a:solidFill>
+                  <a:latin typeface="+mn-lt"/>
+                  <a:ea typeface="+mn-ea"/>
+                  <a:cs typeface="+mn-cs"/>
+                </a:defRPr>
+              </a:lvl4pPr>
+              <a:lvl5pPr marL="1828800" algn="l" defTabSz="914400" rtl="0" eaLnBrk="1" latinLnBrk="0" hangingPunct="1">
+                <a:defRPr sz="1800" kern="1200">
+                  <a:solidFill>
+                    <a:schemeClr val="tx1"/>
+                  </a:solidFill>
+                  <a:latin typeface="+mn-lt"/>
+                  <a:ea typeface="+mn-ea"/>
+                  <a:cs typeface="+mn-cs"/>
+                </a:defRPr>
+              </a:lvl5pPr>
+              <a:lvl6pPr marL="2286000" algn="l" defTabSz="914400" rtl="0" eaLnBrk="1" latinLnBrk="0" hangingPunct="1">
+                <a:defRPr sz="1800" kern="1200">
+                  <a:solidFill>
+                    <a:schemeClr val="tx1"/>
+                  </a:solidFill>
+                  <a:latin typeface="+mn-lt"/>
+                  <a:ea typeface="+mn-ea"/>
+                  <a:cs typeface="+mn-cs"/>
+                </a:defRPr>
+              </a:lvl6pPr>
+              <a:lvl7pPr marL="2743200" algn="l" defTabSz="914400" rtl="0" eaLnBrk="1" latinLnBrk="0" hangingPunct="1">
+                <a:defRPr sz="1800" kern="1200">
+                  <a:solidFill>
+                    <a:schemeClr val="tx1"/>
+                  </a:solidFill>
+                  <a:latin typeface="+mn-lt"/>
+                  <a:ea typeface="+mn-ea"/>
+                  <a:cs typeface="+mn-cs"/>
+                </a:defRPr>
+              </a:lvl7pPr>
+              <a:lvl8pPr marL="3200400" algn="l" defTabSz="914400" rtl="0" eaLnBrk="1" latinLnBrk="0" hangingPunct="1">
+                <a:defRPr sz="1800" kern="1200">
+                  <a:solidFill>
+                    <a:schemeClr val="tx1"/>
+                  </a:solidFill>
+                  <a:latin typeface="+mn-lt"/>
+                  <a:ea typeface="+mn-ea"/>
+                  <a:cs typeface="+mn-cs"/>
+                </a:defRPr>
+              </a:lvl8pPr>
+              <a:lvl9pPr marL="3657600" algn="l" defTabSz="914400" rtl="0" eaLnBrk="1" latinLnBrk="0" hangingPunct="1">
+                <a:defRPr sz="1800" kern="1200">
+                  <a:solidFill>
+                    <a:schemeClr val="tx1"/>
+                  </a:solidFill>
+                  <a:latin typeface="+mn-lt"/>
+                  <a:ea typeface="+mn-ea"/>
+                  <a:cs typeface="+mn-cs"/>
+                </a:defRPr>
+              </a:lvl9pPr>
+            </a:lstStyle>
+            <a:p>
+              <a:pPr>
+                <a:defRPr/>
+              </a:pPr>
+              <a:endParaRPr lang="zh-CN" altLang="en-US" sz="1465" dirty="0">
+                <a:solidFill>
+                  <a:schemeClr val="bg1"/>
+                </a:solidFill>
+                <a:latin typeface="微軟正黑體" panose="020B0604030504040204" pitchFamily="34" charset="-120"/>
+                <a:ea typeface="微軟正黑體" panose="020B0604030504040204" pitchFamily="34" charset="-120"/>
+                <a:sym typeface="Source Han Serif SC" panose="02020400000000000000" pitchFamily="18" charset="-122"/>
+              </a:endParaRPr>
+            </a:p>
+          </p:txBody>
+        </p:sp>
+        <p:pic>
+          <p:nvPicPr>
+            <p:cNvPr id="27" name="圖片 26"/>
+            <p:cNvPicPr>
+              <a:picLocks noChangeAspect="1"/>
+            </p:cNvPicPr>
+            <p:nvPr/>
+          </p:nvPicPr>
+          <p:blipFill rotWithShape="1">
+            <a:blip r:embed="rId4" cstate="hqprint">
+              <a:extLst>
+                <a:ext uri="{28A0092B-C50C-407E-A947-70E740481C1C}">
+                  <a14:useLocalDpi xmlns:a14="http://schemas.microsoft.com/office/drawing/2010/main" val="0"/>
+                </a:ext>
+              </a:extLst>
+            </a:blip>
+            <a:srcRect l="38963" r="1"/>
+            <a:stretch/>
+          </p:blipFill>
+          <p:spPr>
+            <a:xfrm>
+              <a:off x="321445" y="1531360"/>
+              <a:ext cx="3768570" cy="4471570"/>
+            </a:xfrm>
+            <a:prstGeom prst="rect">
+              <a:avLst/>
+            </a:prstGeom>
+          </p:spPr>
+        </p:pic>
+        <p:sp>
+          <p:nvSpPr>
+            <p:cNvPr id="4" name="文字方塊 3"/>
+            <p:cNvSpPr txBox="1"/>
+            <p:nvPr/>
+          </p:nvSpPr>
+          <p:spPr>
+            <a:xfrm>
+              <a:off x="1190067" y="6099242"/>
+              <a:ext cx="2031325" cy="369332"/>
+            </a:xfrm>
+            <a:prstGeom prst="rect">
+              <a:avLst/>
+            </a:prstGeom>
             <a:noFill/>
-          </a:ln>
-          <a:effectLst/>
-        </p:spPr>
-        <p:txBody>
-          <a:bodyPr wrap="none" lIns="80884" tIns="40441" rIns="80884" bIns="40441" anchor="ctr">
-            <a:noAutofit/>
-          </a:bodyPr>
-          <a:lstStyle>
-            <a:defPPr>
-              <a:defRPr lang="zh-CN"/>
-            </a:defPPr>
-            <a:lvl1pPr marL="0" algn="l" defTabSz="914400" rtl="0" eaLnBrk="1" latinLnBrk="0" hangingPunct="1">
-              <a:defRPr sz="1800" kern="1200">
-                <a:solidFill>
-                  <a:schemeClr val="tx1"/>
-                </a:solidFill>
-                <a:latin typeface="+mn-lt"/>
-                <a:ea typeface="+mn-ea"/>
-                <a:cs typeface="+mn-cs"/>
-              </a:defRPr>
-            </a:lvl1pPr>
-            <a:lvl2pPr marL="457200" algn="l" defTabSz="914400" rtl="0" eaLnBrk="1" latinLnBrk="0" hangingPunct="1">
-              <a:defRPr sz="1800" kern="1200">
-                <a:solidFill>
-                  <a:schemeClr val="tx1"/>
-                </a:solidFill>
-                <a:latin typeface="+mn-lt"/>
-                <a:ea typeface="+mn-ea"/>
-                <a:cs typeface="+mn-cs"/>
-              </a:defRPr>
-            </a:lvl2pPr>
-            <a:lvl3pPr marL="914400" algn="l" defTabSz="914400" rtl="0" eaLnBrk="1" latinLnBrk="0" hangingPunct="1">
-              <a:defRPr sz="1800" kern="1200">
-                <a:solidFill>
-                  <a:schemeClr val="tx1"/>
-                </a:solidFill>
-                <a:latin typeface="+mn-lt"/>
-                <a:ea typeface="+mn-ea"/>
-                <a:cs typeface="+mn-cs"/>
-              </a:defRPr>
-            </a:lvl3pPr>
-            <a:lvl4pPr marL="1371600" algn="l" defTabSz="914400" rtl="0" eaLnBrk="1" latinLnBrk="0" hangingPunct="1">
-              <a:defRPr sz="1800" kern="1200">
-                <a:solidFill>
-                  <a:schemeClr val="tx1"/>
-                </a:solidFill>
-                <a:latin typeface="+mn-lt"/>
-                <a:ea typeface="+mn-ea"/>
-                <a:cs typeface="+mn-cs"/>
-              </a:defRPr>
-            </a:lvl4pPr>
-            <a:lvl5pPr marL="1828800" algn="l" defTabSz="914400" rtl="0" eaLnBrk="1" latinLnBrk="0" hangingPunct="1">
-              <a:defRPr sz="1800" kern="1200">
-                <a:solidFill>
-                  <a:schemeClr val="tx1"/>
-                </a:solidFill>
-                <a:latin typeface="+mn-lt"/>
-                <a:ea typeface="+mn-ea"/>
-                <a:cs typeface="+mn-cs"/>
-              </a:defRPr>
-            </a:lvl5pPr>
-            <a:lvl6pPr marL="2286000" algn="l" defTabSz="914400" rtl="0" eaLnBrk="1" latinLnBrk="0" hangingPunct="1">
-              <a:defRPr sz="1800" kern="1200">
-                <a:solidFill>
-                  <a:schemeClr val="tx1"/>
-                </a:solidFill>
-                <a:latin typeface="+mn-lt"/>
-                <a:ea typeface="+mn-ea"/>
-                <a:cs typeface="+mn-cs"/>
-              </a:defRPr>
-            </a:lvl6pPr>
-            <a:lvl7pPr marL="2743200" algn="l" defTabSz="914400" rtl="0" eaLnBrk="1" latinLnBrk="0" hangingPunct="1">
-              <a:defRPr sz="1800" kern="1200">
-                <a:solidFill>
-                  <a:schemeClr val="tx1"/>
-                </a:solidFill>
-                <a:latin typeface="+mn-lt"/>
-                <a:ea typeface="+mn-ea"/>
-                <a:cs typeface="+mn-cs"/>
-              </a:defRPr>
-            </a:lvl7pPr>
-            <a:lvl8pPr marL="3200400" algn="l" defTabSz="914400" rtl="0" eaLnBrk="1" latinLnBrk="0" hangingPunct="1">
-              <a:defRPr sz="1800" kern="1200">
-                <a:solidFill>
-                  <a:schemeClr val="tx1"/>
-                </a:solidFill>
-                <a:latin typeface="+mn-lt"/>
-                <a:ea typeface="+mn-ea"/>
-                <a:cs typeface="+mn-cs"/>
-              </a:defRPr>
-            </a:lvl8pPr>
-            <a:lvl9pPr marL="3657600" algn="l" defTabSz="914400" rtl="0" eaLnBrk="1" latinLnBrk="0" hangingPunct="1">
-              <a:defRPr sz="1800" kern="1200">
-                <a:solidFill>
-                  <a:schemeClr val="tx1"/>
-                </a:solidFill>
-                <a:latin typeface="+mn-lt"/>
-                <a:ea typeface="+mn-ea"/>
-                <a:cs typeface="+mn-cs"/>
-              </a:defRPr>
-            </a:lvl9pPr>
-          </a:lstStyle>
-          <a:p>
-            <a:pPr>
-              <a:defRPr/>
-            </a:pPr>
-            <a:endParaRPr lang="zh-CN" altLang="en-US" sz="1465" dirty="0">
-              <a:solidFill>
-                <a:schemeClr val="bg1"/>
-              </a:solidFill>
-              <a:latin typeface="微軟正黑體" panose="020B0604030504040204" pitchFamily="34" charset="-120"/>
-              <a:ea typeface="微軟正黑體" panose="020B0604030504040204" pitchFamily="34" charset="-120"/>
-              <a:sym typeface="Source Han Serif SC" panose="02020400000000000000" pitchFamily="18" charset="-122"/>
-            </a:endParaRPr>
-          </a:p>
-        </p:txBody>
-      </p:sp>
-      <p:pic>
-        <p:nvPicPr>
-          <p:cNvPr id="27" name="圖片 26"/>
-          <p:cNvPicPr>
-            <a:picLocks noChangeAspect="1"/>
-          </p:cNvPicPr>
-          <p:nvPr/>
-        </p:nvPicPr>
-        <p:blipFill rotWithShape="1">
-          <a:blip r:embed="rId4" cstate="hqprint">
-            <a:extLst>
-              <a:ext uri="{28A0092B-C50C-407E-A947-70E740481C1C}">
-                <a14:useLocalDpi xmlns:a14="http://schemas.microsoft.com/office/drawing/2010/main" val="0"/>
-              </a:ext>
-            </a:extLst>
-          </a:blip>
-          <a:srcRect l="38963" r="1"/>
-          <a:stretch/>
-        </p:blipFill>
-        <p:spPr>
-          <a:xfrm>
-            <a:off x="321445" y="1531360"/>
-            <a:ext cx="3768570" cy="4471570"/>
-          </a:xfrm>
-          <a:prstGeom prst="rect">
-            <a:avLst/>
-          </a:prstGeom>
-        </p:spPr>
-      </p:pic>
+          </p:spPr>
+          <p:txBody>
+            <a:bodyPr wrap="none" rtlCol="0">
+              <a:spAutoFit/>
+            </a:bodyPr>
+            <a:lstStyle/>
+            <a:p>
+              <a:r>
+                <a:rPr lang="zh-TW" altLang="en-US" dirty="0" smtClean="0">
+                  <a:latin typeface="微軟正黑體" panose="020B0604030504040204" pitchFamily="34" charset="-120"/>
+                  <a:ea typeface="微軟正黑體" panose="020B0604030504040204" pitchFamily="34" charset="-120"/>
+                </a:rPr>
+                <a:t>記錄學生觀片</a:t>
+              </a:r>
+              <a:r>
+                <a:rPr lang="zh-TW" altLang="en-US" dirty="0">
+                  <a:latin typeface="微軟正黑體" panose="020B0604030504040204" pitchFamily="34" charset="-120"/>
+                  <a:ea typeface="微軟正黑體" panose="020B0604030504040204" pitchFamily="34" charset="-120"/>
+                </a:rPr>
+                <a:t>行為</a:t>
+              </a:r>
+            </a:p>
+          </p:txBody>
+        </p:sp>
+      </p:grpSp>
     </p:spTree>
     <p:extLst>
       <p:ext uri="{BB962C8B-B14F-4D97-AF65-F5344CB8AC3E}">
@@ -6988,7 +7018,7 @@
                                           </p:stCondLst>
                                         </p:cTn>
                                         <p:tgtEl>
-                                          <p:spTgt spid="2"/>
+                                          <p:spTgt spid="5"/>
                                         </p:tgtEl>
                                         <p:attrNameLst>
                                           <p:attrName>style.visibility</p:attrName>
@@ -7002,7 +7032,7 @@
                                       <p:cBhvr>
                                         <p:cTn id="12" dur="500" fill="hold"/>
                                         <p:tgtEl>
-                                          <p:spTgt spid="2"/>
+                                          <p:spTgt spid="5"/>
                                         </p:tgtEl>
                                         <p:attrNameLst>
                                           <p:attrName>ppt_w</p:attrName>
@@ -7025,7 +7055,7 @@
                                       <p:cBhvr>
                                         <p:cTn id="13" dur="500" fill="hold"/>
                                         <p:tgtEl>
-                                          <p:spTgt spid="2"/>
+                                          <p:spTgt spid="5"/>
                                         </p:tgtEl>
                                         <p:attrNameLst>
                                           <p:attrName>ppt_h</p:attrName>
@@ -7048,7 +7078,7 @@
                                       <p:cBhvr>
                                         <p:cTn id="14" dur="500"/>
                                         <p:tgtEl>
-                                          <p:spTgt spid="2"/>
+                                          <p:spTgt spid="5"/>
                                         </p:tgtEl>
                                       </p:cBhvr>
                                     </p:animEffect>
@@ -7585,6 +7615,29 @@
           </p:spPr>
         </p:pic>
       </p:grpSp>
+      <p:sp>
+        <p:nvSpPr>
+          <p:cNvPr id="2" name="投影片編號版面配置區 1"/>
+          <p:cNvSpPr>
+            <a:spLocks noGrp="1"/>
+          </p:cNvSpPr>
+          <p:nvPr>
+            <p:ph type="sldNum" sz="quarter" idx="12"/>
+          </p:nvPr>
+        </p:nvSpPr>
+        <p:spPr/>
+        <p:txBody>
+          <a:bodyPr/>
+          <a:lstStyle/>
+          <a:p>
+            <a:fld id="{C216DB24-B25B-49D7-A066-6E012C0AC9EA}" type="slidenum">
+              <a:rPr lang="zh-CN" altLang="en-US" smtClean="0"/>
+              <a:t>11</a:t>
+            </a:fld>
+            <a:endParaRPr lang="zh-CN" altLang="en-US"/>
+          </a:p>
+        </p:txBody>
+      </p:sp>
     </p:spTree>
     <p:extLst>
       <p:ext uri="{BB962C8B-B14F-4D97-AF65-F5344CB8AC3E}">
@@ -9597,6 +9650,29 @@
           </p:txBody>
         </p:sp>
       </p:grpSp>
+      <p:sp>
+        <p:nvSpPr>
+          <p:cNvPr id="5" name="投影片編號版面配置區 4"/>
+          <p:cNvSpPr>
+            <a:spLocks noGrp="1"/>
+          </p:cNvSpPr>
+          <p:nvPr>
+            <p:ph type="sldNum" sz="quarter" idx="12"/>
+          </p:nvPr>
+        </p:nvSpPr>
+        <p:spPr/>
+        <p:txBody>
+          <a:bodyPr/>
+          <a:lstStyle/>
+          <a:p>
+            <a:fld id="{C216DB24-B25B-49D7-A066-6E012C0AC9EA}" type="slidenum">
+              <a:rPr lang="zh-CN" altLang="en-US" smtClean="0"/>
+              <a:t>12</a:t>
+            </a:fld>
+            <a:endParaRPr lang="zh-CN" altLang="en-US"/>
+          </a:p>
+        </p:txBody>
+      </p:sp>
     </p:spTree>
     <p:extLst>
       <p:ext uri="{BB962C8B-B14F-4D97-AF65-F5344CB8AC3E}">
@@ -11984,6 +12060,29 @@
           </p:sp>
         </mc:Fallback>
       </mc:AlternateContent>
+      <p:sp>
+        <p:nvSpPr>
+          <p:cNvPr id="2" name="投影片編號版面配置區 1"/>
+          <p:cNvSpPr>
+            <a:spLocks noGrp="1"/>
+          </p:cNvSpPr>
+          <p:nvPr>
+            <p:ph type="sldNum" sz="quarter" idx="12"/>
+          </p:nvPr>
+        </p:nvSpPr>
+        <p:spPr/>
+        <p:txBody>
+          <a:bodyPr/>
+          <a:lstStyle/>
+          <a:p>
+            <a:fld id="{C216DB24-B25B-49D7-A066-6E012C0AC9EA}" type="slidenum">
+              <a:rPr lang="zh-CN" altLang="en-US" smtClean="0"/>
+              <a:t>13</a:t>
+            </a:fld>
+            <a:endParaRPr lang="zh-CN" altLang="en-US"/>
+          </a:p>
+        </p:txBody>
+      </p:sp>
     </p:spTree>
     <p:extLst>
       <p:ext uri="{BB962C8B-B14F-4D97-AF65-F5344CB8AC3E}">
@@ -12579,392 +12678,9 @@
   <p:timing>
     <p:tnLst>
       <p:par>
-        <p:cTn id="1" dur="indefinite" restart="never" nodeType="tmRoot">
-          <p:childTnLst>
-            <p:seq concurrent="1" nextAc="seek">
-              <p:cTn id="2" dur="indefinite" nodeType="mainSeq">
-                <p:childTnLst>
-                  <p:par>
-                    <p:cTn id="3" fill="hold">
-                      <p:stCondLst>
-                        <p:cond delay="indefinite"/>
-                        <p:cond evt="onBegin" delay="0">
-                          <p:tn val="2"/>
-                        </p:cond>
-                      </p:stCondLst>
-                      <p:childTnLst>
-                        <p:par>
-                          <p:cTn id="4" fill="hold">
-                            <p:stCondLst>
-                              <p:cond delay="0"/>
-                            </p:stCondLst>
-                            <p:childTnLst>
-                              <p:par>
-                                <p:cTn id="5" presetID="53" presetClass="entr" presetSubtype="16" fill="hold" grpId="0" nodeType="afterEffect">
-                                  <p:stCondLst>
-                                    <p:cond delay="0"/>
-                                  </p:stCondLst>
-                                  <p:childTnLst>
-                                    <p:set>
-                                      <p:cBhvr>
-                                        <p:cTn id="6" dur="1" fill="hold">
-                                          <p:stCondLst>
-                                            <p:cond delay="0"/>
-                                          </p:stCondLst>
-                                        </p:cTn>
-                                        <p:tgtEl>
-                                          <p:spTgt spid="2"/>
-                                        </p:tgtEl>
-                                        <p:attrNameLst>
-                                          <p:attrName>style.visibility</p:attrName>
-                                        </p:attrNameLst>
-                                      </p:cBhvr>
-                                      <p:to>
-                                        <p:strVal val="visible"/>
-                                      </p:to>
-                                    </p:set>
-                                    <p:anim calcmode="lin" valueType="num">
-                                      <p:cBhvr>
-                                        <p:cTn id="7" dur="500" fill="hold"/>
-                                        <p:tgtEl>
-                                          <p:spTgt spid="2"/>
-                                        </p:tgtEl>
-                                        <p:attrNameLst>
-                                          <p:attrName>ppt_w</p:attrName>
-                                        </p:attrNameLst>
-                                      </p:cBhvr>
-                                      <p:tavLst>
-                                        <p:tav tm="0">
-                                          <p:val>
-                                            <p:fltVal val="0"/>
-                                          </p:val>
-                                        </p:tav>
-                                        <p:tav tm="100000">
-                                          <p:val>
-                                            <p:strVal val="#ppt_w"/>
-                                          </p:val>
-                                        </p:tav>
-                                      </p:tavLst>
-                                    </p:anim>
-                                    <p:anim calcmode="lin" valueType="num">
-                                      <p:cBhvr>
-                                        <p:cTn id="8" dur="500" fill="hold"/>
-                                        <p:tgtEl>
-                                          <p:spTgt spid="2"/>
-                                        </p:tgtEl>
-                                        <p:attrNameLst>
-                                          <p:attrName>ppt_h</p:attrName>
-                                        </p:attrNameLst>
-                                      </p:cBhvr>
-                                      <p:tavLst>
-                                        <p:tav tm="0">
-                                          <p:val>
-                                            <p:fltVal val="0"/>
-                                          </p:val>
-                                        </p:tav>
-                                        <p:tav tm="100000">
-                                          <p:val>
-                                            <p:strVal val="#ppt_h"/>
-                                          </p:val>
-                                        </p:tav>
-                                      </p:tavLst>
-                                    </p:anim>
-                                    <p:animEffect transition="in" filter="fade">
-                                      <p:cBhvr>
-                                        <p:cTn id="9" dur="500"/>
-                                        <p:tgtEl>
-                                          <p:spTgt spid="2"/>
-                                        </p:tgtEl>
-                                      </p:cBhvr>
-                                    </p:animEffect>
-                                  </p:childTnLst>
-                                </p:cTn>
-                              </p:par>
-                              <p:par>
-                                <p:cTn id="10" presetID="53" presetClass="entr" presetSubtype="16" fill="hold" grpId="0" nodeType="withEffect">
-                                  <p:stCondLst>
-                                    <p:cond delay="0"/>
-                                  </p:stCondLst>
-                                  <p:childTnLst>
-                                    <p:set>
-                                      <p:cBhvr>
-                                        <p:cTn id="11" dur="1" fill="hold">
-                                          <p:stCondLst>
-                                            <p:cond delay="0"/>
-                                          </p:stCondLst>
-                                        </p:cTn>
-                                        <p:tgtEl>
-                                          <p:spTgt spid="3"/>
-                                        </p:tgtEl>
-                                        <p:attrNameLst>
-                                          <p:attrName>style.visibility</p:attrName>
-                                        </p:attrNameLst>
-                                      </p:cBhvr>
-                                      <p:to>
-                                        <p:strVal val="visible"/>
-                                      </p:to>
-                                    </p:set>
-                                    <p:anim calcmode="lin" valueType="num">
-                                      <p:cBhvr>
-                                        <p:cTn id="12" dur="500" fill="hold"/>
-                                        <p:tgtEl>
-                                          <p:spTgt spid="3"/>
-                                        </p:tgtEl>
-                                        <p:attrNameLst>
-                                          <p:attrName>ppt_w</p:attrName>
-                                        </p:attrNameLst>
-                                      </p:cBhvr>
-                                      <p:tavLst>
-                                        <p:tav tm="0">
-                                          <p:val>
-                                            <p:fltVal val="0"/>
-                                          </p:val>
-                                        </p:tav>
-                                        <p:tav tm="100000">
-                                          <p:val>
-                                            <p:strVal val="#ppt_w"/>
-                                          </p:val>
-                                        </p:tav>
-                                      </p:tavLst>
-                                    </p:anim>
-                                    <p:anim calcmode="lin" valueType="num">
-                                      <p:cBhvr>
-                                        <p:cTn id="13" dur="500" fill="hold"/>
-                                        <p:tgtEl>
-                                          <p:spTgt spid="3"/>
-                                        </p:tgtEl>
-                                        <p:attrNameLst>
-                                          <p:attrName>ppt_h</p:attrName>
-                                        </p:attrNameLst>
-                                      </p:cBhvr>
-                                      <p:tavLst>
-                                        <p:tav tm="0">
-                                          <p:val>
-                                            <p:fltVal val="0"/>
-                                          </p:val>
-                                        </p:tav>
-                                        <p:tav tm="100000">
-                                          <p:val>
-                                            <p:strVal val="#ppt_h"/>
-                                          </p:val>
-                                        </p:tav>
-                                      </p:tavLst>
-                                    </p:anim>
-                                    <p:animEffect transition="in" filter="fade">
-                                      <p:cBhvr>
-                                        <p:cTn id="14" dur="500"/>
-                                        <p:tgtEl>
-                                          <p:spTgt spid="3"/>
-                                        </p:tgtEl>
-                                      </p:cBhvr>
-                                    </p:animEffect>
-                                  </p:childTnLst>
-                                </p:cTn>
-                              </p:par>
-                            </p:childTnLst>
-                          </p:cTn>
-                        </p:par>
-                        <p:par>
-                          <p:cTn id="15" fill="hold">
-                            <p:stCondLst>
-                              <p:cond delay="500"/>
-                            </p:stCondLst>
-                            <p:childTnLst>
-                              <p:par>
-                                <p:cTn id="16" presetID="53" presetClass="entr" presetSubtype="16" fill="hold" grpId="0" nodeType="afterEffect">
-                                  <p:stCondLst>
-                                    <p:cond delay="0"/>
-                                  </p:stCondLst>
-                                  <p:childTnLst>
-                                    <p:set>
-                                      <p:cBhvr>
-                                        <p:cTn id="17" dur="1" fill="hold">
-                                          <p:stCondLst>
-                                            <p:cond delay="0"/>
-                                          </p:stCondLst>
-                                        </p:cTn>
-                                        <p:tgtEl>
-                                          <p:spTgt spid="11"/>
-                                        </p:tgtEl>
-                                        <p:attrNameLst>
-                                          <p:attrName>style.visibility</p:attrName>
-                                        </p:attrNameLst>
-                                      </p:cBhvr>
-                                      <p:to>
-                                        <p:strVal val="visible"/>
-                                      </p:to>
-                                    </p:set>
-                                    <p:anim calcmode="lin" valueType="num">
-                                      <p:cBhvr>
-                                        <p:cTn id="18" dur="500" fill="hold"/>
-                                        <p:tgtEl>
-                                          <p:spTgt spid="11"/>
-                                        </p:tgtEl>
-                                        <p:attrNameLst>
-                                          <p:attrName>ppt_w</p:attrName>
-                                        </p:attrNameLst>
-                                      </p:cBhvr>
-                                      <p:tavLst>
-                                        <p:tav tm="0">
-                                          <p:val>
-                                            <p:fltVal val="0"/>
-                                          </p:val>
-                                        </p:tav>
-                                        <p:tav tm="100000">
-                                          <p:val>
-                                            <p:strVal val="#ppt_w"/>
-                                          </p:val>
-                                        </p:tav>
-                                      </p:tavLst>
-                                    </p:anim>
-                                    <p:anim calcmode="lin" valueType="num">
-                                      <p:cBhvr>
-                                        <p:cTn id="19" dur="500" fill="hold"/>
-                                        <p:tgtEl>
-                                          <p:spTgt spid="11"/>
-                                        </p:tgtEl>
-                                        <p:attrNameLst>
-                                          <p:attrName>ppt_h</p:attrName>
-                                        </p:attrNameLst>
-                                      </p:cBhvr>
-                                      <p:tavLst>
-                                        <p:tav tm="0">
-                                          <p:val>
-                                            <p:fltVal val="0"/>
-                                          </p:val>
-                                        </p:tav>
-                                        <p:tav tm="100000">
-                                          <p:val>
-                                            <p:strVal val="#ppt_h"/>
-                                          </p:val>
-                                        </p:tav>
-                                      </p:tavLst>
-                                    </p:anim>
-                                    <p:animEffect transition="in" filter="fade">
-                                      <p:cBhvr>
-                                        <p:cTn id="20" dur="500"/>
-                                        <p:tgtEl>
-                                          <p:spTgt spid="11"/>
-                                        </p:tgtEl>
-                                      </p:cBhvr>
-                                    </p:animEffect>
-                                  </p:childTnLst>
-                                </p:cTn>
-                              </p:par>
-                              <p:par>
-                                <p:cTn id="21" presetID="53" presetClass="entr" presetSubtype="16" fill="hold" grpId="0" nodeType="withEffect">
-                                  <p:stCondLst>
-                                    <p:cond delay="0"/>
-                                  </p:stCondLst>
-                                  <p:childTnLst>
-                                    <p:set>
-                                      <p:cBhvr>
-                                        <p:cTn id="22" dur="1" fill="hold">
-                                          <p:stCondLst>
-                                            <p:cond delay="0"/>
-                                          </p:stCondLst>
-                                        </p:cTn>
-                                        <p:tgtEl>
-                                          <p:spTgt spid="18"/>
-                                        </p:tgtEl>
-                                        <p:attrNameLst>
-                                          <p:attrName>style.visibility</p:attrName>
-                                        </p:attrNameLst>
-                                      </p:cBhvr>
-                                      <p:to>
-                                        <p:strVal val="visible"/>
-                                      </p:to>
-                                    </p:set>
-                                    <p:anim calcmode="lin" valueType="num">
-                                      <p:cBhvr>
-                                        <p:cTn id="23" dur="500" fill="hold"/>
-                                        <p:tgtEl>
-                                          <p:spTgt spid="18"/>
-                                        </p:tgtEl>
-                                        <p:attrNameLst>
-                                          <p:attrName>ppt_w</p:attrName>
-                                        </p:attrNameLst>
-                                      </p:cBhvr>
-                                      <p:tavLst>
-                                        <p:tav tm="0">
-                                          <p:val>
-                                            <p:fltVal val="0"/>
-                                          </p:val>
-                                        </p:tav>
-                                        <p:tav tm="100000">
-                                          <p:val>
-                                            <p:strVal val="#ppt_w"/>
-                                          </p:val>
-                                        </p:tav>
-                                      </p:tavLst>
-                                    </p:anim>
-                                    <p:anim calcmode="lin" valueType="num">
-                                      <p:cBhvr>
-                                        <p:cTn id="24" dur="500" fill="hold"/>
-                                        <p:tgtEl>
-                                          <p:spTgt spid="18"/>
-                                        </p:tgtEl>
-                                        <p:attrNameLst>
-                                          <p:attrName>ppt_h</p:attrName>
-                                        </p:attrNameLst>
-                                      </p:cBhvr>
-                                      <p:tavLst>
-                                        <p:tav tm="0">
-                                          <p:val>
-                                            <p:fltVal val="0"/>
-                                          </p:val>
-                                        </p:tav>
-                                        <p:tav tm="100000">
-                                          <p:val>
-                                            <p:strVal val="#ppt_h"/>
-                                          </p:val>
-                                        </p:tav>
-                                      </p:tavLst>
-                                    </p:anim>
-                                    <p:animEffect transition="in" filter="fade">
-                                      <p:cBhvr>
-                                        <p:cTn id="25" dur="500"/>
-                                        <p:tgtEl>
-                                          <p:spTgt spid="18"/>
-                                        </p:tgtEl>
-                                      </p:cBhvr>
-                                    </p:animEffect>
-                                  </p:childTnLst>
-                                </p:cTn>
-                              </p:par>
-                            </p:childTnLst>
-                          </p:cTn>
-                        </p:par>
-                      </p:childTnLst>
-                    </p:cTn>
-                  </p:par>
-                </p:childTnLst>
-              </p:cTn>
-              <p:prevCondLst>
-                <p:cond evt="onPrev" delay="0">
-                  <p:tgtEl>
-                    <p:sldTgt/>
-                  </p:tgtEl>
-                </p:cond>
-              </p:prevCondLst>
-              <p:nextCondLst>
-                <p:cond evt="onNext" delay="0">
-                  <p:tgtEl>
-                    <p:sldTgt/>
-                  </p:tgtEl>
-                </p:cond>
-              </p:nextCondLst>
-            </p:seq>
-          </p:childTnLst>
-        </p:cTn>
+        <p:cTn id="1" dur="indefinite" restart="never" nodeType="tmRoot"/>
       </p:par>
     </p:tnLst>
-    <p:bldLst>
-      <p:bldP spid="18" grpId="0"/>
-      <p:bldP spid="2" grpId="0" animBg="1"/>
-      <p:bldP spid="3" grpId="0" animBg="1"/>
-      <p:bldP spid="11" grpId="0"/>
-    </p:bldLst>
   </p:timing>
 </p:sld>
 </file>
@@ -13138,56 +12854,59 @@
       </p:grpSp>
       <p:sp>
         <p:nvSpPr>
-          <p:cNvPr id="3" name="矩形 2"/>
-          <p:cNvSpPr/>
+          <p:cNvPr id="2" name="投影片編號版面配置區 1"/>
+          <p:cNvSpPr>
+            <a:spLocks noGrp="1"/>
+          </p:cNvSpPr>
+          <p:nvPr>
+            <p:ph type="sldNum" sz="quarter" idx="12"/>
+          </p:nvPr>
+        </p:nvSpPr>
+        <p:spPr/>
+        <p:txBody>
+          <a:bodyPr/>
+          <a:lstStyle/>
+          <a:p>
+            <a:fld id="{C216DB24-B25B-49D7-A066-6E012C0AC9EA}" type="slidenum">
+              <a:rPr lang="zh-CN" altLang="en-US" smtClean="0"/>
+              <a:t>15</a:t>
+            </a:fld>
+            <a:endParaRPr lang="zh-CN" altLang="en-US"/>
+          </a:p>
+        </p:txBody>
+      </p:sp>
+      <p:pic>
+        <p:nvPicPr>
+          <p:cNvPr id="5" name="圖片 4">
+            <a:hlinkClick r:id="rId3"/>
+          </p:cNvPr>
+          <p:cNvPicPr>
+            <a:picLocks noChangeAspect="1"/>
+          </p:cNvPicPr>
           <p:nvPr/>
-        </p:nvSpPr>
+        </p:nvPicPr>
+        <p:blipFill>
+          <a:blip r:embed="rId4">
+            <a:extLst>
+              <a:ext uri="{28A0092B-C50C-407E-A947-70E740481C1C}">
+                <a14:useLocalDpi xmlns:a14="http://schemas.microsoft.com/office/drawing/2010/main" val="0"/>
+              </a:ext>
+            </a:extLst>
+          </a:blip>
+          <a:stretch>
+            <a:fillRect/>
+          </a:stretch>
+        </p:blipFill>
         <p:spPr>
           <a:xfrm>
-            <a:off x="4835879" y="2934454"/>
-            <a:ext cx="2520242" cy="369332"/>
+            <a:off x="3657905" y="1243826"/>
+            <a:ext cx="4876190" cy="4876190"/>
           </a:xfrm>
           <a:prstGeom prst="rect">
             <a:avLst/>
           </a:prstGeom>
         </p:spPr>
-        <p:txBody>
-          <a:bodyPr wrap="none">
-            <a:spAutoFit/>
-          </a:bodyPr>
-          <a:lstStyle/>
-          <a:p>
-            <a:r>
-              <a:rPr lang="en-US" altLang="zh-TW" dirty="0" err="1">
-                <a:latin typeface="微軟正黑體" panose="020B0604030504040204" pitchFamily="34" charset="-120"/>
-                <a:ea typeface="微軟正黑體" panose="020B0604030504040204" pitchFamily="34" charset="-120"/>
-                <a:hlinkClick r:id="rId3"/>
-              </a:rPr>
-              <a:t>i</a:t>
-            </a:r>
-            <a:r>
-              <a:rPr lang="en-US" altLang="zh-TW" dirty="0">
-                <a:latin typeface="微軟正黑體" panose="020B0604030504040204" pitchFamily="34" charset="-120"/>
-                <a:ea typeface="微軟正黑體" panose="020B0604030504040204" pitchFamily="34" charset="-120"/>
-                <a:hlinkClick r:id="rId3"/>
-              </a:rPr>
-              <a:t>-Coding</a:t>
-            </a:r>
-            <a:r>
-              <a:rPr lang="zh-TW" altLang="en-US" dirty="0">
-                <a:latin typeface="微軟正黑體" panose="020B0604030504040204" pitchFamily="34" charset="-120"/>
-                <a:ea typeface="微軟正黑體" panose="020B0604030504040204" pitchFamily="34" charset="-120"/>
-                <a:hlinkClick r:id="rId3"/>
-              </a:rPr>
-              <a:t>平臺實作介紹</a:t>
-            </a:r>
-            <a:endParaRPr lang="zh-TW" altLang="en-US" dirty="0">
-              <a:latin typeface="微軟正黑體" panose="020B0604030504040204" pitchFamily="34" charset="-120"/>
-              <a:ea typeface="微軟正黑體" panose="020B0604030504040204" pitchFamily="34" charset="-120"/>
-            </a:endParaRPr>
-          </a:p>
-        </p:txBody>
-      </p:sp>
+      </p:pic>
     </p:spTree>
     <p:extLst>
       <p:ext uri="{BB962C8B-B14F-4D97-AF65-F5344CB8AC3E}">
@@ -13258,6 +12977,87 @@
                                         <p:cTn id="7" dur="500"/>
                                         <p:tgtEl>
                                           <p:spTgt spid="23"/>
+                                        </p:tgtEl>
+                                      </p:cBhvr>
+                                    </p:animEffect>
+                                  </p:childTnLst>
+                                </p:cTn>
+                              </p:par>
+                              <p:par>
+                                <p:cTn id="8" presetID="53" presetClass="entr" presetSubtype="16" fill="hold" nodeType="withEffect">
+                                  <p:stCondLst>
+                                    <p:cond delay="0"/>
+                                  </p:stCondLst>
+                                  <p:childTnLst>
+                                    <p:set>
+                                      <p:cBhvr>
+                                        <p:cTn id="9" dur="1" fill="hold">
+                                          <p:stCondLst>
+                                            <p:cond delay="0"/>
+                                          </p:stCondLst>
+                                        </p:cTn>
+                                        <p:tgtEl>
+                                          <p:spTgt spid="5"/>
+                                        </p:tgtEl>
+                                        <p:attrNameLst>
+                                          <p:attrName>style.visibility</p:attrName>
+                                        </p:attrNameLst>
+                                      </p:cBhvr>
+                                      <p:to>
+                                        <p:strVal val="visible"/>
+                                      </p:to>
+                                    </p:set>
+                                    <p:anim calcmode="lin" valueType="num">
+                                      <p:cBhvr>
+                                        <p:cTn id="10" dur="500" fill="hold"/>
+                                        <p:tgtEl>
+                                          <p:spTgt spid="5"/>
+                                        </p:tgtEl>
+                                        <p:attrNameLst>
+                                          <p:attrName>ppt_w</p:attrName>
+                                        </p:attrNameLst>
+                                      </p:cBhvr>
+                                      <p:tavLst>
+                                        <p:tav tm="0">
+                                          <p:val>
+                                            <p:fltVal val="0"/>
+                                          </p:val>
+                                        </p:tav>
+                                        <p:tav tm="100000">
+                                          <p:val>
+                                            <p:strVal val="#ppt_w"/>
+                                          </p:val>
+                                        </p:tav>
+                                      </p:tavLst>
+                                    </p:anim>
+                                    <p:anim calcmode="lin" valueType="num">
+                                      <p:cBhvr>
+                                        <p:cTn id="11" dur="500" fill="hold"/>
+                                        <p:tgtEl>
+                                          <p:spTgt spid="5"/>
+                                        </p:tgtEl>
+                                        <p:attrNameLst>
+                                          <p:attrName>ppt_h</p:attrName>
+                                        </p:attrNameLst>
+                                      </p:cBhvr>
+                                      <p:tavLst>
+                                        <p:tav tm="0">
+                                          <p:val>
+                                            <p:fltVal val="0"/>
+                                          </p:val>
+                                        </p:tav>
+                                        <p:tav tm="100000">
+                                          <p:val>
+                                            <p:strVal val="#ppt_h"/>
+                                          </p:val>
+                                        </p:tav>
+                                      </p:tavLst>
+                                    </p:anim>
+                                    <p:animEffect transition="in" filter="fade">
+                                      <p:cBhvr>
+                                        <p:cTn id="12" dur="500"/>
+                                        <p:tgtEl>
+                                          <p:spTgt spid="5"/>
                                         </p:tgtEl>
                                       </p:cBhvr>
                                     </p:animEffect>
@@ -13606,392 +13406,9 @@
   <p:timing>
     <p:tnLst>
       <p:par>
-        <p:cTn id="1" dur="indefinite" restart="never" nodeType="tmRoot">
-          <p:childTnLst>
-            <p:seq concurrent="1" nextAc="seek">
-              <p:cTn id="2" dur="indefinite" nodeType="mainSeq">
-                <p:childTnLst>
-                  <p:par>
-                    <p:cTn id="3" fill="hold">
-                      <p:stCondLst>
-                        <p:cond delay="indefinite"/>
-                        <p:cond evt="onBegin" delay="0">
-                          <p:tn val="2"/>
-                        </p:cond>
-                      </p:stCondLst>
-                      <p:childTnLst>
-                        <p:par>
-                          <p:cTn id="4" fill="hold">
-                            <p:stCondLst>
-                              <p:cond delay="0"/>
-                            </p:stCondLst>
-                            <p:childTnLst>
-                              <p:par>
-                                <p:cTn id="5" presetID="53" presetClass="entr" presetSubtype="16" fill="hold" grpId="0" nodeType="afterEffect">
-                                  <p:stCondLst>
-                                    <p:cond delay="0"/>
-                                  </p:stCondLst>
-                                  <p:childTnLst>
-                                    <p:set>
-                                      <p:cBhvr>
-                                        <p:cTn id="6" dur="1" fill="hold">
-                                          <p:stCondLst>
-                                            <p:cond delay="0"/>
-                                          </p:stCondLst>
-                                        </p:cTn>
-                                        <p:tgtEl>
-                                          <p:spTgt spid="2"/>
-                                        </p:tgtEl>
-                                        <p:attrNameLst>
-                                          <p:attrName>style.visibility</p:attrName>
-                                        </p:attrNameLst>
-                                      </p:cBhvr>
-                                      <p:to>
-                                        <p:strVal val="visible"/>
-                                      </p:to>
-                                    </p:set>
-                                    <p:anim calcmode="lin" valueType="num">
-                                      <p:cBhvr>
-                                        <p:cTn id="7" dur="500" fill="hold"/>
-                                        <p:tgtEl>
-                                          <p:spTgt spid="2"/>
-                                        </p:tgtEl>
-                                        <p:attrNameLst>
-                                          <p:attrName>ppt_w</p:attrName>
-                                        </p:attrNameLst>
-                                      </p:cBhvr>
-                                      <p:tavLst>
-                                        <p:tav tm="0">
-                                          <p:val>
-                                            <p:fltVal val="0"/>
-                                          </p:val>
-                                        </p:tav>
-                                        <p:tav tm="100000">
-                                          <p:val>
-                                            <p:strVal val="#ppt_w"/>
-                                          </p:val>
-                                        </p:tav>
-                                      </p:tavLst>
-                                    </p:anim>
-                                    <p:anim calcmode="lin" valueType="num">
-                                      <p:cBhvr>
-                                        <p:cTn id="8" dur="500" fill="hold"/>
-                                        <p:tgtEl>
-                                          <p:spTgt spid="2"/>
-                                        </p:tgtEl>
-                                        <p:attrNameLst>
-                                          <p:attrName>ppt_h</p:attrName>
-                                        </p:attrNameLst>
-                                      </p:cBhvr>
-                                      <p:tavLst>
-                                        <p:tav tm="0">
-                                          <p:val>
-                                            <p:fltVal val="0"/>
-                                          </p:val>
-                                        </p:tav>
-                                        <p:tav tm="100000">
-                                          <p:val>
-                                            <p:strVal val="#ppt_h"/>
-                                          </p:val>
-                                        </p:tav>
-                                      </p:tavLst>
-                                    </p:anim>
-                                    <p:animEffect transition="in" filter="fade">
-                                      <p:cBhvr>
-                                        <p:cTn id="9" dur="500"/>
-                                        <p:tgtEl>
-                                          <p:spTgt spid="2"/>
-                                        </p:tgtEl>
-                                      </p:cBhvr>
-                                    </p:animEffect>
-                                  </p:childTnLst>
-                                </p:cTn>
-                              </p:par>
-                              <p:par>
-                                <p:cTn id="10" presetID="53" presetClass="entr" presetSubtype="16" fill="hold" grpId="0" nodeType="withEffect">
-                                  <p:stCondLst>
-                                    <p:cond delay="0"/>
-                                  </p:stCondLst>
-                                  <p:childTnLst>
-                                    <p:set>
-                                      <p:cBhvr>
-                                        <p:cTn id="11" dur="1" fill="hold">
-                                          <p:stCondLst>
-                                            <p:cond delay="0"/>
-                                          </p:stCondLst>
-                                        </p:cTn>
-                                        <p:tgtEl>
-                                          <p:spTgt spid="3"/>
-                                        </p:tgtEl>
-                                        <p:attrNameLst>
-                                          <p:attrName>style.visibility</p:attrName>
-                                        </p:attrNameLst>
-                                      </p:cBhvr>
-                                      <p:to>
-                                        <p:strVal val="visible"/>
-                                      </p:to>
-                                    </p:set>
-                                    <p:anim calcmode="lin" valueType="num">
-                                      <p:cBhvr>
-                                        <p:cTn id="12" dur="500" fill="hold"/>
-                                        <p:tgtEl>
-                                          <p:spTgt spid="3"/>
-                                        </p:tgtEl>
-                                        <p:attrNameLst>
-                                          <p:attrName>ppt_w</p:attrName>
-                                        </p:attrNameLst>
-                                      </p:cBhvr>
-                                      <p:tavLst>
-                                        <p:tav tm="0">
-                                          <p:val>
-                                            <p:fltVal val="0"/>
-                                          </p:val>
-                                        </p:tav>
-                                        <p:tav tm="100000">
-                                          <p:val>
-                                            <p:strVal val="#ppt_w"/>
-                                          </p:val>
-                                        </p:tav>
-                                      </p:tavLst>
-                                    </p:anim>
-                                    <p:anim calcmode="lin" valueType="num">
-                                      <p:cBhvr>
-                                        <p:cTn id="13" dur="500" fill="hold"/>
-                                        <p:tgtEl>
-                                          <p:spTgt spid="3"/>
-                                        </p:tgtEl>
-                                        <p:attrNameLst>
-                                          <p:attrName>ppt_h</p:attrName>
-                                        </p:attrNameLst>
-                                      </p:cBhvr>
-                                      <p:tavLst>
-                                        <p:tav tm="0">
-                                          <p:val>
-                                            <p:fltVal val="0"/>
-                                          </p:val>
-                                        </p:tav>
-                                        <p:tav tm="100000">
-                                          <p:val>
-                                            <p:strVal val="#ppt_h"/>
-                                          </p:val>
-                                        </p:tav>
-                                      </p:tavLst>
-                                    </p:anim>
-                                    <p:animEffect transition="in" filter="fade">
-                                      <p:cBhvr>
-                                        <p:cTn id="14" dur="500"/>
-                                        <p:tgtEl>
-                                          <p:spTgt spid="3"/>
-                                        </p:tgtEl>
-                                      </p:cBhvr>
-                                    </p:animEffect>
-                                  </p:childTnLst>
-                                </p:cTn>
-                              </p:par>
-                            </p:childTnLst>
-                          </p:cTn>
-                        </p:par>
-                        <p:par>
-                          <p:cTn id="15" fill="hold">
-                            <p:stCondLst>
-                              <p:cond delay="500"/>
-                            </p:stCondLst>
-                            <p:childTnLst>
-                              <p:par>
-                                <p:cTn id="16" presetID="53" presetClass="entr" presetSubtype="16" fill="hold" grpId="0" nodeType="afterEffect">
-                                  <p:stCondLst>
-                                    <p:cond delay="0"/>
-                                  </p:stCondLst>
-                                  <p:childTnLst>
-                                    <p:set>
-                                      <p:cBhvr>
-                                        <p:cTn id="17" dur="1" fill="hold">
-                                          <p:stCondLst>
-                                            <p:cond delay="0"/>
-                                          </p:stCondLst>
-                                        </p:cTn>
-                                        <p:tgtEl>
-                                          <p:spTgt spid="11"/>
-                                        </p:tgtEl>
-                                        <p:attrNameLst>
-                                          <p:attrName>style.visibility</p:attrName>
-                                        </p:attrNameLst>
-                                      </p:cBhvr>
-                                      <p:to>
-                                        <p:strVal val="visible"/>
-                                      </p:to>
-                                    </p:set>
-                                    <p:anim calcmode="lin" valueType="num">
-                                      <p:cBhvr>
-                                        <p:cTn id="18" dur="500" fill="hold"/>
-                                        <p:tgtEl>
-                                          <p:spTgt spid="11"/>
-                                        </p:tgtEl>
-                                        <p:attrNameLst>
-                                          <p:attrName>ppt_w</p:attrName>
-                                        </p:attrNameLst>
-                                      </p:cBhvr>
-                                      <p:tavLst>
-                                        <p:tav tm="0">
-                                          <p:val>
-                                            <p:fltVal val="0"/>
-                                          </p:val>
-                                        </p:tav>
-                                        <p:tav tm="100000">
-                                          <p:val>
-                                            <p:strVal val="#ppt_w"/>
-                                          </p:val>
-                                        </p:tav>
-                                      </p:tavLst>
-                                    </p:anim>
-                                    <p:anim calcmode="lin" valueType="num">
-                                      <p:cBhvr>
-                                        <p:cTn id="19" dur="500" fill="hold"/>
-                                        <p:tgtEl>
-                                          <p:spTgt spid="11"/>
-                                        </p:tgtEl>
-                                        <p:attrNameLst>
-                                          <p:attrName>ppt_h</p:attrName>
-                                        </p:attrNameLst>
-                                      </p:cBhvr>
-                                      <p:tavLst>
-                                        <p:tav tm="0">
-                                          <p:val>
-                                            <p:fltVal val="0"/>
-                                          </p:val>
-                                        </p:tav>
-                                        <p:tav tm="100000">
-                                          <p:val>
-                                            <p:strVal val="#ppt_h"/>
-                                          </p:val>
-                                        </p:tav>
-                                      </p:tavLst>
-                                    </p:anim>
-                                    <p:animEffect transition="in" filter="fade">
-                                      <p:cBhvr>
-                                        <p:cTn id="20" dur="500"/>
-                                        <p:tgtEl>
-                                          <p:spTgt spid="11"/>
-                                        </p:tgtEl>
-                                      </p:cBhvr>
-                                    </p:animEffect>
-                                  </p:childTnLst>
-                                </p:cTn>
-                              </p:par>
-                              <p:par>
-                                <p:cTn id="21" presetID="53" presetClass="entr" presetSubtype="16" fill="hold" grpId="0" nodeType="withEffect">
-                                  <p:stCondLst>
-                                    <p:cond delay="0"/>
-                                  </p:stCondLst>
-                                  <p:childTnLst>
-                                    <p:set>
-                                      <p:cBhvr>
-                                        <p:cTn id="22" dur="1" fill="hold">
-                                          <p:stCondLst>
-                                            <p:cond delay="0"/>
-                                          </p:stCondLst>
-                                        </p:cTn>
-                                        <p:tgtEl>
-                                          <p:spTgt spid="18"/>
-                                        </p:tgtEl>
-                                        <p:attrNameLst>
-                                          <p:attrName>style.visibility</p:attrName>
-                                        </p:attrNameLst>
-                                      </p:cBhvr>
-                                      <p:to>
-                                        <p:strVal val="visible"/>
-                                      </p:to>
-                                    </p:set>
-                                    <p:anim calcmode="lin" valueType="num">
-                                      <p:cBhvr>
-                                        <p:cTn id="23" dur="500" fill="hold"/>
-                                        <p:tgtEl>
-                                          <p:spTgt spid="18"/>
-                                        </p:tgtEl>
-                                        <p:attrNameLst>
-                                          <p:attrName>ppt_w</p:attrName>
-                                        </p:attrNameLst>
-                                      </p:cBhvr>
-                                      <p:tavLst>
-                                        <p:tav tm="0">
-                                          <p:val>
-                                            <p:fltVal val="0"/>
-                                          </p:val>
-                                        </p:tav>
-                                        <p:tav tm="100000">
-                                          <p:val>
-                                            <p:strVal val="#ppt_w"/>
-                                          </p:val>
-                                        </p:tav>
-                                      </p:tavLst>
-                                    </p:anim>
-                                    <p:anim calcmode="lin" valueType="num">
-                                      <p:cBhvr>
-                                        <p:cTn id="24" dur="500" fill="hold"/>
-                                        <p:tgtEl>
-                                          <p:spTgt spid="18"/>
-                                        </p:tgtEl>
-                                        <p:attrNameLst>
-                                          <p:attrName>ppt_h</p:attrName>
-                                        </p:attrNameLst>
-                                      </p:cBhvr>
-                                      <p:tavLst>
-                                        <p:tav tm="0">
-                                          <p:val>
-                                            <p:fltVal val="0"/>
-                                          </p:val>
-                                        </p:tav>
-                                        <p:tav tm="100000">
-                                          <p:val>
-                                            <p:strVal val="#ppt_h"/>
-                                          </p:val>
-                                        </p:tav>
-                                      </p:tavLst>
-                                    </p:anim>
-                                    <p:animEffect transition="in" filter="fade">
-                                      <p:cBhvr>
-                                        <p:cTn id="25" dur="500"/>
-                                        <p:tgtEl>
-                                          <p:spTgt spid="18"/>
-                                        </p:tgtEl>
-                                      </p:cBhvr>
-                                    </p:animEffect>
-                                  </p:childTnLst>
-                                </p:cTn>
-                              </p:par>
-                            </p:childTnLst>
-                          </p:cTn>
-                        </p:par>
-                      </p:childTnLst>
-                    </p:cTn>
-                  </p:par>
-                </p:childTnLst>
-              </p:cTn>
-              <p:prevCondLst>
-                <p:cond evt="onPrev" delay="0">
-                  <p:tgtEl>
-                    <p:sldTgt/>
-                  </p:tgtEl>
-                </p:cond>
-              </p:prevCondLst>
-              <p:nextCondLst>
-                <p:cond evt="onNext" delay="0">
-                  <p:tgtEl>
-                    <p:sldTgt/>
-                  </p:tgtEl>
-                </p:cond>
-              </p:nextCondLst>
-            </p:seq>
-          </p:childTnLst>
-        </p:cTn>
+        <p:cTn id="1" dur="indefinite" restart="never" nodeType="tmRoot"/>
       </p:par>
     </p:tnLst>
-    <p:bldLst>
-      <p:bldP spid="18" grpId="0"/>
-      <p:bldP spid="2" grpId="0" animBg="1"/>
-      <p:bldP spid="3" grpId="0" animBg="1"/>
-      <p:bldP spid="11" grpId="0"/>
-    </p:bldLst>
   </p:timing>
 </p:sld>
 </file>
@@ -14553,6 +13970,29 @@
           </p:spPr>
         </p:pic>
       </p:grpSp>
+      <p:sp>
+        <p:nvSpPr>
+          <p:cNvPr id="3" name="投影片編號版面配置區 2"/>
+          <p:cNvSpPr>
+            <a:spLocks noGrp="1"/>
+          </p:cNvSpPr>
+          <p:nvPr>
+            <p:ph type="sldNum" sz="quarter" idx="12"/>
+          </p:nvPr>
+        </p:nvSpPr>
+        <p:spPr/>
+        <p:txBody>
+          <a:bodyPr/>
+          <a:lstStyle/>
+          <a:p>
+            <a:fld id="{C216DB24-B25B-49D7-A066-6E012C0AC9EA}" type="slidenum">
+              <a:rPr lang="zh-CN" altLang="en-US" smtClean="0"/>
+              <a:t>17</a:t>
+            </a:fld>
+            <a:endParaRPr lang="zh-CN" altLang="en-US"/>
+          </a:p>
+        </p:txBody>
+      </p:sp>
     </p:spTree>
     <p:extLst>
       <p:ext uri="{BB962C8B-B14F-4D97-AF65-F5344CB8AC3E}">
@@ -14623,6 +14063,87 @@
                                         <p:cTn id="7" dur="500"/>
                                         <p:tgtEl>
                                           <p:spTgt spid="23"/>
+                                        </p:tgtEl>
+                                      </p:cBhvr>
+                                    </p:animEffect>
+                                  </p:childTnLst>
+                                </p:cTn>
+                              </p:par>
+                              <p:par>
+                                <p:cTn id="8" presetID="53" presetClass="entr" presetSubtype="16" fill="hold" nodeType="withEffect">
+                                  <p:stCondLst>
+                                    <p:cond delay="0"/>
+                                  </p:stCondLst>
+                                  <p:childTnLst>
+                                    <p:set>
+                                      <p:cBhvr>
+                                        <p:cTn id="9" dur="1" fill="hold">
+                                          <p:stCondLst>
+                                            <p:cond delay="0"/>
+                                          </p:stCondLst>
+                                        </p:cTn>
+                                        <p:tgtEl>
+                                          <p:spTgt spid="12"/>
+                                        </p:tgtEl>
+                                        <p:attrNameLst>
+                                          <p:attrName>style.visibility</p:attrName>
+                                        </p:attrNameLst>
+                                      </p:cBhvr>
+                                      <p:to>
+                                        <p:strVal val="visible"/>
+                                      </p:to>
+                                    </p:set>
+                                    <p:anim calcmode="lin" valueType="num">
+                                      <p:cBhvr>
+                                        <p:cTn id="10" dur="500" fill="hold"/>
+                                        <p:tgtEl>
+                                          <p:spTgt spid="12"/>
+                                        </p:tgtEl>
+                                        <p:attrNameLst>
+                                          <p:attrName>ppt_w</p:attrName>
+                                        </p:attrNameLst>
+                                      </p:cBhvr>
+                                      <p:tavLst>
+                                        <p:tav tm="0">
+                                          <p:val>
+                                            <p:fltVal val="0"/>
+                                          </p:val>
+                                        </p:tav>
+                                        <p:tav tm="100000">
+                                          <p:val>
+                                            <p:strVal val="#ppt_w"/>
+                                          </p:val>
+                                        </p:tav>
+                                      </p:tavLst>
+                                    </p:anim>
+                                    <p:anim calcmode="lin" valueType="num">
+                                      <p:cBhvr>
+                                        <p:cTn id="11" dur="500" fill="hold"/>
+                                        <p:tgtEl>
+                                          <p:spTgt spid="12"/>
+                                        </p:tgtEl>
+                                        <p:attrNameLst>
+                                          <p:attrName>ppt_h</p:attrName>
+                                        </p:attrNameLst>
+                                      </p:cBhvr>
+                                      <p:tavLst>
+                                        <p:tav tm="0">
+                                          <p:val>
+                                            <p:fltVal val="0"/>
+                                          </p:val>
+                                        </p:tav>
+                                        <p:tav tm="100000">
+                                          <p:val>
+                                            <p:strVal val="#ppt_h"/>
+                                          </p:val>
+                                        </p:tav>
+                                      </p:tavLst>
+                                    </p:anim>
+                                    <p:animEffect transition="in" filter="fade">
+                                      <p:cBhvr>
+                                        <p:cTn id="12" dur="500"/>
+                                        <p:tgtEl>
+                                          <p:spTgt spid="12"/>
                                         </p:tgtEl>
                                       </p:cBhvr>
                                     </p:animEffect>
@@ -16532,6 +16053,29 @@
           </p:txBody>
         </p:sp>
       </p:grpSp>
+      <p:sp>
+        <p:nvSpPr>
+          <p:cNvPr id="2" name="投影片編號版面配置區 1"/>
+          <p:cNvSpPr>
+            <a:spLocks noGrp="1"/>
+          </p:cNvSpPr>
+          <p:nvPr>
+            <p:ph type="sldNum" sz="quarter" idx="12"/>
+          </p:nvPr>
+        </p:nvSpPr>
+        <p:spPr/>
+        <p:txBody>
+          <a:bodyPr/>
+          <a:lstStyle/>
+          <a:p>
+            <a:fld id="{C216DB24-B25B-49D7-A066-6E012C0AC9EA}" type="slidenum">
+              <a:rPr lang="zh-CN" altLang="en-US" smtClean="0"/>
+              <a:t>2</a:t>
+            </a:fld>
+            <a:endParaRPr lang="zh-CN" altLang="en-US"/>
+          </a:p>
+        </p:txBody>
+      </p:sp>
     </p:spTree>
     <p:extLst>
       <p:ext uri="{BB962C8B-B14F-4D97-AF65-F5344CB8AC3E}">
@@ -17320,392 +16864,9 @@
   <p:timing>
     <p:tnLst>
       <p:par>
-        <p:cTn id="1" dur="indefinite" restart="never" nodeType="tmRoot">
-          <p:childTnLst>
-            <p:seq concurrent="1" nextAc="seek">
-              <p:cTn id="2" dur="indefinite" nodeType="mainSeq">
-                <p:childTnLst>
-                  <p:par>
-                    <p:cTn id="3" fill="hold">
-                      <p:stCondLst>
-                        <p:cond delay="indefinite"/>
-                        <p:cond evt="onBegin" delay="0">
-                          <p:tn val="2"/>
-                        </p:cond>
-                      </p:stCondLst>
-                      <p:childTnLst>
-                        <p:par>
-                          <p:cTn id="4" fill="hold">
-                            <p:stCondLst>
-                              <p:cond delay="0"/>
-                            </p:stCondLst>
-                            <p:childTnLst>
-                              <p:par>
-                                <p:cTn id="5" presetID="53" presetClass="entr" presetSubtype="16" fill="hold" grpId="0" nodeType="afterEffect">
-                                  <p:stCondLst>
-                                    <p:cond delay="0"/>
-                                  </p:stCondLst>
-                                  <p:childTnLst>
-                                    <p:set>
-                                      <p:cBhvr>
-                                        <p:cTn id="6" dur="1" fill="hold">
-                                          <p:stCondLst>
-                                            <p:cond delay="0"/>
-                                          </p:stCondLst>
-                                        </p:cTn>
-                                        <p:tgtEl>
-                                          <p:spTgt spid="2"/>
-                                        </p:tgtEl>
-                                        <p:attrNameLst>
-                                          <p:attrName>style.visibility</p:attrName>
-                                        </p:attrNameLst>
-                                      </p:cBhvr>
-                                      <p:to>
-                                        <p:strVal val="visible"/>
-                                      </p:to>
-                                    </p:set>
-                                    <p:anim calcmode="lin" valueType="num">
-                                      <p:cBhvr>
-                                        <p:cTn id="7" dur="500" fill="hold"/>
-                                        <p:tgtEl>
-                                          <p:spTgt spid="2"/>
-                                        </p:tgtEl>
-                                        <p:attrNameLst>
-                                          <p:attrName>ppt_w</p:attrName>
-                                        </p:attrNameLst>
-                                      </p:cBhvr>
-                                      <p:tavLst>
-                                        <p:tav tm="0">
-                                          <p:val>
-                                            <p:fltVal val="0"/>
-                                          </p:val>
-                                        </p:tav>
-                                        <p:tav tm="100000">
-                                          <p:val>
-                                            <p:strVal val="#ppt_w"/>
-                                          </p:val>
-                                        </p:tav>
-                                      </p:tavLst>
-                                    </p:anim>
-                                    <p:anim calcmode="lin" valueType="num">
-                                      <p:cBhvr>
-                                        <p:cTn id="8" dur="500" fill="hold"/>
-                                        <p:tgtEl>
-                                          <p:spTgt spid="2"/>
-                                        </p:tgtEl>
-                                        <p:attrNameLst>
-                                          <p:attrName>ppt_h</p:attrName>
-                                        </p:attrNameLst>
-                                      </p:cBhvr>
-                                      <p:tavLst>
-                                        <p:tav tm="0">
-                                          <p:val>
-                                            <p:fltVal val="0"/>
-                                          </p:val>
-                                        </p:tav>
-                                        <p:tav tm="100000">
-                                          <p:val>
-                                            <p:strVal val="#ppt_h"/>
-                                          </p:val>
-                                        </p:tav>
-                                      </p:tavLst>
-                                    </p:anim>
-                                    <p:animEffect transition="in" filter="fade">
-                                      <p:cBhvr>
-                                        <p:cTn id="9" dur="500"/>
-                                        <p:tgtEl>
-                                          <p:spTgt spid="2"/>
-                                        </p:tgtEl>
-                                      </p:cBhvr>
-                                    </p:animEffect>
-                                  </p:childTnLst>
-                                </p:cTn>
-                              </p:par>
-                              <p:par>
-                                <p:cTn id="10" presetID="53" presetClass="entr" presetSubtype="16" fill="hold" grpId="0" nodeType="withEffect">
-                                  <p:stCondLst>
-                                    <p:cond delay="0"/>
-                                  </p:stCondLst>
-                                  <p:childTnLst>
-                                    <p:set>
-                                      <p:cBhvr>
-                                        <p:cTn id="11" dur="1" fill="hold">
-                                          <p:stCondLst>
-                                            <p:cond delay="0"/>
-                                          </p:stCondLst>
-                                        </p:cTn>
-                                        <p:tgtEl>
-                                          <p:spTgt spid="3"/>
-                                        </p:tgtEl>
-                                        <p:attrNameLst>
-                                          <p:attrName>style.visibility</p:attrName>
-                                        </p:attrNameLst>
-                                      </p:cBhvr>
-                                      <p:to>
-                                        <p:strVal val="visible"/>
-                                      </p:to>
-                                    </p:set>
-                                    <p:anim calcmode="lin" valueType="num">
-                                      <p:cBhvr>
-                                        <p:cTn id="12" dur="500" fill="hold"/>
-                                        <p:tgtEl>
-                                          <p:spTgt spid="3"/>
-                                        </p:tgtEl>
-                                        <p:attrNameLst>
-                                          <p:attrName>ppt_w</p:attrName>
-                                        </p:attrNameLst>
-                                      </p:cBhvr>
-                                      <p:tavLst>
-                                        <p:tav tm="0">
-                                          <p:val>
-                                            <p:fltVal val="0"/>
-                                          </p:val>
-                                        </p:tav>
-                                        <p:tav tm="100000">
-                                          <p:val>
-                                            <p:strVal val="#ppt_w"/>
-                                          </p:val>
-                                        </p:tav>
-                                      </p:tavLst>
-                                    </p:anim>
-                                    <p:anim calcmode="lin" valueType="num">
-                                      <p:cBhvr>
-                                        <p:cTn id="13" dur="500" fill="hold"/>
-                                        <p:tgtEl>
-                                          <p:spTgt spid="3"/>
-                                        </p:tgtEl>
-                                        <p:attrNameLst>
-                                          <p:attrName>ppt_h</p:attrName>
-                                        </p:attrNameLst>
-                                      </p:cBhvr>
-                                      <p:tavLst>
-                                        <p:tav tm="0">
-                                          <p:val>
-                                            <p:fltVal val="0"/>
-                                          </p:val>
-                                        </p:tav>
-                                        <p:tav tm="100000">
-                                          <p:val>
-                                            <p:strVal val="#ppt_h"/>
-                                          </p:val>
-                                        </p:tav>
-                                      </p:tavLst>
-                                    </p:anim>
-                                    <p:animEffect transition="in" filter="fade">
-                                      <p:cBhvr>
-                                        <p:cTn id="14" dur="500"/>
-                                        <p:tgtEl>
-                                          <p:spTgt spid="3"/>
-                                        </p:tgtEl>
-                                      </p:cBhvr>
-                                    </p:animEffect>
-                                  </p:childTnLst>
-                                </p:cTn>
-                              </p:par>
-                            </p:childTnLst>
-                          </p:cTn>
-                        </p:par>
-                        <p:par>
-                          <p:cTn id="15" fill="hold">
-                            <p:stCondLst>
-                              <p:cond delay="500"/>
-                            </p:stCondLst>
-                            <p:childTnLst>
-                              <p:par>
-                                <p:cTn id="16" presetID="53" presetClass="entr" presetSubtype="16" fill="hold" grpId="0" nodeType="afterEffect">
-                                  <p:stCondLst>
-                                    <p:cond delay="0"/>
-                                  </p:stCondLst>
-                                  <p:childTnLst>
-                                    <p:set>
-                                      <p:cBhvr>
-                                        <p:cTn id="17" dur="1" fill="hold">
-                                          <p:stCondLst>
-                                            <p:cond delay="0"/>
-                                          </p:stCondLst>
-                                        </p:cTn>
-                                        <p:tgtEl>
-                                          <p:spTgt spid="11"/>
-                                        </p:tgtEl>
-                                        <p:attrNameLst>
-                                          <p:attrName>style.visibility</p:attrName>
-                                        </p:attrNameLst>
-                                      </p:cBhvr>
-                                      <p:to>
-                                        <p:strVal val="visible"/>
-                                      </p:to>
-                                    </p:set>
-                                    <p:anim calcmode="lin" valueType="num">
-                                      <p:cBhvr>
-                                        <p:cTn id="18" dur="500" fill="hold"/>
-                                        <p:tgtEl>
-                                          <p:spTgt spid="11"/>
-                                        </p:tgtEl>
-                                        <p:attrNameLst>
-                                          <p:attrName>ppt_w</p:attrName>
-                                        </p:attrNameLst>
-                                      </p:cBhvr>
-                                      <p:tavLst>
-                                        <p:tav tm="0">
-                                          <p:val>
-                                            <p:fltVal val="0"/>
-                                          </p:val>
-                                        </p:tav>
-                                        <p:tav tm="100000">
-                                          <p:val>
-                                            <p:strVal val="#ppt_w"/>
-                                          </p:val>
-                                        </p:tav>
-                                      </p:tavLst>
-                                    </p:anim>
-                                    <p:anim calcmode="lin" valueType="num">
-                                      <p:cBhvr>
-                                        <p:cTn id="19" dur="500" fill="hold"/>
-                                        <p:tgtEl>
-                                          <p:spTgt spid="11"/>
-                                        </p:tgtEl>
-                                        <p:attrNameLst>
-                                          <p:attrName>ppt_h</p:attrName>
-                                        </p:attrNameLst>
-                                      </p:cBhvr>
-                                      <p:tavLst>
-                                        <p:tav tm="0">
-                                          <p:val>
-                                            <p:fltVal val="0"/>
-                                          </p:val>
-                                        </p:tav>
-                                        <p:tav tm="100000">
-                                          <p:val>
-                                            <p:strVal val="#ppt_h"/>
-                                          </p:val>
-                                        </p:tav>
-                                      </p:tavLst>
-                                    </p:anim>
-                                    <p:animEffect transition="in" filter="fade">
-                                      <p:cBhvr>
-                                        <p:cTn id="20" dur="500"/>
-                                        <p:tgtEl>
-                                          <p:spTgt spid="11"/>
-                                        </p:tgtEl>
-                                      </p:cBhvr>
-                                    </p:animEffect>
-                                  </p:childTnLst>
-                                </p:cTn>
-                              </p:par>
-                              <p:par>
-                                <p:cTn id="21" presetID="53" presetClass="entr" presetSubtype="16" fill="hold" grpId="0" nodeType="withEffect">
-                                  <p:stCondLst>
-                                    <p:cond delay="0"/>
-                                  </p:stCondLst>
-                                  <p:childTnLst>
-                                    <p:set>
-                                      <p:cBhvr>
-                                        <p:cTn id="22" dur="1" fill="hold">
-                                          <p:stCondLst>
-                                            <p:cond delay="0"/>
-                                          </p:stCondLst>
-                                        </p:cTn>
-                                        <p:tgtEl>
-                                          <p:spTgt spid="18"/>
-                                        </p:tgtEl>
-                                        <p:attrNameLst>
-                                          <p:attrName>style.visibility</p:attrName>
-                                        </p:attrNameLst>
-                                      </p:cBhvr>
-                                      <p:to>
-                                        <p:strVal val="visible"/>
-                                      </p:to>
-                                    </p:set>
-                                    <p:anim calcmode="lin" valueType="num">
-                                      <p:cBhvr>
-                                        <p:cTn id="23" dur="500" fill="hold"/>
-                                        <p:tgtEl>
-                                          <p:spTgt spid="18"/>
-                                        </p:tgtEl>
-                                        <p:attrNameLst>
-                                          <p:attrName>ppt_w</p:attrName>
-                                        </p:attrNameLst>
-                                      </p:cBhvr>
-                                      <p:tavLst>
-                                        <p:tav tm="0">
-                                          <p:val>
-                                            <p:fltVal val="0"/>
-                                          </p:val>
-                                        </p:tav>
-                                        <p:tav tm="100000">
-                                          <p:val>
-                                            <p:strVal val="#ppt_w"/>
-                                          </p:val>
-                                        </p:tav>
-                                      </p:tavLst>
-                                    </p:anim>
-                                    <p:anim calcmode="lin" valueType="num">
-                                      <p:cBhvr>
-                                        <p:cTn id="24" dur="500" fill="hold"/>
-                                        <p:tgtEl>
-                                          <p:spTgt spid="18"/>
-                                        </p:tgtEl>
-                                        <p:attrNameLst>
-                                          <p:attrName>ppt_h</p:attrName>
-                                        </p:attrNameLst>
-                                      </p:cBhvr>
-                                      <p:tavLst>
-                                        <p:tav tm="0">
-                                          <p:val>
-                                            <p:fltVal val="0"/>
-                                          </p:val>
-                                        </p:tav>
-                                        <p:tav tm="100000">
-                                          <p:val>
-                                            <p:strVal val="#ppt_h"/>
-                                          </p:val>
-                                        </p:tav>
-                                      </p:tavLst>
-                                    </p:anim>
-                                    <p:animEffect transition="in" filter="fade">
-                                      <p:cBhvr>
-                                        <p:cTn id="25" dur="500"/>
-                                        <p:tgtEl>
-                                          <p:spTgt spid="18"/>
-                                        </p:tgtEl>
-                                      </p:cBhvr>
-                                    </p:animEffect>
-                                  </p:childTnLst>
-                                </p:cTn>
-                              </p:par>
-                            </p:childTnLst>
-                          </p:cTn>
-                        </p:par>
-                      </p:childTnLst>
-                    </p:cTn>
-                  </p:par>
-                </p:childTnLst>
-              </p:cTn>
-              <p:prevCondLst>
-                <p:cond evt="onPrev" delay="0">
-                  <p:tgtEl>
-                    <p:sldTgt/>
-                  </p:tgtEl>
-                </p:cond>
-              </p:prevCondLst>
-              <p:nextCondLst>
-                <p:cond evt="onNext" delay="0">
-                  <p:tgtEl>
-                    <p:sldTgt/>
-                  </p:tgtEl>
-                </p:cond>
-              </p:nextCondLst>
-            </p:seq>
-          </p:childTnLst>
-        </p:cTn>
+        <p:cTn id="1" dur="indefinite" restart="never" nodeType="tmRoot"/>
       </p:par>
     </p:tnLst>
-    <p:bldLst>
-      <p:bldP spid="18" grpId="0"/>
-      <p:bldP spid="2" grpId="0" animBg="1"/>
-      <p:bldP spid="3" grpId="0" animBg="1"/>
-      <p:bldP spid="11" grpId="0"/>
-    </p:bldLst>
   </p:timing>
 </p:sld>
 </file>
@@ -17967,6 +17128,29 @@
           </a:prstGeom>
         </p:spPr>
       </p:pic>
+      <p:sp>
+        <p:nvSpPr>
+          <p:cNvPr id="2" name="投影片編號版面配置區 1"/>
+          <p:cNvSpPr>
+            <a:spLocks noGrp="1"/>
+          </p:cNvSpPr>
+          <p:nvPr>
+            <p:ph type="sldNum" sz="quarter" idx="12"/>
+          </p:nvPr>
+        </p:nvSpPr>
+        <p:spPr/>
+        <p:txBody>
+          <a:bodyPr/>
+          <a:lstStyle/>
+          <a:p>
+            <a:fld id="{C216DB24-B25B-49D7-A066-6E012C0AC9EA}" type="slidenum">
+              <a:rPr lang="zh-CN" altLang="en-US" smtClean="0"/>
+              <a:t>4</a:t>
+            </a:fld>
+            <a:endParaRPr lang="zh-CN" altLang="en-US"/>
+          </a:p>
+        </p:txBody>
+      </p:sp>
     </p:spTree>
     <p:extLst>
       <p:ext uri="{BB962C8B-B14F-4D97-AF65-F5344CB8AC3E}">
@@ -18693,6 +17877,29 @@
           </p:txBody>
         </p:sp>
       </p:grpSp>
+      <p:sp>
+        <p:nvSpPr>
+          <p:cNvPr id="6" name="投影片編號版面配置區 5"/>
+          <p:cNvSpPr>
+            <a:spLocks noGrp="1"/>
+          </p:cNvSpPr>
+          <p:nvPr>
+            <p:ph type="sldNum" sz="quarter" idx="12"/>
+          </p:nvPr>
+        </p:nvSpPr>
+        <p:spPr/>
+        <p:txBody>
+          <a:bodyPr/>
+          <a:lstStyle/>
+          <a:p>
+            <a:fld id="{C216DB24-B25B-49D7-A066-6E012C0AC9EA}" type="slidenum">
+              <a:rPr lang="zh-CN" altLang="en-US" smtClean="0"/>
+              <a:t>5</a:t>
+            </a:fld>
+            <a:endParaRPr lang="zh-CN" altLang="en-US"/>
+          </a:p>
+        </p:txBody>
+      </p:sp>
     </p:spTree>
     <p:extLst>
       <p:ext uri="{BB962C8B-B14F-4D97-AF65-F5344CB8AC3E}">
@@ -18850,7 +18057,7 @@
                                     </p:set>
                                     <p:anim calcmode="lin" valueType="num">
                                       <p:cBhvr>
-                                        <p:cTn id="13" dur="500" fill="hold"/>
+                                        <p:cTn id="13" dur="250" fill="hold"/>
                                         <p:tgtEl>
                                           <p:spTgt spid="9"/>
                                         </p:tgtEl>
@@ -18873,7 +18080,7 @@
                                     </p:anim>
                                     <p:anim calcmode="lin" valueType="num">
                                       <p:cBhvr>
-                                        <p:cTn id="14" dur="500" fill="hold"/>
+                                        <p:cTn id="14" dur="250" fill="hold"/>
                                         <p:tgtEl>
                                           <p:spTgt spid="9"/>
                                         </p:tgtEl>
@@ -18896,7 +18103,7 @@
                                     </p:anim>
                                     <p:animEffect transition="in" filter="fade">
                                       <p:cBhvr>
-                                        <p:cTn id="15" dur="500"/>
+                                        <p:cTn id="15" dur="250"/>
                                         <p:tgtEl>
                                           <p:spTgt spid="9"/>
                                         </p:tgtEl>
@@ -18911,7 +18118,7 @@
                         <p:par>
                           <p:cTn id="16" fill="hold">
                             <p:stCondLst>
-                              <p:cond delay="1000"/>
+                              <p:cond delay="750"/>
                             </p:stCondLst>
                             <p:childTnLst>
                               <p:par>
@@ -18940,7 +18147,7 @@
                                     </p:set>
                                     <p:anim calcmode="lin" valueType="num">
                                       <p:cBhvr>
-                                        <p:cTn id="19" dur="500" fill="hold"/>
+                                        <p:cTn id="19" dur="250" fill="hold"/>
                                         <p:tgtEl>
                                           <p:spTgt spid="10"/>
                                         </p:tgtEl>
@@ -18963,7 +18170,7 @@
                                     </p:anim>
                                     <p:anim calcmode="lin" valueType="num">
                                       <p:cBhvr>
-                                        <p:cTn id="20" dur="500" fill="hold"/>
+                                        <p:cTn id="20" dur="250" fill="hold"/>
                                         <p:tgtEl>
                                           <p:spTgt spid="10"/>
                                         </p:tgtEl>
@@ -18986,7 +18193,7 @@
                                     </p:anim>
                                     <p:animEffect transition="in" filter="fade">
                                       <p:cBhvr>
-                                        <p:cTn id="21" dur="500"/>
+                                        <p:cTn id="21" dur="250"/>
                                         <p:tgtEl>
                                           <p:spTgt spid="10"/>
                                         </p:tgtEl>
@@ -19001,7 +18208,7 @@
                         <p:par>
                           <p:cTn id="22" fill="hold">
                             <p:stCondLst>
-                              <p:cond delay="1500"/>
+                              <p:cond delay="1000"/>
                             </p:stCondLst>
                             <p:childTnLst>
                               <p:par>
@@ -19030,7 +18237,7 @@
                                     </p:set>
                                     <p:anim calcmode="lin" valueType="num">
                                       <p:cBhvr>
-                                        <p:cTn id="25" dur="500" fill="hold"/>
+                                        <p:cTn id="25" dur="250" fill="hold"/>
                                         <p:tgtEl>
                                           <p:spTgt spid="11"/>
                                         </p:tgtEl>
@@ -19053,7 +18260,7 @@
                                     </p:anim>
                                     <p:anim calcmode="lin" valueType="num">
                                       <p:cBhvr>
-                                        <p:cTn id="26" dur="500" fill="hold"/>
+                                        <p:cTn id="26" dur="250" fill="hold"/>
                                         <p:tgtEl>
                                           <p:spTgt spid="11"/>
                                         </p:tgtEl>
@@ -19076,7 +18283,7 @@
                                     </p:anim>
                                     <p:animEffect transition="in" filter="fade">
                                       <p:cBhvr>
-                                        <p:cTn id="27" dur="500"/>
+                                        <p:cTn id="27" dur="250"/>
                                         <p:tgtEl>
                                           <p:spTgt spid="11"/>
                                         </p:tgtEl>
@@ -19440,392 +18647,9 @@
   <p:timing>
     <p:tnLst>
       <p:par>
-        <p:cTn id="1" dur="indefinite" restart="never" nodeType="tmRoot">
-          <p:childTnLst>
-            <p:seq concurrent="1" nextAc="seek">
-              <p:cTn id="2" dur="indefinite" nodeType="mainSeq">
-                <p:childTnLst>
-                  <p:par>
-                    <p:cTn id="3" fill="hold">
-                      <p:stCondLst>
-                        <p:cond delay="indefinite"/>
-                        <p:cond evt="onBegin" delay="0">
-                          <p:tn val="2"/>
-                        </p:cond>
-                      </p:stCondLst>
-                      <p:childTnLst>
-                        <p:par>
-                          <p:cTn id="4" fill="hold">
-                            <p:stCondLst>
-                              <p:cond delay="0"/>
-                            </p:stCondLst>
-                            <p:childTnLst>
-                              <p:par>
-                                <p:cTn id="5" presetID="53" presetClass="entr" presetSubtype="16" fill="hold" grpId="0" nodeType="afterEffect">
-                                  <p:stCondLst>
-                                    <p:cond delay="0"/>
-                                  </p:stCondLst>
-                                  <p:childTnLst>
-                                    <p:set>
-                                      <p:cBhvr>
-                                        <p:cTn id="6" dur="1" fill="hold">
-                                          <p:stCondLst>
-                                            <p:cond delay="0"/>
-                                          </p:stCondLst>
-                                        </p:cTn>
-                                        <p:tgtEl>
-                                          <p:spTgt spid="2"/>
-                                        </p:tgtEl>
-                                        <p:attrNameLst>
-                                          <p:attrName>style.visibility</p:attrName>
-                                        </p:attrNameLst>
-                                      </p:cBhvr>
-                                      <p:to>
-                                        <p:strVal val="visible"/>
-                                      </p:to>
-                                    </p:set>
-                                    <p:anim calcmode="lin" valueType="num">
-                                      <p:cBhvr>
-                                        <p:cTn id="7" dur="500" fill="hold"/>
-                                        <p:tgtEl>
-                                          <p:spTgt spid="2"/>
-                                        </p:tgtEl>
-                                        <p:attrNameLst>
-                                          <p:attrName>ppt_w</p:attrName>
-                                        </p:attrNameLst>
-                                      </p:cBhvr>
-                                      <p:tavLst>
-                                        <p:tav tm="0">
-                                          <p:val>
-                                            <p:fltVal val="0"/>
-                                          </p:val>
-                                        </p:tav>
-                                        <p:tav tm="100000">
-                                          <p:val>
-                                            <p:strVal val="#ppt_w"/>
-                                          </p:val>
-                                        </p:tav>
-                                      </p:tavLst>
-                                    </p:anim>
-                                    <p:anim calcmode="lin" valueType="num">
-                                      <p:cBhvr>
-                                        <p:cTn id="8" dur="500" fill="hold"/>
-                                        <p:tgtEl>
-                                          <p:spTgt spid="2"/>
-                                        </p:tgtEl>
-                                        <p:attrNameLst>
-                                          <p:attrName>ppt_h</p:attrName>
-                                        </p:attrNameLst>
-                                      </p:cBhvr>
-                                      <p:tavLst>
-                                        <p:tav tm="0">
-                                          <p:val>
-                                            <p:fltVal val="0"/>
-                                          </p:val>
-                                        </p:tav>
-                                        <p:tav tm="100000">
-                                          <p:val>
-                                            <p:strVal val="#ppt_h"/>
-                                          </p:val>
-                                        </p:tav>
-                                      </p:tavLst>
-                                    </p:anim>
-                                    <p:animEffect transition="in" filter="fade">
-                                      <p:cBhvr>
-                                        <p:cTn id="9" dur="500"/>
-                                        <p:tgtEl>
-                                          <p:spTgt spid="2"/>
-                                        </p:tgtEl>
-                                      </p:cBhvr>
-                                    </p:animEffect>
-                                  </p:childTnLst>
-                                </p:cTn>
-                              </p:par>
-                              <p:par>
-                                <p:cTn id="10" presetID="53" presetClass="entr" presetSubtype="16" fill="hold" grpId="0" nodeType="withEffect">
-                                  <p:stCondLst>
-                                    <p:cond delay="0"/>
-                                  </p:stCondLst>
-                                  <p:childTnLst>
-                                    <p:set>
-                                      <p:cBhvr>
-                                        <p:cTn id="11" dur="1" fill="hold">
-                                          <p:stCondLst>
-                                            <p:cond delay="0"/>
-                                          </p:stCondLst>
-                                        </p:cTn>
-                                        <p:tgtEl>
-                                          <p:spTgt spid="3"/>
-                                        </p:tgtEl>
-                                        <p:attrNameLst>
-                                          <p:attrName>style.visibility</p:attrName>
-                                        </p:attrNameLst>
-                                      </p:cBhvr>
-                                      <p:to>
-                                        <p:strVal val="visible"/>
-                                      </p:to>
-                                    </p:set>
-                                    <p:anim calcmode="lin" valueType="num">
-                                      <p:cBhvr>
-                                        <p:cTn id="12" dur="500" fill="hold"/>
-                                        <p:tgtEl>
-                                          <p:spTgt spid="3"/>
-                                        </p:tgtEl>
-                                        <p:attrNameLst>
-                                          <p:attrName>ppt_w</p:attrName>
-                                        </p:attrNameLst>
-                                      </p:cBhvr>
-                                      <p:tavLst>
-                                        <p:tav tm="0">
-                                          <p:val>
-                                            <p:fltVal val="0"/>
-                                          </p:val>
-                                        </p:tav>
-                                        <p:tav tm="100000">
-                                          <p:val>
-                                            <p:strVal val="#ppt_w"/>
-                                          </p:val>
-                                        </p:tav>
-                                      </p:tavLst>
-                                    </p:anim>
-                                    <p:anim calcmode="lin" valueType="num">
-                                      <p:cBhvr>
-                                        <p:cTn id="13" dur="500" fill="hold"/>
-                                        <p:tgtEl>
-                                          <p:spTgt spid="3"/>
-                                        </p:tgtEl>
-                                        <p:attrNameLst>
-                                          <p:attrName>ppt_h</p:attrName>
-                                        </p:attrNameLst>
-                                      </p:cBhvr>
-                                      <p:tavLst>
-                                        <p:tav tm="0">
-                                          <p:val>
-                                            <p:fltVal val="0"/>
-                                          </p:val>
-                                        </p:tav>
-                                        <p:tav tm="100000">
-                                          <p:val>
-                                            <p:strVal val="#ppt_h"/>
-                                          </p:val>
-                                        </p:tav>
-                                      </p:tavLst>
-                                    </p:anim>
-                                    <p:animEffect transition="in" filter="fade">
-                                      <p:cBhvr>
-                                        <p:cTn id="14" dur="500"/>
-                                        <p:tgtEl>
-                                          <p:spTgt spid="3"/>
-                                        </p:tgtEl>
-                                      </p:cBhvr>
-                                    </p:animEffect>
-                                  </p:childTnLst>
-                                </p:cTn>
-                              </p:par>
-                            </p:childTnLst>
-                          </p:cTn>
-                        </p:par>
-                        <p:par>
-                          <p:cTn id="15" fill="hold">
-                            <p:stCondLst>
-                              <p:cond delay="500"/>
-                            </p:stCondLst>
-                            <p:childTnLst>
-                              <p:par>
-                                <p:cTn id="16" presetID="53" presetClass="entr" presetSubtype="16" fill="hold" grpId="0" nodeType="afterEffect">
-                                  <p:stCondLst>
-                                    <p:cond delay="0"/>
-                                  </p:stCondLst>
-                                  <p:childTnLst>
-                                    <p:set>
-                                      <p:cBhvr>
-                                        <p:cTn id="17" dur="1" fill="hold">
-                                          <p:stCondLst>
-                                            <p:cond delay="0"/>
-                                          </p:stCondLst>
-                                        </p:cTn>
-                                        <p:tgtEl>
-                                          <p:spTgt spid="11"/>
-                                        </p:tgtEl>
-                                        <p:attrNameLst>
-                                          <p:attrName>style.visibility</p:attrName>
-                                        </p:attrNameLst>
-                                      </p:cBhvr>
-                                      <p:to>
-                                        <p:strVal val="visible"/>
-                                      </p:to>
-                                    </p:set>
-                                    <p:anim calcmode="lin" valueType="num">
-                                      <p:cBhvr>
-                                        <p:cTn id="18" dur="500" fill="hold"/>
-                                        <p:tgtEl>
-                                          <p:spTgt spid="11"/>
-                                        </p:tgtEl>
-                                        <p:attrNameLst>
-                                          <p:attrName>ppt_w</p:attrName>
-                                        </p:attrNameLst>
-                                      </p:cBhvr>
-                                      <p:tavLst>
-                                        <p:tav tm="0">
-                                          <p:val>
-                                            <p:fltVal val="0"/>
-                                          </p:val>
-                                        </p:tav>
-                                        <p:tav tm="100000">
-                                          <p:val>
-                                            <p:strVal val="#ppt_w"/>
-                                          </p:val>
-                                        </p:tav>
-                                      </p:tavLst>
-                                    </p:anim>
-                                    <p:anim calcmode="lin" valueType="num">
-                                      <p:cBhvr>
-                                        <p:cTn id="19" dur="500" fill="hold"/>
-                                        <p:tgtEl>
-                                          <p:spTgt spid="11"/>
-                                        </p:tgtEl>
-                                        <p:attrNameLst>
-                                          <p:attrName>ppt_h</p:attrName>
-                                        </p:attrNameLst>
-                                      </p:cBhvr>
-                                      <p:tavLst>
-                                        <p:tav tm="0">
-                                          <p:val>
-                                            <p:fltVal val="0"/>
-                                          </p:val>
-                                        </p:tav>
-                                        <p:tav tm="100000">
-                                          <p:val>
-                                            <p:strVal val="#ppt_h"/>
-                                          </p:val>
-                                        </p:tav>
-                                      </p:tavLst>
-                                    </p:anim>
-                                    <p:animEffect transition="in" filter="fade">
-                                      <p:cBhvr>
-                                        <p:cTn id="20" dur="500"/>
-                                        <p:tgtEl>
-                                          <p:spTgt spid="11"/>
-                                        </p:tgtEl>
-                                      </p:cBhvr>
-                                    </p:animEffect>
-                                  </p:childTnLst>
-                                </p:cTn>
-                              </p:par>
-                              <p:par>
-                                <p:cTn id="21" presetID="53" presetClass="entr" presetSubtype="16" fill="hold" grpId="0" nodeType="withEffect">
-                                  <p:stCondLst>
-                                    <p:cond delay="0"/>
-                                  </p:stCondLst>
-                                  <p:childTnLst>
-                                    <p:set>
-                                      <p:cBhvr>
-                                        <p:cTn id="22" dur="1" fill="hold">
-                                          <p:stCondLst>
-                                            <p:cond delay="0"/>
-                                          </p:stCondLst>
-                                        </p:cTn>
-                                        <p:tgtEl>
-                                          <p:spTgt spid="18"/>
-                                        </p:tgtEl>
-                                        <p:attrNameLst>
-                                          <p:attrName>style.visibility</p:attrName>
-                                        </p:attrNameLst>
-                                      </p:cBhvr>
-                                      <p:to>
-                                        <p:strVal val="visible"/>
-                                      </p:to>
-                                    </p:set>
-                                    <p:anim calcmode="lin" valueType="num">
-                                      <p:cBhvr>
-                                        <p:cTn id="23" dur="500" fill="hold"/>
-                                        <p:tgtEl>
-                                          <p:spTgt spid="18"/>
-                                        </p:tgtEl>
-                                        <p:attrNameLst>
-                                          <p:attrName>ppt_w</p:attrName>
-                                        </p:attrNameLst>
-                                      </p:cBhvr>
-                                      <p:tavLst>
-                                        <p:tav tm="0">
-                                          <p:val>
-                                            <p:fltVal val="0"/>
-                                          </p:val>
-                                        </p:tav>
-                                        <p:tav tm="100000">
-                                          <p:val>
-                                            <p:strVal val="#ppt_w"/>
-                                          </p:val>
-                                        </p:tav>
-                                      </p:tavLst>
-                                    </p:anim>
-                                    <p:anim calcmode="lin" valueType="num">
-                                      <p:cBhvr>
-                                        <p:cTn id="24" dur="500" fill="hold"/>
-                                        <p:tgtEl>
-                                          <p:spTgt spid="18"/>
-                                        </p:tgtEl>
-                                        <p:attrNameLst>
-                                          <p:attrName>ppt_h</p:attrName>
-                                        </p:attrNameLst>
-                                      </p:cBhvr>
-                                      <p:tavLst>
-                                        <p:tav tm="0">
-                                          <p:val>
-                                            <p:fltVal val="0"/>
-                                          </p:val>
-                                        </p:tav>
-                                        <p:tav tm="100000">
-                                          <p:val>
-                                            <p:strVal val="#ppt_h"/>
-                                          </p:val>
-                                        </p:tav>
-                                      </p:tavLst>
-                                    </p:anim>
-                                    <p:animEffect transition="in" filter="fade">
-                                      <p:cBhvr>
-                                        <p:cTn id="25" dur="500"/>
-                                        <p:tgtEl>
-                                          <p:spTgt spid="18"/>
-                                        </p:tgtEl>
-                                      </p:cBhvr>
-                                    </p:animEffect>
-                                  </p:childTnLst>
-                                </p:cTn>
-                              </p:par>
-                            </p:childTnLst>
-                          </p:cTn>
-                        </p:par>
-                      </p:childTnLst>
-                    </p:cTn>
-                  </p:par>
-                </p:childTnLst>
-              </p:cTn>
-              <p:prevCondLst>
-                <p:cond evt="onPrev" delay="0">
-                  <p:tgtEl>
-                    <p:sldTgt/>
-                  </p:tgtEl>
-                </p:cond>
-              </p:prevCondLst>
-              <p:nextCondLst>
-                <p:cond evt="onNext" delay="0">
-                  <p:tgtEl>
-                    <p:sldTgt/>
-                  </p:tgtEl>
-                </p:cond>
-              </p:nextCondLst>
-            </p:seq>
-          </p:childTnLst>
-        </p:cTn>
+        <p:cTn id="1" dur="indefinite" restart="never" nodeType="tmRoot"/>
       </p:par>
     </p:tnLst>
-    <p:bldLst>
-      <p:bldP spid="18" grpId="0"/>
-      <p:bldP spid="2" grpId="0" animBg="1"/>
-      <p:bldP spid="3" grpId="0" animBg="1"/>
-      <p:bldP spid="11" grpId="0"/>
-    </p:bldLst>
   </p:timing>
 </p:sld>
 </file>
@@ -20034,6 +18858,29 @@
           </a:prstGeom>
         </p:spPr>
       </p:pic>
+      <p:sp>
+        <p:nvSpPr>
+          <p:cNvPr id="3" name="投影片編號版面配置區 2"/>
+          <p:cNvSpPr>
+            <a:spLocks noGrp="1"/>
+          </p:cNvSpPr>
+          <p:nvPr>
+            <p:ph type="sldNum" sz="quarter" idx="12"/>
+          </p:nvPr>
+        </p:nvSpPr>
+        <p:spPr/>
+        <p:txBody>
+          <a:bodyPr/>
+          <a:lstStyle/>
+          <a:p>
+            <a:fld id="{C216DB24-B25B-49D7-A066-6E012C0AC9EA}" type="slidenum">
+              <a:rPr lang="zh-CN" altLang="en-US" smtClean="0"/>
+              <a:t>7</a:t>
+            </a:fld>
+            <a:endParaRPr lang="zh-CN" altLang="en-US"/>
+          </a:p>
+        </p:txBody>
+      </p:sp>
     </p:spTree>
     <p:extLst>
       <p:ext uri="{BB962C8B-B14F-4D97-AF65-F5344CB8AC3E}">
@@ -20465,7 +19312,7 @@
           <a:graphicData uri="http://schemas.openxmlformats.org/presentationml/2006/ole">
             <mc:AlternateContent xmlns:mc="http://schemas.openxmlformats.org/markup-compatibility/2006">
               <mc:Choice xmlns:v="urn:schemas-microsoft-com:vml" Requires="v">
-                <p:oleObj spid="_x0000_s1055" name="Visio" r:id="rId4" imgW="10706135" imgH="7574217" progId="Visio.Drawing.11">
+                <p:oleObj spid="_x0000_s1058" name="Visio" r:id="rId4" imgW="10706135" imgH="7574217" progId="Visio.Drawing.11">
                   <p:embed/>
                 </p:oleObj>
               </mc:Choice>
@@ -20500,6 +19347,29 @@
           </a:graphicData>
         </a:graphic>
       </p:graphicFrame>
+      <p:sp>
+        <p:nvSpPr>
+          <p:cNvPr id="3" name="投影片編號版面配置區 2"/>
+          <p:cNvSpPr>
+            <a:spLocks noGrp="1"/>
+          </p:cNvSpPr>
+          <p:nvPr>
+            <p:ph type="sldNum" sz="quarter" idx="12"/>
+          </p:nvPr>
+        </p:nvSpPr>
+        <p:spPr/>
+        <p:txBody>
+          <a:bodyPr/>
+          <a:lstStyle/>
+          <a:p>
+            <a:fld id="{C216DB24-B25B-49D7-A066-6E012C0AC9EA}" type="slidenum">
+              <a:rPr lang="zh-CN" altLang="en-US" smtClean="0"/>
+              <a:t>8</a:t>
+            </a:fld>
+            <a:endParaRPr lang="zh-CN" altLang="en-US"/>
+          </a:p>
+        </p:txBody>
+      </p:sp>
     </p:spTree>
     <p:extLst>
       <p:ext uri="{BB962C8B-B14F-4D97-AF65-F5344CB8AC3E}">
@@ -21080,25 +19950,6 @@
               </a:lvl9pPr>
             </a:lstStyle>
             <a:p>
-              <a:pPr fontAlgn="base">
-                <a:lnSpc>
-                  <a:spcPct val="120000"/>
-                </a:lnSpc>
-                <a:spcBef>
-                  <a:spcPct val="0"/>
-                </a:spcBef>
-                <a:spcAft>
-                  <a:spcPct val="0"/>
-                </a:spcAft>
-                <a:defRPr/>
-              </a:pPr>
-              <a:endParaRPr lang="en-US" altLang="zh-TW" sz="2000" dirty="0" smtClean="0">
-                <a:latin typeface="微軟正黑體" panose="020B0604030504040204" pitchFamily="34" charset="-120"/>
-                <a:ea typeface="微軟正黑體" panose="020B0604030504040204" pitchFamily="34" charset="-120"/>
-                <a:sym typeface="Source Han Serif SC" panose="02020400000000000000" pitchFamily="18" charset="-122"/>
-              </a:endParaRPr>
-            </a:p>
-            <a:p>
               <a:pPr algn="just" fontAlgn="base">
                 <a:lnSpc>
                   <a:spcPct val="120000"/>
@@ -21117,7 +19968,15 @@
                   <a:ea typeface="微軟正黑體" panose="020B0604030504040204" pitchFamily="34" charset="-120"/>
                   <a:sym typeface="Source Han Serif SC" panose="02020400000000000000" pitchFamily="18" charset="-122"/>
                 </a:rPr>
-                <a:t>記錄學生</a:t>
+                <a:t>記錄</a:t>
+              </a:r>
+              <a:r>
+                <a:rPr lang="zh-TW" altLang="en-US" sz="2000" dirty="0" smtClean="0">
+                  <a:latin typeface="微軟正黑體" panose="020B0604030504040204" pitchFamily="34" charset="-120"/>
+                  <a:ea typeface="微軟正黑體" panose="020B0604030504040204" pitchFamily="34" charset="-120"/>
+                  <a:sym typeface="Source Han Serif SC" panose="02020400000000000000" pitchFamily="18" charset="-122"/>
+                </a:rPr>
+                <a:t>學生</a:t>
               </a:r>
               <a:r>
                 <a:rPr lang="zh-TW" altLang="en-US" sz="2000" dirty="0">
@@ -21284,25 +20143,6 @@
               </a:lvl9pPr>
             </a:lstStyle>
             <a:p>
-              <a:pPr fontAlgn="base">
-                <a:lnSpc>
-                  <a:spcPct val="120000"/>
-                </a:lnSpc>
-                <a:spcBef>
-                  <a:spcPct val="0"/>
-                </a:spcBef>
-                <a:spcAft>
-                  <a:spcPct val="0"/>
-                </a:spcAft>
-                <a:defRPr/>
-              </a:pPr>
-              <a:endParaRPr lang="en-US" altLang="zh-TW" sz="2000" dirty="0" smtClean="0">
-                <a:latin typeface="微軟正黑體" panose="020B0604030504040204" pitchFamily="34" charset="-120"/>
-                <a:ea typeface="微軟正黑體" panose="020B0604030504040204" pitchFamily="34" charset="-120"/>
-                <a:sym typeface="Source Han Serif SC" panose="02020400000000000000" pitchFamily="18" charset="-122"/>
-              </a:endParaRPr>
-            </a:p>
-            <a:p>
               <a:pPr algn="just" fontAlgn="base">
                 <a:lnSpc>
                   <a:spcPct val="120000"/>
@@ -21321,7 +20161,15 @@
                   <a:ea typeface="微軟正黑體" panose="020B0604030504040204" pitchFamily="34" charset="-120"/>
                   <a:sym typeface="Source Han Serif SC" panose="02020400000000000000" pitchFamily="18" charset="-122"/>
                 </a:rPr>
-                <a:t>系統提供自動批閱減少教師批改測驗時間，並以圖表統計呈現。</a:t>
+                <a:t>系統</a:t>
+              </a:r>
+              <a:r>
+                <a:rPr lang="zh-TW" altLang="en-US" sz="2000" dirty="0" smtClean="0">
+                  <a:latin typeface="微軟正黑體" panose="020B0604030504040204" pitchFamily="34" charset="-120"/>
+                  <a:ea typeface="微軟正黑體" panose="020B0604030504040204" pitchFamily="34" charset="-120"/>
+                  <a:sym typeface="Source Han Serif SC" panose="02020400000000000000" pitchFamily="18" charset="-122"/>
+                </a:rPr>
+                <a:t>提供自動批閱減少教師批改測驗時間，並以圖表統計呈現。</a:t>
               </a:r>
               <a:endParaRPr lang="zh-CN" altLang="zh-CN" sz="2000" dirty="0">
                 <a:latin typeface="微軟正黑體" panose="020B0604030504040204" pitchFamily="34" charset="-120"/>
@@ -21627,7 +20475,7 @@
           </p:nvSpPr>
           <p:spPr>
             <a:xfrm flipH="1">
-              <a:off x="5598106" y="1801998"/>
+              <a:off x="5607834" y="1801998"/>
               <a:ext cx="1415772" cy="461665"/>
             </a:xfrm>
             <a:prstGeom prst="rect">
@@ -21749,7 +20597,7 @@
           </p:nvSpPr>
           <p:spPr>
             <a:xfrm flipH="1">
-              <a:off x="9036538" y="1801216"/>
+              <a:off x="9065722" y="1801216"/>
               <a:ext cx="1723548" cy="461665"/>
             </a:xfrm>
             <a:prstGeom prst="rect">
@@ -21821,6 +20669,29 @@
           </p:spPr>
         </p:pic>
       </p:grpSp>
+      <p:sp>
+        <p:nvSpPr>
+          <p:cNvPr id="2" name="投影片編號版面配置區 1"/>
+          <p:cNvSpPr>
+            <a:spLocks noGrp="1"/>
+          </p:cNvSpPr>
+          <p:nvPr>
+            <p:ph type="sldNum" sz="quarter" idx="12"/>
+          </p:nvPr>
+        </p:nvSpPr>
+        <p:spPr/>
+        <p:txBody>
+          <a:bodyPr/>
+          <a:lstStyle/>
+          <a:p>
+            <a:fld id="{C216DB24-B25B-49D7-A066-6E012C0AC9EA}" type="slidenum">
+              <a:rPr lang="zh-CN" altLang="en-US" smtClean="0"/>
+              <a:t>9</a:t>
+            </a:fld>
+            <a:endParaRPr lang="zh-CN" altLang="en-US"/>
+          </a:p>
+        </p:txBody>
+      </p:sp>
     </p:spTree>
   </p:cSld>
   <p:clrMapOvr>

--- a/i-Coding.pptx
+++ b/i-Coding.pptx
@@ -5,7 +5,7 @@
     <p:sldMasterId id="2147483648" r:id="rId1"/>
   </p:sldMasterIdLst>
   <p:notesMasterIdLst>
-    <p:notesMasterId r:id="rId20"/>
+    <p:notesMasterId r:id="rId21"/>
   </p:notesMasterIdLst>
   <p:sldIdLst>
     <p:sldId id="8393" r:id="rId2"/>
@@ -17,15 +17,16 @@
     <p:sldId id="8397" r:id="rId8"/>
     <p:sldId id="8398" r:id="rId9"/>
     <p:sldId id="7210" r:id="rId10"/>
-    <p:sldId id="8406" r:id="rId11"/>
-    <p:sldId id="8405" r:id="rId12"/>
-    <p:sldId id="8407" r:id="rId13"/>
-    <p:sldId id="8408" r:id="rId14"/>
-    <p:sldId id="8399" r:id="rId15"/>
-    <p:sldId id="8400" r:id="rId16"/>
-    <p:sldId id="8412" r:id="rId17"/>
-    <p:sldId id="8414" r:id="rId18"/>
-    <p:sldId id="8401" r:id="rId19"/>
+    <p:sldId id="8399" r:id="rId11"/>
+    <p:sldId id="8400" r:id="rId12"/>
+    <p:sldId id="8412" r:id="rId13"/>
+    <p:sldId id="8414" r:id="rId14"/>
+    <p:sldId id="8401" r:id="rId15"/>
+    <p:sldId id="8416" r:id="rId16"/>
+    <p:sldId id="8406" r:id="rId17"/>
+    <p:sldId id="8405" r:id="rId18"/>
+    <p:sldId id="8407" r:id="rId19"/>
+    <p:sldId id="8408" r:id="rId20"/>
   </p:sldIdLst>
   <p:sldSz cx="12192000" cy="6858000"/>
   <p:notesSz cx="6858000" cy="9144000"/>
@@ -680,7 +681,7 @@
           <a:bodyPr/>
           <a:lstStyle/>
           <a:p>
-            <a:endParaRPr lang="zh-CN" altLang="en-US"/>
+            <a:endParaRPr lang="zh-CN" altLang="en-US" dirty="0"/>
           </a:p>
         </p:txBody>
       </p:sp>
@@ -699,7 +700,7 @@
           <a:bodyPr/>
           <a:lstStyle/>
           <a:p>
-            <a:fld id="{7B591CAE-0CE1-45F0-8A05-E4D634E011DB}" type="slidenum">
+            <a:fld id="{58C57266-2DAA-4ECB-93ED-B084D17E5BAB}" type="slidenum">
               <a:rPr lang="zh-CN" altLang="en-US" smtClean="0"/>
               <a:t>11</a:t>
             </a:fld>
@@ -710,7 +711,7 @@
     </p:spTree>
     <p:extLst>
       <p:ext uri="{BB962C8B-B14F-4D97-AF65-F5344CB8AC3E}">
-        <p14:creationId xmlns:p14="http://schemas.microsoft.com/office/powerpoint/2010/main" val="3777639825"/>
+        <p14:creationId xmlns:p14="http://schemas.microsoft.com/office/powerpoint/2010/main" val="3027672006"/>
       </p:ext>
     </p:extLst>
   </p:cSld>
@@ -783,7 +784,7 @@
           <a:bodyPr/>
           <a:lstStyle/>
           <a:p>
-            <a:fld id="{7B591CAE-0CE1-45F0-8A05-E4D634E011DB}" type="slidenum">
+            <a:fld id="{F1CB8912-F0BA-4AD8-8415-DA1F26BCB09F}" type="slidenum">
               <a:rPr lang="zh-CN" altLang="en-US" smtClean="0"/>
               <a:t>12</a:t>
             </a:fld>
@@ -794,7 +795,7 @@
     </p:spTree>
     <p:extLst>
       <p:ext uri="{BB962C8B-B14F-4D97-AF65-F5344CB8AC3E}">
-        <p14:creationId xmlns:p14="http://schemas.microsoft.com/office/powerpoint/2010/main" val="3442201353"/>
+        <p14:creationId xmlns:p14="http://schemas.microsoft.com/office/powerpoint/2010/main" val="2740203059"/>
       </p:ext>
     </p:extLst>
   </p:cSld>
@@ -848,7 +849,7 @@
           <a:bodyPr/>
           <a:lstStyle/>
           <a:p>
-            <a:endParaRPr lang="zh-CN" altLang="en-US"/>
+            <a:endParaRPr lang="zh-CN" altLang="en-US" dirty="0"/>
           </a:p>
         </p:txBody>
       </p:sp>
@@ -867,7 +868,7 @@
           <a:bodyPr/>
           <a:lstStyle/>
           <a:p>
-            <a:fld id="{7B591CAE-0CE1-45F0-8A05-E4D634E011DB}" type="slidenum">
+            <a:fld id="{58C57266-2DAA-4ECB-93ED-B084D17E5BAB}" type="slidenum">
               <a:rPr lang="zh-CN" altLang="en-US" smtClean="0"/>
               <a:t>13</a:t>
             </a:fld>
@@ -878,7 +879,7 @@
     </p:spTree>
     <p:extLst>
       <p:ext uri="{BB962C8B-B14F-4D97-AF65-F5344CB8AC3E}">
-        <p14:creationId xmlns:p14="http://schemas.microsoft.com/office/powerpoint/2010/main" val="2982968014"/>
+        <p14:creationId xmlns:p14="http://schemas.microsoft.com/office/powerpoint/2010/main" val="697872915"/>
       </p:ext>
     </p:extLst>
   </p:cSld>
@@ -953,7 +954,7 @@
           <a:p>
             <a:fld id="{F1CB8912-F0BA-4AD8-8415-DA1F26BCB09F}" type="slidenum">
               <a:rPr lang="zh-CN" altLang="en-US" smtClean="0"/>
-              <a:t>14</a:t>
+              <a:t>15</a:t>
             </a:fld>
             <a:endParaRPr lang="zh-CN" altLang="en-US"/>
           </a:p>
@@ -962,7 +963,7 @@
     </p:spTree>
     <p:extLst>
       <p:ext uri="{BB962C8B-B14F-4D97-AF65-F5344CB8AC3E}">
-        <p14:creationId xmlns:p14="http://schemas.microsoft.com/office/powerpoint/2010/main" val="912849865"/>
+        <p14:creationId xmlns:p14="http://schemas.microsoft.com/office/powerpoint/2010/main" val="2709538897"/>
       </p:ext>
     </p:extLst>
   </p:cSld>
@@ -1016,7 +1017,7 @@
           <a:bodyPr/>
           <a:lstStyle/>
           <a:p>
-            <a:endParaRPr lang="zh-CN" altLang="en-US" dirty="0"/>
+            <a:endParaRPr lang="zh-CN" altLang="en-US"/>
           </a:p>
         </p:txBody>
       </p:sp>
@@ -1035,9 +1036,9 @@
           <a:bodyPr/>
           <a:lstStyle/>
           <a:p>
-            <a:fld id="{58C57266-2DAA-4ECB-93ED-B084D17E5BAB}" type="slidenum">
+            <a:fld id="{7B591CAE-0CE1-45F0-8A05-E4D634E011DB}" type="slidenum">
               <a:rPr lang="zh-CN" altLang="en-US" smtClean="0"/>
-              <a:t>15</a:t>
+              <a:t>16</a:t>
             </a:fld>
             <a:endParaRPr lang="zh-CN" altLang="en-US"/>
           </a:p>
@@ -1046,7 +1047,7 @@
     </p:spTree>
     <p:extLst>
       <p:ext uri="{BB962C8B-B14F-4D97-AF65-F5344CB8AC3E}">
-        <p14:creationId xmlns:p14="http://schemas.microsoft.com/office/powerpoint/2010/main" val="3027672006"/>
+        <p14:creationId xmlns:p14="http://schemas.microsoft.com/office/powerpoint/2010/main" val="3225723939"/>
       </p:ext>
     </p:extLst>
   </p:cSld>
@@ -1119,9 +1120,9 @@
           <a:bodyPr/>
           <a:lstStyle/>
           <a:p>
-            <a:fld id="{F1CB8912-F0BA-4AD8-8415-DA1F26BCB09F}" type="slidenum">
+            <a:fld id="{7B591CAE-0CE1-45F0-8A05-E4D634E011DB}" type="slidenum">
               <a:rPr lang="zh-CN" altLang="en-US" smtClean="0"/>
-              <a:t>16</a:t>
+              <a:t>17</a:t>
             </a:fld>
             <a:endParaRPr lang="zh-CN" altLang="en-US"/>
           </a:p>
@@ -1130,7 +1131,7 @@
     </p:spTree>
     <p:extLst>
       <p:ext uri="{BB962C8B-B14F-4D97-AF65-F5344CB8AC3E}">
-        <p14:creationId xmlns:p14="http://schemas.microsoft.com/office/powerpoint/2010/main" val="2740203059"/>
+        <p14:creationId xmlns:p14="http://schemas.microsoft.com/office/powerpoint/2010/main" val="3777639825"/>
       </p:ext>
     </p:extLst>
   </p:cSld>
@@ -1184,7 +1185,7 @@
           <a:bodyPr/>
           <a:lstStyle/>
           <a:p>
-            <a:endParaRPr lang="zh-CN" altLang="en-US" dirty="0"/>
+            <a:endParaRPr lang="zh-CN" altLang="en-US"/>
           </a:p>
         </p:txBody>
       </p:sp>
@@ -1203,9 +1204,9 @@
           <a:bodyPr/>
           <a:lstStyle/>
           <a:p>
-            <a:fld id="{58C57266-2DAA-4ECB-93ED-B084D17E5BAB}" type="slidenum">
+            <a:fld id="{7B591CAE-0CE1-45F0-8A05-E4D634E011DB}" type="slidenum">
               <a:rPr lang="zh-CN" altLang="en-US" smtClean="0"/>
-              <a:t>17</a:t>
+              <a:t>18</a:t>
             </a:fld>
             <a:endParaRPr lang="zh-CN" altLang="en-US"/>
           </a:p>
@@ -1214,7 +1215,91 @@
     </p:spTree>
     <p:extLst>
       <p:ext uri="{BB962C8B-B14F-4D97-AF65-F5344CB8AC3E}">
-        <p14:creationId xmlns:p14="http://schemas.microsoft.com/office/powerpoint/2010/main" val="697872915"/>
+        <p14:creationId xmlns:p14="http://schemas.microsoft.com/office/powerpoint/2010/main" val="3442201353"/>
+      </p:ext>
+    </p:extLst>
+  </p:cSld>
+  <p:clrMapOvr>
+    <a:masterClrMapping/>
+  </p:clrMapOvr>
+</p:notes>
+</file>
+
+<file path=ppt/notesSlides/notesSlide17.xml><?xml version="1.0" encoding="utf-8"?>
+<p:notes xmlns:a="http://schemas.openxmlformats.org/drawingml/2006/main" xmlns:r="http://schemas.openxmlformats.org/officeDocument/2006/relationships" xmlns:p="http://schemas.openxmlformats.org/presentationml/2006/main">
+  <p:cSld>
+    <p:spTree>
+      <p:nvGrpSpPr>
+        <p:cNvPr id="1" name=""/>
+        <p:cNvGrpSpPr/>
+        <p:nvPr/>
+      </p:nvGrpSpPr>
+      <p:grpSpPr>
+        <a:xfrm>
+          <a:off x="0" y="0"/>
+          <a:ext cx="0" cy="0"/>
+          <a:chOff x="0" y="0"/>
+          <a:chExt cx="0" cy="0"/>
+        </a:xfrm>
+      </p:grpSpPr>
+      <p:sp>
+        <p:nvSpPr>
+          <p:cNvPr id="2" name="幻灯片图像占位符 1"/>
+          <p:cNvSpPr>
+            <a:spLocks noGrp="1" noRot="1" noChangeAspect="1"/>
+          </p:cNvSpPr>
+          <p:nvPr>
+            <p:ph type="sldImg"/>
+          </p:nvPr>
+        </p:nvSpPr>
+        <p:spPr/>
+      </p:sp>
+      <p:sp>
+        <p:nvSpPr>
+          <p:cNvPr id="3" name="备注占位符 2"/>
+          <p:cNvSpPr>
+            <a:spLocks noGrp="1"/>
+          </p:cNvSpPr>
+          <p:nvPr>
+            <p:ph type="body" idx="1"/>
+          </p:nvPr>
+        </p:nvSpPr>
+        <p:spPr/>
+        <p:txBody>
+          <a:bodyPr/>
+          <a:lstStyle/>
+          <a:p>
+            <a:endParaRPr lang="zh-CN" altLang="en-US"/>
+          </a:p>
+        </p:txBody>
+      </p:sp>
+      <p:sp>
+        <p:nvSpPr>
+          <p:cNvPr id="4" name="灯片编号占位符 3"/>
+          <p:cNvSpPr>
+            <a:spLocks noGrp="1"/>
+          </p:cNvSpPr>
+          <p:nvPr>
+            <p:ph type="sldNum" sz="quarter" idx="10"/>
+          </p:nvPr>
+        </p:nvSpPr>
+        <p:spPr/>
+        <p:txBody>
+          <a:bodyPr/>
+          <a:lstStyle/>
+          <a:p>
+            <a:fld id="{7B591CAE-0CE1-45F0-8A05-E4D634E011DB}" type="slidenum">
+              <a:rPr lang="zh-CN" altLang="en-US" smtClean="0"/>
+              <a:t>19</a:t>
+            </a:fld>
+            <a:endParaRPr lang="zh-CN" altLang="en-US"/>
+          </a:p>
+        </p:txBody>
+      </p:sp>
+    </p:spTree>
+    <p:extLst>
+      <p:ext uri="{BB962C8B-B14F-4D97-AF65-F5344CB8AC3E}">
+        <p14:creationId xmlns:p14="http://schemas.microsoft.com/office/powerpoint/2010/main" val="2982968014"/>
       </p:ext>
     </p:extLst>
   </p:cSld>
@@ -1875,7 +1960,7 @@
           <a:bodyPr/>
           <a:lstStyle/>
           <a:p>
-            <a:fld id="{7B591CAE-0CE1-45F0-8A05-E4D634E011DB}" type="slidenum">
+            <a:fld id="{F1CB8912-F0BA-4AD8-8415-DA1F26BCB09F}" type="slidenum">
               <a:rPr lang="zh-CN" altLang="en-US" smtClean="0"/>
               <a:t>10</a:t>
             </a:fld>
@@ -1886,7 +1971,7 @@
     </p:spTree>
     <p:extLst>
       <p:ext uri="{BB962C8B-B14F-4D97-AF65-F5344CB8AC3E}">
-        <p14:creationId xmlns:p14="http://schemas.microsoft.com/office/powerpoint/2010/main" val="3225723939"/>
+        <p14:creationId xmlns:p14="http://schemas.microsoft.com/office/powerpoint/2010/main" val="912849865"/>
       </p:ext>
     </p:extLst>
   </p:cSld>
@@ -5874,6 +5959,36 @@
           </p:txBody>
         </p:sp>
       </p:grpSp>
+      <p:sp>
+        <p:nvSpPr>
+          <p:cNvPr id="4" name="文字方塊 3"/>
+          <p:cNvSpPr txBox="1"/>
+          <p:nvPr/>
+        </p:nvSpPr>
+        <p:spPr>
+          <a:xfrm>
+            <a:off x="9944166" y="6179574"/>
+            <a:ext cx="1696064" cy="369332"/>
+          </a:xfrm>
+          <a:prstGeom prst="rect">
+            <a:avLst/>
+          </a:prstGeom>
+          <a:noFill/>
+        </p:spPr>
+        <p:txBody>
+          <a:bodyPr wrap="square" rtlCol="0">
+            <a:spAutoFit/>
+          </a:bodyPr>
+          <a:lstStyle/>
+          <a:p>
+            <a:r>
+              <a:rPr lang="en-US" altLang="zh-TW" dirty="0" smtClean="0"/>
+              <a:t>2019.05.25</a:t>
+            </a:r>
+            <a:endParaRPr lang="zh-TW" altLang="en-US" dirty="0"/>
+          </a:p>
+        </p:txBody>
+      </p:sp>
     </p:spTree>
     <p:extLst>
       <p:ext uri="{BB962C8B-B14F-4D97-AF65-F5344CB8AC3E}">
@@ -6028,6 +6143,3000 @@
 </file>
 
 <file path=ppt/slides/slide10.xml><?xml version="1.0" encoding="utf-8"?>
+<p:sld xmlns:a="http://schemas.openxmlformats.org/drawingml/2006/main" xmlns:r="http://schemas.openxmlformats.org/officeDocument/2006/relationships" xmlns:p="http://schemas.openxmlformats.org/presentationml/2006/main">
+  <p:cSld>
+    <p:spTree>
+      <p:nvGrpSpPr>
+        <p:cNvPr id="1" name=""/>
+        <p:cNvGrpSpPr/>
+        <p:nvPr/>
+      </p:nvGrpSpPr>
+      <p:grpSpPr>
+        <a:xfrm>
+          <a:off x="0" y="0"/>
+          <a:ext cx="0" cy="0"/>
+          <a:chOff x="0" y="0"/>
+          <a:chExt cx="0" cy="0"/>
+        </a:xfrm>
+      </p:grpSpPr>
+      <p:pic>
+        <p:nvPicPr>
+          <p:cNvPr id="10" name="图片 9">
+            <a:extLst>
+              <a:ext uri="{FF2B5EF4-FFF2-40B4-BE49-F238E27FC236}">
+                <a16:creationId xmlns:a16="http://schemas.microsoft.com/office/drawing/2014/main" id="{BA1717BD-FFCC-47B3-9BA7-7F4729EE2BDC}"/>
+              </a:ext>
+            </a:extLst>
+          </p:cNvPr>
+          <p:cNvPicPr>
+            <a:picLocks noChangeAspect="1"/>
+          </p:cNvPicPr>
+          <p:nvPr/>
+        </p:nvPicPr>
+        <p:blipFill rotWithShape="1">
+          <a:blip r:embed="rId3">
+            <a:extLst>
+              <a:ext uri="{28A0092B-C50C-407E-A947-70E740481C1C}">
+                <a14:useLocalDpi xmlns:a14="http://schemas.microsoft.com/office/drawing/2010/main" val="0"/>
+              </a:ext>
+            </a:extLst>
+          </a:blip>
+          <a:srcRect l="35184"/>
+          <a:stretch/>
+        </p:blipFill>
+        <p:spPr>
+          <a:xfrm>
+            <a:off x="0" y="-1"/>
+            <a:ext cx="12192000" cy="6858000"/>
+          </a:xfrm>
+          <a:prstGeom prst="rect">
+            <a:avLst/>
+          </a:prstGeom>
+        </p:spPr>
+      </p:pic>
+      <p:sp>
+        <p:nvSpPr>
+          <p:cNvPr id="18" name="文本框 17">
+            <a:extLst>
+              <a:ext uri="{FF2B5EF4-FFF2-40B4-BE49-F238E27FC236}">
+                <a16:creationId xmlns:a16="http://schemas.microsoft.com/office/drawing/2014/main" id="{8F4BD971-199B-46A0-88D0-3FC7B73E5152}"/>
+              </a:ext>
+            </a:extLst>
+          </p:cNvPr>
+          <p:cNvSpPr txBox="1"/>
+          <p:nvPr/>
+        </p:nvSpPr>
+        <p:spPr>
+          <a:xfrm>
+            <a:off x="3925887" y="2413073"/>
+            <a:ext cx="1057092" cy="2215991"/>
+          </a:xfrm>
+          <a:prstGeom prst="rect">
+            <a:avLst/>
+          </a:prstGeom>
+          <a:noFill/>
+        </p:spPr>
+        <p:txBody>
+          <a:bodyPr wrap="square" rtlCol="0">
+            <a:spAutoFit/>
+            <a:scene3d>
+              <a:camera prst="orthographicFront"/>
+              <a:lightRig rig="threePt" dir="t"/>
+            </a:scene3d>
+            <a:sp3d contourW="12700"/>
+          </a:bodyPr>
+          <a:lstStyle/>
+          <a:p>
+            <a:pPr algn="ctr"/>
+            <a:r>
+              <a:rPr lang="en-US" altLang="zh-CN" sz="13800" dirty="0">
+                <a:solidFill>
+                  <a:schemeClr val="bg2">
+                    <a:lumMod val="25000"/>
+                  </a:schemeClr>
+                </a:solidFill>
+                <a:latin typeface="微軟正黑體" panose="020B0604030504040204" pitchFamily="34" charset="-120"/>
+                <a:ea typeface="微軟正黑體" panose="020B0604030504040204" pitchFamily="34" charset="-120"/>
+                <a:sym typeface="Source Han Serif SC" panose="02020400000000000000" pitchFamily="18" charset="-122"/>
+              </a:rPr>
+              <a:t>3</a:t>
+            </a:r>
+            <a:endParaRPr lang="zh-CN" altLang="en-US" sz="13800" dirty="0">
+              <a:solidFill>
+                <a:schemeClr val="bg2">
+                  <a:lumMod val="25000"/>
+                </a:schemeClr>
+              </a:solidFill>
+              <a:latin typeface="微軟正黑體" panose="020B0604030504040204" pitchFamily="34" charset="-120"/>
+              <a:ea typeface="微軟正黑體" panose="020B0604030504040204" pitchFamily="34" charset="-120"/>
+              <a:sym typeface="Source Han Serif SC" panose="02020400000000000000" pitchFamily="18" charset="-122"/>
+            </a:endParaRPr>
+          </a:p>
+        </p:txBody>
+      </p:sp>
+      <p:sp>
+        <p:nvSpPr>
+          <p:cNvPr id="2" name="菱形 1"/>
+          <p:cNvSpPr/>
+          <p:nvPr/>
+        </p:nvSpPr>
+        <p:spPr>
+          <a:xfrm>
+            <a:off x="3199174" y="2199135"/>
+            <a:ext cx="2643868" cy="2643868"/>
+          </a:xfrm>
+          <a:prstGeom prst="diamond">
+            <a:avLst/>
+          </a:prstGeom>
+          <a:noFill/>
+          <a:ln w="28575">
+            <a:solidFill>
+              <a:srgbClr val="3B3838"/>
+            </a:solidFill>
+          </a:ln>
+        </p:spPr>
+        <p:style>
+          <a:lnRef idx="2">
+            <a:schemeClr val="accent1">
+              <a:shade val="50000"/>
+            </a:schemeClr>
+          </a:lnRef>
+          <a:fillRef idx="1">
+            <a:schemeClr val="accent1"/>
+          </a:fillRef>
+          <a:effectRef idx="0">
+            <a:schemeClr val="accent1"/>
+          </a:effectRef>
+          <a:fontRef idx="minor">
+            <a:schemeClr val="lt1"/>
+          </a:fontRef>
+        </p:style>
+        <p:txBody>
+          <a:bodyPr rtlCol="0" anchor="ctr"/>
+          <a:lstStyle/>
+          <a:p>
+            <a:pPr algn="ctr"/>
+            <a:endParaRPr lang="zh-CN" altLang="en-US" dirty="0">
+              <a:solidFill>
+                <a:schemeClr val="bg2">
+                  <a:lumMod val="25000"/>
+                </a:schemeClr>
+              </a:solidFill>
+              <a:latin typeface="微軟正黑體" panose="020B0604030504040204" pitchFamily="34" charset="-120"/>
+              <a:ea typeface="微軟正黑體" panose="020B0604030504040204" pitchFamily="34" charset="-120"/>
+              <a:sym typeface="Source Han Serif SC" panose="02020400000000000000" pitchFamily="18" charset="-122"/>
+            </a:endParaRPr>
+          </a:p>
+        </p:txBody>
+      </p:sp>
+      <p:sp>
+        <p:nvSpPr>
+          <p:cNvPr id="3" name="菱形 2"/>
+          <p:cNvSpPr/>
+          <p:nvPr/>
+        </p:nvSpPr>
+        <p:spPr>
+          <a:xfrm>
+            <a:off x="5302611" y="1371821"/>
+            <a:ext cx="4298496" cy="4298496"/>
+          </a:xfrm>
+          <a:prstGeom prst="diamond">
+            <a:avLst/>
+          </a:prstGeom>
+          <a:noFill/>
+          <a:ln w="28575">
+            <a:solidFill>
+              <a:srgbClr val="3B3838"/>
+            </a:solidFill>
+          </a:ln>
+        </p:spPr>
+        <p:style>
+          <a:lnRef idx="2">
+            <a:schemeClr val="accent1">
+              <a:shade val="50000"/>
+            </a:schemeClr>
+          </a:lnRef>
+          <a:fillRef idx="1">
+            <a:schemeClr val="accent1"/>
+          </a:fillRef>
+          <a:effectRef idx="0">
+            <a:schemeClr val="accent1"/>
+          </a:effectRef>
+          <a:fontRef idx="minor">
+            <a:schemeClr val="lt1"/>
+          </a:fontRef>
+        </p:style>
+        <p:txBody>
+          <a:bodyPr rtlCol="0" anchor="ctr"/>
+          <a:lstStyle/>
+          <a:p>
+            <a:pPr algn="ctr"/>
+            <a:endParaRPr lang="zh-CN" altLang="en-US" dirty="0">
+              <a:solidFill>
+                <a:schemeClr val="bg2">
+                  <a:lumMod val="25000"/>
+                </a:schemeClr>
+              </a:solidFill>
+              <a:latin typeface="微軟正黑體" panose="020B0604030504040204" pitchFamily="34" charset="-120"/>
+              <a:ea typeface="微軟正黑體" panose="020B0604030504040204" pitchFamily="34" charset="-120"/>
+              <a:sym typeface="Source Han Serif SC" panose="02020400000000000000" pitchFamily="18" charset="-122"/>
+            </a:endParaRPr>
+          </a:p>
+        </p:txBody>
+      </p:sp>
+      <p:sp>
+        <p:nvSpPr>
+          <p:cNvPr id="11" name="文本框 10"/>
+          <p:cNvSpPr txBox="1"/>
+          <p:nvPr/>
+        </p:nvSpPr>
+        <p:spPr>
+          <a:xfrm>
+            <a:off x="5499687" y="3228680"/>
+            <a:ext cx="3904343" cy="584775"/>
+          </a:xfrm>
+          <a:prstGeom prst="rect">
+            <a:avLst/>
+          </a:prstGeom>
+          <a:noFill/>
+        </p:spPr>
+        <p:txBody>
+          <a:bodyPr wrap="square" rtlCol="0">
+            <a:spAutoFit/>
+            <a:scene3d>
+              <a:camera prst="orthographicFront"/>
+              <a:lightRig rig="threePt" dir="t"/>
+            </a:scene3d>
+            <a:sp3d contourW="12700"/>
+          </a:bodyPr>
+          <a:lstStyle>
+            <a:defPPr>
+              <a:defRPr lang="en-US"/>
+            </a:defPPr>
+            <a:lvl1pPr algn="ctr">
+              <a:defRPr sz="2800" b="1">
+                <a:solidFill>
+                  <a:schemeClr val="tx1">
+                    <a:lumMod val="75000"/>
+                    <a:lumOff val="25000"/>
+                  </a:schemeClr>
+                </a:solidFill>
+                <a:latin typeface="Century Gothic" panose="020B0502020202020204" pitchFamily="34" charset="0"/>
+              </a:defRPr>
+            </a:lvl1pPr>
+          </a:lstStyle>
+          <a:p>
+            <a:r>
+              <a:rPr lang="zh-TW" altLang="en-US" sz="3200" dirty="0" smtClean="0">
+                <a:solidFill>
+                  <a:schemeClr val="bg2">
+                    <a:lumMod val="25000"/>
+                  </a:schemeClr>
+                </a:solidFill>
+                <a:latin typeface="微軟正黑體" panose="020B0604030504040204" pitchFamily="34" charset="-120"/>
+                <a:ea typeface="微軟正黑體" panose="020B0604030504040204" pitchFamily="34" charset="-120"/>
+                <a:sym typeface="Source Han Serif SC" panose="02020400000000000000" pitchFamily="18" charset="-122"/>
+              </a:rPr>
+              <a:t>實</a:t>
+            </a:r>
+            <a:r>
+              <a:rPr lang="zh-TW" altLang="en-US" sz="3200" dirty="0">
+                <a:solidFill>
+                  <a:schemeClr val="bg2">
+                    <a:lumMod val="25000"/>
+                  </a:schemeClr>
+                </a:solidFill>
+                <a:latin typeface="微軟正黑體" panose="020B0604030504040204" pitchFamily="34" charset="-120"/>
+                <a:ea typeface="微軟正黑體" panose="020B0604030504040204" pitchFamily="34" charset="-120"/>
+                <a:sym typeface="Source Han Serif SC" panose="02020400000000000000" pitchFamily="18" charset="-122"/>
+              </a:rPr>
+              <a:t>作</a:t>
+            </a:r>
+            <a:r>
+              <a:rPr lang="zh-TW" altLang="en-US" sz="3200" dirty="0" smtClean="0">
+                <a:solidFill>
+                  <a:schemeClr val="bg2">
+                    <a:lumMod val="25000"/>
+                  </a:schemeClr>
+                </a:solidFill>
+                <a:latin typeface="微軟正黑體" panose="020B0604030504040204" pitchFamily="34" charset="-120"/>
+                <a:ea typeface="微軟正黑體" panose="020B0604030504040204" pitchFamily="34" charset="-120"/>
+                <a:sym typeface="Source Han Serif SC" panose="02020400000000000000" pitchFamily="18" charset="-122"/>
+              </a:rPr>
+              <a:t>成</a:t>
+            </a:r>
+            <a:r>
+              <a:rPr lang="zh-TW" altLang="en-US" sz="3200" dirty="0">
+                <a:solidFill>
+                  <a:schemeClr val="bg2">
+                    <a:lumMod val="25000"/>
+                  </a:schemeClr>
+                </a:solidFill>
+                <a:latin typeface="微軟正黑體" panose="020B0604030504040204" pitchFamily="34" charset="-120"/>
+                <a:ea typeface="微軟正黑體" panose="020B0604030504040204" pitchFamily="34" charset="-120"/>
+                <a:sym typeface="Source Han Serif SC" panose="02020400000000000000" pitchFamily="18" charset="-122"/>
+              </a:rPr>
+              <a:t>果</a:t>
+            </a:r>
+            <a:endParaRPr lang="zh-CN" altLang="en-US" sz="3200" dirty="0">
+              <a:solidFill>
+                <a:schemeClr val="bg2">
+                  <a:lumMod val="25000"/>
+                </a:schemeClr>
+              </a:solidFill>
+              <a:latin typeface="微軟正黑體" panose="020B0604030504040204" pitchFamily="34" charset="-120"/>
+              <a:ea typeface="微軟正黑體" panose="020B0604030504040204" pitchFamily="34" charset="-120"/>
+              <a:sym typeface="Source Han Serif SC" panose="02020400000000000000" pitchFamily="18" charset="-122"/>
+            </a:endParaRPr>
+          </a:p>
+        </p:txBody>
+      </p:sp>
+    </p:spTree>
+    <p:extLst>
+      <p:ext uri="{BB962C8B-B14F-4D97-AF65-F5344CB8AC3E}">
+        <p14:creationId xmlns:p14="http://schemas.microsoft.com/office/powerpoint/2010/main" val="925766459"/>
+      </p:ext>
+    </p:extLst>
+  </p:cSld>
+  <p:clrMapOvr>
+    <a:masterClrMapping/>
+  </p:clrMapOvr>
+  <mc:AlternateContent xmlns:mc="http://schemas.openxmlformats.org/markup-compatibility/2006" xmlns:p14="http://schemas.microsoft.com/office/powerpoint/2010/main">
+    <mc:Choice Requires="p14">
+      <p:transition p14:dur="0"/>
+    </mc:Choice>
+    <mc:Fallback xmlns="">
+      <p:transition/>
+    </mc:Fallback>
+  </mc:AlternateContent>
+  <p:timing>
+    <p:tnLst>
+      <p:par>
+        <p:cTn id="1" dur="indefinite" restart="never" nodeType="tmRoot"/>
+      </p:par>
+    </p:tnLst>
+  </p:timing>
+</p:sld>
+</file>
+
+<file path=ppt/slides/slide11.xml><?xml version="1.0" encoding="utf-8"?>
+<p:sld xmlns:a="http://schemas.openxmlformats.org/drawingml/2006/main" xmlns:r="http://schemas.openxmlformats.org/officeDocument/2006/relationships" xmlns:p="http://schemas.openxmlformats.org/presentationml/2006/main">
+  <p:cSld>
+    <p:spTree>
+      <p:nvGrpSpPr>
+        <p:cNvPr id="1" name=""/>
+        <p:cNvGrpSpPr/>
+        <p:nvPr/>
+      </p:nvGrpSpPr>
+      <p:grpSpPr>
+        <a:xfrm>
+          <a:off x="0" y="0"/>
+          <a:ext cx="0" cy="0"/>
+          <a:chOff x="0" y="0"/>
+          <a:chExt cx="0" cy="0"/>
+        </a:xfrm>
+      </p:grpSpPr>
+      <p:grpSp>
+        <p:nvGrpSpPr>
+          <p:cNvPr id="23" name="组合 22">
+            <a:extLst>
+              <a:ext uri="{FF2B5EF4-FFF2-40B4-BE49-F238E27FC236}">
+                <a16:creationId xmlns:a16="http://schemas.microsoft.com/office/drawing/2014/main" id="{CD0BF2FE-AD70-486C-9E40-6DA8A5FFB49D}"/>
+              </a:ext>
+            </a:extLst>
+          </p:cNvPr>
+          <p:cNvGrpSpPr/>
+          <p:nvPr/>
+        </p:nvGrpSpPr>
+        <p:grpSpPr>
+          <a:xfrm>
+            <a:off x="3424460" y="220234"/>
+            <a:ext cx="5544407" cy="617980"/>
+            <a:chOff x="551593" y="497013"/>
+            <a:chExt cx="5544407" cy="617980"/>
+          </a:xfrm>
+        </p:grpSpPr>
+        <p:sp>
+          <p:nvSpPr>
+            <p:cNvPr id="24" name="矩形 23">
+              <a:extLst>
+                <a:ext uri="{FF2B5EF4-FFF2-40B4-BE49-F238E27FC236}">
+                  <a16:creationId xmlns:a16="http://schemas.microsoft.com/office/drawing/2014/main" id="{6D3FE4A9-5D53-4415-BB05-92ED58BD2F3E}"/>
+                </a:ext>
+              </a:extLst>
+            </p:cNvPr>
+            <p:cNvSpPr/>
+            <p:nvPr/>
+          </p:nvSpPr>
+          <p:spPr>
+            <a:xfrm>
+              <a:off x="551593" y="497013"/>
+              <a:ext cx="5544407" cy="584775"/>
+            </a:xfrm>
+            <a:prstGeom prst="rect">
+              <a:avLst/>
+            </a:prstGeom>
+            <a:noFill/>
+          </p:spPr>
+          <p:txBody>
+            <a:bodyPr wrap="square" rtlCol="0">
+              <a:spAutoFit/>
+            </a:bodyPr>
+            <a:lstStyle/>
+            <a:p>
+              <a:pPr marL="0" marR="0" lvl="0" indent="0" algn="ctr" defTabSz="914400" rtl="0" eaLnBrk="1" fontAlgn="auto" latinLnBrk="0" hangingPunct="1">
+                <a:lnSpc>
+                  <a:spcPct val="100000"/>
+                </a:lnSpc>
+                <a:spcBef>
+                  <a:spcPts val="0"/>
+                </a:spcBef>
+                <a:spcAft>
+                  <a:spcPts val="0"/>
+                </a:spcAft>
+                <a:buClrTx/>
+                <a:buSzTx/>
+                <a:buFontTx/>
+                <a:buNone/>
+                <a:tabLst/>
+                <a:defRPr/>
+              </a:pPr>
+              <a:r>
+                <a:rPr lang="zh-TW" altLang="en-US" sz="3200" dirty="0" smtClean="0">
+                  <a:solidFill>
+                    <a:srgbClr val="3B3838"/>
+                  </a:solidFill>
+                  <a:latin typeface="微软雅黑" panose="020B0503020204020204" pitchFamily="34" charset="-122"/>
+                  <a:ea typeface="微软雅黑" panose="020B0503020204020204" pitchFamily="34" charset="-122"/>
+                  <a:sym typeface="Source Han Serif SC" panose="02020400000000000000" pitchFamily="18" charset="-122"/>
+                </a:rPr>
+                <a:t>介紹影片</a:t>
+              </a:r>
+              <a:endParaRPr kumimoji="0" lang="zh-CN" altLang="en-US" sz="3200" b="0" i="0" u="none" strike="noStrike" kern="1200" cap="none" spc="0" normalizeH="0" baseline="0" noProof="0" dirty="0">
+                <a:ln>
+                  <a:noFill/>
+                </a:ln>
+                <a:solidFill>
+                  <a:srgbClr val="3B3838"/>
+                </a:solidFill>
+                <a:effectLst/>
+                <a:uLnTx/>
+                <a:uFillTx/>
+                <a:latin typeface="微软雅黑" panose="020B0503020204020204" pitchFamily="34" charset="-122"/>
+                <a:ea typeface="微软雅黑" panose="020B0503020204020204" pitchFamily="34" charset="-122"/>
+                <a:sym typeface="Source Han Serif SC" panose="02020400000000000000" pitchFamily="18" charset="-122"/>
+              </a:endParaRPr>
+            </a:p>
+          </p:txBody>
+        </p:sp>
+        <p:cxnSp>
+          <p:nvCxnSpPr>
+            <p:cNvPr id="25" name="0 _4">
+              <a:extLst>
+                <a:ext uri="{FF2B5EF4-FFF2-40B4-BE49-F238E27FC236}">
+                  <a16:creationId xmlns:a16="http://schemas.microsoft.com/office/drawing/2014/main" id="{27020C56-84A0-4521-A52D-E71D1771142A}"/>
+                </a:ext>
+              </a:extLst>
+            </p:cNvPr>
+            <p:cNvCxnSpPr/>
+            <p:nvPr/>
+          </p:nvCxnSpPr>
+          <p:spPr>
+            <a:xfrm>
+              <a:off x="715475" y="1114993"/>
+              <a:ext cx="5119805" cy="0"/>
+            </a:xfrm>
+            <a:prstGeom prst="line">
+              <a:avLst/>
+            </a:prstGeom>
+            <a:ln w="25400">
+              <a:gradFill>
+                <a:gsLst>
+                  <a:gs pos="49000">
+                    <a:srgbClr val="3B3838"/>
+                  </a:gs>
+                  <a:gs pos="0">
+                    <a:schemeClr val="bg1">
+                      <a:alpha val="0"/>
+                    </a:schemeClr>
+                  </a:gs>
+                  <a:gs pos="100000">
+                    <a:schemeClr val="bg1">
+                      <a:alpha val="3000"/>
+                    </a:schemeClr>
+                  </a:gs>
+                </a:gsLst>
+                <a:lin ang="0" scaled="0"/>
+              </a:gradFill>
+            </a:ln>
+          </p:spPr>
+          <p:style>
+            <a:lnRef idx="1">
+              <a:schemeClr val="accent1"/>
+            </a:lnRef>
+            <a:fillRef idx="0">
+              <a:schemeClr val="accent1"/>
+            </a:fillRef>
+            <a:effectRef idx="0">
+              <a:schemeClr val="accent1"/>
+            </a:effectRef>
+            <a:fontRef idx="minor">
+              <a:schemeClr val="tx1"/>
+            </a:fontRef>
+          </p:style>
+        </p:cxnSp>
+      </p:grpSp>
+      <p:sp>
+        <p:nvSpPr>
+          <p:cNvPr id="2" name="投影片編號版面配置區 1"/>
+          <p:cNvSpPr>
+            <a:spLocks noGrp="1"/>
+          </p:cNvSpPr>
+          <p:nvPr>
+            <p:ph type="sldNum" sz="quarter" idx="12"/>
+          </p:nvPr>
+        </p:nvSpPr>
+        <p:spPr/>
+        <p:txBody>
+          <a:bodyPr/>
+          <a:lstStyle/>
+          <a:p>
+            <a:fld id="{C216DB24-B25B-49D7-A066-6E012C0AC9EA}" type="slidenum">
+              <a:rPr lang="zh-CN" altLang="en-US" smtClean="0"/>
+              <a:t>11</a:t>
+            </a:fld>
+            <a:endParaRPr lang="zh-CN" altLang="en-US"/>
+          </a:p>
+        </p:txBody>
+      </p:sp>
+      <p:pic>
+        <p:nvPicPr>
+          <p:cNvPr id="5" name="圖片 4">
+            <a:hlinkClick r:id="rId3"/>
+          </p:cNvPr>
+          <p:cNvPicPr>
+            <a:picLocks noChangeAspect="1"/>
+          </p:cNvPicPr>
+          <p:nvPr/>
+        </p:nvPicPr>
+        <p:blipFill>
+          <a:blip r:embed="rId4">
+            <a:extLst>
+              <a:ext uri="{28A0092B-C50C-407E-A947-70E740481C1C}">
+                <a14:useLocalDpi xmlns:a14="http://schemas.microsoft.com/office/drawing/2010/main" val="0"/>
+              </a:ext>
+            </a:extLst>
+          </a:blip>
+          <a:stretch>
+            <a:fillRect/>
+          </a:stretch>
+        </p:blipFill>
+        <p:spPr>
+          <a:xfrm>
+            <a:off x="3657905" y="1243826"/>
+            <a:ext cx="4876190" cy="4876190"/>
+          </a:xfrm>
+          <a:prstGeom prst="rect">
+            <a:avLst/>
+          </a:prstGeom>
+        </p:spPr>
+      </p:pic>
+    </p:spTree>
+    <p:extLst>
+      <p:ext uri="{BB962C8B-B14F-4D97-AF65-F5344CB8AC3E}">
+        <p14:creationId xmlns:p14="http://schemas.microsoft.com/office/powerpoint/2010/main" val="3569202407"/>
+      </p:ext>
+    </p:extLst>
+  </p:cSld>
+  <p:clrMapOvr>
+    <a:masterClrMapping/>
+  </p:clrMapOvr>
+  <mc:AlternateContent xmlns:mc="http://schemas.openxmlformats.org/markup-compatibility/2006" xmlns:p14="http://schemas.microsoft.com/office/powerpoint/2010/main">
+    <mc:Choice Requires="p14">
+      <p:transition p14:dur="10"/>
+    </mc:Choice>
+    <mc:Fallback xmlns="">
+      <p:transition/>
+    </mc:Fallback>
+  </mc:AlternateContent>
+  <p:timing>
+    <p:tnLst>
+      <p:par>
+        <p:cTn id="1" dur="indefinite" restart="never" nodeType="tmRoot">
+          <p:childTnLst>
+            <p:seq concurrent="1" nextAc="seek">
+              <p:cTn id="2" dur="indefinite" nodeType="mainSeq">
+                <p:childTnLst>
+                  <p:par>
+                    <p:cTn id="3" fill="hold">
+                      <p:stCondLst>
+                        <p:cond delay="indefinite"/>
+                        <p:cond evt="onBegin" delay="0">
+                          <p:tn val="2"/>
+                        </p:cond>
+                      </p:stCondLst>
+                      <p:childTnLst>
+                        <p:par>
+                          <p:cTn id="4" fill="hold">
+                            <p:stCondLst>
+                              <p:cond delay="0"/>
+                            </p:stCondLst>
+                            <p:childTnLst>
+                              <p:par>
+                                <p:cTn id="5" presetID="14" presetClass="entr" presetSubtype="10" fill="hold" nodeType="afterEffect">
+                                  <p:stCondLst>
+                                    <p:cond delay="0"/>
+                                  </p:stCondLst>
+                                  <p:childTnLst>
+                                    <p:set>
+                                      <p:cBhvr>
+                                        <p:cTn id="6" dur="1" fill="hold">
+                                          <p:stCondLst>
+                                            <p:cond delay="0"/>
+                                          </p:stCondLst>
+                                        </p:cTn>
+                                        <p:tgtEl>
+                                          <p:spTgt spid="23"/>
+                                        </p:tgtEl>
+                                        <p:attrNameLst>
+                                          <p:attrName>style.visibility</p:attrName>
+                                        </p:attrNameLst>
+                                      </p:cBhvr>
+                                      <p:to>
+                                        <p:strVal val="visible"/>
+                                      </p:to>
+                                    </p:set>
+                                    <p:animEffect transition="in" filter="randombar(horizontal)">
+                                      <p:cBhvr>
+                                        <p:cTn id="7" dur="500"/>
+                                        <p:tgtEl>
+                                          <p:spTgt spid="23"/>
+                                        </p:tgtEl>
+                                      </p:cBhvr>
+                                    </p:animEffect>
+                                  </p:childTnLst>
+                                </p:cTn>
+                              </p:par>
+                              <p:par>
+                                <p:cTn id="8" presetID="53" presetClass="entr" presetSubtype="16" fill="hold" nodeType="withEffect">
+                                  <p:stCondLst>
+                                    <p:cond delay="0"/>
+                                  </p:stCondLst>
+                                  <p:childTnLst>
+                                    <p:set>
+                                      <p:cBhvr>
+                                        <p:cTn id="9" dur="1" fill="hold">
+                                          <p:stCondLst>
+                                            <p:cond delay="0"/>
+                                          </p:stCondLst>
+                                        </p:cTn>
+                                        <p:tgtEl>
+                                          <p:spTgt spid="5"/>
+                                        </p:tgtEl>
+                                        <p:attrNameLst>
+                                          <p:attrName>style.visibility</p:attrName>
+                                        </p:attrNameLst>
+                                      </p:cBhvr>
+                                      <p:to>
+                                        <p:strVal val="visible"/>
+                                      </p:to>
+                                    </p:set>
+                                    <p:anim calcmode="lin" valueType="num">
+                                      <p:cBhvr>
+                                        <p:cTn id="10" dur="500" fill="hold"/>
+                                        <p:tgtEl>
+                                          <p:spTgt spid="5"/>
+                                        </p:tgtEl>
+                                        <p:attrNameLst>
+                                          <p:attrName>ppt_w</p:attrName>
+                                        </p:attrNameLst>
+                                      </p:cBhvr>
+                                      <p:tavLst>
+                                        <p:tav tm="0">
+                                          <p:val>
+                                            <p:fltVal val="0"/>
+                                          </p:val>
+                                        </p:tav>
+                                        <p:tav tm="100000">
+                                          <p:val>
+                                            <p:strVal val="#ppt_w"/>
+                                          </p:val>
+                                        </p:tav>
+                                      </p:tavLst>
+                                    </p:anim>
+                                    <p:anim calcmode="lin" valueType="num">
+                                      <p:cBhvr>
+                                        <p:cTn id="11" dur="500" fill="hold"/>
+                                        <p:tgtEl>
+                                          <p:spTgt spid="5"/>
+                                        </p:tgtEl>
+                                        <p:attrNameLst>
+                                          <p:attrName>ppt_h</p:attrName>
+                                        </p:attrNameLst>
+                                      </p:cBhvr>
+                                      <p:tavLst>
+                                        <p:tav tm="0">
+                                          <p:val>
+                                            <p:fltVal val="0"/>
+                                          </p:val>
+                                        </p:tav>
+                                        <p:tav tm="100000">
+                                          <p:val>
+                                            <p:strVal val="#ppt_h"/>
+                                          </p:val>
+                                        </p:tav>
+                                      </p:tavLst>
+                                    </p:anim>
+                                    <p:animEffect transition="in" filter="fade">
+                                      <p:cBhvr>
+                                        <p:cTn id="12" dur="500"/>
+                                        <p:tgtEl>
+                                          <p:spTgt spid="5"/>
+                                        </p:tgtEl>
+                                      </p:cBhvr>
+                                    </p:animEffect>
+                                  </p:childTnLst>
+                                </p:cTn>
+                              </p:par>
+                            </p:childTnLst>
+                          </p:cTn>
+                        </p:par>
+                      </p:childTnLst>
+                    </p:cTn>
+                  </p:par>
+                </p:childTnLst>
+              </p:cTn>
+              <p:prevCondLst>
+                <p:cond evt="onPrev" delay="0">
+                  <p:tgtEl>
+                    <p:sldTgt/>
+                  </p:tgtEl>
+                </p:cond>
+              </p:prevCondLst>
+              <p:nextCondLst>
+                <p:cond evt="onNext" delay="0">
+                  <p:tgtEl>
+                    <p:sldTgt/>
+                  </p:tgtEl>
+                </p:cond>
+              </p:nextCondLst>
+            </p:seq>
+          </p:childTnLst>
+        </p:cTn>
+      </p:par>
+    </p:tnLst>
+  </p:timing>
+</p:sld>
+</file>
+
+<file path=ppt/slides/slide12.xml><?xml version="1.0" encoding="utf-8"?>
+<p:sld xmlns:a="http://schemas.openxmlformats.org/drawingml/2006/main" xmlns:r="http://schemas.openxmlformats.org/officeDocument/2006/relationships" xmlns:p="http://schemas.openxmlformats.org/presentationml/2006/main">
+  <p:cSld>
+    <p:spTree>
+      <p:nvGrpSpPr>
+        <p:cNvPr id="1" name=""/>
+        <p:cNvGrpSpPr/>
+        <p:nvPr/>
+      </p:nvGrpSpPr>
+      <p:grpSpPr>
+        <a:xfrm>
+          <a:off x="0" y="0"/>
+          <a:ext cx="0" cy="0"/>
+          <a:chOff x="0" y="0"/>
+          <a:chExt cx="0" cy="0"/>
+        </a:xfrm>
+      </p:grpSpPr>
+      <p:pic>
+        <p:nvPicPr>
+          <p:cNvPr id="10" name="图片 9">
+            <a:extLst>
+              <a:ext uri="{FF2B5EF4-FFF2-40B4-BE49-F238E27FC236}">
+                <a16:creationId xmlns:a16="http://schemas.microsoft.com/office/drawing/2014/main" id="{BA1717BD-FFCC-47B3-9BA7-7F4729EE2BDC}"/>
+              </a:ext>
+            </a:extLst>
+          </p:cNvPr>
+          <p:cNvPicPr>
+            <a:picLocks noChangeAspect="1"/>
+          </p:cNvPicPr>
+          <p:nvPr/>
+        </p:nvPicPr>
+        <p:blipFill rotWithShape="1">
+          <a:blip r:embed="rId3">
+            <a:extLst>
+              <a:ext uri="{28A0092B-C50C-407E-A947-70E740481C1C}">
+                <a14:useLocalDpi xmlns:a14="http://schemas.microsoft.com/office/drawing/2010/main" val="0"/>
+              </a:ext>
+            </a:extLst>
+          </a:blip>
+          <a:srcRect l="35184"/>
+          <a:stretch/>
+        </p:blipFill>
+        <p:spPr>
+          <a:xfrm>
+            <a:off x="0" y="-1"/>
+            <a:ext cx="12192000" cy="6858000"/>
+          </a:xfrm>
+          <a:prstGeom prst="rect">
+            <a:avLst/>
+          </a:prstGeom>
+        </p:spPr>
+      </p:pic>
+      <p:sp>
+        <p:nvSpPr>
+          <p:cNvPr id="18" name="文本框 17">
+            <a:extLst>
+              <a:ext uri="{FF2B5EF4-FFF2-40B4-BE49-F238E27FC236}">
+                <a16:creationId xmlns:a16="http://schemas.microsoft.com/office/drawing/2014/main" id="{8F4BD971-199B-46A0-88D0-3FC7B73E5152}"/>
+              </a:ext>
+            </a:extLst>
+          </p:cNvPr>
+          <p:cNvSpPr txBox="1"/>
+          <p:nvPr/>
+        </p:nvSpPr>
+        <p:spPr>
+          <a:xfrm>
+            <a:off x="3925887" y="2413073"/>
+            <a:ext cx="1057092" cy="2215991"/>
+          </a:xfrm>
+          <a:prstGeom prst="rect">
+            <a:avLst/>
+          </a:prstGeom>
+          <a:noFill/>
+        </p:spPr>
+        <p:txBody>
+          <a:bodyPr wrap="square" rtlCol="0">
+            <a:spAutoFit/>
+            <a:scene3d>
+              <a:camera prst="orthographicFront"/>
+              <a:lightRig rig="threePt" dir="t"/>
+            </a:scene3d>
+            <a:sp3d contourW="12700"/>
+          </a:bodyPr>
+          <a:lstStyle/>
+          <a:p>
+            <a:pPr algn="ctr"/>
+            <a:r>
+              <a:rPr lang="en-US" altLang="zh-CN" sz="13800" dirty="0">
+                <a:solidFill>
+                  <a:schemeClr val="bg2">
+                    <a:lumMod val="25000"/>
+                  </a:schemeClr>
+                </a:solidFill>
+                <a:latin typeface="微軟正黑體" panose="020B0604030504040204" pitchFamily="34" charset="-120"/>
+                <a:ea typeface="微軟正黑體" panose="020B0604030504040204" pitchFamily="34" charset="-120"/>
+                <a:sym typeface="Source Han Serif SC" panose="02020400000000000000" pitchFamily="18" charset="-122"/>
+              </a:rPr>
+              <a:t>4</a:t>
+            </a:r>
+            <a:endParaRPr lang="zh-CN" altLang="en-US" sz="13800" dirty="0">
+              <a:solidFill>
+                <a:schemeClr val="bg2">
+                  <a:lumMod val="25000"/>
+                </a:schemeClr>
+              </a:solidFill>
+              <a:latin typeface="微軟正黑體" panose="020B0604030504040204" pitchFamily="34" charset="-120"/>
+              <a:ea typeface="微軟正黑體" panose="020B0604030504040204" pitchFamily="34" charset="-120"/>
+              <a:sym typeface="Source Han Serif SC" panose="02020400000000000000" pitchFamily="18" charset="-122"/>
+            </a:endParaRPr>
+          </a:p>
+        </p:txBody>
+      </p:sp>
+      <p:sp>
+        <p:nvSpPr>
+          <p:cNvPr id="2" name="菱形 1"/>
+          <p:cNvSpPr/>
+          <p:nvPr/>
+        </p:nvSpPr>
+        <p:spPr>
+          <a:xfrm>
+            <a:off x="3199174" y="2199135"/>
+            <a:ext cx="2643868" cy="2643868"/>
+          </a:xfrm>
+          <a:prstGeom prst="diamond">
+            <a:avLst/>
+          </a:prstGeom>
+          <a:noFill/>
+          <a:ln w="28575">
+            <a:solidFill>
+              <a:srgbClr val="3B3838"/>
+            </a:solidFill>
+          </a:ln>
+        </p:spPr>
+        <p:style>
+          <a:lnRef idx="2">
+            <a:schemeClr val="accent1">
+              <a:shade val="50000"/>
+            </a:schemeClr>
+          </a:lnRef>
+          <a:fillRef idx="1">
+            <a:schemeClr val="accent1"/>
+          </a:fillRef>
+          <a:effectRef idx="0">
+            <a:schemeClr val="accent1"/>
+          </a:effectRef>
+          <a:fontRef idx="minor">
+            <a:schemeClr val="lt1"/>
+          </a:fontRef>
+        </p:style>
+        <p:txBody>
+          <a:bodyPr rtlCol="0" anchor="ctr"/>
+          <a:lstStyle/>
+          <a:p>
+            <a:pPr algn="ctr"/>
+            <a:endParaRPr lang="zh-CN" altLang="en-US" dirty="0">
+              <a:solidFill>
+                <a:schemeClr val="bg2">
+                  <a:lumMod val="25000"/>
+                </a:schemeClr>
+              </a:solidFill>
+              <a:latin typeface="微軟正黑體" panose="020B0604030504040204" pitchFamily="34" charset="-120"/>
+              <a:ea typeface="微軟正黑體" panose="020B0604030504040204" pitchFamily="34" charset="-120"/>
+              <a:sym typeface="Source Han Serif SC" panose="02020400000000000000" pitchFamily="18" charset="-122"/>
+            </a:endParaRPr>
+          </a:p>
+        </p:txBody>
+      </p:sp>
+      <p:sp>
+        <p:nvSpPr>
+          <p:cNvPr id="3" name="菱形 2"/>
+          <p:cNvSpPr/>
+          <p:nvPr/>
+        </p:nvSpPr>
+        <p:spPr>
+          <a:xfrm>
+            <a:off x="5302611" y="1371821"/>
+            <a:ext cx="4298496" cy="4298496"/>
+          </a:xfrm>
+          <a:prstGeom prst="diamond">
+            <a:avLst/>
+          </a:prstGeom>
+          <a:noFill/>
+          <a:ln w="28575">
+            <a:solidFill>
+              <a:srgbClr val="3B3838"/>
+            </a:solidFill>
+          </a:ln>
+        </p:spPr>
+        <p:style>
+          <a:lnRef idx="2">
+            <a:schemeClr val="accent1">
+              <a:shade val="50000"/>
+            </a:schemeClr>
+          </a:lnRef>
+          <a:fillRef idx="1">
+            <a:schemeClr val="accent1"/>
+          </a:fillRef>
+          <a:effectRef idx="0">
+            <a:schemeClr val="accent1"/>
+          </a:effectRef>
+          <a:fontRef idx="minor">
+            <a:schemeClr val="lt1"/>
+          </a:fontRef>
+        </p:style>
+        <p:txBody>
+          <a:bodyPr rtlCol="0" anchor="ctr"/>
+          <a:lstStyle/>
+          <a:p>
+            <a:pPr algn="ctr"/>
+            <a:endParaRPr lang="zh-CN" altLang="en-US" dirty="0">
+              <a:solidFill>
+                <a:schemeClr val="bg2">
+                  <a:lumMod val="25000"/>
+                </a:schemeClr>
+              </a:solidFill>
+              <a:latin typeface="微軟正黑體" panose="020B0604030504040204" pitchFamily="34" charset="-120"/>
+              <a:ea typeface="微軟正黑體" panose="020B0604030504040204" pitchFamily="34" charset="-120"/>
+              <a:sym typeface="Source Han Serif SC" panose="02020400000000000000" pitchFamily="18" charset="-122"/>
+            </a:endParaRPr>
+          </a:p>
+        </p:txBody>
+      </p:sp>
+      <p:sp>
+        <p:nvSpPr>
+          <p:cNvPr id="11" name="文本框 10"/>
+          <p:cNvSpPr txBox="1"/>
+          <p:nvPr/>
+        </p:nvSpPr>
+        <p:spPr>
+          <a:xfrm>
+            <a:off x="5499687" y="3228680"/>
+            <a:ext cx="3904343" cy="584775"/>
+          </a:xfrm>
+          <a:prstGeom prst="rect">
+            <a:avLst/>
+          </a:prstGeom>
+          <a:noFill/>
+        </p:spPr>
+        <p:txBody>
+          <a:bodyPr wrap="square" rtlCol="0">
+            <a:spAutoFit/>
+            <a:scene3d>
+              <a:camera prst="orthographicFront"/>
+              <a:lightRig rig="threePt" dir="t"/>
+            </a:scene3d>
+            <a:sp3d contourW="12700"/>
+          </a:bodyPr>
+          <a:lstStyle>
+            <a:defPPr>
+              <a:defRPr lang="en-US"/>
+            </a:defPPr>
+            <a:lvl1pPr algn="ctr">
+              <a:defRPr sz="2800" b="1">
+                <a:solidFill>
+                  <a:schemeClr val="tx1">
+                    <a:lumMod val="75000"/>
+                    <a:lumOff val="25000"/>
+                  </a:schemeClr>
+                </a:solidFill>
+                <a:latin typeface="Century Gothic" panose="020B0502020202020204" pitchFamily="34" charset="0"/>
+              </a:defRPr>
+            </a:lvl1pPr>
+          </a:lstStyle>
+          <a:p>
+            <a:r>
+              <a:rPr lang="zh-TW" altLang="en-US" sz="3200" dirty="0">
+                <a:solidFill>
+                  <a:schemeClr val="bg2">
+                    <a:lumMod val="25000"/>
+                  </a:schemeClr>
+                </a:solidFill>
+                <a:latin typeface="微軟正黑體" panose="020B0604030504040204" pitchFamily="34" charset="-120"/>
+                <a:ea typeface="微軟正黑體" panose="020B0604030504040204" pitchFamily="34" charset="-120"/>
+                <a:sym typeface="Source Han Serif SC" panose="02020400000000000000" pitchFamily="18" charset="-122"/>
+              </a:rPr>
+              <a:t>結論</a:t>
+            </a:r>
+            <a:endParaRPr lang="zh-CN" altLang="en-US" sz="3200" dirty="0">
+              <a:solidFill>
+                <a:schemeClr val="bg2">
+                  <a:lumMod val="25000"/>
+                </a:schemeClr>
+              </a:solidFill>
+              <a:latin typeface="微軟正黑體" panose="020B0604030504040204" pitchFamily="34" charset="-120"/>
+              <a:ea typeface="微軟正黑體" panose="020B0604030504040204" pitchFamily="34" charset="-120"/>
+              <a:sym typeface="Source Han Serif SC" panose="02020400000000000000" pitchFamily="18" charset="-122"/>
+            </a:endParaRPr>
+          </a:p>
+        </p:txBody>
+      </p:sp>
+    </p:spTree>
+    <p:extLst>
+      <p:ext uri="{BB962C8B-B14F-4D97-AF65-F5344CB8AC3E}">
+        <p14:creationId xmlns:p14="http://schemas.microsoft.com/office/powerpoint/2010/main" val="37454786"/>
+      </p:ext>
+    </p:extLst>
+  </p:cSld>
+  <p:clrMapOvr>
+    <a:masterClrMapping/>
+  </p:clrMapOvr>
+  <mc:AlternateContent xmlns:mc="http://schemas.openxmlformats.org/markup-compatibility/2006" xmlns:p14="http://schemas.microsoft.com/office/powerpoint/2010/main">
+    <mc:Choice Requires="p14">
+      <p:transition p14:dur="0"/>
+    </mc:Choice>
+    <mc:Fallback xmlns="">
+      <p:transition/>
+    </mc:Fallback>
+  </mc:AlternateContent>
+  <p:timing>
+    <p:tnLst>
+      <p:par>
+        <p:cTn id="1" dur="indefinite" restart="never" nodeType="tmRoot"/>
+      </p:par>
+    </p:tnLst>
+  </p:timing>
+</p:sld>
+</file>
+
+<file path=ppt/slides/slide13.xml><?xml version="1.0" encoding="utf-8"?>
+<p:sld xmlns:a="http://schemas.openxmlformats.org/drawingml/2006/main" xmlns:r="http://schemas.openxmlformats.org/officeDocument/2006/relationships" xmlns:p="http://schemas.openxmlformats.org/presentationml/2006/main">
+  <p:cSld>
+    <p:spTree>
+      <p:nvGrpSpPr>
+        <p:cNvPr id="1" name=""/>
+        <p:cNvGrpSpPr/>
+        <p:nvPr/>
+      </p:nvGrpSpPr>
+      <p:grpSpPr>
+        <a:xfrm>
+          <a:off x="0" y="0"/>
+          <a:ext cx="0" cy="0"/>
+          <a:chOff x="0" y="0"/>
+          <a:chExt cx="0" cy="0"/>
+        </a:xfrm>
+      </p:grpSpPr>
+      <p:sp>
+        <p:nvSpPr>
+          <p:cNvPr id="15" name="剪去同側角落矩形 14"/>
+          <p:cNvSpPr/>
+          <p:nvPr/>
+        </p:nvSpPr>
+        <p:spPr>
+          <a:xfrm rot="5400000">
+            <a:off x="570587" y="4476922"/>
+            <a:ext cx="1577132" cy="1213960"/>
+          </a:xfrm>
+          <a:prstGeom prst="snip2SameRect">
+            <a:avLst/>
+          </a:prstGeom>
+          <a:solidFill>
+            <a:srgbClr val="FCB640"/>
+          </a:solidFill>
+          <a:ln>
+            <a:noFill/>
+          </a:ln>
+        </p:spPr>
+        <p:style>
+          <a:lnRef idx="2">
+            <a:schemeClr val="accent1">
+              <a:shade val="50000"/>
+            </a:schemeClr>
+          </a:lnRef>
+          <a:fillRef idx="1">
+            <a:schemeClr val="accent1"/>
+          </a:fillRef>
+          <a:effectRef idx="0">
+            <a:schemeClr val="accent1"/>
+          </a:effectRef>
+          <a:fontRef idx="minor">
+            <a:schemeClr val="lt1"/>
+          </a:fontRef>
+        </p:style>
+        <p:txBody>
+          <a:bodyPr rtlCol="0" anchor="ctr"/>
+          <a:lstStyle/>
+          <a:p>
+            <a:pPr algn="ctr"/>
+            <a:endParaRPr lang="zh-TW" altLang="en-US"/>
+          </a:p>
+        </p:txBody>
+      </p:sp>
+      <p:sp>
+        <p:nvSpPr>
+          <p:cNvPr id="13" name="剪去同側角落矩形 12"/>
+          <p:cNvSpPr/>
+          <p:nvPr/>
+        </p:nvSpPr>
+        <p:spPr>
+          <a:xfrm rot="5400000">
+            <a:off x="149436" y="1924836"/>
+            <a:ext cx="2419435" cy="1213959"/>
+          </a:xfrm>
+          <a:prstGeom prst="snip2SameRect">
+            <a:avLst/>
+          </a:prstGeom>
+          <a:solidFill>
+            <a:srgbClr val="FF5B62">
+              <a:alpha val="71000"/>
+            </a:srgbClr>
+          </a:solidFill>
+          <a:ln>
+            <a:noFill/>
+          </a:ln>
+          <a:effectLst>
+            <a:glow>
+              <a:schemeClr val="accent1">
+                <a:alpha val="40000"/>
+              </a:schemeClr>
+            </a:glow>
+          </a:effectLst>
+        </p:spPr>
+        <p:style>
+          <a:lnRef idx="2">
+            <a:schemeClr val="accent1">
+              <a:shade val="50000"/>
+            </a:schemeClr>
+          </a:lnRef>
+          <a:fillRef idx="1">
+            <a:schemeClr val="accent1"/>
+          </a:fillRef>
+          <a:effectRef idx="0">
+            <a:schemeClr val="accent1"/>
+          </a:effectRef>
+          <a:fontRef idx="minor">
+            <a:schemeClr val="lt1"/>
+          </a:fontRef>
+        </p:style>
+        <p:txBody>
+          <a:bodyPr rtlCol="0" anchor="ctr"/>
+          <a:lstStyle/>
+          <a:p>
+            <a:pPr algn="ctr"/>
+            <a:endParaRPr lang="zh-TW" altLang="en-US"/>
+          </a:p>
+        </p:txBody>
+      </p:sp>
+      <p:grpSp>
+        <p:nvGrpSpPr>
+          <p:cNvPr id="23" name="组合 22">
+            <a:extLst>
+              <a:ext uri="{FF2B5EF4-FFF2-40B4-BE49-F238E27FC236}">
+                <a16:creationId xmlns:a16="http://schemas.microsoft.com/office/drawing/2014/main" id="{CD0BF2FE-AD70-486C-9E40-6DA8A5FFB49D}"/>
+              </a:ext>
+            </a:extLst>
+          </p:cNvPr>
+          <p:cNvGrpSpPr/>
+          <p:nvPr/>
+        </p:nvGrpSpPr>
+        <p:grpSpPr>
+          <a:xfrm>
+            <a:off x="3424460" y="220234"/>
+            <a:ext cx="5544407" cy="617980"/>
+            <a:chOff x="551593" y="497013"/>
+            <a:chExt cx="5544407" cy="617980"/>
+          </a:xfrm>
+        </p:grpSpPr>
+        <p:sp>
+          <p:nvSpPr>
+            <p:cNvPr id="24" name="矩形 23">
+              <a:extLst>
+                <a:ext uri="{FF2B5EF4-FFF2-40B4-BE49-F238E27FC236}">
+                  <a16:creationId xmlns:a16="http://schemas.microsoft.com/office/drawing/2014/main" id="{6D3FE4A9-5D53-4415-BB05-92ED58BD2F3E}"/>
+                </a:ext>
+              </a:extLst>
+            </p:cNvPr>
+            <p:cNvSpPr/>
+            <p:nvPr/>
+          </p:nvSpPr>
+          <p:spPr>
+            <a:xfrm>
+              <a:off x="551593" y="497013"/>
+              <a:ext cx="5544407" cy="584775"/>
+            </a:xfrm>
+            <a:prstGeom prst="rect">
+              <a:avLst/>
+            </a:prstGeom>
+            <a:noFill/>
+          </p:spPr>
+          <p:txBody>
+            <a:bodyPr wrap="square" rtlCol="0">
+              <a:spAutoFit/>
+            </a:bodyPr>
+            <a:lstStyle/>
+            <a:p>
+              <a:pPr marL="0" marR="0" lvl="0" indent="0" algn="ctr" defTabSz="914400" rtl="0" eaLnBrk="1" fontAlgn="auto" latinLnBrk="0" hangingPunct="1">
+                <a:lnSpc>
+                  <a:spcPct val="100000"/>
+                </a:lnSpc>
+                <a:spcBef>
+                  <a:spcPts val="0"/>
+                </a:spcBef>
+                <a:spcAft>
+                  <a:spcPts val="0"/>
+                </a:spcAft>
+                <a:buClrTx/>
+                <a:buSzTx/>
+                <a:buFontTx/>
+                <a:buNone/>
+                <a:tabLst/>
+                <a:defRPr/>
+              </a:pPr>
+              <a:r>
+                <a:rPr lang="zh-TW" altLang="en-US" sz="3200" dirty="0">
+                  <a:solidFill>
+                    <a:srgbClr val="3B3838"/>
+                  </a:solidFill>
+                  <a:latin typeface="微软雅黑" panose="020B0503020204020204" pitchFamily="34" charset="-122"/>
+                  <a:ea typeface="微软雅黑" panose="020B0503020204020204" pitchFamily="34" charset="-122"/>
+                  <a:sym typeface="Source Han Serif SC" panose="02020400000000000000" pitchFamily="18" charset="-122"/>
+                </a:rPr>
+                <a:t>結論</a:t>
+              </a:r>
+              <a:endParaRPr kumimoji="0" lang="zh-CN" altLang="en-US" sz="3200" b="0" i="0" u="none" strike="noStrike" kern="1200" cap="none" spc="0" normalizeH="0" baseline="0" noProof="0" dirty="0">
+                <a:ln>
+                  <a:noFill/>
+                </a:ln>
+                <a:solidFill>
+                  <a:srgbClr val="3B3838"/>
+                </a:solidFill>
+                <a:effectLst/>
+                <a:uLnTx/>
+                <a:uFillTx/>
+                <a:latin typeface="微软雅黑" panose="020B0503020204020204" pitchFamily="34" charset="-122"/>
+                <a:ea typeface="微软雅黑" panose="020B0503020204020204" pitchFamily="34" charset="-122"/>
+                <a:sym typeface="Source Han Serif SC" panose="02020400000000000000" pitchFamily="18" charset="-122"/>
+              </a:endParaRPr>
+            </a:p>
+          </p:txBody>
+        </p:sp>
+        <p:cxnSp>
+          <p:nvCxnSpPr>
+            <p:cNvPr id="25" name="0 _4">
+              <a:extLst>
+                <a:ext uri="{FF2B5EF4-FFF2-40B4-BE49-F238E27FC236}">
+                  <a16:creationId xmlns:a16="http://schemas.microsoft.com/office/drawing/2014/main" id="{27020C56-84A0-4521-A52D-E71D1771142A}"/>
+                </a:ext>
+              </a:extLst>
+            </p:cNvPr>
+            <p:cNvCxnSpPr/>
+            <p:nvPr/>
+          </p:nvCxnSpPr>
+          <p:spPr>
+            <a:xfrm>
+              <a:off x="715475" y="1114993"/>
+              <a:ext cx="5119805" cy="0"/>
+            </a:xfrm>
+            <a:prstGeom prst="line">
+              <a:avLst/>
+            </a:prstGeom>
+            <a:ln w="25400">
+              <a:gradFill>
+                <a:gsLst>
+                  <a:gs pos="49000">
+                    <a:srgbClr val="3B3838"/>
+                  </a:gs>
+                  <a:gs pos="0">
+                    <a:schemeClr val="bg1">
+                      <a:alpha val="0"/>
+                    </a:schemeClr>
+                  </a:gs>
+                  <a:gs pos="100000">
+                    <a:schemeClr val="bg1">
+                      <a:alpha val="3000"/>
+                    </a:schemeClr>
+                  </a:gs>
+                </a:gsLst>
+                <a:lin ang="0" scaled="0"/>
+              </a:gradFill>
+            </a:ln>
+          </p:spPr>
+          <p:style>
+            <a:lnRef idx="1">
+              <a:schemeClr val="accent1"/>
+            </a:lnRef>
+            <a:fillRef idx="0">
+              <a:schemeClr val="accent1"/>
+            </a:fillRef>
+            <a:effectRef idx="0">
+              <a:schemeClr val="accent1"/>
+            </a:effectRef>
+            <a:fontRef idx="minor">
+              <a:schemeClr val="tx1"/>
+            </a:fontRef>
+          </p:style>
+        </p:cxnSp>
+      </p:grpSp>
+      <p:grpSp>
+        <p:nvGrpSpPr>
+          <p:cNvPr id="12" name="群組 11"/>
+          <p:cNvGrpSpPr/>
+          <p:nvPr/>
+        </p:nvGrpSpPr>
+        <p:grpSpPr>
+          <a:xfrm>
+            <a:off x="2917238" y="1322098"/>
+            <a:ext cx="8156837" cy="4550368"/>
+            <a:chOff x="1748226" y="1185657"/>
+            <a:chExt cx="8156837" cy="4550368"/>
+          </a:xfrm>
+        </p:grpSpPr>
+        <p:sp>
+          <p:nvSpPr>
+            <p:cNvPr id="2" name="矩形 1"/>
+            <p:cNvSpPr/>
+            <p:nvPr/>
+          </p:nvSpPr>
+          <p:spPr>
+            <a:xfrm>
+              <a:off x="2488262" y="1275389"/>
+              <a:ext cx="7416801" cy="4401205"/>
+            </a:xfrm>
+            <a:prstGeom prst="rect">
+              <a:avLst/>
+            </a:prstGeom>
+          </p:spPr>
+          <p:txBody>
+            <a:bodyPr wrap="square">
+              <a:spAutoFit/>
+            </a:bodyPr>
+            <a:lstStyle/>
+            <a:p>
+              <a:r>
+                <a:rPr lang="zh-TW" altLang="zh-TW" sz="2800" dirty="0" smtClean="0">
+                  <a:latin typeface="微軟正黑體" panose="020B0604030504040204" pitchFamily="34" charset="-120"/>
+                  <a:ea typeface="微軟正黑體" panose="020B0604030504040204" pitchFamily="34" charset="-120"/>
+                  <a:cs typeface="Times New Roman" panose="02020603050405020304" pitchFamily="18" charset="0"/>
+                </a:rPr>
+                <a:t>顛覆傳統實體教室的學習模式</a:t>
+              </a:r>
+              <a:endParaRPr lang="en-US" altLang="zh-TW" sz="2800" dirty="0" smtClean="0">
+                <a:latin typeface="微軟正黑體" panose="020B0604030504040204" pitchFamily="34" charset="-120"/>
+                <a:ea typeface="微軟正黑體" panose="020B0604030504040204" pitchFamily="34" charset="-120"/>
+                <a:cs typeface="Times New Roman" panose="02020603050405020304" pitchFamily="18" charset="0"/>
+              </a:endParaRPr>
+            </a:p>
+            <a:p>
+              <a:endParaRPr lang="en-US" altLang="zh-TW" sz="2800" dirty="0" smtClean="0">
+                <a:latin typeface="微軟正黑體" panose="020B0604030504040204" pitchFamily="34" charset="-120"/>
+                <a:ea typeface="微軟正黑體" panose="020B0604030504040204" pitchFamily="34" charset="-120"/>
+                <a:cs typeface="Times New Roman" panose="02020603050405020304" pitchFamily="18" charset="0"/>
+              </a:endParaRPr>
+            </a:p>
+            <a:p>
+              <a:r>
+                <a:rPr lang="zh-TW" altLang="zh-TW" sz="2800" dirty="0" smtClean="0">
+                  <a:latin typeface="微軟正黑體" panose="020B0604030504040204" pitchFamily="34" charset="-120"/>
+                  <a:ea typeface="微軟正黑體" panose="020B0604030504040204" pitchFamily="34" charset="-120"/>
+                  <a:cs typeface="Times New Roman" panose="02020603050405020304" pitchFamily="18" charset="0"/>
+                </a:rPr>
+                <a:t>提供</a:t>
+              </a:r>
+              <a:r>
+                <a:rPr lang="zh-TW" altLang="zh-TW" sz="2800" dirty="0">
+                  <a:latin typeface="微軟正黑體" panose="020B0604030504040204" pitchFamily="34" charset="-120"/>
+                  <a:ea typeface="微軟正黑體" panose="020B0604030504040204" pitchFamily="34" charset="-120"/>
+                  <a:cs typeface="Times New Roman" panose="02020603050405020304" pitchFamily="18" charset="0"/>
+                </a:rPr>
+                <a:t>教師與學生在課程中更多的</a:t>
+              </a:r>
+              <a:r>
+                <a:rPr lang="zh-TW" altLang="zh-TW" sz="2800" dirty="0" smtClean="0">
+                  <a:latin typeface="微軟正黑體" panose="020B0604030504040204" pitchFamily="34" charset="-120"/>
+                  <a:ea typeface="微軟正黑體" panose="020B0604030504040204" pitchFamily="34" charset="-120"/>
+                  <a:cs typeface="Times New Roman" panose="02020603050405020304" pitchFamily="18" charset="0"/>
+                </a:rPr>
+                <a:t>互動</a:t>
+              </a:r>
+              <a:endParaRPr lang="en-US" altLang="zh-TW" sz="2800" dirty="0" smtClean="0">
+                <a:latin typeface="微軟正黑體" panose="020B0604030504040204" pitchFamily="34" charset="-120"/>
+                <a:ea typeface="微軟正黑體" panose="020B0604030504040204" pitchFamily="34" charset="-120"/>
+                <a:cs typeface="Times New Roman" panose="02020603050405020304" pitchFamily="18" charset="0"/>
+              </a:endParaRPr>
+            </a:p>
+            <a:p>
+              <a:endParaRPr lang="en-US" altLang="zh-TW" sz="2800" dirty="0">
+                <a:latin typeface="微軟正黑體" panose="020B0604030504040204" pitchFamily="34" charset="-120"/>
+                <a:ea typeface="微軟正黑體" panose="020B0604030504040204" pitchFamily="34" charset="-120"/>
+                <a:cs typeface="Times New Roman" panose="02020603050405020304" pitchFamily="18" charset="0"/>
+              </a:endParaRPr>
+            </a:p>
+            <a:p>
+              <a:r>
+                <a:rPr lang="zh-TW" altLang="en-US" sz="2800" dirty="0" smtClean="0">
+                  <a:latin typeface="微軟正黑體" panose="020B0604030504040204" pitchFamily="34" charset="-120"/>
+                  <a:ea typeface="微軟正黑體" panose="020B0604030504040204" pitchFamily="34" charset="-120"/>
+                  <a:cs typeface="Times New Roman" panose="02020603050405020304" pitchFamily="18" charset="0"/>
+                </a:rPr>
+                <a:t>利用</a:t>
+              </a:r>
+              <a:r>
+                <a:rPr lang="en-US" altLang="zh-TW" sz="2800" dirty="0" smtClean="0">
+                  <a:latin typeface="微軟正黑體" panose="020B0604030504040204" pitchFamily="34" charset="-120"/>
+                  <a:ea typeface="微軟正黑體" panose="020B0604030504040204" pitchFamily="34" charset="-120"/>
+                  <a:cs typeface="Times New Roman" panose="02020603050405020304" pitchFamily="18" charset="0"/>
+                </a:rPr>
+                <a:t>RFM</a:t>
+              </a:r>
+              <a:r>
+                <a:rPr lang="zh-TW" altLang="en-US" sz="2800" dirty="0" smtClean="0">
+                  <a:latin typeface="微軟正黑體" panose="020B0604030504040204" pitchFamily="34" charset="-120"/>
+                  <a:ea typeface="微軟正黑體" panose="020B0604030504040204" pitchFamily="34" charset="-120"/>
+                  <a:cs typeface="Times New Roman" panose="02020603050405020304" pitchFamily="18" charset="0"/>
+                </a:rPr>
+                <a:t>模</a:t>
+              </a:r>
+              <a:r>
+                <a:rPr lang="zh-TW" altLang="en-US" sz="2800" dirty="0">
+                  <a:latin typeface="微軟正黑體" panose="020B0604030504040204" pitchFamily="34" charset="-120"/>
+                  <a:ea typeface="微軟正黑體" panose="020B0604030504040204" pitchFamily="34" charset="-120"/>
+                  <a:cs typeface="Times New Roman" panose="02020603050405020304" pitchFamily="18" charset="0"/>
+                </a:rPr>
+                <a:t>型</a:t>
+              </a:r>
+              <a:r>
+                <a:rPr lang="zh-TW" altLang="zh-TW" sz="2800" dirty="0" smtClean="0">
+                  <a:latin typeface="微軟正黑體" panose="020B0604030504040204" pitchFamily="34" charset="-120"/>
+                  <a:ea typeface="微軟正黑體" panose="020B0604030504040204" pitchFamily="34" charset="-120"/>
+                  <a:cs typeface="Times New Roman" panose="02020603050405020304" pitchFamily="18" charset="0"/>
+                </a:rPr>
+                <a:t>協助</a:t>
+              </a:r>
+              <a:r>
+                <a:rPr lang="zh-TW" altLang="zh-TW" sz="2800" dirty="0">
+                  <a:latin typeface="微軟正黑體" panose="020B0604030504040204" pitchFamily="34" charset="-120"/>
+                  <a:ea typeface="微軟正黑體" panose="020B0604030504040204" pitchFamily="34" charset="-120"/>
+                  <a:cs typeface="Times New Roman" panose="02020603050405020304" pitchFamily="18" charset="0"/>
+                </a:rPr>
+                <a:t>教師找出學生學習問題</a:t>
+              </a:r>
+              <a:r>
+                <a:rPr lang="zh-TW" altLang="zh-TW" sz="2800" dirty="0" smtClean="0">
+                  <a:latin typeface="微軟正黑體" panose="020B0604030504040204" pitchFamily="34" charset="-120"/>
+                  <a:ea typeface="微軟正黑體" panose="020B0604030504040204" pitchFamily="34" charset="-120"/>
+                  <a:cs typeface="Times New Roman" panose="02020603050405020304" pitchFamily="18" charset="0"/>
+                </a:rPr>
+                <a:t>所在</a:t>
+              </a:r>
+              <a:endParaRPr lang="en-US" altLang="zh-TW" sz="2800" dirty="0" smtClean="0">
+                <a:latin typeface="微軟正黑體" panose="020B0604030504040204" pitchFamily="34" charset="-120"/>
+                <a:ea typeface="微軟正黑體" panose="020B0604030504040204" pitchFamily="34" charset="-120"/>
+                <a:cs typeface="Times New Roman" panose="02020603050405020304" pitchFamily="18" charset="0"/>
+              </a:endParaRPr>
+            </a:p>
+            <a:p>
+              <a:endParaRPr lang="en-US" altLang="zh-TW" sz="2800" dirty="0" smtClean="0">
+                <a:latin typeface="微軟正黑體" panose="020B0604030504040204" pitchFamily="34" charset="-120"/>
+                <a:ea typeface="微軟正黑體" panose="020B0604030504040204" pitchFamily="34" charset="-120"/>
+                <a:cs typeface="Times New Roman" panose="02020603050405020304" pitchFamily="18" charset="0"/>
+              </a:endParaRPr>
+            </a:p>
+            <a:p>
+              <a:endParaRPr lang="en-US" altLang="zh-TW" sz="2800" dirty="0">
+                <a:latin typeface="微軟正黑體" panose="020B0604030504040204" pitchFamily="34" charset="-120"/>
+                <a:ea typeface="微軟正黑體" panose="020B0604030504040204" pitchFamily="34" charset="-120"/>
+                <a:cs typeface="Times New Roman" panose="02020603050405020304" pitchFamily="18" charset="0"/>
+              </a:endParaRPr>
+            </a:p>
+            <a:p>
+              <a:r>
+                <a:rPr lang="zh-TW" altLang="en-US" sz="2800" dirty="0" smtClean="0">
+                  <a:latin typeface="微軟正黑體" panose="020B0604030504040204" pitchFamily="34" charset="-120"/>
+                  <a:ea typeface="微軟正黑體" panose="020B0604030504040204" pitchFamily="34" charset="-120"/>
+                  <a:cs typeface="Times New Roman" panose="02020603050405020304" pitchFamily="18" charset="0"/>
+                </a:rPr>
+                <a:t>教師可在</a:t>
+              </a:r>
+              <a:r>
+                <a:rPr lang="zh-TW" altLang="zh-TW" sz="2800" dirty="0" smtClean="0">
+                  <a:latin typeface="微軟正黑體" panose="020B0604030504040204" pitchFamily="34" charset="-120"/>
+                  <a:ea typeface="微軟正黑體" panose="020B0604030504040204" pitchFamily="34" charset="-120"/>
+                  <a:cs typeface="Times New Roman" panose="02020603050405020304" pitchFamily="18" charset="0"/>
+                </a:rPr>
+                <a:t>練習</a:t>
+              </a:r>
+              <a:r>
+                <a:rPr lang="zh-TW" altLang="zh-TW" sz="2800" dirty="0">
+                  <a:latin typeface="微軟正黑體" panose="020B0604030504040204" pitchFamily="34" charset="-120"/>
+                  <a:ea typeface="微軟正黑體" panose="020B0604030504040204" pitchFamily="34" charset="-120"/>
+                  <a:cs typeface="Times New Roman" panose="02020603050405020304" pitchFamily="18" charset="0"/>
+                </a:rPr>
+                <a:t>區發佈練習</a:t>
+              </a:r>
+              <a:r>
+                <a:rPr lang="zh-TW" altLang="zh-TW" sz="2800" dirty="0" smtClean="0">
+                  <a:latin typeface="微軟正黑體" panose="020B0604030504040204" pitchFamily="34" charset="-120"/>
+                  <a:ea typeface="微軟正黑體" panose="020B0604030504040204" pitchFamily="34" charset="-120"/>
+                  <a:cs typeface="Times New Roman" panose="02020603050405020304" pitchFamily="18" charset="0"/>
+                </a:rPr>
+                <a:t>題目</a:t>
+              </a:r>
+              <a:endParaRPr lang="en-US" altLang="zh-TW" sz="2800" dirty="0" smtClean="0">
+                <a:latin typeface="微軟正黑體" panose="020B0604030504040204" pitchFamily="34" charset="-120"/>
+                <a:ea typeface="微軟正黑體" panose="020B0604030504040204" pitchFamily="34" charset="-120"/>
+                <a:cs typeface="Times New Roman" panose="02020603050405020304" pitchFamily="18" charset="0"/>
+              </a:endParaRPr>
+            </a:p>
+            <a:p>
+              <a:endParaRPr lang="en-US" altLang="zh-TW" sz="2800" dirty="0">
+                <a:latin typeface="微軟正黑體" panose="020B0604030504040204" pitchFamily="34" charset="-120"/>
+                <a:ea typeface="微軟正黑體" panose="020B0604030504040204" pitchFamily="34" charset="-120"/>
+                <a:cs typeface="Times New Roman" panose="02020603050405020304" pitchFamily="18" charset="0"/>
+              </a:endParaRPr>
+            </a:p>
+            <a:p>
+              <a:r>
+                <a:rPr lang="zh-TW" altLang="zh-TW" sz="2800" dirty="0">
+                  <a:latin typeface="微軟正黑體" panose="020B0604030504040204" pitchFamily="34" charset="-120"/>
+                  <a:ea typeface="微軟正黑體" panose="020B0604030504040204" pitchFamily="34" charset="-120"/>
+                </a:rPr>
+                <a:t>導入倒傳遞神經網路進行預測學生的</a:t>
+              </a:r>
+              <a:r>
+                <a:rPr lang="zh-TW" altLang="zh-TW" sz="2800" dirty="0" smtClean="0">
+                  <a:latin typeface="微軟正黑體" panose="020B0604030504040204" pitchFamily="34" charset="-120"/>
+                  <a:ea typeface="微軟正黑體" panose="020B0604030504040204" pitchFamily="34" charset="-120"/>
+                </a:rPr>
+                <a:t>成績</a:t>
+              </a:r>
+              <a:endParaRPr lang="zh-TW" altLang="en-US" sz="2800" dirty="0">
+                <a:latin typeface="微軟正黑體" panose="020B0604030504040204" pitchFamily="34" charset="-120"/>
+                <a:ea typeface="微軟正黑體" panose="020B0604030504040204" pitchFamily="34" charset="-120"/>
+              </a:endParaRPr>
+            </a:p>
+          </p:txBody>
+        </p:sp>
+        <p:pic>
+          <p:nvPicPr>
+            <p:cNvPr id="5" name="圖片 4"/>
+            <p:cNvPicPr>
+              <a:picLocks noChangeAspect="1"/>
+            </p:cNvPicPr>
+            <p:nvPr/>
+          </p:nvPicPr>
+          <p:blipFill>
+            <a:blip r:embed="rId3" cstate="hqprint">
+              <a:extLst>
+                <a:ext uri="{28A0092B-C50C-407E-A947-70E740481C1C}">
+                  <a14:useLocalDpi xmlns:a14="http://schemas.microsoft.com/office/drawing/2010/main" val="0"/>
+                </a:ext>
+              </a:extLst>
+            </a:blip>
+            <a:stretch>
+              <a:fillRect/>
+            </a:stretch>
+          </p:blipFill>
+          <p:spPr>
+            <a:xfrm>
+              <a:off x="1751209" y="1185657"/>
+              <a:ext cx="737053" cy="737053"/>
+            </a:xfrm>
+            <a:prstGeom prst="rect">
+              <a:avLst/>
+            </a:prstGeom>
+          </p:spPr>
+        </p:pic>
+        <p:pic>
+          <p:nvPicPr>
+            <p:cNvPr id="8" name="圖片 7"/>
+            <p:cNvPicPr>
+              <a:picLocks noChangeAspect="1"/>
+            </p:cNvPicPr>
+            <p:nvPr/>
+          </p:nvPicPr>
+          <p:blipFill>
+            <a:blip r:embed="rId4" cstate="hqprint">
+              <a:extLst>
+                <a:ext uri="{28A0092B-C50C-407E-A947-70E740481C1C}">
+                  <a14:useLocalDpi xmlns:a14="http://schemas.microsoft.com/office/drawing/2010/main" val="0"/>
+                </a:ext>
+              </a:extLst>
+            </a:blip>
+            <a:stretch>
+              <a:fillRect/>
+            </a:stretch>
+          </p:blipFill>
+          <p:spPr>
+            <a:xfrm>
+              <a:off x="1772148" y="2035242"/>
+              <a:ext cx="716114" cy="716114"/>
+            </a:xfrm>
+            <a:prstGeom prst="rect">
+              <a:avLst/>
+            </a:prstGeom>
+          </p:spPr>
+        </p:pic>
+        <p:pic>
+          <p:nvPicPr>
+            <p:cNvPr id="9" name="圖片 8"/>
+            <p:cNvPicPr>
+              <a:picLocks noChangeAspect="1"/>
+            </p:cNvPicPr>
+            <p:nvPr/>
+          </p:nvPicPr>
+          <p:blipFill>
+            <a:blip r:embed="rId5" cstate="hqprint">
+              <a:extLst>
+                <a:ext uri="{28A0092B-C50C-407E-A947-70E740481C1C}">
+                  <a14:useLocalDpi xmlns:a14="http://schemas.microsoft.com/office/drawing/2010/main" val="0"/>
+                </a:ext>
+              </a:extLst>
+            </a:blip>
+            <a:stretch>
+              <a:fillRect/>
+            </a:stretch>
+          </p:blipFill>
+          <p:spPr>
+            <a:xfrm>
+              <a:off x="1748226" y="4158894"/>
+              <a:ext cx="737053" cy="737053"/>
+            </a:xfrm>
+            <a:prstGeom prst="rect">
+              <a:avLst/>
+            </a:prstGeom>
+          </p:spPr>
+        </p:pic>
+        <p:pic>
+          <p:nvPicPr>
+            <p:cNvPr id="10" name="圖片 9"/>
+            <p:cNvPicPr>
+              <a:picLocks noChangeAspect="1"/>
+            </p:cNvPicPr>
+            <p:nvPr/>
+          </p:nvPicPr>
+          <p:blipFill>
+            <a:blip r:embed="rId6" cstate="hqprint">
+              <a:extLst>
+                <a:ext uri="{28A0092B-C50C-407E-A947-70E740481C1C}">
+                  <a14:useLocalDpi xmlns:a14="http://schemas.microsoft.com/office/drawing/2010/main" val="0"/>
+                </a:ext>
+              </a:extLst>
+            </a:blip>
+            <a:stretch>
+              <a:fillRect/>
+            </a:stretch>
+          </p:blipFill>
+          <p:spPr>
+            <a:xfrm>
+              <a:off x="1748226" y="4998159"/>
+              <a:ext cx="737866" cy="737866"/>
+            </a:xfrm>
+            <a:prstGeom prst="rect">
+              <a:avLst/>
+            </a:prstGeom>
+          </p:spPr>
+        </p:pic>
+        <p:pic>
+          <p:nvPicPr>
+            <p:cNvPr id="11" name="圖片 10"/>
+            <p:cNvPicPr>
+              <a:picLocks noChangeAspect="1"/>
+            </p:cNvPicPr>
+            <p:nvPr/>
+          </p:nvPicPr>
+          <p:blipFill>
+            <a:blip r:embed="rId7" cstate="hqprint">
+              <a:extLst>
+                <a:ext uri="{28A0092B-C50C-407E-A947-70E740481C1C}">
+                  <a14:useLocalDpi xmlns:a14="http://schemas.microsoft.com/office/drawing/2010/main" val="0"/>
+                </a:ext>
+              </a:extLst>
+            </a:blip>
+            <a:stretch>
+              <a:fillRect/>
+            </a:stretch>
+          </p:blipFill>
+          <p:spPr>
+            <a:xfrm>
+              <a:off x="1772148" y="2868037"/>
+              <a:ext cx="737053" cy="737053"/>
+            </a:xfrm>
+            <a:prstGeom prst="rect">
+              <a:avLst/>
+            </a:prstGeom>
+          </p:spPr>
+        </p:pic>
+      </p:grpSp>
+      <p:sp>
+        <p:nvSpPr>
+          <p:cNvPr id="3" name="投影片編號版面配置區 2"/>
+          <p:cNvSpPr>
+            <a:spLocks noGrp="1"/>
+          </p:cNvSpPr>
+          <p:nvPr>
+            <p:ph type="sldNum" sz="quarter" idx="12"/>
+          </p:nvPr>
+        </p:nvSpPr>
+        <p:spPr>
+          <a:xfrm>
+            <a:off x="8330388" y="6356350"/>
+            <a:ext cx="2743200" cy="365125"/>
+          </a:xfrm>
+        </p:spPr>
+        <p:txBody>
+          <a:bodyPr/>
+          <a:lstStyle/>
+          <a:p>
+            <a:fld id="{C216DB24-B25B-49D7-A066-6E012C0AC9EA}" type="slidenum">
+              <a:rPr lang="zh-CN" altLang="en-US" smtClean="0"/>
+              <a:t>13</a:t>
+            </a:fld>
+            <a:endParaRPr lang="zh-CN" altLang="en-US"/>
+          </a:p>
+        </p:txBody>
+      </p:sp>
+      <p:sp>
+        <p:nvSpPr>
+          <p:cNvPr id="6" name="等腰三角形 5"/>
+          <p:cNvSpPr/>
+          <p:nvPr/>
+        </p:nvSpPr>
+        <p:spPr>
+          <a:xfrm rot="5400000">
+            <a:off x="2012259" y="2244258"/>
+            <a:ext cx="690228" cy="542020"/>
+          </a:xfrm>
+          <a:prstGeom prst="triangle">
+            <a:avLst/>
+          </a:prstGeom>
+          <a:solidFill>
+            <a:srgbClr val="FF5B62">
+              <a:alpha val="71000"/>
+            </a:srgbClr>
+          </a:solidFill>
+          <a:ln>
+            <a:noFill/>
+          </a:ln>
+          <a:effectLst>
+            <a:glow>
+              <a:schemeClr val="accent1">
+                <a:alpha val="40000"/>
+              </a:schemeClr>
+            </a:glow>
+          </a:effectLst>
+        </p:spPr>
+        <p:style>
+          <a:lnRef idx="2">
+            <a:schemeClr val="accent1">
+              <a:shade val="50000"/>
+            </a:schemeClr>
+          </a:lnRef>
+          <a:fillRef idx="1">
+            <a:schemeClr val="accent1"/>
+          </a:fillRef>
+          <a:effectRef idx="0">
+            <a:schemeClr val="accent1"/>
+          </a:effectRef>
+          <a:fontRef idx="minor">
+            <a:schemeClr val="lt1"/>
+          </a:fontRef>
+        </p:style>
+        <p:txBody>
+          <a:bodyPr rtlCol="0" anchor="ctr"/>
+          <a:lstStyle/>
+          <a:p>
+            <a:pPr algn="ctr"/>
+            <a:endParaRPr lang="zh-TW" altLang="en-US"/>
+          </a:p>
+        </p:txBody>
+      </p:sp>
+      <p:sp>
+        <p:nvSpPr>
+          <p:cNvPr id="16" name="等腰三角形 15"/>
+          <p:cNvSpPr/>
+          <p:nvPr/>
+        </p:nvSpPr>
+        <p:spPr>
+          <a:xfrm rot="5400000">
+            <a:off x="2012259" y="4812890"/>
+            <a:ext cx="690228" cy="542020"/>
+          </a:xfrm>
+          <a:prstGeom prst="triangle">
+            <a:avLst/>
+          </a:prstGeom>
+          <a:solidFill>
+            <a:srgbClr val="FCB640"/>
+          </a:solidFill>
+          <a:ln>
+            <a:noFill/>
+          </a:ln>
+        </p:spPr>
+        <p:style>
+          <a:lnRef idx="2">
+            <a:schemeClr val="accent1">
+              <a:shade val="50000"/>
+            </a:schemeClr>
+          </a:lnRef>
+          <a:fillRef idx="1">
+            <a:schemeClr val="accent1"/>
+          </a:fillRef>
+          <a:effectRef idx="0">
+            <a:schemeClr val="accent1"/>
+          </a:effectRef>
+          <a:fontRef idx="minor">
+            <a:schemeClr val="lt1"/>
+          </a:fontRef>
+        </p:style>
+        <p:txBody>
+          <a:bodyPr rtlCol="0" anchor="ctr"/>
+          <a:lstStyle/>
+          <a:p>
+            <a:pPr algn="ctr"/>
+            <a:endParaRPr lang="zh-TW" altLang="en-US"/>
+          </a:p>
+        </p:txBody>
+      </p:sp>
+      <p:sp>
+        <p:nvSpPr>
+          <p:cNvPr id="17" name="文字方塊 16"/>
+          <p:cNvSpPr txBox="1"/>
+          <p:nvPr/>
+        </p:nvSpPr>
+        <p:spPr>
+          <a:xfrm>
+            <a:off x="1006188" y="1975280"/>
+            <a:ext cx="677108" cy="1108920"/>
+          </a:xfrm>
+          <a:prstGeom prst="rect">
+            <a:avLst/>
+          </a:prstGeom>
+          <a:noFill/>
+        </p:spPr>
+        <p:txBody>
+          <a:bodyPr vert="eaVert" wrap="square" rtlCol="0">
+            <a:spAutoFit/>
+          </a:bodyPr>
+          <a:lstStyle/>
+          <a:p>
+            <a:r>
+              <a:rPr lang="zh-TW" altLang="en-US" sz="3200" b="1" dirty="0" smtClean="0">
+                <a:solidFill>
+                  <a:schemeClr val="bg1"/>
+                </a:solidFill>
+                <a:latin typeface="微软雅黑" panose="020B0503020204020204" pitchFamily="34" charset="-122"/>
+                <a:ea typeface="微软雅黑" panose="020B0503020204020204" pitchFamily="34" charset="-122"/>
+              </a:rPr>
+              <a:t>現 在</a:t>
+            </a:r>
+            <a:endParaRPr lang="zh-TW" altLang="en-US" sz="3600" b="1" dirty="0">
+              <a:solidFill>
+                <a:schemeClr val="bg1"/>
+              </a:solidFill>
+              <a:latin typeface="微软雅黑" panose="020B0503020204020204" pitchFamily="34" charset="-122"/>
+              <a:ea typeface="微软雅黑" panose="020B0503020204020204" pitchFamily="34" charset="-122"/>
+            </a:endParaRPr>
+          </a:p>
+        </p:txBody>
+      </p:sp>
+      <p:sp>
+        <p:nvSpPr>
+          <p:cNvPr id="21" name="文字方塊 20"/>
+          <p:cNvSpPr txBox="1"/>
+          <p:nvPr/>
+        </p:nvSpPr>
+        <p:spPr>
+          <a:xfrm>
+            <a:off x="1021159" y="4555566"/>
+            <a:ext cx="677108" cy="1056668"/>
+          </a:xfrm>
+          <a:prstGeom prst="rect">
+            <a:avLst/>
+          </a:prstGeom>
+          <a:noFill/>
+        </p:spPr>
+        <p:txBody>
+          <a:bodyPr vert="eaVert" wrap="square" rtlCol="0">
+            <a:spAutoFit/>
+          </a:bodyPr>
+          <a:lstStyle/>
+          <a:p>
+            <a:r>
+              <a:rPr lang="zh-TW" altLang="en-US" sz="3200" b="1" dirty="0" smtClean="0">
+                <a:solidFill>
+                  <a:schemeClr val="bg1"/>
+                </a:solidFill>
+                <a:latin typeface="微软雅黑" panose="020B0503020204020204" pitchFamily="34" charset="-122"/>
+                <a:ea typeface="微软雅黑" panose="020B0503020204020204" pitchFamily="34" charset="-122"/>
+              </a:rPr>
+              <a:t>未 來</a:t>
+            </a:r>
+            <a:endParaRPr lang="zh-TW" altLang="en-US" sz="3600" b="1" dirty="0">
+              <a:solidFill>
+                <a:schemeClr val="bg1"/>
+              </a:solidFill>
+              <a:latin typeface="微软雅黑" panose="020B0503020204020204" pitchFamily="34" charset="-122"/>
+              <a:ea typeface="微软雅黑" panose="020B0503020204020204" pitchFamily="34" charset="-122"/>
+            </a:endParaRPr>
+          </a:p>
+        </p:txBody>
+      </p:sp>
+    </p:spTree>
+    <p:extLst>
+      <p:ext uri="{BB962C8B-B14F-4D97-AF65-F5344CB8AC3E}">
+        <p14:creationId xmlns:p14="http://schemas.microsoft.com/office/powerpoint/2010/main" val="3004783014"/>
+      </p:ext>
+    </p:extLst>
+  </p:cSld>
+  <p:clrMapOvr>
+    <a:masterClrMapping/>
+  </p:clrMapOvr>
+  <mc:AlternateContent xmlns:mc="http://schemas.openxmlformats.org/markup-compatibility/2006" xmlns:p14="http://schemas.microsoft.com/office/powerpoint/2010/main">
+    <mc:Choice Requires="p14">
+      <p:transition p14:dur="10"/>
+    </mc:Choice>
+    <mc:Fallback xmlns="">
+      <p:transition/>
+    </mc:Fallback>
+  </mc:AlternateContent>
+  <p:timing>
+    <p:tnLst>
+      <p:par>
+        <p:cTn id="1" dur="indefinite" restart="never" nodeType="tmRoot">
+          <p:childTnLst>
+            <p:seq concurrent="1" nextAc="seek">
+              <p:cTn id="2" dur="indefinite" nodeType="mainSeq">
+                <p:childTnLst>
+                  <p:par>
+                    <p:cTn id="3" fill="hold">
+                      <p:stCondLst>
+                        <p:cond delay="indefinite"/>
+                        <p:cond evt="onBegin" delay="0">
+                          <p:tn val="2"/>
+                        </p:cond>
+                      </p:stCondLst>
+                      <p:childTnLst>
+                        <p:par>
+                          <p:cTn id="4" fill="hold">
+                            <p:stCondLst>
+                              <p:cond delay="0"/>
+                            </p:stCondLst>
+                            <p:childTnLst>
+                              <p:par>
+                                <p:cTn id="5" presetID="14" presetClass="entr" presetSubtype="10" fill="hold" nodeType="afterEffect">
+                                  <p:stCondLst>
+                                    <p:cond delay="0"/>
+                                  </p:stCondLst>
+                                  <p:childTnLst>
+                                    <p:set>
+                                      <p:cBhvr>
+                                        <p:cTn id="6" dur="1" fill="hold">
+                                          <p:stCondLst>
+                                            <p:cond delay="0"/>
+                                          </p:stCondLst>
+                                        </p:cTn>
+                                        <p:tgtEl>
+                                          <p:spTgt spid="23"/>
+                                        </p:tgtEl>
+                                        <p:attrNameLst>
+                                          <p:attrName>style.visibility</p:attrName>
+                                        </p:attrNameLst>
+                                      </p:cBhvr>
+                                      <p:to>
+                                        <p:strVal val="visible"/>
+                                      </p:to>
+                                    </p:set>
+                                    <p:animEffect transition="in" filter="randombar(horizontal)">
+                                      <p:cBhvr>
+                                        <p:cTn id="7" dur="500"/>
+                                        <p:tgtEl>
+                                          <p:spTgt spid="23"/>
+                                        </p:tgtEl>
+                                      </p:cBhvr>
+                                    </p:animEffect>
+                                  </p:childTnLst>
+                                </p:cTn>
+                              </p:par>
+                              <p:par>
+                                <p:cTn id="8" presetID="53" presetClass="entr" presetSubtype="16" fill="hold" nodeType="withEffect">
+                                  <p:stCondLst>
+                                    <p:cond delay="0"/>
+                                  </p:stCondLst>
+                                  <p:childTnLst>
+                                    <p:set>
+                                      <p:cBhvr>
+                                        <p:cTn id="9" dur="1" fill="hold">
+                                          <p:stCondLst>
+                                            <p:cond delay="0"/>
+                                          </p:stCondLst>
+                                        </p:cTn>
+                                        <p:tgtEl>
+                                          <p:spTgt spid="12"/>
+                                        </p:tgtEl>
+                                        <p:attrNameLst>
+                                          <p:attrName>style.visibility</p:attrName>
+                                        </p:attrNameLst>
+                                      </p:cBhvr>
+                                      <p:to>
+                                        <p:strVal val="visible"/>
+                                      </p:to>
+                                    </p:set>
+                                    <p:anim calcmode="lin" valueType="num">
+                                      <p:cBhvr>
+                                        <p:cTn id="10" dur="500" fill="hold"/>
+                                        <p:tgtEl>
+                                          <p:spTgt spid="12"/>
+                                        </p:tgtEl>
+                                        <p:attrNameLst>
+                                          <p:attrName>ppt_w</p:attrName>
+                                        </p:attrNameLst>
+                                      </p:cBhvr>
+                                      <p:tavLst>
+                                        <p:tav tm="0">
+                                          <p:val>
+                                            <p:fltVal val="0"/>
+                                          </p:val>
+                                        </p:tav>
+                                        <p:tav tm="100000">
+                                          <p:val>
+                                            <p:strVal val="#ppt_w"/>
+                                          </p:val>
+                                        </p:tav>
+                                      </p:tavLst>
+                                    </p:anim>
+                                    <p:anim calcmode="lin" valueType="num">
+                                      <p:cBhvr>
+                                        <p:cTn id="11" dur="500" fill="hold"/>
+                                        <p:tgtEl>
+                                          <p:spTgt spid="12"/>
+                                        </p:tgtEl>
+                                        <p:attrNameLst>
+                                          <p:attrName>ppt_h</p:attrName>
+                                        </p:attrNameLst>
+                                      </p:cBhvr>
+                                      <p:tavLst>
+                                        <p:tav tm="0">
+                                          <p:val>
+                                            <p:fltVal val="0"/>
+                                          </p:val>
+                                        </p:tav>
+                                        <p:tav tm="100000">
+                                          <p:val>
+                                            <p:strVal val="#ppt_h"/>
+                                          </p:val>
+                                        </p:tav>
+                                      </p:tavLst>
+                                    </p:anim>
+                                    <p:animEffect transition="in" filter="fade">
+                                      <p:cBhvr>
+                                        <p:cTn id="12" dur="500"/>
+                                        <p:tgtEl>
+                                          <p:spTgt spid="12"/>
+                                        </p:tgtEl>
+                                      </p:cBhvr>
+                                    </p:animEffect>
+                                  </p:childTnLst>
+                                </p:cTn>
+                              </p:par>
+                            </p:childTnLst>
+                          </p:cTn>
+                        </p:par>
+                      </p:childTnLst>
+                    </p:cTn>
+                  </p:par>
+                </p:childTnLst>
+              </p:cTn>
+              <p:prevCondLst>
+                <p:cond evt="onPrev" delay="0">
+                  <p:tgtEl>
+                    <p:sldTgt/>
+                  </p:tgtEl>
+                </p:cond>
+              </p:prevCondLst>
+              <p:nextCondLst>
+                <p:cond evt="onNext" delay="0">
+                  <p:tgtEl>
+                    <p:sldTgt/>
+                  </p:tgtEl>
+                </p:cond>
+              </p:nextCondLst>
+            </p:seq>
+          </p:childTnLst>
+        </p:cTn>
+      </p:par>
+    </p:tnLst>
+  </p:timing>
+</p:sld>
+</file>
+
+<file path=ppt/slides/slide14.xml><?xml version="1.0" encoding="utf-8"?>
+<p:sld xmlns:a="http://schemas.openxmlformats.org/drawingml/2006/main" xmlns:r="http://schemas.openxmlformats.org/officeDocument/2006/relationships" xmlns:p="http://schemas.openxmlformats.org/presentationml/2006/main">
+  <p:cSld>
+    <p:spTree>
+      <p:nvGrpSpPr>
+        <p:cNvPr id="1" name=""/>
+        <p:cNvGrpSpPr/>
+        <p:nvPr/>
+      </p:nvGrpSpPr>
+      <p:grpSpPr>
+        <a:xfrm>
+          <a:off x="0" y="0"/>
+          <a:ext cx="0" cy="0"/>
+          <a:chOff x="0" y="0"/>
+          <a:chExt cx="0" cy="0"/>
+        </a:xfrm>
+      </p:grpSpPr>
+      <p:pic>
+        <p:nvPicPr>
+          <p:cNvPr id="3" name="图片 2">
+            <a:extLst>
+              <a:ext uri="{FF2B5EF4-FFF2-40B4-BE49-F238E27FC236}">
+                <a16:creationId xmlns:a16="http://schemas.microsoft.com/office/drawing/2014/main" id="{CAC4CE20-F3D8-4959-8246-2B7BCE8D1471}"/>
+              </a:ext>
+            </a:extLst>
+          </p:cNvPr>
+          <p:cNvPicPr>
+            <a:picLocks noChangeAspect="1"/>
+          </p:cNvPicPr>
+          <p:nvPr/>
+        </p:nvPicPr>
+        <p:blipFill rotWithShape="1">
+          <a:blip r:embed="rId2">
+            <a:extLst>
+              <a:ext uri="{28A0092B-C50C-407E-A947-70E740481C1C}">
+                <a14:useLocalDpi xmlns:a14="http://schemas.microsoft.com/office/drawing/2010/main" val="0"/>
+              </a:ext>
+            </a:extLst>
+          </a:blip>
+          <a:srcRect r="35184"/>
+          <a:stretch/>
+        </p:blipFill>
+        <p:spPr>
+          <a:xfrm>
+            <a:off x="0" y="-1"/>
+            <a:ext cx="12192000" cy="6858000"/>
+          </a:xfrm>
+          <a:prstGeom prst="rect">
+            <a:avLst/>
+          </a:prstGeom>
+        </p:spPr>
+      </p:pic>
+      <p:sp>
+        <p:nvSpPr>
+          <p:cNvPr id="8" name="文本框 7">
+            <a:extLst>
+              <a:ext uri="{FF2B5EF4-FFF2-40B4-BE49-F238E27FC236}">
+                <a16:creationId xmlns:a16="http://schemas.microsoft.com/office/drawing/2014/main" id="{9FA3BF65-8639-43DB-BF77-B3B4068FB0FD}"/>
+              </a:ext>
+            </a:extLst>
+          </p:cNvPr>
+          <p:cNvSpPr txBox="1">
+            <a:spLocks noChangeAspect="1"/>
+          </p:cNvSpPr>
+          <p:nvPr/>
+        </p:nvSpPr>
+        <p:spPr bwMode="auto">
+          <a:xfrm>
+            <a:off x="2173791" y="2678810"/>
+            <a:ext cx="7844418" cy="1106457"/>
+          </a:xfrm>
+          <a:prstGeom prst="rect">
+            <a:avLst/>
+          </a:prstGeom>
+          <a:noFill/>
+          <a:ln>
+            <a:noFill/>
+          </a:ln>
+          <a:extLst>
+            <a:ext uri="{909E8E84-426E-40DD-AFC4-6F175D3DCCD1}">
+              <a14:hiddenFill xmlns:a14="http://schemas.microsoft.com/office/drawing/2010/main">
+                <a:solidFill>
+                  <a:srgbClr val="FFFFFF"/>
+                </a:solidFill>
+              </a14:hiddenFill>
+            </a:ext>
+            <a:ext uri="{91240B29-F687-4F45-9708-019B960494DF}">
+              <a14:hiddenLine xmlns:a14="http://schemas.microsoft.com/office/drawing/2010/main" w="9525">
+                <a:solidFill>
+                  <a:srgbClr val="000000"/>
+                </a:solidFill>
+                <a:miter lim="800000"/>
+                <a:headEnd/>
+                <a:tailEnd/>
+              </a14:hiddenLine>
+            </a:ext>
+          </a:extLst>
+        </p:spPr>
+        <p:txBody>
+          <a:bodyPr wrap="square">
+            <a:spAutoFit/>
+          </a:bodyPr>
+          <a:lstStyle>
+            <a:lvl1pPr>
+              <a:defRPr>
+                <a:solidFill>
+                  <a:schemeClr val="tx1"/>
+                </a:solidFill>
+                <a:latin typeface="等线" panose="02010600030101010101" pitchFamily="2" charset="-122"/>
+                <a:ea typeface="等线" panose="02010600030101010101" pitchFamily="2" charset="-122"/>
+              </a:defRPr>
+            </a:lvl1pPr>
+            <a:lvl2pPr marL="742950" indent="-285750">
+              <a:defRPr>
+                <a:solidFill>
+                  <a:schemeClr val="tx1"/>
+                </a:solidFill>
+                <a:latin typeface="等线" panose="02010600030101010101" pitchFamily="2" charset="-122"/>
+                <a:ea typeface="等线" panose="02010600030101010101" pitchFamily="2" charset="-122"/>
+              </a:defRPr>
+            </a:lvl2pPr>
+            <a:lvl3pPr marL="1143000" indent="-228600">
+              <a:defRPr>
+                <a:solidFill>
+                  <a:schemeClr val="tx1"/>
+                </a:solidFill>
+                <a:latin typeface="等线" panose="02010600030101010101" pitchFamily="2" charset="-122"/>
+                <a:ea typeface="等线" panose="02010600030101010101" pitchFamily="2" charset="-122"/>
+              </a:defRPr>
+            </a:lvl3pPr>
+            <a:lvl4pPr marL="1600200" indent="-228600">
+              <a:defRPr>
+                <a:solidFill>
+                  <a:schemeClr val="tx1"/>
+                </a:solidFill>
+                <a:latin typeface="等线" panose="02010600030101010101" pitchFamily="2" charset="-122"/>
+                <a:ea typeface="等线" panose="02010600030101010101" pitchFamily="2" charset="-122"/>
+              </a:defRPr>
+            </a:lvl4pPr>
+            <a:lvl5pPr marL="2057400" indent="-228600">
+              <a:defRPr>
+                <a:solidFill>
+                  <a:schemeClr val="tx1"/>
+                </a:solidFill>
+                <a:latin typeface="等线" panose="02010600030101010101" pitchFamily="2" charset="-122"/>
+                <a:ea typeface="等线" panose="02010600030101010101" pitchFamily="2" charset="-122"/>
+              </a:defRPr>
+            </a:lvl5pPr>
+            <a:lvl6pPr marL="2514600" indent="-228600" fontAlgn="base">
+              <a:spcBef>
+                <a:spcPct val="0"/>
+              </a:spcBef>
+              <a:spcAft>
+                <a:spcPct val="0"/>
+              </a:spcAft>
+              <a:defRPr>
+                <a:solidFill>
+                  <a:schemeClr val="tx1"/>
+                </a:solidFill>
+                <a:latin typeface="等线" panose="02010600030101010101" pitchFamily="2" charset="-122"/>
+                <a:ea typeface="等线" panose="02010600030101010101" pitchFamily="2" charset="-122"/>
+              </a:defRPr>
+            </a:lvl6pPr>
+            <a:lvl7pPr marL="2971800" indent="-228600" fontAlgn="base">
+              <a:spcBef>
+                <a:spcPct val="0"/>
+              </a:spcBef>
+              <a:spcAft>
+                <a:spcPct val="0"/>
+              </a:spcAft>
+              <a:defRPr>
+                <a:solidFill>
+                  <a:schemeClr val="tx1"/>
+                </a:solidFill>
+                <a:latin typeface="等线" panose="02010600030101010101" pitchFamily="2" charset="-122"/>
+                <a:ea typeface="等线" panose="02010600030101010101" pitchFamily="2" charset="-122"/>
+              </a:defRPr>
+            </a:lvl7pPr>
+            <a:lvl8pPr marL="3429000" indent="-228600" fontAlgn="base">
+              <a:spcBef>
+                <a:spcPct val="0"/>
+              </a:spcBef>
+              <a:spcAft>
+                <a:spcPct val="0"/>
+              </a:spcAft>
+              <a:defRPr>
+                <a:solidFill>
+                  <a:schemeClr val="tx1"/>
+                </a:solidFill>
+                <a:latin typeface="等线" panose="02010600030101010101" pitchFamily="2" charset="-122"/>
+                <a:ea typeface="等线" panose="02010600030101010101" pitchFamily="2" charset="-122"/>
+              </a:defRPr>
+            </a:lvl8pPr>
+            <a:lvl9pPr marL="3886200" indent="-228600" fontAlgn="base">
+              <a:spcBef>
+                <a:spcPct val="0"/>
+              </a:spcBef>
+              <a:spcAft>
+                <a:spcPct val="0"/>
+              </a:spcAft>
+              <a:defRPr>
+                <a:solidFill>
+                  <a:schemeClr val="tx1"/>
+                </a:solidFill>
+                <a:latin typeface="等线" panose="02010600030101010101" pitchFamily="2" charset="-122"/>
+                <a:ea typeface="等线" panose="02010600030101010101" pitchFamily="2" charset="-122"/>
+              </a:defRPr>
+            </a:lvl9pPr>
+          </a:lstStyle>
+          <a:p>
+            <a:pPr algn="ctr">
+              <a:lnSpc>
+                <a:spcPct val="120000"/>
+              </a:lnSpc>
+            </a:pPr>
+            <a:r>
+              <a:rPr lang="zh-TW" altLang="en-US" sz="6000" b="1" noProof="1" smtClean="0">
+                <a:solidFill>
+                  <a:schemeClr val="bg2">
+                    <a:lumMod val="25000"/>
+                  </a:schemeClr>
+                </a:solidFill>
+                <a:latin typeface="微软雅黑" panose="020B0503020204020204" pitchFamily="34" charset="-122"/>
+                <a:ea typeface="微软雅黑" panose="020B0503020204020204" pitchFamily="34" charset="-122"/>
+                <a:sym typeface="Source Han Serif SC" panose="02020400000000000000" pitchFamily="18" charset="-122"/>
+              </a:rPr>
+              <a:t>謝謝您的觀看</a:t>
+            </a:r>
+            <a:endParaRPr lang="zh-CN" altLang="zh-CN" sz="3000" noProof="1">
+              <a:solidFill>
+                <a:schemeClr val="bg2">
+                  <a:lumMod val="25000"/>
+                </a:schemeClr>
+              </a:solidFill>
+              <a:latin typeface="微软雅黑" panose="020B0503020204020204" pitchFamily="34" charset="-122"/>
+              <a:ea typeface="微软雅黑" panose="020B0503020204020204" pitchFamily="34" charset="-122"/>
+              <a:sym typeface="Source Han Serif SC" panose="02020400000000000000" pitchFamily="18" charset="-122"/>
+            </a:endParaRPr>
+          </a:p>
+        </p:txBody>
+      </p:sp>
+      <p:sp>
+        <p:nvSpPr>
+          <p:cNvPr id="7" name="矩形 6">
+            <a:extLst>
+              <a:ext uri="{FF2B5EF4-FFF2-40B4-BE49-F238E27FC236}">
+                <a16:creationId xmlns:a16="http://schemas.microsoft.com/office/drawing/2014/main" id="{C617672C-AF27-48FE-B579-AEEDA534859A}"/>
+              </a:ext>
+            </a:extLst>
+          </p:cNvPr>
+          <p:cNvSpPr/>
+          <p:nvPr/>
+        </p:nvSpPr>
+        <p:spPr>
+          <a:xfrm>
+            <a:off x="3665980" y="4514988"/>
+            <a:ext cx="4860039" cy="726994"/>
+          </a:xfrm>
+          <a:prstGeom prst="rect">
+            <a:avLst/>
+          </a:prstGeom>
+        </p:spPr>
+        <p:txBody>
+          <a:bodyPr wrap="square">
+            <a:spAutoFit/>
+          </a:bodyPr>
+          <a:lstStyle/>
+          <a:p>
+            <a:pPr algn="ctr">
+              <a:lnSpc>
+                <a:spcPct val="120000"/>
+              </a:lnSpc>
+            </a:pPr>
+            <a:r>
+              <a:rPr lang="zh-TW" altLang="en-US" dirty="0">
+                <a:solidFill>
+                  <a:schemeClr val="bg2">
+                    <a:lumMod val="25000"/>
+                  </a:schemeClr>
+                </a:solidFill>
+                <a:latin typeface="微軟正黑體" panose="020B0604030504040204" pitchFamily="34" charset="-120"/>
+                <a:ea typeface="微軟正黑體" panose="020B0604030504040204" pitchFamily="34" charset="-120"/>
+                <a:sym typeface="Source Han Serif SC" panose="02020400000000000000" pitchFamily="18" charset="-122"/>
+              </a:rPr>
+              <a:t>簡報</a:t>
+            </a:r>
+            <a:r>
+              <a:rPr lang="zh-TW" altLang="en-US" dirty="0" smtClean="0">
+                <a:solidFill>
+                  <a:schemeClr val="bg2">
+                    <a:lumMod val="25000"/>
+                  </a:schemeClr>
+                </a:solidFill>
+                <a:latin typeface="微軟正黑體" panose="020B0604030504040204" pitchFamily="34" charset="-120"/>
+                <a:ea typeface="微軟正黑體" panose="020B0604030504040204" pitchFamily="34" charset="-120"/>
+                <a:sym typeface="Source Han Serif SC" panose="02020400000000000000" pitchFamily="18" charset="-122"/>
+              </a:rPr>
+              <a:t>結束</a:t>
+            </a:r>
+            <a:endParaRPr lang="en-US" altLang="zh-TW" dirty="0" smtClean="0">
+              <a:solidFill>
+                <a:schemeClr val="bg2">
+                  <a:lumMod val="25000"/>
+                </a:schemeClr>
+              </a:solidFill>
+              <a:latin typeface="微軟正黑體" panose="020B0604030504040204" pitchFamily="34" charset="-120"/>
+              <a:ea typeface="微軟正黑體" panose="020B0604030504040204" pitchFamily="34" charset="-120"/>
+              <a:sym typeface="Source Han Serif SC" panose="02020400000000000000" pitchFamily="18" charset="-122"/>
+            </a:endParaRPr>
+          </a:p>
+          <a:p>
+            <a:pPr algn="ctr">
+              <a:lnSpc>
+                <a:spcPct val="120000"/>
+              </a:lnSpc>
+            </a:pPr>
+            <a:r>
+              <a:rPr lang="zh-TW" altLang="en-US" dirty="0" smtClean="0">
+                <a:solidFill>
+                  <a:schemeClr val="bg2">
+                    <a:lumMod val="25000"/>
+                  </a:schemeClr>
+                </a:solidFill>
+                <a:latin typeface="微軟正黑體" panose="020B0604030504040204" pitchFamily="34" charset="-120"/>
+                <a:ea typeface="微軟正黑體" panose="020B0604030504040204" pitchFamily="34" charset="-120"/>
+                <a:sym typeface="Source Han Serif SC" panose="02020400000000000000" pitchFamily="18" charset="-122"/>
+              </a:rPr>
+              <a:t>敬請委員指證</a:t>
+            </a:r>
+            <a:endParaRPr lang="zh-CN" altLang="en-US" dirty="0">
+              <a:solidFill>
+                <a:schemeClr val="bg2">
+                  <a:lumMod val="25000"/>
+                </a:schemeClr>
+              </a:solidFill>
+              <a:latin typeface="微軟正黑體" panose="020B0604030504040204" pitchFamily="34" charset="-120"/>
+              <a:ea typeface="微軟正黑體" panose="020B0604030504040204" pitchFamily="34" charset="-120"/>
+              <a:sym typeface="Source Han Serif SC" panose="02020400000000000000" pitchFamily="18" charset="-122"/>
+            </a:endParaRPr>
+          </a:p>
+        </p:txBody>
+      </p:sp>
+    </p:spTree>
+    <p:extLst>
+      <p:ext uri="{BB962C8B-B14F-4D97-AF65-F5344CB8AC3E}">
+        <p14:creationId xmlns:p14="http://schemas.microsoft.com/office/powerpoint/2010/main" val="247547615"/>
+      </p:ext>
+    </p:extLst>
+  </p:cSld>
+  <p:clrMapOvr>
+    <a:masterClrMapping/>
+  </p:clrMapOvr>
+  <mc:AlternateContent xmlns:mc="http://schemas.openxmlformats.org/markup-compatibility/2006" xmlns:p14="http://schemas.microsoft.com/office/powerpoint/2010/main">
+    <mc:Choice Requires="p14">
+      <p:transition p14:dur="0"/>
+    </mc:Choice>
+    <mc:Fallback xmlns="">
+      <p:transition/>
+    </mc:Fallback>
+  </mc:AlternateContent>
+  <p:timing>
+    <p:tnLst>
+      <p:par>
+        <p:cTn id="1" dur="indefinite" restart="never" nodeType="tmRoot">
+          <p:childTnLst>
+            <p:seq concurrent="1" nextAc="seek">
+              <p:cTn id="2" dur="indefinite" nodeType="mainSeq">
+                <p:childTnLst>
+                  <p:par>
+                    <p:cTn id="3" fill="hold">
+                      <p:stCondLst>
+                        <p:cond delay="indefinite"/>
+                        <p:cond evt="onBegin" delay="0">
+                          <p:tn val="2"/>
+                        </p:cond>
+                      </p:stCondLst>
+                      <p:childTnLst>
+                        <p:par>
+                          <p:cTn id="4" fill="hold">
+                            <p:stCondLst>
+                              <p:cond delay="0"/>
+                            </p:stCondLst>
+                            <p:childTnLst>
+                              <p:par>
+                                <p:cTn id="5" presetID="14" presetClass="entr" presetSubtype="10" fill="hold" nodeType="afterEffect">
+                                  <p:stCondLst>
+                                    <p:cond delay="0"/>
+                                  </p:stCondLst>
+                                  <p:childTnLst>
+                                    <p:set>
+                                      <p:cBhvr>
+                                        <p:cTn id="6" dur="1" fill="hold">
+                                          <p:stCondLst>
+                                            <p:cond delay="0"/>
+                                          </p:stCondLst>
+                                        </p:cTn>
+                                        <p:tgtEl>
+                                          <p:spTgt spid="3"/>
+                                        </p:tgtEl>
+                                        <p:attrNameLst>
+                                          <p:attrName>style.visibility</p:attrName>
+                                        </p:attrNameLst>
+                                      </p:cBhvr>
+                                      <p:to>
+                                        <p:strVal val="visible"/>
+                                      </p:to>
+                                    </p:set>
+                                    <p:animEffect transition="in" filter="randombar(horizontal)">
+                                      <p:cBhvr>
+                                        <p:cTn id="7" dur="500"/>
+                                        <p:tgtEl>
+                                          <p:spTgt spid="3"/>
+                                        </p:tgtEl>
+                                      </p:cBhvr>
+                                    </p:animEffect>
+                                  </p:childTnLst>
+                                </p:cTn>
+                              </p:par>
+                            </p:childTnLst>
+                          </p:cTn>
+                        </p:par>
+                        <p:par>
+                          <p:cTn id="8" fill="hold">
+                            <p:stCondLst>
+                              <p:cond delay="500"/>
+                            </p:stCondLst>
+                            <p:childTnLst>
+                              <p:par>
+                                <p:cTn id="9" presetID="14" presetClass="entr" presetSubtype="10" fill="hold" grpId="0" nodeType="afterEffect">
+                                  <p:stCondLst>
+                                    <p:cond delay="0"/>
+                                  </p:stCondLst>
+                                  <p:childTnLst>
+                                    <p:set>
+                                      <p:cBhvr>
+                                        <p:cTn id="10" dur="1" fill="hold">
+                                          <p:stCondLst>
+                                            <p:cond delay="0"/>
+                                          </p:stCondLst>
+                                        </p:cTn>
+                                        <p:tgtEl>
+                                          <p:spTgt spid="8"/>
+                                        </p:tgtEl>
+                                        <p:attrNameLst>
+                                          <p:attrName>style.visibility</p:attrName>
+                                        </p:attrNameLst>
+                                      </p:cBhvr>
+                                      <p:to>
+                                        <p:strVal val="visible"/>
+                                      </p:to>
+                                    </p:set>
+                                    <p:animEffect transition="in" filter="randombar(horizontal)">
+                                      <p:cBhvr>
+                                        <p:cTn id="11" dur="500"/>
+                                        <p:tgtEl>
+                                          <p:spTgt spid="8"/>
+                                        </p:tgtEl>
+                                      </p:cBhvr>
+                                    </p:animEffect>
+                                  </p:childTnLst>
+                                </p:cTn>
+                              </p:par>
+                              <p:par>
+                                <p:cTn id="12" presetID="14" presetClass="entr" presetSubtype="10" fill="hold" grpId="0" nodeType="withEffect">
+                                  <p:stCondLst>
+                                    <p:cond delay="0"/>
+                                  </p:stCondLst>
+                                  <p:childTnLst>
+                                    <p:set>
+                                      <p:cBhvr>
+                                        <p:cTn id="13" dur="1" fill="hold">
+                                          <p:stCondLst>
+                                            <p:cond delay="0"/>
+                                          </p:stCondLst>
+                                        </p:cTn>
+                                        <p:tgtEl>
+                                          <p:spTgt spid="7"/>
+                                        </p:tgtEl>
+                                        <p:attrNameLst>
+                                          <p:attrName>style.visibility</p:attrName>
+                                        </p:attrNameLst>
+                                      </p:cBhvr>
+                                      <p:to>
+                                        <p:strVal val="visible"/>
+                                      </p:to>
+                                    </p:set>
+                                    <p:animEffect transition="in" filter="randombar(horizontal)">
+                                      <p:cBhvr>
+                                        <p:cTn id="14" dur="500"/>
+                                        <p:tgtEl>
+                                          <p:spTgt spid="7"/>
+                                        </p:tgtEl>
+                                      </p:cBhvr>
+                                    </p:animEffect>
+                                  </p:childTnLst>
+                                </p:cTn>
+                              </p:par>
+                            </p:childTnLst>
+                          </p:cTn>
+                        </p:par>
+                      </p:childTnLst>
+                    </p:cTn>
+                  </p:par>
+                </p:childTnLst>
+              </p:cTn>
+              <p:prevCondLst>
+                <p:cond evt="onPrev" delay="0">
+                  <p:tgtEl>
+                    <p:sldTgt/>
+                  </p:tgtEl>
+                </p:cond>
+              </p:prevCondLst>
+              <p:nextCondLst>
+                <p:cond evt="onNext" delay="0">
+                  <p:tgtEl>
+                    <p:sldTgt/>
+                  </p:tgtEl>
+                </p:cond>
+              </p:nextCondLst>
+            </p:seq>
+          </p:childTnLst>
+        </p:cTn>
+      </p:par>
+    </p:tnLst>
+    <p:bldLst>
+      <p:bldP spid="8" grpId="0"/>
+      <p:bldP spid="7" grpId="0"/>
+    </p:bldLst>
+  </p:timing>
+</p:sld>
+</file>
+
+<file path=ppt/slides/slide15.xml><?xml version="1.0" encoding="utf-8"?>
+<p:sld xmlns:a="http://schemas.openxmlformats.org/drawingml/2006/main" xmlns:r="http://schemas.openxmlformats.org/officeDocument/2006/relationships" xmlns:p="http://schemas.openxmlformats.org/presentationml/2006/main">
+  <p:cSld>
+    <p:spTree>
+      <p:nvGrpSpPr>
+        <p:cNvPr id="1" name=""/>
+        <p:cNvGrpSpPr/>
+        <p:nvPr/>
+      </p:nvGrpSpPr>
+      <p:grpSpPr>
+        <a:xfrm>
+          <a:off x="0" y="0"/>
+          <a:ext cx="0" cy="0"/>
+          <a:chOff x="0" y="0"/>
+          <a:chExt cx="0" cy="0"/>
+        </a:xfrm>
+      </p:grpSpPr>
+      <p:pic>
+        <p:nvPicPr>
+          <p:cNvPr id="10" name="图片 9">
+            <a:extLst>
+              <a:ext uri="{FF2B5EF4-FFF2-40B4-BE49-F238E27FC236}">
+                <a16:creationId xmlns:a16="http://schemas.microsoft.com/office/drawing/2014/main" id="{BA1717BD-FFCC-47B3-9BA7-7F4729EE2BDC}"/>
+              </a:ext>
+            </a:extLst>
+          </p:cNvPr>
+          <p:cNvPicPr>
+            <a:picLocks noChangeAspect="1"/>
+          </p:cNvPicPr>
+          <p:nvPr/>
+        </p:nvPicPr>
+        <p:blipFill rotWithShape="1">
+          <a:blip r:embed="rId3">
+            <a:extLst>
+              <a:ext uri="{28A0092B-C50C-407E-A947-70E740481C1C}">
+                <a14:useLocalDpi xmlns:a14="http://schemas.microsoft.com/office/drawing/2010/main" val="0"/>
+              </a:ext>
+            </a:extLst>
+          </a:blip>
+          <a:srcRect l="35184"/>
+          <a:stretch/>
+        </p:blipFill>
+        <p:spPr>
+          <a:xfrm>
+            <a:off x="0" y="-1"/>
+            <a:ext cx="12192000" cy="6858000"/>
+          </a:xfrm>
+          <a:prstGeom prst="rect">
+            <a:avLst/>
+          </a:prstGeom>
+        </p:spPr>
+      </p:pic>
+      <p:sp>
+        <p:nvSpPr>
+          <p:cNvPr id="18" name="文本框 17">
+            <a:extLst>
+              <a:ext uri="{FF2B5EF4-FFF2-40B4-BE49-F238E27FC236}">
+                <a16:creationId xmlns:a16="http://schemas.microsoft.com/office/drawing/2014/main" id="{8F4BD971-199B-46A0-88D0-3FC7B73E5152}"/>
+              </a:ext>
+            </a:extLst>
+          </p:cNvPr>
+          <p:cNvSpPr txBox="1"/>
+          <p:nvPr/>
+        </p:nvSpPr>
+        <p:spPr>
+          <a:xfrm>
+            <a:off x="3925887" y="2413073"/>
+            <a:ext cx="1057092" cy="2215991"/>
+          </a:xfrm>
+          <a:prstGeom prst="rect">
+            <a:avLst/>
+          </a:prstGeom>
+          <a:noFill/>
+        </p:spPr>
+        <p:txBody>
+          <a:bodyPr wrap="square" rtlCol="0">
+            <a:spAutoFit/>
+            <a:scene3d>
+              <a:camera prst="orthographicFront"/>
+              <a:lightRig rig="threePt" dir="t"/>
+            </a:scene3d>
+            <a:sp3d contourW="12700"/>
+          </a:bodyPr>
+          <a:lstStyle/>
+          <a:p>
+            <a:pPr algn="ctr"/>
+            <a:r>
+              <a:rPr lang="en-US" altLang="zh-CN" sz="13800" dirty="0" smtClean="0">
+                <a:solidFill>
+                  <a:schemeClr val="bg2">
+                    <a:lumMod val="25000"/>
+                  </a:schemeClr>
+                </a:solidFill>
+                <a:latin typeface="微軟正黑體" panose="020B0604030504040204" pitchFamily="34" charset="-120"/>
+                <a:ea typeface="微軟正黑體" panose="020B0604030504040204" pitchFamily="34" charset="-120"/>
+                <a:sym typeface="Source Han Serif SC" panose="02020400000000000000" pitchFamily="18" charset="-122"/>
+              </a:rPr>
+              <a:t>5</a:t>
+            </a:r>
+            <a:endParaRPr lang="zh-CN" altLang="en-US" sz="13800" dirty="0">
+              <a:solidFill>
+                <a:schemeClr val="bg2">
+                  <a:lumMod val="25000"/>
+                </a:schemeClr>
+              </a:solidFill>
+              <a:latin typeface="微軟正黑體" panose="020B0604030504040204" pitchFamily="34" charset="-120"/>
+              <a:ea typeface="微軟正黑體" panose="020B0604030504040204" pitchFamily="34" charset="-120"/>
+              <a:sym typeface="Source Han Serif SC" panose="02020400000000000000" pitchFamily="18" charset="-122"/>
+            </a:endParaRPr>
+          </a:p>
+        </p:txBody>
+      </p:sp>
+      <p:sp>
+        <p:nvSpPr>
+          <p:cNvPr id="2" name="菱形 1"/>
+          <p:cNvSpPr/>
+          <p:nvPr/>
+        </p:nvSpPr>
+        <p:spPr>
+          <a:xfrm>
+            <a:off x="3199174" y="2199135"/>
+            <a:ext cx="2643868" cy="2643868"/>
+          </a:xfrm>
+          <a:prstGeom prst="diamond">
+            <a:avLst/>
+          </a:prstGeom>
+          <a:noFill/>
+          <a:ln w="28575">
+            <a:solidFill>
+              <a:srgbClr val="3B3838"/>
+            </a:solidFill>
+          </a:ln>
+        </p:spPr>
+        <p:style>
+          <a:lnRef idx="2">
+            <a:schemeClr val="accent1">
+              <a:shade val="50000"/>
+            </a:schemeClr>
+          </a:lnRef>
+          <a:fillRef idx="1">
+            <a:schemeClr val="accent1"/>
+          </a:fillRef>
+          <a:effectRef idx="0">
+            <a:schemeClr val="accent1"/>
+          </a:effectRef>
+          <a:fontRef idx="minor">
+            <a:schemeClr val="lt1"/>
+          </a:fontRef>
+        </p:style>
+        <p:txBody>
+          <a:bodyPr rtlCol="0" anchor="ctr"/>
+          <a:lstStyle/>
+          <a:p>
+            <a:pPr algn="ctr"/>
+            <a:endParaRPr lang="zh-CN" altLang="en-US" dirty="0">
+              <a:solidFill>
+                <a:schemeClr val="bg2">
+                  <a:lumMod val="25000"/>
+                </a:schemeClr>
+              </a:solidFill>
+              <a:latin typeface="微軟正黑體" panose="020B0604030504040204" pitchFamily="34" charset="-120"/>
+              <a:ea typeface="微軟正黑體" panose="020B0604030504040204" pitchFamily="34" charset="-120"/>
+              <a:sym typeface="Source Han Serif SC" panose="02020400000000000000" pitchFamily="18" charset="-122"/>
+            </a:endParaRPr>
+          </a:p>
+        </p:txBody>
+      </p:sp>
+      <p:sp>
+        <p:nvSpPr>
+          <p:cNvPr id="3" name="菱形 2"/>
+          <p:cNvSpPr/>
+          <p:nvPr/>
+        </p:nvSpPr>
+        <p:spPr>
+          <a:xfrm>
+            <a:off x="5302611" y="1371821"/>
+            <a:ext cx="4298496" cy="4298496"/>
+          </a:xfrm>
+          <a:prstGeom prst="diamond">
+            <a:avLst/>
+          </a:prstGeom>
+          <a:noFill/>
+          <a:ln w="28575">
+            <a:solidFill>
+              <a:srgbClr val="3B3838"/>
+            </a:solidFill>
+          </a:ln>
+        </p:spPr>
+        <p:style>
+          <a:lnRef idx="2">
+            <a:schemeClr val="accent1">
+              <a:shade val="50000"/>
+            </a:schemeClr>
+          </a:lnRef>
+          <a:fillRef idx="1">
+            <a:schemeClr val="accent1"/>
+          </a:fillRef>
+          <a:effectRef idx="0">
+            <a:schemeClr val="accent1"/>
+          </a:effectRef>
+          <a:fontRef idx="minor">
+            <a:schemeClr val="lt1"/>
+          </a:fontRef>
+        </p:style>
+        <p:txBody>
+          <a:bodyPr rtlCol="0" anchor="ctr"/>
+          <a:lstStyle/>
+          <a:p>
+            <a:pPr algn="ctr"/>
+            <a:endParaRPr lang="zh-CN" altLang="en-US" dirty="0">
+              <a:solidFill>
+                <a:schemeClr val="bg2">
+                  <a:lumMod val="25000"/>
+                </a:schemeClr>
+              </a:solidFill>
+              <a:latin typeface="微軟正黑體" panose="020B0604030504040204" pitchFamily="34" charset="-120"/>
+              <a:ea typeface="微軟正黑體" panose="020B0604030504040204" pitchFamily="34" charset="-120"/>
+              <a:sym typeface="Source Han Serif SC" panose="02020400000000000000" pitchFamily="18" charset="-122"/>
+            </a:endParaRPr>
+          </a:p>
+        </p:txBody>
+      </p:sp>
+      <p:sp>
+        <p:nvSpPr>
+          <p:cNvPr id="11" name="文本框 10"/>
+          <p:cNvSpPr txBox="1"/>
+          <p:nvPr/>
+        </p:nvSpPr>
+        <p:spPr>
+          <a:xfrm>
+            <a:off x="5499687" y="3228680"/>
+            <a:ext cx="3904343" cy="584775"/>
+          </a:xfrm>
+          <a:prstGeom prst="rect">
+            <a:avLst/>
+          </a:prstGeom>
+          <a:noFill/>
+        </p:spPr>
+        <p:txBody>
+          <a:bodyPr wrap="square" rtlCol="0">
+            <a:spAutoFit/>
+            <a:scene3d>
+              <a:camera prst="orthographicFront"/>
+              <a:lightRig rig="threePt" dir="t"/>
+            </a:scene3d>
+            <a:sp3d contourW="12700"/>
+          </a:bodyPr>
+          <a:lstStyle>
+            <a:defPPr>
+              <a:defRPr lang="en-US"/>
+            </a:defPPr>
+            <a:lvl1pPr algn="ctr">
+              <a:defRPr sz="2800" b="1">
+                <a:solidFill>
+                  <a:schemeClr val="tx1">
+                    <a:lumMod val="75000"/>
+                    <a:lumOff val="25000"/>
+                  </a:schemeClr>
+                </a:solidFill>
+                <a:latin typeface="Century Gothic" panose="020B0502020202020204" pitchFamily="34" charset="0"/>
+              </a:defRPr>
+            </a:lvl1pPr>
+          </a:lstStyle>
+          <a:p>
+            <a:r>
+              <a:rPr lang="zh-TW" altLang="en-US" sz="3200" dirty="0">
+                <a:solidFill>
+                  <a:schemeClr val="bg2">
+                    <a:lumMod val="25000"/>
+                  </a:schemeClr>
+                </a:solidFill>
+                <a:latin typeface="微軟正黑體" panose="020B0604030504040204" pitchFamily="34" charset="-120"/>
+                <a:ea typeface="微軟正黑體" panose="020B0604030504040204" pitchFamily="34" charset="-120"/>
+                <a:sym typeface="Source Han Serif SC" panose="02020400000000000000" pitchFamily="18" charset="-122"/>
+              </a:rPr>
+              <a:t>附錄</a:t>
+            </a:r>
+            <a:endParaRPr lang="zh-CN" altLang="en-US" sz="3200" dirty="0">
+              <a:solidFill>
+                <a:schemeClr val="bg2">
+                  <a:lumMod val="25000"/>
+                </a:schemeClr>
+              </a:solidFill>
+              <a:latin typeface="微軟正黑體" panose="020B0604030504040204" pitchFamily="34" charset="-120"/>
+              <a:ea typeface="微軟正黑體" panose="020B0604030504040204" pitchFamily="34" charset="-120"/>
+              <a:sym typeface="Source Han Serif SC" panose="02020400000000000000" pitchFamily="18" charset="-122"/>
+            </a:endParaRPr>
+          </a:p>
+        </p:txBody>
+      </p:sp>
+    </p:spTree>
+    <p:extLst>
+      <p:ext uri="{BB962C8B-B14F-4D97-AF65-F5344CB8AC3E}">
+        <p14:creationId xmlns:p14="http://schemas.microsoft.com/office/powerpoint/2010/main" val="3137961633"/>
+      </p:ext>
+    </p:extLst>
+  </p:cSld>
+  <p:clrMapOvr>
+    <a:masterClrMapping/>
+  </p:clrMapOvr>
+  <mc:AlternateContent xmlns:mc="http://schemas.openxmlformats.org/markup-compatibility/2006" xmlns:p14="http://schemas.microsoft.com/office/powerpoint/2010/main">
+    <mc:Choice Requires="p14">
+      <p:transition p14:dur="0"/>
+    </mc:Choice>
+    <mc:Fallback xmlns="">
+      <p:transition/>
+    </mc:Fallback>
+  </mc:AlternateContent>
+  <p:timing>
+    <p:tnLst>
+      <p:par>
+        <p:cTn id="1" dur="indefinite" restart="never" nodeType="tmRoot"/>
+      </p:par>
+    </p:tnLst>
+  </p:timing>
+</p:sld>
+</file>
+
+<file path=ppt/slides/slide16.xml><?xml version="1.0" encoding="utf-8"?>
 <p:sld xmlns:a="http://schemas.openxmlformats.org/drawingml/2006/main" xmlns:r="http://schemas.openxmlformats.org/officeDocument/2006/relationships" xmlns:p="http://schemas.openxmlformats.org/presentationml/2006/main">
   <p:cSld>
     <p:spTree>
@@ -6222,7 +9331,7 @@
           <a:p>
             <a:fld id="{C216DB24-B25B-49D7-A066-6E012C0AC9EA}" type="slidenum">
               <a:rPr lang="zh-CN" altLang="en-US" smtClean="0"/>
-              <a:t>10</a:t>
+              <a:t>16</a:t>
             </a:fld>
             <a:endParaRPr lang="zh-CN" altLang="en-US"/>
           </a:p>
@@ -7116,7 +10225,7 @@
 </p:sld>
 </file>
 
-<file path=ppt/slides/slide11.xml><?xml version="1.0" encoding="utf-8"?>
+<file path=ppt/slides/slide17.xml><?xml version="1.0" encoding="utf-8"?>
 <p:sld xmlns:a="http://schemas.openxmlformats.org/drawingml/2006/main" xmlns:r="http://schemas.openxmlformats.org/officeDocument/2006/relationships" xmlns:p="http://schemas.openxmlformats.org/presentationml/2006/main">
   <p:cSld>
     <p:spTree>
@@ -7632,7 +10741,7 @@
           <a:p>
             <a:fld id="{C216DB24-B25B-49D7-A066-6E012C0AC9EA}" type="slidenum">
               <a:rPr lang="zh-CN" altLang="en-US" smtClean="0"/>
-              <a:t>11</a:t>
+              <a:t>17</a:t>
             </a:fld>
             <a:endParaRPr lang="zh-CN" altLang="en-US"/>
           </a:p>
@@ -7872,7 +10981,7 @@
 </p:sld>
 </file>
 
-<file path=ppt/slides/slide12.xml><?xml version="1.0" encoding="utf-8"?>
+<file path=ppt/slides/slide18.xml><?xml version="1.0" encoding="utf-8"?>
 <p:sld xmlns:a="http://schemas.openxmlformats.org/drawingml/2006/main" xmlns:r="http://schemas.openxmlformats.org/officeDocument/2006/relationships" xmlns:p="http://schemas.openxmlformats.org/presentationml/2006/main">
   <p:cSld>
     <p:spTree>
@@ -9667,7 +12776,7 @@
           <a:p>
             <a:fld id="{C216DB24-B25B-49D7-A066-6E012C0AC9EA}" type="slidenum">
               <a:rPr lang="zh-CN" altLang="en-US" smtClean="0"/>
-              <a:t>12</a:t>
+              <a:t>18</a:t>
             </a:fld>
             <a:endParaRPr lang="zh-CN" altLang="en-US"/>
           </a:p>
@@ -9952,7 +13061,7 @@
 </p:sld>
 </file>
 
-<file path=ppt/slides/slide13.xml><?xml version="1.0" encoding="utf-8"?>
+<file path=ppt/slides/slide19.xml><?xml version="1.0" encoding="utf-8"?>
 <p:sld xmlns:a="http://schemas.openxmlformats.org/drawingml/2006/main" xmlns:r="http://schemas.openxmlformats.org/officeDocument/2006/relationships" xmlns:p="http://schemas.openxmlformats.org/presentationml/2006/main">
   <p:cSld>
     <p:spTree>
@@ -12077,7 +15186,7 @@
           <a:p>
             <a:fld id="{C216DB24-B25B-49D7-A066-6E012C0AC9EA}" type="slidenum">
               <a:rPr lang="zh-CN" altLang="en-US" smtClean="0"/>
-              <a:t>13</a:t>
+              <a:t>19</a:t>
             </a:fld>
             <a:endParaRPr lang="zh-CN" altLang="en-US"/>
           </a:p>
@@ -12323,2378 +15432,6 @@
     </p:tnLst>
     <p:bldLst>
       <p:bldP spid="8" grpId="0" animBg="1"/>
-    </p:bldLst>
-  </p:timing>
-</p:sld>
-</file>
-
-<file path=ppt/slides/slide14.xml><?xml version="1.0" encoding="utf-8"?>
-<p:sld xmlns:a="http://schemas.openxmlformats.org/drawingml/2006/main" xmlns:r="http://schemas.openxmlformats.org/officeDocument/2006/relationships" xmlns:p="http://schemas.openxmlformats.org/presentationml/2006/main">
-  <p:cSld>
-    <p:spTree>
-      <p:nvGrpSpPr>
-        <p:cNvPr id="1" name=""/>
-        <p:cNvGrpSpPr/>
-        <p:nvPr/>
-      </p:nvGrpSpPr>
-      <p:grpSpPr>
-        <a:xfrm>
-          <a:off x="0" y="0"/>
-          <a:ext cx="0" cy="0"/>
-          <a:chOff x="0" y="0"/>
-          <a:chExt cx="0" cy="0"/>
-        </a:xfrm>
-      </p:grpSpPr>
-      <p:pic>
-        <p:nvPicPr>
-          <p:cNvPr id="10" name="图片 9">
-            <a:extLst>
-              <a:ext uri="{FF2B5EF4-FFF2-40B4-BE49-F238E27FC236}">
-                <a16:creationId xmlns:a16="http://schemas.microsoft.com/office/drawing/2014/main" id="{BA1717BD-FFCC-47B3-9BA7-7F4729EE2BDC}"/>
-              </a:ext>
-            </a:extLst>
-          </p:cNvPr>
-          <p:cNvPicPr>
-            <a:picLocks noChangeAspect="1"/>
-          </p:cNvPicPr>
-          <p:nvPr/>
-        </p:nvPicPr>
-        <p:blipFill rotWithShape="1">
-          <a:blip r:embed="rId3">
-            <a:extLst>
-              <a:ext uri="{28A0092B-C50C-407E-A947-70E740481C1C}">
-                <a14:useLocalDpi xmlns:a14="http://schemas.microsoft.com/office/drawing/2010/main" val="0"/>
-              </a:ext>
-            </a:extLst>
-          </a:blip>
-          <a:srcRect l="35184"/>
-          <a:stretch/>
-        </p:blipFill>
-        <p:spPr>
-          <a:xfrm>
-            <a:off x="0" y="-1"/>
-            <a:ext cx="12192000" cy="6858000"/>
-          </a:xfrm>
-          <a:prstGeom prst="rect">
-            <a:avLst/>
-          </a:prstGeom>
-        </p:spPr>
-      </p:pic>
-      <p:sp>
-        <p:nvSpPr>
-          <p:cNvPr id="18" name="文本框 17">
-            <a:extLst>
-              <a:ext uri="{FF2B5EF4-FFF2-40B4-BE49-F238E27FC236}">
-                <a16:creationId xmlns:a16="http://schemas.microsoft.com/office/drawing/2014/main" id="{8F4BD971-199B-46A0-88D0-3FC7B73E5152}"/>
-              </a:ext>
-            </a:extLst>
-          </p:cNvPr>
-          <p:cNvSpPr txBox="1"/>
-          <p:nvPr/>
-        </p:nvSpPr>
-        <p:spPr>
-          <a:xfrm>
-            <a:off x="3925887" y="2413073"/>
-            <a:ext cx="1057092" cy="2215991"/>
-          </a:xfrm>
-          <a:prstGeom prst="rect">
-            <a:avLst/>
-          </a:prstGeom>
-          <a:noFill/>
-        </p:spPr>
-        <p:txBody>
-          <a:bodyPr wrap="square" rtlCol="0">
-            <a:spAutoFit/>
-            <a:scene3d>
-              <a:camera prst="orthographicFront"/>
-              <a:lightRig rig="threePt" dir="t"/>
-            </a:scene3d>
-            <a:sp3d contourW="12700"/>
-          </a:bodyPr>
-          <a:lstStyle/>
-          <a:p>
-            <a:pPr algn="ctr"/>
-            <a:r>
-              <a:rPr lang="en-US" altLang="zh-CN" sz="13800" dirty="0">
-                <a:solidFill>
-                  <a:schemeClr val="bg2">
-                    <a:lumMod val="25000"/>
-                  </a:schemeClr>
-                </a:solidFill>
-                <a:latin typeface="微軟正黑體" panose="020B0604030504040204" pitchFamily="34" charset="-120"/>
-                <a:ea typeface="微軟正黑體" panose="020B0604030504040204" pitchFamily="34" charset="-120"/>
-                <a:sym typeface="Source Han Serif SC" panose="02020400000000000000" pitchFamily="18" charset="-122"/>
-              </a:rPr>
-              <a:t>3</a:t>
-            </a:r>
-            <a:endParaRPr lang="zh-CN" altLang="en-US" sz="13800" dirty="0">
-              <a:solidFill>
-                <a:schemeClr val="bg2">
-                  <a:lumMod val="25000"/>
-                </a:schemeClr>
-              </a:solidFill>
-              <a:latin typeface="微軟正黑體" panose="020B0604030504040204" pitchFamily="34" charset="-120"/>
-              <a:ea typeface="微軟正黑體" panose="020B0604030504040204" pitchFamily="34" charset="-120"/>
-              <a:sym typeface="Source Han Serif SC" panose="02020400000000000000" pitchFamily="18" charset="-122"/>
-            </a:endParaRPr>
-          </a:p>
-        </p:txBody>
-      </p:sp>
-      <p:sp>
-        <p:nvSpPr>
-          <p:cNvPr id="2" name="菱形 1"/>
-          <p:cNvSpPr/>
-          <p:nvPr/>
-        </p:nvSpPr>
-        <p:spPr>
-          <a:xfrm>
-            <a:off x="3199174" y="2199135"/>
-            <a:ext cx="2643868" cy="2643868"/>
-          </a:xfrm>
-          <a:prstGeom prst="diamond">
-            <a:avLst/>
-          </a:prstGeom>
-          <a:noFill/>
-          <a:ln w="28575">
-            <a:solidFill>
-              <a:srgbClr val="3B3838"/>
-            </a:solidFill>
-          </a:ln>
-        </p:spPr>
-        <p:style>
-          <a:lnRef idx="2">
-            <a:schemeClr val="accent1">
-              <a:shade val="50000"/>
-            </a:schemeClr>
-          </a:lnRef>
-          <a:fillRef idx="1">
-            <a:schemeClr val="accent1"/>
-          </a:fillRef>
-          <a:effectRef idx="0">
-            <a:schemeClr val="accent1"/>
-          </a:effectRef>
-          <a:fontRef idx="minor">
-            <a:schemeClr val="lt1"/>
-          </a:fontRef>
-        </p:style>
-        <p:txBody>
-          <a:bodyPr rtlCol="0" anchor="ctr"/>
-          <a:lstStyle/>
-          <a:p>
-            <a:pPr algn="ctr"/>
-            <a:endParaRPr lang="zh-CN" altLang="en-US" dirty="0">
-              <a:solidFill>
-                <a:schemeClr val="bg2">
-                  <a:lumMod val="25000"/>
-                </a:schemeClr>
-              </a:solidFill>
-              <a:latin typeface="微軟正黑體" panose="020B0604030504040204" pitchFamily="34" charset="-120"/>
-              <a:ea typeface="微軟正黑體" panose="020B0604030504040204" pitchFamily="34" charset="-120"/>
-              <a:sym typeface="Source Han Serif SC" panose="02020400000000000000" pitchFamily="18" charset="-122"/>
-            </a:endParaRPr>
-          </a:p>
-        </p:txBody>
-      </p:sp>
-      <p:sp>
-        <p:nvSpPr>
-          <p:cNvPr id="3" name="菱形 2"/>
-          <p:cNvSpPr/>
-          <p:nvPr/>
-        </p:nvSpPr>
-        <p:spPr>
-          <a:xfrm>
-            <a:off x="5302611" y="1371821"/>
-            <a:ext cx="4298496" cy="4298496"/>
-          </a:xfrm>
-          <a:prstGeom prst="diamond">
-            <a:avLst/>
-          </a:prstGeom>
-          <a:noFill/>
-          <a:ln w="28575">
-            <a:solidFill>
-              <a:srgbClr val="3B3838"/>
-            </a:solidFill>
-          </a:ln>
-        </p:spPr>
-        <p:style>
-          <a:lnRef idx="2">
-            <a:schemeClr val="accent1">
-              <a:shade val="50000"/>
-            </a:schemeClr>
-          </a:lnRef>
-          <a:fillRef idx="1">
-            <a:schemeClr val="accent1"/>
-          </a:fillRef>
-          <a:effectRef idx="0">
-            <a:schemeClr val="accent1"/>
-          </a:effectRef>
-          <a:fontRef idx="minor">
-            <a:schemeClr val="lt1"/>
-          </a:fontRef>
-        </p:style>
-        <p:txBody>
-          <a:bodyPr rtlCol="0" anchor="ctr"/>
-          <a:lstStyle/>
-          <a:p>
-            <a:pPr algn="ctr"/>
-            <a:endParaRPr lang="zh-CN" altLang="en-US" dirty="0">
-              <a:solidFill>
-                <a:schemeClr val="bg2">
-                  <a:lumMod val="25000"/>
-                </a:schemeClr>
-              </a:solidFill>
-              <a:latin typeface="微軟正黑體" panose="020B0604030504040204" pitchFamily="34" charset="-120"/>
-              <a:ea typeface="微軟正黑體" panose="020B0604030504040204" pitchFamily="34" charset="-120"/>
-              <a:sym typeface="Source Han Serif SC" panose="02020400000000000000" pitchFamily="18" charset="-122"/>
-            </a:endParaRPr>
-          </a:p>
-        </p:txBody>
-      </p:sp>
-      <p:sp>
-        <p:nvSpPr>
-          <p:cNvPr id="11" name="文本框 10"/>
-          <p:cNvSpPr txBox="1"/>
-          <p:nvPr/>
-        </p:nvSpPr>
-        <p:spPr>
-          <a:xfrm>
-            <a:off x="5499687" y="3228680"/>
-            <a:ext cx="3904343" cy="584775"/>
-          </a:xfrm>
-          <a:prstGeom prst="rect">
-            <a:avLst/>
-          </a:prstGeom>
-          <a:noFill/>
-        </p:spPr>
-        <p:txBody>
-          <a:bodyPr wrap="square" rtlCol="0">
-            <a:spAutoFit/>
-            <a:scene3d>
-              <a:camera prst="orthographicFront"/>
-              <a:lightRig rig="threePt" dir="t"/>
-            </a:scene3d>
-            <a:sp3d contourW="12700"/>
-          </a:bodyPr>
-          <a:lstStyle>
-            <a:defPPr>
-              <a:defRPr lang="en-US"/>
-            </a:defPPr>
-            <a:lvl1pPr algn="ctr">
-              <a:defRPr sz="2800" b="1">
-                <a:solidFill>
-                  <a:schemeClr val="tx1">
-                    <a:lumMod val="75000"/>
-                    <a:lumOff val="25000"/>
-                  </a:schemeClr>
-                </a:solidFill>
-                <a:latin typeface="Century Gothic" panose="020B0502020202020204" pitchFamily="34" charset="0"/>
-              </a:defRPr>
-            </a:lvl1pPr>
-          </a:lstStyle>
-          <a:p>
-            <a:r>
-              <a:rPr lang="zh-TW" altLang="en-US" sz="3200" dirty="0" smtClean="0">
-                <a:solidFill>
-                  <a:schemeClr val="bg2">
-                    <a:lumMod val="25000"/>
-                  </a:schemeClr>
-                </a:solidFill>
-                <a:latin typeface="微軟正黑體" panose="020B0604030504040204" pitchFamily="34" charset="-120"/>
-                <a:ea typeface="微軟正黑體" panose="020B0604030504040204" pitchFamily="34" charset="-120"/>
-                <a:sym typeface="Source Han Serif SC" panose="02020400000000000000" pitchFamily="18" charset="-122"/>
-              </a:rPr>
-              <a:t>實</a:t>
-            </a:r>
-            <a:r>
-              <a:rPr lang="zh-TW" altLang="en-US" sz="3200" dirty="0">
-                <a:solidFill>
-                  <a:schemeClr val="bg2">
-                    <a:lumMod val="25000"/>
-                  </a:schemeClr>
-                </a:solidFill>
-                <a:latin typeface="微軟正黑體" panose="020B0604030504040204" pitchFamily="34" charset="-120"/>
-                <a:ea typeface="微軟正黑體" panose="020B0604030504040204" pitchFamily="34" charset="-120"/>
-                <a:sym typeface="Source Han Serif SC" panose="02020400000000000000" pitchFamily="18" charset="-122"/>
-              </a:rPr>
-              <a:t>作</a:t>
-            </a:r>
-            <a:r>
-              <a:rPr lang="zh-TW" altLang="en-US" sz="3200" dirty="0" smtClean="0">
-                <a:solidFill>
-                  <a:schemeClr val="bg2">
-                    <a:lumMod val="25000"/>
-                  </a:schemeClr>
-                </a:solidFill>
-                <a:latin typeface="微軟正黑體" panose="020B0604030504040204" pitchFamily="34" charset="-120"/>
-                <a:ea typeface="微軟正黑體" panose="020B0604030504040204" pitchFamily="34" charset="-120"/>
-                <a:sym typeface="Source Han Serif SC" panose="02020400000000000000" pitchFamily="18" charset="-122"/>
-              </a:rPr>
-              <a:t>成</a:t>
-            </a:r>
-            <a:r>
-              <a:rPr lang="zh-TW" altLang="en-US" sz="3200" dirty="0">
-                <a:solidFill>
-                  <a:schemeClr val="bg2">
-                    <a:lumMod val="25000"/>
-                  </a:schemeClr>
-                </a:solidFill>
-                <a:latin typeface="微軟正黑體" panose="020B0604030504040204" pitchFamily="34" charset="-120"/>
-                <a:ea typeface="微軟正黑體" panose="020B0604030504040204" pitchFamily="34" charset="-120"/>
-                <a:sym typeface="Source Han Serif SC" panose="02020400000000000000" pitchFamily="18" charset="-122"/>
-              </a:rPr>
-              <a:t>果</a:t>
-            </a:r>
-            <a:endParaRPr lang="zh-CN" altLang="en-US" sz="3200" dirty="0">
-              <a:solidFill>
-                <a:schemeClr val="bg2">
-                  <a:lumMod val="25000"/>
-                </a:schemeClr>
-              </a:solidFill>
-              <a:latin typeface="微軟正黑體" panose="020B0604030504040204" pitchFamily="34" charset="-120"/>
-              <a:ea typeface="微軟正黑體" panose="020B0604030504040204" pitchFamily="34" charset="-120"/>
-              <a:sym typeface="Source Han Serif SC" panose="02020400000000000000" pitchFamily="18" charset="-122"/>
-            </a:endParaRPr>
-          </a:p>
-        </p:txBody>
-      </p:sp>
-    </p:spTree>
-    <p:extLst>
-      <p:ext uri="{BB962C8B-B14F-4D97-AF65-F5344CB8AC3E}">
-        <p14:creationId xmlns:p14="http://schemas.microsoft.com/office/powerpoint/2010/main" val="925766459"/>
-      </p:ext>
-    </p:extLst>
-  </p:cSld>
-  <p:clrMapOvr>
-    <a:masterClrMapping/>
-  </p:clrMapOvr>
-  <mc:AlternateContent xmlns:mc="http://schemas.openxmlformats.org/markup-compatibility/2006" xmlns:p14="http://schemas.microsoft.com/office/powerpoint/2010/main">
-    <mc:Choice Requires="p14">
-      <p:transition p14:dur="0"/>
-    </mc:Choice>
-    <mc:Fallback xmlns="">
-      <p:transition/>
-    </mc:Fallback>
-  </mc:AlternateContent>
-  <p:timing>
-    <p:tnLst>
-      <p:par>
-        <p:cTn id="1" dur="indefinite" restart="never" nodeType="tmRoot"/>
-      </p:par>
-    </p:tnLst>
-  </p:timing>
-</p:sld>
-</file>
-
-<file path=ppt/slides/slide15.xml><?xml version="1.0" encoding="utf-8"?>
-<p:sld xmlns:a="http://schemas.openxmlformats.org/drawingml/2006/main" xmlns:r="http://schemas.openxmlformats.org/officeDocument/2006/relationships" xmlns:p="http://schemas.openxmlformats.org/presentationml/2006/main">
-  <p:cSld>
-    <p:spTree>
-      <p:nvGrpSpPr>
-        <p:cNvPr id="1" name=""/>
-        <p:cNvGrpSpPr/>
-        <p:nvPr/>
-      </p:nvGrpSpPr>
-      <p:grpSpPr>
-        <a:xfrm>
-          <a:off x="0" y="0"/>
-          <a:ext cx="0" cy="0"/>
-          <a:chOff x="0" y="0"/>
-          <a:chExt cx="0" cy="0"/>
-        </a:xfrm>
-      </p:grpSpPr>
-      <p:grpSp>
-        <p:nvGrpSpPr>
-          <p:cNvPr id="23" name="组合 22">
-            <a:extLst>
-              <a:ext uri="{FF2B5EF4-FFF2-40B4-BE49-F238E27FC236}">
-                <a16:creationId xmlns:a16="http://schemas.microsoft.com/office/drawing/2014/main" id="{CD0BF2FE-AD70-486C-9E40-6DA8A5FFB49D}"/>
-              </a:ext>
-            </a:extLst>
-          </p:cNvPr>
-          <p:cNvGrpSpPr/>
-          <p:nvPr/>
-        </p:nvGrpSpPr>
-        <p:grpSpPr>
-          <a:xfrm>
-            <a:off x="3424460" y="220234"/>
-            <a:ext cx="5544407" cy="617980"/>
-            <a:chOff x="551593" y="497013"/>
-            <a:chExt cx="5544407" cy="617980"/>
-          </a:xfrm>
-        </p:grpSpPr>
-        <p:sp>
-          <p:nvSpPr>
-            <p:cNvPr id="24" name="矩形 23">
-              <a:extLst>
-                <a:ext uri="{FF2B5EF4-FFF2-40B4-BE49-F238E27FC236}">
-                  <a16:creationId xmlns:a16="http://schemas.microsoft.com/office/drawing/2014/main" id="{6D3FE4A9-5D53-4415-BB05-92ED58BD2F3E}"/>
-                </a:ext>
-              </a:extLst>
-            </p:cNvPr>
-            <p:cNvSpPr/>
-            <p:nvPr/>
-          </p:nvSpPr>
-          <p:spPr>
-            <a:xfrm>
-              <a:off x="551593" y="497013"/>
-              <a:ext cx="5544407" cy="584775"/>
-            </a:xfrm>
-            <a:prstGeom prst="rect">
-              <a:avLst/>
-            </a:prstGeom>
-            <a:noFill/>
-          </p:spPr>
-          <p:txBody>
-            <a:bodyPr wrap="square" rtlCol="0">
-              <a:spAutoFit/>
-            </a:bodyPr>
-            <a:lstStyle/>
-            <a:p>
-              <a:pPr marL="0" marR="0" lvl="0" indent="0" algn="ctr" defTabSz="914400" rtl="0" eaLnBrk="1" fontAlgn="auto" latinLnBrk="0" hangingPunct="1">
-                <a:lnSpc>
-                  <a:spcPct val="100000"/>
-                </a:lnSpc>
-                <a:spcBef>
-                  <a:spcPts val="0"/>
-                </a:spcBef>
-                <a:spcAft>
-                  <a:spcPts val="0"/>
-                </a:spcAft>
-                <a:buClrTx/>
-                <a:buSzTx/>
-                <a:buFontTx/>
-                <a:buNone/>
-                <a:tabLst/>
-                <a:defRPr/>
-              </a:pPr>
-              <a:r>
-                <a:rPr lang="zh-TW" altLang="en-US" sz="3200" dirty="0" smtClean="0">
-                  <a:solidFill>
-                    <a:srgbClr val="3B3838"/>
-                  </a:solidFill>
-                  <a:latin typeface="微软雅黑" panose="020B0503020204020204" pitchFamily="34" charset="-122"/>
-                  <a:ea typeface="微软雅黑" panose="020B0503020204020204" pitchFamily="34" charset="-122"/>
-                  <a:sym typeface="Source Han Serif SC" panose="02020400000000000000" pitchFamily="18" charset="-122"/>
-                </a:rPr>
-                <a:t>介紹影片</a:t>
-              </a:r>
-              <a:endParaRPr kumimoji="0" lang="zh-CN" altLang="en-US" sz="3200" b="0" i="0" u="none" strike="noStrike" kern="1200" cap="none" spc="0" normalizeH="0" baseline="0" noProof="0" dirty="0">
-                <a:ln>
-                  <a:noFill/>
-                </a:ln>
-                <a:solidFill>
-                  <a:srgbClr val="3B3838"/>
-                </a:solidFill>
-                <a:effectLst/>
-                <a:uLnTx/>
-                <a:uFillTx/>
-                <a:latin typeface="微软雅黑" panose="020B0503020204020204" pitchFamily="34" charset="-122"/>
-                <a:ea typeface="微软雅黑" panose="020B0503020204020204" pitchFamily="34" charset="-122"/>
-                <a:sym typeface="Source Han Serif SC" panose="02020400000000000000" pitchFamily="18" charset="-122"/>
-              </a:endParaRPr>
-            </a:p>
-          </p:txBody>
-        </p:sp>
-        <p:cxnSp>
-          <p:nvCxnSpPr>
-            <p:cNvPr id="25" name="0 _4">
-              <a:extLst>
-                <a:ext uri="{FF2B5EF4-FFF2-40B4-BE49-F238E27FC236}">
-                  <a16:creationId xmlns:a16="http://schemas.microsoft.com/office/drawing/2014/main" id="{27020C56-84A0-4521-A52D-E71D1771142A}"/>
-                </a:ext>
-              </a:extLst>
-            </p:cNvPr>
-            <p:cNvCxnSpPr/>
-            <p:nvPr/>
-          </p:nvCxnSpPr>
-          <p:spPr>
-            <a:xfrm>
-              <a:off x="715475" y="1114993"/>
-              <a:ext cx="5119805" cy="0"/>
-            </a:xfrm>
-            <a:prstGeom prst="line">
-              <a:avLst/>
-            </a:prstGeom>
-            <a:ln w="25400">
-              <a:gradFill>
-                <a:gsLst>
-                  <a:gs pos="49000">
-                    <a:srgbClr val="3B3838"/>
-                  </a:gs>
-                  <a:gs pos="0">
-                    <a:schemeClr val="bg1">
-                      <a:alpha val="0"/>
-                    </a:schemeClr>
-                  </a:gs>
-                  <a:gs pos="100000">
-                    <a:schemeClr val="bg1">
-                      <a:alpha val="3000"/>
-                    </a:schemeClr>
-                  </a:gs>
-                </a:gsLst>
-                <a:lin ang="0" scaled="0"/>
-              </a:gradFill>
-            </a:ln>
-          </p:spPr>
-          <p:style>
-            <a:lnRef idx="1">
-              <a:schemeClr val="accent1"/>
-            </a:lnRef>
-            <a:fillRef idx="0">
-              <a:schemeClr val="accent1"/>
-            </a:fillRef>
-            <a:effectRef idx="0">
-              <a:schemeClr val="accent1"/>
-            </a:effectRef>
-            <a:fontRef idx="minor">
-              <a:schemeClr val="tx1"/>
-            </a:fontRef>
-          </p:style>
-        </p:cxnSp>
-      </p:grpSp>
-      <p:sp>
-        <p:nvSpPr>
-          <p:cNvPr id="2" name="投影片編號版面配置區 1"/>
-          <p:cNvSpPr>
-            <a:spLocks noGrp="1"/>
-          </p:cNvSpPr>
-          <p:nvPr>
-            <p:ph type="sldNum" sz="quarter" idx="12"/>
-          </p:nvPr>
-        </p:nvSpPr>
-        <p:spPr/>
-        <p:txBody>
-          <a:bodyPr/>
-          <a:lstStyle/>
-          <a:p>
-            <a:fld id="{C216DB24-B25B-49D7-A066-6E012C0AC9EA}" type="slidenum">
-              <a:rPr lang="zh-CN" altLang="en-US" smtClean="0"/>
-              <a:t>15</a:t>
-            </a:fld>
-            <a:endParaRPr lang="zh-CN" altLang="en-US"/>
-          </a:p>
-        </p:txBody>
-      </p:sp>
-      <p:pic>
-        <p:nvPicPr>
-          <p:cNvPr id="5" name="圖片 4">
-            <a:hlinkClick r:id="rId3"/>
-          </p:cNvPr>
-          <p:cNvPicPr>
-            <a:picLocks noChangeAspect="1"/>
-          </p:cNvPicPr>
-          <p:nvPr/>
-        </p:nvPicPr>
-        <p:blipFill>
-          <a:blip r:embed="rId4">
-            <a:extLst>
-              <a:ext uri="{28A0092B-C50C-407E-A947-70E740481C1C}">
-                <a14:useLocalDpi xmlns:a14="http://schemas.microsoft.com/office/drawing/2010/main" val="0"/>
-              </a:ext>
-            </a:extLst>
-          </a:blip>
-          <a:stretch>
-            <a:fillRect/>
-          </a:stretch>
-        </p:blipFill>
-        <p:spPr>
-          <a:xfrm>
-            <a:off x="3657905" y="1243826"/>
-            <a:ext cx="4876190" cy="4876190"/>
-          </a:xfrm>
-          <a:prstGeom prst="rect">
-            <a:avLst/>
-          </a:prstGeom>
-        </p:spPr>
-      </p:pic>
-    </p:spTree>
-    <p:extLst>
-      <p:ext uri="{BB962C8B-B14F-4D97-AF65-F5344CB8AC3E}">
-        <p14:creationId xmlns:p14="http://schemas.microsoft.com/office/powerpoint/2010/main" val="3569202407"/>
-      </p:ext>
-    </p:extLst>
-  </p:cSld>
-  <p:clrMapOvr>
-    <a:masterClrMapping/>
-  </p:clrMapOvr>
-  <mc:AlternateContent xmlns:mc="http://schemas.openxmlformats.org/markup-compatibility/2006" xmlns:p14="http://schemas.microsoft.com/office/powerpoint/2010/main">
-    <mc:Choice Requires="p14">
-      <p:transition p14:dur="10"/>
-    </mc:Choice>
-    <mc:Fallback xmlns="">
-      <p:transition/>
-    </mc:Fallback>
-  </mc:AlternateContent>
-  <p:timing>
-    <p:tnLst>
-      <p:par>
-        <p:cTn id="1" dur="indefinite" restart="never" nodeType="tmRoot">
-          <p:childTnLst>
-            <p:seq concurrent="1" nextAc="seek">
-              <p:cTn id="2" dur="indefinite" nodeType="mainSeq">
-                <p:childTnLst>
-                  <p:par>
-                    <p:cTn id="3" fill="hold">
-                      <p:stCondLst>
-                        <p:cond delay="indefinite"/>
-                        <p:cond evt="onBegin" delay="0">
-                          <p:tn val="2"/>
-                        </p:cond>
-                      </p:stCondLst>
-                      <p:childTnLst>
-                        <p:par>
-                          <p:cTn id="4" fill="hold">
-                            <p:stCondLst>
-                              <p:cond delay="0"/>
-                            </p:stCondLst>
-                            <p:childTnLst>
-                              <p:par>
-                                <p:cTn id="5" presetID="14" presetClass="entr" presetSubtype="10" fill="hold" nodeType="afterEffect">
-                                  <p:stCondLst>
-                                    <p:cond delay="0"/>
-                                  </p:stCondLst>
-                                  <p:childTnLst>
-                                    <p:set>
-                                      <p:cBhvr>
-                                        <p:cTn id="6" dur="1" fill="hold">
-                                          <p:stCondLst>
-                                            <p:cond delay="0"/>
-                                          </p:stCondLst>
-                                        </p:cTn>
-                                        <p:tgtEl>
-                                          <p:spTgt spid="23"/>
-                                        </p:tgtEl>
-                                        <p:attrNameLst>
-                                          <p:attrName>style.visibility</p:attrName>
-                                        </p:attrNameLst>
-                                      </p:cBhvr>
-                                      <p:to>
-                                        <p:strVal val="visible"/>
-                                      </p:to>
-                                    </p:set>
-                                    <p:animEffect transition="in" filter="randombar(horizontal)">
-                                      <p:cBhvr>
-                                        <p:cTn id="7" dur="500"/>
-                                        <p:tgtEl>
-                                          <p:spTgt spid="23"/>
-                                        </p:tgtEl>
-                                      </p:cBhvr>
-                                    </p:animEffect>
-                                  </p:childTnLst>
-                                </p:cTn>
-                              </p:par>
-                              <p:par>
-                                <p:cTn id="8" presetID="53" presetClass="entr" presetSubtype="16" fill="hold" nodeType="withEffect">
-                                  <p:stCondLst>
-                                    <p:cond delay="0"/>
-                                  </p:stCondLst>
-                                  <p:childTnLst>
-                                    <p:set>
-                                      <p:cBhvr>
-                                        <p:cTn id="9" dur="1" fill="hold">
-                                          <p:stCondLst>
-                                            <p:cond delay="0"/>
-                                          </p:stCondLst>
-                                        </p:cTn>
-                                        <p:tgtEl>
-                                          <p:spTgt spid="5"/>
-                                        </p:tgtEl>
-                                        <p:attrNameLst>
-                                          <p:attrName>style.visibility</p:attrName>
-                                        </p:attrNameLst>
-                                      </p:cBhvr>
-                                      <p:to>
-                                        <p:strVal val="visible"/>
-                                      </p:to>
-                                    </p:set>
-                                    <p:anim calcmode="lin" valueType="num">
-                                      <p:cBhvr>
-                                        <p:cTn id="10" dur="500" fill="hold"/>
-                                        <p:tgtEl>
-                                          <p:spTgt spid="5"/>
-                                        </p:tgtEl>
-                                        <p:attrNameLst>
-                                          <p:attrName>ppt_w</p:attrName>
-                                        </p:attrNameLst>
-                                      </p:cBhvr>
-                                      <p:tavLst>
-                                        <p:tav tm="0">
-                                          <p:val>
-                                            <p:fltVal val="0"/>
-                                          </p:val>
-                                        </p:tav>
-                                        <p:tav tm="100000">
-                                          <p:val>
-                                            <p:strVal val="#ppt_w"/>
-                                          </p:val>
-                                        </p:tav>
-                                      </p:tavLst>
-                                    </p:anim>
-                                    <p:anim calcmode="lin" valueType="num">
-                                      <p:cBhvr>
-                                        <p:cTn id="11" dur="500" fill="hold"/>
-                                        <p:tgtEl>
-                                          <p:spTgt spid="5"/>
-                                        </p:tgtEl>
-                                        <p:attrNameLst>
-                                          <p:attrName>ppt_h</p:attrName>
-                                        </p:attrNameLst>
-                                      </p:cBhvr>
-                                      <p:tavLst>
-                                        <p:tav tm="0">
-                                          <p:val>
-                                            <p:fltVal val="0"/>
-                                          </p:val>
-                                        </p:tav>
-                                        <p:tav tm="100000">
-                                          <p:val>
-                                            <p:strVal val="#ppt_h"/>
-                                          </p:val>
-                                        </p:tav>
-                                      </p:tavLst>
-                                    </p:anim>
-                                    <p:animEffect transition="in" filter="fade">
-                                      <p:cBhvr>
-                                        <p:cTn id="12" dur="500"/>
-                                        <p:tgtEl>
-                                          <p:spTgt spid="5"/>
-                                        </p:tgtEl>
-                                      </p:cBhvr>
-                                    </p:animEffect>
-                                  </p:childTnLst>
-                                </p:cTn>
-                              </p:par>
-                            </p:childTnLst>
-                          </p:cTn>
-                        </p:par>
-                      </p:childTnLst>
-                    </p:cTn>
-                  </p:par>
-                </p:childTnLst>
-              </p:cTn>
-              <p:prevCondLst>
-                <p:cond evt="onPrev" delay="0">
-                  <p:tgtEl>
-                    <p:sldTgt/>
-                  </p:tgtEl>
-                </p:cond>
-              </p:prevCondLst>
-              <p:nextCondLst>
-                <p:cond evt="onNext" delay="0">
-                  <p:tgtEl>
-                    <p:sldTgt/>
-                  </p:tgtEl>
-                </p:cond>
-              </p:nextCondLst>
-            </p:seq>
-          </p:childTnLst>
-        </p:cTn>
-      </p:par>
-    </p:tnLst>
-  </p:timing>
-</p:sld>
-</file>
-
-<file path=ppt/slides/slide16.xml><?xml version="1.0" encoding="utf-8"?>
-<p:sld xmlns:a="http://schemas.openxmlformats.org/drawingml/2006/main" xmlns:r="http://schemas.openxmlformats.org/officeDocument/2006/relationships" xmlns:p="http://schemas.openxmlformats.org/presentationml/2006/main">
-  <p:cSld>
-    <p:spTree>
-      <p:nvGrpSpPr>
-        <p:cNvPr id="1" name=""/>
-        <p:cNvGrpSpPr/>
-        <p:nvPr/>
-      </p:nvGrpSpPr>
-      <p:grpSpPr>
-        <a:xfrm>
-          <a:off x="0" y="0"/>
-          <a:ext cx="0" cy="0"/>
-          <a:chOff x="0" y="0"/>
-          <a:chExt cx="0" cy="0"/>
-        </a:xfrm>
-      </p:grpSpPr>
-      <p:pic>
-        <p:nvPicPr>
-          <p:cNvPr id="10" name="图片 9">
-            <a:extLst>
-              <a:ext uri="{FF2B5EF4-FFF2-40B4-BE49-F238E27FC236}">
-                <a16:creationId xmlns:a16="http://schemas.microsoft.com/office/drawing/2014/main" id="{BA1717BD-FFCC-47B3-9BA7-7F4729EE2BDC}"/>
-              </a:ext>
-            </a:extLst>
-          </p:cNvPr>
-          <p:cNvPicPr>
-            <a:picLocks noChangeAspect="1"/>
-          </p:cNvPicPr>
-          <p:nvPr/>
-        </p:nvPicPr>
-        <p:blipFill rotWithShape="1">
-          <a:blip r:embed="rId3">
-            <a:extLst>
-              <a:ext uri="{28A0092B-C50C-407E-A947-70E740481C1C}">
-                <a14:useLocalDpi xmlns:a14="http://schemas.microsoft.com/office/drawing/2010/main" val="0"/>
-              </a:ext>
-            </a:extLst>
-          </a:blip>
-          <a:srcRect l="35184"/>
-          <a:stretch/>
-        </p:blipFill>
-        <p:spPr>
-          <a:xfrm>
-            <a:off x="0" y="-1"/>
-            <a:ext cx="12192000" cy="6858000"/>
-          </a:xfrm>
-          <a:prstGeom prst="rect">
-            <a:avLst/>
-          </a:prstGeom>
-        </p:spPr>
-      </p:pic>
-      <p:sp>
-        <p:nvSpPr>
-          <p:cNvPr id="18" name="文本框 17">
-            <a:extLst>
-              <a:ext uri="{FF2B5EF4-FFF2-40B4-BE49-F238E27FC236}">
-                <a16:creationId xmlns:a16="http://schemas.microsoft.com/office/drawing/2014/main" id="{8F4BD971-199B-46A0-88D0-3FC7B73E5152}"/>
-              </a:ext>
-            </a:extLst>
-          </p:cNvPr>
-          <p:cNvSpPr txBox="1"/>
-          <p:nvPr/>
-        </p:nvSpPr>
-        <p:spPr>
-          <a:xfrm>
-            <a:off x="3925887" y="2413073"/>
-            <a:ext cx="1057092" cy="2215991"/>
-          </a:xfrm>
-          <a:prstGeom prst="rect">
-            <a:avLst/>
-          </a:prstGeom>
-          <a:noFill/>
-        </p:spPr>
-        <p:txBody>
-          <a:bodyPr wrap="square" rtlCol="0">
-            <a:spAutoFit/>
-            <a:scene3d>
-              <a:camera prst="orthographicFront"/>
-              <a:lightRig rig="threePt" dir="t"/>
-            </a:scene3d>
-            <a:sp3d contourW="12700"/>
-          </a:bodyPr>
-          <a:lstStyle/>
-          <a:p>
-            <a:pPr algn="ctr"/>
-            <a:r>
-              <a:rPr lang="en-US" altLang="zh-CN" sz="13800" dirty="0">
-                <a:solidFill>
-                  <a:schemeClr val="bg2">
-                    <a:lumMod val="25000"/>
-                  </a:schemeClr>
-                </a:solidFill>
-                <a:latin typeface="微軟正黑體" panose="020B0604030504040204" pitchFamily="34" charset="-120"/>
-                <a:ea typeface="微軟正黑體" panose="020B0604030504040204" pitchFamily="34" charset="-120"/>
-                <a:sym typeface="Source Han Serif SC" panose="02020400000000000000" pitchFamily="18" charset="-122"/>
-              </a:rPr>
-              <a:t>4</a:t>
-            </a:r>
-            <a:endParaRPr lang="zh-CN" altLang="en-US" sz="13800" dirty="0">
-              <a:solidFill>
-                <a:schemeClr val="bg2">
-                  <a:lumMod val="25000"/>
-                </a:schemeClr>
-              </a:solidFill>
-              <a:latin typeface="微軟正黑體" panose="020B0604030504040204" pitchFamily="34" charset="-120"/>
-              <a:ea typeface="微軟正黑體" panose="020B0604030504040204" pitchFamily="34" charset="-120"/>
-              <a:sym typeface="Source Han Serif SC" panose="02020400000000000000" pitchFamily="18" charset="-122"/>
-            </a:endParaRPr>
-          </a:p>
-        </p:txBody>
-      </p:sp>
-      <p:sp>
-        <p:nvSpPr>
-          <p:cNvPr id="2" name="菱形 1"/>
-          <p:cNvSpPr/>
-          <p:nvPr/>
-        </p:nvSpPr>
-        <p:spPr>
-          <a:xfrm>
-            <a:off x="3199174" y="2199135"/>
-            <a:ext cx="2643868" cy="2643868"/>
-          </a:xfrm>
-          <a:prstGeom prst="diamond">
-            <a:avLst/>
-          </a:prstGeom>
-          <a:noFill/>
-          <a:ln w="28575">
-            <a:solidFill>
-              <a:srgbClr val="3B3838"/>
-            </a:solidFill>
-          </a:ln>
-        </p:spPr>
-        <p:style>
-          <a:lnRef idx="2">
-            <a:schemeClr val="accent1">
-              <a:shade val="50000"/>
-            </a:schemeClr>
-          </a:lnRef>
-          <a:fillRef idx="1">
-            <a:schemeClr val="accent1"/>
-          </a:fillRef>
-          <a:effectRef idx="0">
-            <a:schemeClr val="accent1"/>
-          </a:effectRef>
-          <a:fontRef idx="minor">
-            <a:schemeClr val="lt1"/>
-          </a:fontRef>
-        </p:style>
-        <p:txBody>
-          <a:bodyPr rtlCol="0" anchor="ctr"/>
-          <a:lstStyle/>
-          <a:p>
-            <a:pPr algn="ctr"/>
-            <a:endParaRPr lang="zh-CN" altLang="en-US" dirty="0">
-              <a:solidFill>
-                <a:schemeClr val="bg2">
-                  <a:lumMod val="25000"/>
-                </a:schemeClr>
-              </a:solidFill>
-              <a:latin typeface="微軟正黑體" panose="020B0604030504040204" pitchFamily="34" charset="-120"/>
-              <a:ea typeface="微軟正黑體" panose="020B0604030504040204" pitchFamily="34" charset="-120"/>
-              <a:sym typeface="Source Han Serif SC" panose="02020400000000000000" pitchFamily="18" charset="-122"/>
-            </a:endParaRPr>
-          </a:p>
-        </p:txBody>
-      </p:sp>
-      <p:sp>
-        <p:nvSpPr>
-          <p:cNvPr id="3" name="菱形 2"/>
-          <p:cNvSpPr/>
-          <p:nvPr/>
-        </p:nvSpPr>
-        <p:spPr>
-          <a:xfrm>
-            <a:off x="5302611" y="1371821"/>
-            <a:ext cx="4298496" cy="4298496"/>
-          </a:xfrm>
-          <a:prstGeom prst="diamond">
-            <a:avLst/>
-          </a:prstGeom>
-          <a:noFill/>
-          <a:ln w="28575">
-            <a:solidFill>
-              <a:srgbClr val="3B3838"/>
-            </a:solidFill>
-          </a:ln>
-        </p:spPr>
-        <p:style>
-          <a:lnRef idx="2">
-            <a:schemeClr val="accent1">
-              <a:shade val="50000"/>
-            </a:schemeClr>
-          </a:lnRef>
-          <a:fillRef idx="1">
-            <a:schemeClr val="accent1"/>
-          </a:fillRef>
-          <a:effectRef idx="0">
-            <a:schemeClr val="accent1"/>
-          </a:effectRef>
-          <a:fontRef idx="minor">
-            <a:schemeClr val="lt1"/>
-          </a:fontRef>
-        </p:style>
-        <p:txBody>
-          <a:bodyPr rtlCol="0" anchor="ctr"/>
-          <a:lstStyle/>
-          <a:p>
-            <a:pPr algn="ctr"/>
-            <a:endParaRPr lang="zh-CN" altLang="en-US" dirty="0">
-              <a:solidFill>
-                <a:schemeClr val="bg2">
-                  <a:lumMod val="25000"/>
-                </a:schemeClr>
-              </a:solidFill>
-              <a:latin typeface="微軟正黑體" panose="020B0604030504040204" pitchFamily="34" charset="-120"/>
-              <a:ea typeface="微軟正黑體" panose="020B0604030504040204" pitchFamily="34" charset="-120"/>
-              <a:sym typeface="Source Han Serif SC" panose="02020400000000000000" pitchFamily="18" charset="-122"/>
-            </a:endParaRPr>
-          </a:p>
-        </p:txBody>
-      </p:sp>
-      <p:sp>
-        <p:nvSpPr>
-          <p:cNvPr id="11" name="文本框 10"/>
-          <p:cNvSpPr txBox="1"/>
-          <p:nvPr/>
-        </p:nvSpPr>
-        <p:spPr>
-          <a:xfrm>
-            <a:off x="5499687" y="3228680"/>
-            <a:ext cx="3904343" cy="584775"/>
-          </a:xfrm>
-          <a:prstGeom prst="rect">
-            <a:avLst/>
-          </a:prstGeom>
-          <a:noFill/>
-        </p:spPr>
-        <p:txBody>
-          <a:bodyPr wrap="square" rtlCol="0">
-            <a:spAutoFit/>
-            <a:scene3d>
-              <a:camera prst="orthographicFront"/>
-              <a:lightRig rig="threePt" dir="t"/>
-            </a:scene3d>
-            <a:sp3d contourW="12700"/>
-          </a:bodyPr>
-          <a:lstStyle>
-            <a:defPPr>
-              <a:defRPr lang="en-US"/>
-            </a:defPPr>
-            <a:lvl1pPr algn="ctr">
-              <a:defRPr sz="2800" b="1">
-                <a:solidFill>
-                  <a:schemeClr val="tx1">
-                    <a:lumMod val="75000"/>
-                    <a:lumOff val="25000"/>
-                  </a:schemeClr>
-                </a:solidFill>
-                <a:latin typeface="Century Gothic" panose="020B0502020202020204" pitchFamily="34" charset="0"/>
-              </a:defRPr>
-            </a:lvl1pPr>
-          </a:lstStyle>
-          <a:p>
-            <a:r>
-              <a:rPr lang="zh-TW" altLang="en-US" sz="3200" dirty="0">
-                <a:solidFill>
-                  <a:schemeClr val="bg2">
-                    <a:lumMod val="25000"/>
-                  </a:schemeClr>
-                </a:solidFill>
-                <a:latin typeface="微軟正黑體" panose="020B0604030504040204" pitchFamily="34" charset="-120"/>
-                <a:ea typeface="微軟正黑體" panose="020B0604030504040204" pitchFamily="34" charset="-120"/>
-                <a:sym typeface="Source Han Serif SC" panose="02020400000000000000" pitchFamily="18" charset="-122"/>
-              </a:rPr>
-              <a:t>結論</a:t>
-            </a:r>
-            <a:endParaRPr lang="zh-CN" altLang="en-US" sz="3200" dirty="0">
-              <a:solidFill>
-                <a:schemeClr val="bg2">
-                  <a:lumMod val="25000"/>
-                </a:schemeClr>
-              </a:solidFill>
-              <a:latin typeface="微軟正黑體" panose="020B0604030504040204" pitchFamily="34" charset="-120"/>
-              <a:ea typeface="微軟正黑體" panose="020B0604030504040204" pitchFamily="34" charset="-120"/>
-              <a:sym typeface="Source Han Serif SC" panose="02020400000000000000" pitchFamily="18" charset="-122"/>
-            </a:endParaRPr>
-          </a:p>
-        </p:txBody>
-      </p:sp>
-    </p:spTree>
-    <p:extLst>
-      <p:ext uri="{BB962C8B-B14F-4D97-AF65-F5344CB8AC3E}">
-        <p14:creationId xmlns:p14="http://schemas.microsoft.com/office/powerpoint/2010/main" val="37454786"/>
-      </p:ext>
-    </p:extLst>
-  </p:cSld>
-  <p:clrMapOvr>
-    <a:masterClrMapping/>
-  </p:clrMapOvr>
-  <mc:AlternateContent xmlns:mc="http://schemas.openxmlformats.org/markup-compatibility/2006" xmlns:p14="http://schemas.microsoft.com/office/powerpoint/2010/main">
-    <mc:Choice Requires="p14">
-      <p:transition p14:dur="0"/>
-    </mc:Choice>
-    <mc:Fallback xmlns="">
-      <p:transition/>
-    </mc:Fallback>
-  </mc:AlternateContent>
-  <p:timing>
-    <p:tnLst>
-      <p:par>
-        <p:cTn id="1" dur="indefinite" restart="never" nodeType="tmRoot"/>
-      </p:par>
-    </p:tnLst>
-  </p:timing>
-</p:sld>
-</file>
-
-<file path=ppt/slides/slide17.xml><?xml version="1.0" encoding="utf-8"?>
-<p:sld xmlns:a="http://schemas.openxmlformats.org/drawingml/2006/main" xmlns:r="http://schemas.openxmlformats.org/officeDocument/2006/relationships" xmlns:p="http://schemas.openxmlformats.org/presentationml/2006/main">
-  <p:cSld>
-    <p:spTree>
-      <p:nvGrpSpPr>
-        <p:cNvPr id="1" name=""/>
-        <p:cNvGrpSpPr/>
-        <p:nvPr/>
-      </p:nvGrpSpPr>
-      <p:grpSpPr>
-        <a:xfrm>
-          <a:off x="0" y="0"/>
-          <a:ext cx="0" cy="0"/>
-          <a:chOff x="0" y="0"/>
-          <a:chExt cx="0" cy="0"/>
-        </a:xfrm>
-      </p:grpSpPr>
-      <p:grpSp>
-        <p:nvGrpSpPr>
-          <p:cNvPr id="23" name="组合 22">
-            <a:extLst>
-              <a:ext uri="{FF2B5EF4-FFF2-40B4-BE49-F238E27FC236}">
-                <a16:creationId xmlns:a16="http://schemas.microsoft.com/office/drawing/2014/main" id="{CD0BF2FE-AD70-486C-9E40-6DA8A5FFB49D}"/>
-              </a:ext>
-            </a:extLst>
-          </p:cNvPr>
-          <p:cNvGrpSpPr/>
-          <p:nvPr/>
-        </p:nvGrpSpPr>
-        <p:grpSpPr>
-          <a:xfrm>
-            <a:off x="3424460" y="220234"/>
-            <a:ext cx="5544407" cy="617980"/>
-            <a:chOff x="551593" y="497013"/>
-            <a:chExt cx="5544407" cy="617980"/>
-          </a:xfrm>
-        </p:grpSpPr>
-        <p:sp>
-          <p:nvSpPr>
-            <p:cNvPr id="24" name="矩形 23">
-              <a:extLst>
-                <a:ext uri="{FF2B5EF4-FFF2-40B4-BE49-F238E27FC236}">
-                  <a16:creationId xmlns:a16="http://schemas.microsoft.com/office/drawing/2014/main" id="{6D3FE4A9-5D53-4415-BB05-92ED58BD2F3E}"/>
-                </a:ext>
-              </a:extLst>
-            </p:cNvPr>
-            <p:cNvSpPr/>
-            <p:nvPr/>
-          </p:nvSpPr>
-          <p:spPr>
-            <a:xfrm>
-              <a:off x="551593" y="497013"/>
-              <a:ext cx="5544407" cy="584775"/>
-            </a:xfrm>
-            <a:prstGeom prst="rect">
-              <a:avLst/>
-            </a:prstGeom>
-            <a:noFill/>
-          </p:spPr>
-          <p:txBody>
-            <a:bodyPr wrap="square" rtlCol="0">
-              <a:spAutoFit/>
-            </a:bodyPr>
-            <a:lstStyle/>
-            <a:p>
-              <a:pPr marL="0" marR="0" lvl="0" indent="0" algn="ctr" defTabSz="914400" rtl="0" eaLnBrk="1" fontAlgn="auto" latinLnBrk="0" hangingPunct="1">
-                <a:lnSpc>
-                  <a:spcPct val="100000"/>
-                </a:lnSpc>
-                <a:spcBef>
-                  <a:spcPts val="0"/>
-                </a:spcBef>
-                <a:spcAft>
-                  <a:spcPts val="0"/>
-                </a:spcAft>
-                <a:buClrTx/>
-                <a:buSzTx/>
-                <a:buFontTx/>
-                <a:buNone/>
-                <a:tabLst/>
-                <a:defRPr/>
-              </a:pPr>
-              <a:r>
-                <a:rPr lang="zh-TW" altLang="en-US" sz="3200" dirty="0">
-                  <a:solidFill>
-                    <a:srgbClr val="3B3838"/>
-                  </a:solidFill>
-                  <a:latin typeface="微软雅黑" panose="020B0503020204020204" pitchFamily="34" charset="-122"/>
-                  <a:ea typeface="微软雅黑" panose="020B0503020204020204" pitchFamily="34" charset="-122"/>
-                  <a:sym typeface="Source Han Serif SC" panose="02020400000000000000" pitchFamily="18" charset="-122"/>
-                </a:rPr>
-                <a:t>結論</a:t>
-              </a:r>
-              <a:endParaRPr kumimoji="0" lang="zh-CN" altLang="en-US" sz="3200" b="0" i="0" u="none" strike="noStrike" kern="1200" cap="none" spc="0" normalizeH="0" baseline="0" noProof="0" dirty="0">
-                <a:ln>
-                  <a:noFill/>
-                </a:ln>
-                <a:solidFill>
-                  <a:srgbClr val="3B3838"/>
-                </a:solidFill>
-                <a:effectLst/>
-                <a:uLnTx/>
-                <a:uFillTx/>
-                <a:latin typeface="微软雅黑" panose="020B0503020204020204" pitchFamily="34" charset="-122"/>
-                <a:ea typeface="微软雅黑" panose="020B0503020204020204" pitchFamily="34" charset="-122"/>
-                <a:sym typeface="Source Han Serif SC" panose="02020400000000000000" pitchFamily="18" charset="-122"/>
-              </a:endParaRPr>
-            </a:p>
-          </p:txBody>
-        </p:sp>
-        <p:cxnSp>
-          <p:nvCxnSpPr>
-            <p:cNvPr id="25" name="0 _4">
-              <a:extLst>
-                <a:ext uri="{FF2B5EF4-FFF2-40B4-BE49-F238E27FC236}">
-                  <a16:creationId xmlns:a16="http://schemas.microsoft.com/office/drawing/2014/main" id="{27020C56-84A0-4521-A52D-E71D1771142A}"/>
-                </a:ext>
-              </a:extLst>
-            </p:cNvPr>
-            <p:cNvCxnSpPr/>
-            <p:nvPr/>
-          </p:nvCxnSpPr>
-          <p:spPr>
-            <a:xfrm>
-              <a:off x="715475" y="1114993"/>
-              <a:ext cx="5119805" cy="0"/>
-            </a:xfrm>
-            <a:prstGeom prst="line">
-              <a:avLst/>
-            </a:prstGeom>
-            <a:ln w="25400">
-              <a:gradFill>
-                <a:gsLst>
-                  <a:gs pos="49000">
-                    <a:srgbClr val="3B3838"/>
-                  </a:gs>
-                  <a:gs pos="0">
-                    <a:schemeClr val="bg1">
-                      <a:alpha val="0"/>
-                    </a:schemeClr>
-                  </a:gs>
-                  <a:gs pos="100000">
-                    <a:schemeClr val="bg1">
-                      <a:alpha val="3000"/>
-                    </a:schemeClr>
-                  </a:gs>
-                </a:gsLst>
-                <a:lin ang="0" scaled="0"/>
-              </a:gradFill>
-            </a:ln>
-          </p:spPr>
-          <p:style>
-            <a:lnRef idx="1">
-              <a:schemeClr val="accent1"/>
-            </a:lnRef>
-            <a:fillRef idx="0">
-              <a:schemeClr val="accent1"/>
-            </a:fillRef>
-            <a:effectRef idx="0">
-              <a:schemeClr val="accent1"/>
-            </a:effectRef>
-            <a:fontRef idx="minor">
-              <a:schemeClr val="tx1"/>
-            </a:fontRef>
-          </p:style>
-        </p:cxnSp>
-      </p:grpSp>
-      <p:grpSp>
-        <p:nvGrpSpPr>
-          <p:cNvPr id="12" name="群組 11"/>
-          <p:cNvGrpSpPr/>
-          <p:nvPr/>
-        </p:nvGrpSpPr>
-        <p:grpSpPr>
-          <a:xfrm>
-            <a:off x="2017582" y="1388857"/>
-            <a:ext cx="8156837" cy="4550368"/>
-            <a:chOff x="1748226" y="1185657"/>
-            <a:chExt cx="8156837" cy="4550368"/>
-          </a:xfrm>
-        </p:grpSpPr>
-        <p:sp>
-          <p:nvSpPr>
-            <p:cNvPr id="2" name="矩形 1"/>
-            <p:cNvSpPr/>
-            <p:nvPr/>
-          </p:nvSpPr>
-          <p:spPr>
-            <a:xfrm>
-              <a:off x="2488262" y="1275389"/>
-              <a:ext cx="7416801" cy="4401205"/>
-            </a:xfrm>
-            <a:prstGeom prst="rect">
-              <a:avLst/>
-            </a:prstGeom>
-          </p:spPr>
-          <p:txBody>
-            <a:bodyPr wrap="square">
-              <a:spAutoFit/>
-            </a:bodyPr>
-            <a:lstStyle/>
-            <a:p>
-              <a:r>
-                <a:rPr lang="zh-TW" altLang="zh-TW" sz="2800" dirty="0" smtClean="0">
-                  <a:latin typeface="微軟正黑體" panose="020B0604030504040204" pitchFamily="34" charset="-120"/>
-                  <a:ea typeface="微軟正黑體" panose="020B0604030504040204" pitchFamily="34" charset="-120"/>
-                  <a:cs typeface="Times New Roman" panose="02020603050405020304" pitchFamily="18" charset="0"/>
-                </a:rPr>
-                <a:t>顛覆傳統實體教室的學習模式</a:t>
-              </a:r>
-              <a:endParaRPr lang="en-US" altLang="zh-TW" sz="2800" dirty="0" smtClean="0">
-                <a:latin typeface="微軟正黑體" panose="020B0604030504040204" pitchFamily="34" charset="-120"/>
-                <a:ea typeface="微軟正黑體" panose="020B0604030504040204" pitchFamily="34" charset="-120"/>
-                <a:cs typeface="Times New Roman" panose="02020603050405020304" pitchFamily="18" charset="0"/>
-              </a:endParaRPr>
-            </a:p>
-            <a:p>
-              <a:endParaRPr lang="en-US" altLang="zh-TW" sz="2800" dirty="0" smtClean="0">
-                <a:latin typeface="微軟正黑體" panose="020B0604030504040204" pitchFamily="34" charset="-120"/>
-                <a:ea typeface="微軟正黑體" panose="020B0604030504040204" pitchFamily="34" charset="-120"/>
-                <a:cs typeface="Times New Roman" panose="02020603050405020304" pitchFamily="18" charset="0"/>
-              </a:endParaRPr>
-            </a:p>
-            <a:p>
-              <a:r>
-                <a:rPr lang="zh-TW" altLang="zh-TW" sz="2800" dirty="0" smtClean="0">
-                  <a:latin typeface="微軟正黑體" panose="020B0604030504040204" pitchFamily="34" charset="-120"/>
-                  <a:ea typeface="微軟正黑體" panose="020B0604030504040204" pitchFamily="34" charset="-120"/>
-                  <a:cs typeface="Times New Roman" panose="02020603050405020304" pitchFamily="18" charset="0"/>
-                </a:rPr>
-                <a:t>提供</a:t>
-              </a:r>
-              <a:r>
-                <a:rPr lang="zh-TW" altLang="zh-TW" sz="2800" dirty="0">
-                  <a:latin typeface="微軟正黑體" panose="020B0604030504040204" pitchFamily="34" charset="-120"/>
-                  <a:ea typeface="微軟正黑體" panose="020B0604030504040204" pitchFamily="34" charset="-120"/>
-                  <a:cs typeface="Times New Roman" panose="02020603050405020304" pitchFamily="18" charset="0"/>
-                </a:rPr>
-                <a:t>教師與學生在課程中更多的</a:t>
-              </a:r>
-              <a:r>
-                <a:rPr lang="zh-TW" altLang="zh-TW" sz="2800" dirty="0" smtClean="0">
-                  <a:latin typeface="微軟正黑體" panose="020B0604030504040204" pitchFamily="34" charset="-120"/>
-                  <a:ea typeface="微軟正黑體" panose="020B0604030504040204" pitchFamily="34" charset="-120"/>
-                  <a:cs typeface="Times New Roman" panose="02020603050405020304" pitchFamily="18" charset="0"/>
-                </a:rPr>
-                <a:t>互動</a:t>
-              </a:r>
-              <a:endParaRPr lang="en-US" altLang="zh-TW" sz="2800" dirty="0" smtClean="0">
-                <a:latin typeface="微軟正黑體" panose="020B0604030504040204" pitchFamily="34" charset="-120"/>
-                <a:ea typeface="微軟正黑體" panose="020B0604030504040204" pitchFamily="34" charset="-120"/>
-                <a:cs typeface="Times New Roman" panose="02020603050405020304" pitchFamily="18" charset="0"/>
-              </a:endParaRPr>
-            </a:p>
-            <a:p>
-              <a:endParaRPr lang="en-US" altLang="zh-TW" sz="2800" dirty="0">
-                <a:latin typeface="微軟正黑體" panose="020B0604030504040204" pitchFamily="34" charset="-120"/>
-                <a:ea typeface="微軟正黑體" panose="020B0604030504040204" pitchFamily="34" charset="-120"/>
-                <a:cs typeface="Times New Roman" panose="02020603050405020304" pitchFamily="18" charset="0"/>
-              </a:endParaRPr>
-            </a:p>
-            <a:p>
-              <a:r>
-                <a:rPr lang="zh-TW" altLang="en-US" sz="2800" dirty="0" smtClean="0">
-                  <a:latin typeface="微軟正黑體" panose="020B0604030504040204" pitchFamily="34" charset="-120"/>
-                  <a:ea typeface="微軟正黑體" panose="020B0604030504040204" pitchFamily="34" charset="-120"/>
-                  <a:cs typeface="Times New Roman" panose="02020603050405020304" pitchFamily="18" charset="0"/>
-                </a:rPr>
-                <a:t>利用</a:t>
-              </a:r>
-              <a:r>
-                <a:rPr lang="en-US" altLang="zh-TW" sz="2800" dirty="0" smtClean="0">
-                  <a:latin typeface="微軟正黑體" panose="020B0604030504040204" pitchFamily="34" charset="-120"/>
-                  <a:ea typeface="微軟正黑體" panose="020B0604030504040204" pitchFamily="34" charset="-120"/>
-                  <a:cs typeface="Times New Roman" panose="02020603050405020304" pitchFamily="18" charset="0"/>
-                </a:rPr>
-                <a:t>RFM</a:t>
-              </a:r>
-              <a:r>
-                <a:rPr lang="zh-TW" altLang="en-US" sz="2800" dirty="0" smtClean="0">
-                  <a:latin typeface="微軟正黑體" panose="020B0604030504040204" pitchFamily="34" charset="-120"/>
-                  <a:ea typeface="微軟正黑體" panose="020B0604030504040204" pitchFamily="34" charset="-120"/>
-                  <a:cs typeface="Times New Roman" panose="02020603050405020304" pitchFamily="18" charset="0"/>
-                </a:rPr>
-                <a:t>模</a:t>
-              </a:r>
-              <a:r>
-                <a:rPr lang="zh-TW" altLang="en-US" sz="2800" dirty="0">
-                  <a:latin typeface="微軟正黑體" panose="020B0604030504040204" pitchFamily="34" charset="-120"/>
-                  <a:ea typeface="微軟正黑體" panose="020B0604030504040204" pitchFamily="34" charset="-120"/>
-                  <a:cs typeface="Times New Roman" panose="02020603050405020304" pitchFamily="18" charset="0"/>
-                </a:rPr>
-                <a:t>型</a:t>
-              </a:r>
-              <a:r>
-                <a:rPr lang="zh-TW" altLang="zh-TW" sz="2800" dirty="0" smtClean="0">
-                  <a:latin typeface="微軟正黑體" panose="020B0604030504040204" pitchFamily="34" charset="-120"/>
-                  <a:ea typeface="微軟正黑體" panose="020B0604030504040204" pitchFamily="34" charset="-120"/>
-                  <a:cs typeface="Times New Roman" panose="02020603050405020304" pitchFamily="18" charset="0"/>
-                </a:rPr>
-                <a:t>協助</a:t>
-              </a:r>
-              <a:r>
-                <a:rPr lang="zh-TW" altLang="zh-TW" sz="2800" dirty="0">
-                  <a:latin typeface="微軟正黑體" panose="020B0604030504040204" pitchFamily="34" charset="-120"/>
-                  <a:ea typeface="微軟正黑體" panose="020B0604030504040204" pitchFamily="34" charset="-120"/>
-                  <a:cs typeface="Times New Roman" panose="02020603050405020304" pitchFamily="18" charset="0"/>
-                </a:rPr>
-                <a:t>教師找出學生學習問題</a:t>
-              </a:r>
-              <a:r>
-                <a:rPr lang="zh-TW" altLang="zh-TW" sz="2800" dirty="0" smtClean="0">
-                  <a:latin typeface="微軟正黑體" panose="020B0604030504040204" pitchFamily="34" charset="-120"/>
-                  <a:ea typeface="微軟正黑體" panose="020B0604030504040204" pitchFamily="34" charset="-120"/>
-                  <a:cs typeface="Times New Roman" panose="02020603050405020304" pitchFamily="18" charset="0"/>
-                </a:rPr>
-                <a:t>所在</a:t>
-              </a:r>
-              <a:endParaRPr lang="en-US" altLang="zh-TW" sz="2800" dirty="0" smtClean="0">
-                <a:latin typeface="微軟正黑體" panose="020B0604030504040204" pitchFamily="34" charset="-120"/>
-                <a:ea typeface="微軟正黑體" panose="020B0604030504040204" pitchFamily="34" charset="-120"/>
-                <a:cs typeface="Times New Roman" panose="02020603050405020304" pitchFamily="18" charset="0"/>
-              </a:endParaRPr>
-            </a:p>
-            <a:p>
-              <a:endParaRPr lang="en-US" altLang="zh-TW" sz="2800" dirty="0" smtClean="0">
-                <a:latin typeface="微軟正黑體" panose="020B0604030504040204" pitchFamily="34" charset="-120"/>
-                <a:ea typeface="微軟正黑體" panose="020B0604030504040204" pitchFamily="34" charset="-120"/>
-                <a:cs typeface="Times New Roman" panose="02020603050405020304" pitchFamily="18" charset="0"/>
-              </a:endParaRPr>
-            </a:p>
-            <a:p>
-              <a:endParaRPr lang="en-US" altLang="zh-TW" sz="2800" dirty="0">
-                <a:latin typeface="微軟正黑體" panose="020B0604030504040204" pitchFamily="34" charset="-120"/>
-                <a:ea typeface="微軟正黑體" panose="020B0604030504040204" pitchFamily="34" charset="-120"/>
-                <a:cs typeface="Times New Roman" panose="02020603050405020304" pitchFamily="18" charset="0"/>
-              </a:endParaRPr>
-            </a:p>
-            <a:p>
-              <a:r>
-                <a:rPr lang="zh-TW" altLang="en-US" sz="2800" dirty="0" smtClean="0">
-                  <a:latin typeface="微軟正黑體" panose="020B0604030504040204" pitchFamily="34" charset="-120"/>
-                  <a:ea typeface="微軟正黑體" panose="020B0604030504040204" pitchFamily="34" charset="-120"/>
-                  <a:cs typeface="Times New Roman" panose="02020603050405020304" pitchFamily="18" charset="0"/>
-                </a:rPr>
-                <a:t>教師可在</a:t>
-              </a:r>
-              <a:r>
-                <a:rPr lang="zh-TW" altLang="zh-TW" sz="2800" dirty="0" smtClean="0">
-                  <a:latin typeface="微軟正黑體" panose="020B0604030504040204" pitchFamily="34" charset="-120"/>
-                  <a:ea typeface="微軟正黑體" panose="020B0604030504040204" pitchFamily="34" charset="-120"/>
-                  <a:cs typeface="Times New Roman" panose="02020603050405020304" pitchFamily="18" charset="0"/>
-                </a:rPr>
-                <a:t>練習</a:t>
-              </a:r>
-              <a:r>
-                <a:rPr lang="zh-TW" altLang="zh-TW" sz="2800" dirty="0">
-                  <a:latin typeface="微軟正黑體" panose="020B0604030504040204" pitchFamily="34" charset="-120"/>
-                  <a:ea typeface="微軟正黑體" panose="020B0604030504040204" pitchFamily="34" charset="-120"/>
-                  <a:cs typeface="Times New Roman" panose="02020603050405020304" pitchFamily="18" charset="0"/>
-                </a:rPr>
-                <a:t>區發佈練習</a:t>
-              </a:r>
-              <a:r>
-                <a:rPr lang="zh-TW" altLang="zh-TW" sz="2800" dirty="0" smtClean="0">
-                  <a:latin typeface="微軟正黑體" panose="020B0604030504040204" pitchFamily="34" charset="-120"/>
-                  <a:ea typeface="微軟正黑體" panose="020B0604030504040204" pitchFamily="34" charset="-120"/>
-                  <a:cs typeface="Times New Roman" panose="02020603050405020304" pitchFamily="18" charset="0"/>
-                </a:rPr>
-                <a:t>題目</a:t>
-              </a:r>
-              <a:endParaRPr lang="en-US" altLang="zh-TW" sz="2800" dirty="0" smtClean="0">
-                <a:latin typeface="微軟正黑體" panose="020B0604030504040204" pitchFamily="34" charset="-120"/>
-                <a:ea typeface="微軟正黑體" panose="020B0604030504040204" pitchFamily="34" charset="-120"/>
-                <a:cs typeface="Times New Roman" panose="02020603050405020304" pitchFamily="18" charset="0"/>
-              </a:endParaRPr>
-            </a:p>
-            <a:p>
-              <a:endParaRPr lang="en-US" altLang="zh-TW" sz="2800" dirty="0">
-                <a:latin typeface="微軟正黑體" panose="020B0604030504040204" pitchFamily="34" charset="-120"/>
-                <a:ea typeface="微軟正黑體" panose="020B0604030504040204" pitchFamily="34" charset="-120"/>
-                <a:cs typeface="Times New Roman" panose="02020603050405020304" pitchFamily="18" charset="0"/>
-              </a:endParaRPr>
-            </a:p>
-            <a:p>
-              <a:r>
-                <a:rPr lang="zh-TW" altLang="zh-TW" sz="2800" dirty="0">
-                  <a:latin typeface="微軟正黑體" panose="020B0604030504040204" pitchFamily="34" charset="-120"/>
-                  <a:ea typeface="微軟正黑體" panose="020B0604030504040204" pitchFamily="34" charset="-120"/>
-                </a:rPr>
-                <a:t>導入倒傳遞神經網路進行預測學生的</a:t>
-              </a:r>
-              <a:r>
-                <a:rPr lang="zh-TW" altLang="zh-TW" sz="2800" dirty="0" smtClean="0">
-                  <a:latin typeface="微軟正黑體" panose="020B0604030504040204" pitchFamily="34" charset="-120"/>
-                  <a:ea typeface="微軟正黑體" panose="020B0604030504040204" pitchFamily="34" charset="-120"/>
-                </a:rPr>
-                <a:t>成績</a:t>
-              </a:r>
-              <a:endParaRPr lang="zh-TW" altLang="en-US" sz="2800" dirty="0">
-                <a:latin typeface="微軟正黑體" panose="020B0604030504040204" pitchFamily="34" charset="-120"/>
-                <a:ea typeface="微軟正黑體" panose="020B0604030504040204" pitchFamily="34" charset="-120"/>
-              </a:endParaRPr>
-            </a:p>
-          </p:txBody>
-        </p:sp>
-        <p:pic>
-          <p:nvPicPr>
-            <p:cNvPr id="5" name="圖片 4"/>
-            <p:cNvPicPr>
-              <a:picLocks noChangeAspect="1"/>
-            </p:cNvPicPr>
-            <p:nvPr/>
-          </p:nvPicPr>
-          <p:blipFill>
-            <a:blip r:embed="rId3" cstate="hqprint">
-              <a:extLst>
-                <a:ext uri="{28A0092B-C50C-407E-A947-70E740481C1C}">
-                  <a14:useLocalDpi xmlns:a14="http://schemas.microsoft.com/office/drawing/2010/main" val="0"/>
-                </a:ext>
-              </a:extLst>
-            </a:blip>
-            <a:stretch>
-              <a:fillRect/>
-            </a:stretch>
-          </p:blipFill>
-          <p:spPr>
-            <a:xfrm>
-              <a:off x="1751209" y="1185657"/>
-              <a:ext cx="737053" cy="737053"/>
-            </a:xfrm>
-            <a:prstGeom prst="rect">
-              <a:avLst/>
-            </a:prstGeom>
-          </p:spPr>
-        </p:pic>
-        <p:pic>
-          <p:nvPicPr>
-            <p:cNvPr id="8" name="圖片 7"/>
-            <p:cNvPicPr>
-              <a:picLocks noChangeAspect="1"/>
-            </p:cNvPicPr>
-            <p:nvPr/>
-          </p:nvPicPr>
-          <p:blipFill>
-            <a:blip r:embed="rId4" cstate="hqprint">
-              <a:extLst>
-                <a:ext uri="{28A0092B-C50C-407E-A947-70E740481C1C}">
-                  <a14:useLocalDpi xmlns:a14="http://schemas.microsoft.com/office/drawing/2010/main" val="0"/>
-                </a:ext>
-              </a:extLst>
-            </a:blip>
-            <a:stretch>
-              <a:fillRect/>
-            </a:stretch>
-          </p:blipFill>
-          <p:spPr>
-            <a:xfrm>
-              <a:off x="1772148" y="2035242"/>
-              <a:ext cx="716114" cy="716114"/>
-            </a:xfrm>
-            <a:prstGeom prst="rect">
-              <a:avLst/>
-            </a:prstGeom>
-          </p:spPr>
-        </p:pic>
-        <p:pic>
-          <p:nvPicPr>
-            <p:cNvPr id="9" name="圖片 8"/>
-            <p:cNvPicPr>
-              <a:picLocks noChangeAspect="1"/>
-            </p:cNvPicPr>
-            <p:nvPr/>
-          </p:nvPicPr>
-          <p:blipFill>
-            <a:blip r:embed="rId5" cstate="hqprint">
-              <a:extLst>
-                <a:ext uri="{28A0092B-C50C-407E-A947-70E740481C1C}">
-                  <a14:useLocalDpi xmlns:a14="http://schemas.microsoft.com/office/drawing/2010/main" val="0"/>
-                </a:ext>
-              </a:extLst>
-            </a:blip>
-            <a:stretch>
-              <a:fillRect/>
-            </a:stretch>
-          </p:blipFill>
-          <p:spPr>
-            <a:xfrm>
-              <a:off x="1748226" y="4158894"/>
-              <a:ext cx="737053" cy="737053"/>
-            </a:xfrm>
-            <a:prstGeom prst="rect">
-              <a:avLst/>
-            </a:prstGeom>
-          </p:spPr>
-        </p:pic>
-        <p:pic>
-          <p:nvPicPr>
-            <p:cNvPr id="10" name="圖片 9"/>
-            <p:cNvPicPr>
-              <a:picLocks noChangeAspect="1"/>
-            </p:cNvPicPr>
-            <p:nvPr/>
-          </p:nvPicPr>
-          <p:blipFill>
-            <a:blip r:embed="rId6" cstate="hqprint">
-              <a:extLst>
-                <a:ext uri="{28A0092B-C50C-407E-A947-70E740481C1C}">
-                  <a14:useLocalDpi xmlns:a14="http://schemas.microsoft.com/office/drawing/2010/main" val="0"/>
-                </a:ext>
-              </a:extLst>
-            </a:blip>
-            <a:stretch>
-              <a:fillRect/>
-            </a:stretch>
-          </p:blipFill>
-          <p:spPr>
-            <a:xfrm>
-              <a:off x="1748226" y="4998159"/>
-              <a:ext cx="737866" cy="737866"/>
-            </a:xfrm>
-            <a:prstGeom prst="rect">
-              <a:avLst/>
-            </a:prstGeom>
-          </p:spPr>
-        </p:pic>
-        <p:pic>
-          <p:nvPicPr>
-            <p:cNvPr id="11" name="圖片 10"/>
-            <p:cNvPicPr>
-              <a:picLocks noChangeAspect="1"/>
-            </p:cNvPicPr>
-            <p:nvPr/>
-          </p:nvPicPr>
-          <p:blipFill>
-            <a:blip r:embed="rId7" cstate="hqprint">
-              <a:extLst>
-                <a:ext uri="{28A0092B-C50C-407E-A947-70E740481C1C}">
-                  <a14:useLocalDpi xmlns:a14="http://schemas.microsoft.com/office/drawing/2010/main" val="0"/>
-                </a:ext>
-              </a:extLst>
-            </a:blip>
-            <a:stretch>
-              <a:fillRect/>
-            </a:stretch>
-          </p:blipFill>
-          <p:spPr>
-            <a:xfrm>
-              <a:off x="1772148" y="2868037"/>
-              <a:ext cx="737053" cy="737053"/>
-            </a:xfrm>
-            <a:prstGeom prst="rect">
-              <a:avLst/>
-            </a:prstGeom>
-          </p:spPr>
-        </p:pic>
-      </p:grpSp>
-      <p:sp>
-        <p:nvSpPr>
-          <p:cNvPr id="3" name="投影片編號版面配置區 2"/>
-          <p:cNvSpPr>
-            <a:spLocks noGrp="1"/>
-          </p:cNvSpPr>
-          <p:nvPr>
-            <p:ph type="sldNum" sz="quarter" idx="12"/>
-          </p:nvPr>
-        </p:nvSpPr>
-        <p:spPr/>
-        <p:txBody>
-          <a:bodyPr/>
-          <a:lstStyle/>
-          <a:p>
-            <a:fld id="{C216DB24-B25B-49D7-A066-6E012C0AC9EA}" type="slidenum">
-              <a:rPr lang="zh-CN" altLang="en-US" smtClean="0"/>
-              <a:t>17</a:t>
-            </a:fld>
-            <a:endParaRPr lang="zh-CN" altLang="en-US"/>
-          </a:p>
-        </p:txBody>
-      </p:sp>
-    </p:spTree>
-    <p:extLst>
-      <p:ext uri="{BB962C8B-B14F-4D97-AF65-F5344CB8AC3E}">
-        <p14:creationId xmlns:p14="http://schemas.microsoft.com/office/powerpoint/2010/main" val="3004783014"/>
-      </p:ext>
-    </p:extLst>
-  </p:cSld>
-  <p:clrMapOvr>
-    <a:masterClrMapping/>
-  </p:clrMapOvr>
-  <mc:AlternateContent xmlns:mc="http://schemas.openxmlformats.org/markup-compatibility/2006" xmlns:p14="http://schemas.microsoft.com/office/powerpoint/2010/main">
-    <mc:Choice Requires="p14">
-      <p:transition p14:dur="10"/>
-    </mc:Choice>
-    <mc:Fallback xmlns="">
-      <p:transition/>
-    </mc:Fallback>
-  </mc:AlternateContent>
-  <p:timing>
-    <p:tnLst>
-      <p:par>
-        <p:cTn id="1" dur="indefinite" restart="never" nodeType="tmRoot">
-          <p:childTnLst>
-            <p:seq concurrent="1" nextAc="seek">
-              <p:cTn id="2" dur="indefinite" nodeType="mainSeq">
-                <p:childTnLst>
-                  <p:par>
-                    <p:cTn id="3" fill="hold">
-                      <p:stCondLst>
-                        <p:cond delay="indefinite"/>
-                        <p:cond evt="onBegin" delay="0">
-                          <p:tn val="2"/>
-                        </p:cond>
-                      </p:stCondLst>
-                      <p:childTnLst>
-                        <p:par>
-                          <p:cTn id="4" fill="hold">
-                            <p:stCondLst>
-                              <p:cond delay="0"/>
-                            </p:stCondLst>
-                            <p:childTnLst>
-                              <p:par>
-                                <p:cTn id="5" presetID="14" presetClass="entr" presetSubtype="10" fill="hold" nodeType="afterEffect">
-                                  <p:stCondLst>
-                                    <p:cond delay="0"/>
-                                  </p:stCondLst>
-                                  <p:childTnLst>
-                                    <p:set>
-                                      <p:cBhvr>
-                                        <p:cTn id="6" dur="1" fill="hold">
-                                          <p:stCondLst>
-                                            <p:cond delay="0"/>
-                                          </p:stCondLst>
-                                        </p:cTn>
-                                        <p:tgtEl>
-                                          <p:spTgt spid="23"/>
-                                        </p:tgtEl>
-                                        <p:attrNameLst>
-                                          <p:attrName>style.visibility</p:attrName>
-                                        </p:attrNameLst>
-                                      </p:cBhvr>
-                                      <p:to>
-                                        <p:strVal val="visible"/>
-                                      </p:to>
-                                    </p:set>
-                                    <p:animEffect transition="in" filter="randombar(horizontal)">
-                                      <p:cBhvr>
-                                        <p:cTn id="7" dur="500"/>
-                                        <p:tgtEl>
-                                          <p:spTgt spid="23"/>
-                                        </p:tgtEl>
-                                      </p:cBhvr>
-                                    </p:animEffect>
-                                  </p:childTnLst>
-                                </p:cTn>
-                              </p:par>
-                              <p:par>
-                                <p:cTn id="8" presetID="53" presetClass="entr" presetSubtype="16" fill="hold" nodeType="withEffect">
-                                  <p:stCondLst>
-                                    <p:cond delay="0"/>
-                                  </p:stCondLst>
-                                  <p:childTnLst>
-                                    <p:set>
-                                      <p:cBhvr>
-                                        <p:cTn id="9" dur="1" fill="hold">
-                                          <p:stCondLst>
-                                            <p:cond delay="0"/>
-                                          </p:stCondLst>
-                                        </p:cTn>
-                                        <p:tgtEl>
-                                          <p:spTgt spid="12"/>
-                                        </p:tgtEl>
-                                        <p:attrNameLst>
-                                          <p:attrName>style.visibility</p:attrName>
-                                        </p:attrNameLst>
-                                      </p:cBhvr>
-                                      <p:to>
-                                        <p:strVal val="visible"/>
-                                      </p:to>
-                                    </p:set>
-                                    <p:anim calcmode="lin" valueType="num">
-                                      <p:cBhvr>
-                                        <p:cTn id="10" dur="500" fill="hold"/>
-                                        <p:tgtEl>
-                                          <p:spTgt spid="12"/>
-                                        </p:tgtEl>
-                                        <p:attrNameLst>
-                                          <p:attrName>ppt_w</p:attrName>
-                                        </p:attrNameLst>
-                                      </p:cBhvr>
-                                      <p:tavLst>
-                                        <p:tav tm="0">
-                                          <p:val>
-                                            <p:fltVal val="0"/>
-                                          </p:val>
-                                        </p:tav>
-                                        <p:tav tm="100000">
-                                          <p:val>
-                                            <p:strVal val="#ppt_w"/>
-                                          </p:val>
-                                        </p:tav>
-                                      </p:tavLst>
-                                    </p:anim>
-                                    <p:anim calcmode="lin" valueType="num">
-                                      <p:cBhvr>
-                                        <p:cTn id="11" dur="500" fill="hold"/>
-                                        <p:tgtEl>
-                                          <p:spTgt spid="12"/>
-                                        </p:tgtEl>
-                                        <p:attrNameLst>
-                                          <p:attrName>ppt_h</p:attrName>
-                                        </p:attrNameLst>
-                                      </p:cBhvr>
-                                      <p:tavLst>
-                                        <p:tav tm="0">
-                                          <p:val>
-                                            <p:fltVal val="0"/>
-                                          </p:val>
-                                        </p:tav>
-                                        <p:tav tm="100000">
-                                          <p:val>
-                                            <p:strVal val="#ppt_h"/>
-                                          </p:val>
-                                        </p:tav>
-                                      </p:tavLst>
-                                    </p:anim>
-                                    <p:animEffect transition="in" filter="fade">
-                                      <p:cBhvr>
-                                        <p:cTn id="12" dur="500"/>
-                                        <p:tgtEl>
-                                          <p:spTgt spid="12"/>
-                                        </p:tgtEl>
-                                      </p:cBhvr>
-                                    </p:animEffect>
-                                  </p:childTnLst>
-                                </p:cTn>
-                              </p:par>
-                            </p:childTnLst>
-                          </p:cTn>
-                        </p:par>
-                      </p:childTnLst>
-                    </p:cTn>
-                  </p:par>
-                </p:childTnLst>
-              </p:cTn>
-              <p:prevCondLst>
-                <p:cond evt="onPrev" delay="0">
-                  <p:tgtEl>
-                    <p:sldTgt/>
-                  </p:tgtEl>
-                </p:cond>
-              </p:prevCondLst>
-              <p:nextCondLst>
-                <p:cond evt="onNext" delay="0">
-                  <p:tgtEl>
-                    <p:sldTgt/>
-                  </p:tgtEl>
-                </p:cond>
-              </p:nextCondLst>
-            </p:seq>
-          </p:childTnLst>
-        </p:cTn>
-      </p:par>
-    </p:tnLst>
-  </p:timing>
-</p:sld>
-</file>
-
-<file path=ppt/slides/slide18.xml><?xml version="1.0" encoding="utf-8"?>
-<p:sld xmlns:a="http://schemas.openxmlformats.org/drawingml/2006/main" xmlns:r="http://schemas.openxmlformats.org/officeDocument/2006/relationships" xmlns:p="http://schemas.openxmlformats.org/presentationml/2006/main">
-  <p:cSld>
-    <p:spTree>
-      <p:nvGrpSpPr>
-        <p:cNvPr id="1" name=""/>
-        <p:cNvGrpSpPr/>
-        <p:nvPr/>
-      </p:nvGrpSpPr>
-      <p:grpSpPr>
-        <a:xfrm>
-          <a:off x="0" y="0"/>
-          <a:ext cx="0" cy="0"/>
-          <a:chOff x="0" y="0"/>
-          <a:chExt cx="0" cy="0"/>
-        </a:xfrm>
-      </p:grpSpPr>
-      <p:pic>
-        <p:nvPicPr>
-          <p:cNvPr id="3" name="图片 2">
-            <a:extLst>
-              <a:ext uri="{FF2B5EF4-FFF2-40B4-BE49-F238E27FC236}">
-                <a16:creationId xmlns:a16="http://schemas.microsoft.com/office/drawing/2014/main" id="{CAC4CE20-F3D8-4959-8246-2B7BCE8D1471}"/>
-              </a:ext>
-            </a:extLst>
-          </p:cNvPr>
-          <p:cNvPicPr>
-            <a:picLocks noChangeAspect="1"/>
-          </p:cNvPicPr>
-          <p:nvPr/>
-        </p:nvPicPr>
-        <p:blipFill rotWithShape="1">
-          <a:blip r:embed="rId2">
-            <a:extLst>
-              <a:ext uri="{28A0092B-C50C-407E-A947-70E740481C1C}">
-                <a14:useLocalDpi xmlns:a14="http://schemas.microsoft.com/office/drawing/2010/main" val="0"/>
-              </a:ext>
-            </a:extLst>
-          </a:blip>
-          <a:srcRect r="35184"/>
-          <a:stretch/>
-        </p:blipFill>
-        <p:spPr>
-          <a:xfrm>
-            <a:off x="0" y="-1"/>
-            <a:ext cx="12192000" cy="6858000"/>
-          </a:xfrm>
-          <a:prstGeom prst="rect">
-            <a:avLst/>
-          </a:prstGeom>
-        </p:spPr>
-      </p:pic>
-      <p:sp>
-        <p:nvSpPr>
-          <p:cNvPr id="8" name="文本框 7">
-            <a:extLst>
-              <a:ext uri="{FF2B5EF4-FFF2-40B4-BE49-F238E27FC236}">
-                <a16:creationId xmlns:a16="http://schemas.microsoft.com/office/drawing/2014/main" id="{9FA3BF65-8639-43DB-BF77-B3B4068FB0FD}"/>
-              </a:ext>
-            </a:extLst>
-          </p:cNvPr>
-          <p:cNvSpPr txBox="1">
-            <a:spLocks noChangeAspect="1"/>
-          </p:cNvSpPr>
-          <p:nvPr/>
-        </p:nvSpPr>
-        <p:spPr bwMode="auto">
-          <a:xfrm>
-            <a:off x="2173791" y="2678810"/>
-            <a:ext cx="7844418" cy="1106457"/>
-          </a:xfrm>
-          <a:prstGeom prst="rect">
-            <a:avLst/>
-          </a:prstGeom>
-          <a:noFill/>
-          <a:ln>
-            <a:noFill/>
-          </a:ln>
-          <a:extLst>
-            <a:ext uri="{909E8E84-426E-40DD-AFC4-6F175D3DCCD1}">
-              <a14:hiddenFill xmlns:a14="http://schemas.microsoft.com/office/drawing/2010/main">
-                <a:solidFill>
-                  <a:srgbClr val="FFFFFF"/>
-                </a:solidFill>
-              </a14:hiddenFill>
-            </a:ext>
-            <a:ext uri="{91240B29-F687-4F45-9708-019B960494DF}">
-              <a14:hiddenLine xmlns:a14="http://schemas.microsoft.com/office/drawing/2010/main" w="9525">
-                <a:solidFill>
-                  <a:srgbClr val="000000"/>
-                </a:solidFill>
-                <a:miter lim="800000"/>
-                <a:headEnd/>
-                <a:tailEnd/>
-              </a14:hiddenLine>
-            </a:ext>
-          </a:extLst>
-        </p:spPr>
-        <p:txBody>
-          <a:bodyPr wrap="square">
-            <a:spAutoFit/>
-          </a:bodyPr>
-          <a:lstStyle>
-            <a:lvl1pPr>
-              <a:defRPr>
-                <a:solidFill>
-                  <a:schemeClr val="tx1"/>
-                </a:solidFill>
-                <a:latin typeface="等线" panose="02010600030101010101" pitchFamily="2" charset="-122"/>
-                <a:ea typeface="等线" panose="02010600030101010101" pitchFamily="2" charset="-122"/>
-              </a:defRPr>
-            </a:lvl1pPr>
-            <a:lvl2pPr marL="742950" indent="-285750">
-              <a:defRPr>
-                <a:solidFill>
-                  <a:schemeClr val="tx1"/>
-                </a:solidFill>
-                <a:latin typeface="等线" panose="02010600030101010101" pitchFamily="2" charset="-122"/>
-                <a:ea typeface="等线" panose="02010600030101010101" pitchFamily="2" charset="-122"/>
-              </a:defRPr>
-            </a:lvl2pPr>
-            <a:lvl3pPr marL="1143000" indent="-228600">
-              <a:defRPr>
-                <a:solidFill>
-                  <a:schemeClr val="tx1"/>
-                </a:solidFill>
-                <a:latin typeface="等线" panose="02010600030101010101" pitchFamily="2" charset="-122"/>
-                <a:ea typeface="等线" panose="02010600030101010101" pitchFamily="2" charset="-122"/>
-              </a:defRPr>
-            </a:lvl3pPr>
-            <a:lvl4pPr marL="1600200" indent="-228600">
-              <a:defRPr>
-                <a:solidFill>
-                  <a:schemeClr val="tx1"/>
-                </a:solidFill>
-                <a:latin typeface="等线" panose="02010600030101010101" pitchFamily="2" charset="-122"/>
-                <a:ea typeface="等线" panose="02010600030101010101" pitchFamily="2" charset="-122"/>
-              </a:defRPr>
-            </a:lvl4pPr>
-            <a:lvl5pPr marL="2057400" indent="-228600">
-              <a:defRPr>
-                <a:solidFill>
-                  <a:schemeClr val="tx1"/>
-                </a:solidFill>
-                <a:latin typeface="等线" panose="02010600030101010101" pitchFamily="2" charset="-122"/>
-                <a:ea typeface="等线" panose="02010600030101010101" pitchFamily="2" charset="-122"/>
-              </a:defRPr>
-            </a:lvl5pPr>
-            <a:lvl6pPr marL="2514600" indent="-228600" fontAlgn="base">
-              <a:spcBef>
-                <a:spcPct val="0"/>
-              </a:spcBef>
-              <a:spcAft>
-                <a:spcPct val="0"/>
-              </a:spcAft>
-              <a:defRPr>
-                <a:solidFill>
-                  <a:schemeClr val="tx1"/>
-                </a:solidFill>
-                <a:latin typeface="等线" panose="02010600030101010101" pitchFamily="2" charset="-122"/>
-                <a:ea typeface="等线" panose="02010600030101010101" pitchFamily="2" charset="-122"/>
-              </a:defRPr>
-            </a:lvl6pPr>
-            <a:lvl7pPr marL="2971800" indent="-228600" fontAlgn="base">
-              <a:spcBef>
-                <a:spcPct val="0"/>
-              </a:spcBef>
-              <a:spcAft>
-                <a:spcPct val="0"/>
-              </a:spcAft>
-              <a:defRPr>
-                <a:solidFill>
-                  <a:schemeClr val="tx1"/>
-                </a:solidFill>
-                <a:latin typeface="等线" panose="02010600030101010101" pitchFamily="2" charset="-122"/>
-                <a:ea typeface="等线" panose="02010600030101010101" pitchFamily="2" charset="-122"/>
-              </a:defRPr>
-            </a:lvl7pPr>
-            <a:lvl8pPr marL="3429000" indent="-228600" fontAlgn="base">
-              <a:spcBef>
-                <a:spcPct val="0"/>
-              </a:spcBef>
-              <a:spcAft>
-                <a:spcPct val="0"/>
-              </a:spcAft>
-              <a:defRPr>
-                <a:solidFill>
-                  <a:schemeClr val="tx1"/>
-                </a:solidFill>
-                <a:latin typeface="等线" panose="02010600030101010101" pitchFamily="2" charset="-122"/>
-                <a:ea typeface="等线" panose="02010600030101010101" pitchFamily="2" charset="-122"/>
-              </a:defRPr>
-            </a:lvl8pPr>
-            <a:lvl9pPr marL="3886200" indent="-228600" fontAlgn="base">
-              <a:spcBef>
-                <a:spcPct val="0"/>
-              </a:spcBef>
-              <a:spcAft>
-                <a:spcPct val="0"/>
-              </a:spcAft>
-              <a:defRPr>
-                <a:solidFill>
-                  <a:schemeClr val="tx1"/>
-                </a:solidFill>
-                <a:latin typeface="等线" panose="02010600030101010101" pitchFamily="2" charset="-122"/>
-                <a:ea typeface="等线" panose="02010600030101010101" pitchFamily="2" charset="-122"/>
-              </a:defRPr>
-            </a:lvl9pPr>
-          </a:lstStyle>
-          <a:p>
-            <a:pPr algn="ctr">
-              <a:lnSpc>
-                <a:spcPct val="120000"/>
-              </a:lnSpc>
-            </a:pPr>
-            <a:r>
-              <a:rPr lang="zh-TW" altLang="en-US" sz="6000" b="1" noProof="1" smtClean="0">
-                <a:solidFill>
-                  <a:schemeClr val="bg2">
-                    <a:lumMod val="25000"/>
-                  </a:schemeClr>
-                </a:solidFill>
-                <a:latin typeface="微软雅黑" panose="020B0503020204020204" pitchFamily="34" charset="-122"/>
-                <a:ea typeface="微软雅黑" panose="020B0503020204020204" pitchFamily="34" charset="-122"/>
-                <a:sym typeface="Source Han Serif SC" panose="02020400000000000000" pitchFamily="18" charset="-122"/>
-              </a:rPr>
-              <a:t>謝謝您的觀看</a:t>
-            </a:r>
-            <a:endParaRPr lang="zh-CN" altLang="zh-CN" sz="3000" noProof="1">
-              <a:solidFill>
-                <a:schemeClr val="bg2">
-                  <a:lumMod val="25000"/>
-                </a:schemeClr>
-              </a:solidFill>
-              <a:latin typeface="微软雅黑" panose="020B0503020204020204" pitchFamily="34" charset="-122"/>
-              <a:ea typeface="微软雅黑" panose="020B0503020204020204" pitchFamily="34" charset="-122"/>
-              <a:sym typeface="Source Han Serif SC" panose="02020400000000000000" pitchFamily="18" charset="-122"/>
-            </a:endParaRPr>
-          </a:p>
-        </p:txBody>
-      </p:sp>
-      <p:sp>
-        <p:nvSpPr>
-          <p:cNvPr id="7" name="矩形 6">
-            <a:extLst>
-              <a:ext uri="{FF2B5EF4-FFF2-40B4-BE49-F238E27FC236}">
-                <a16:creationId xmlns:a16="http://schemas.microsoft.com/office/drawing/2014/main" id="{C617672C-AF27-48FE-B579-AEEDA534859A}"/>
-              </a:ext>
-            </a:extLst>
-          </p:cNvPr>
-          <p:cNvSpPr/>
-          <p:nvPr/>
-        </p:nvSpPr>
-        <p:spPr>
-          <a:xfrm>
-            <a:off x="3665980" y="4514988"/>
-            <a:ext cx="4860039" cy="726994"/>
-          </a:xfrm>
-          <a:prstGeom prst="rect">
-            <a:avLst/>
-          </a:prstGeom>
-        </p:spPr>
-        <p:txBody>
-          <a:bodyPr wrap="square">
-            <a:spAutoFit/>
-          </a:bodyPr>
-          <a:lstStyle/>
-          <a:p>
-            <a:pPr algn="ctr">
-              <a:lnSpc>
-                <a:spcPct val="120000"/>
-              </a:lnSpc>
-            </a:pPr>
-            <a:r>
-              <a:rPr lang="zh-TW" altLang="en-US" dirty="0" smtClean="0">
-                <a:solidFill>
-                  <a:schemeClr val="bg2">
-                    <a:lumMod val="25000"/>
-                  </a:schemeClr>
-                </a:solidFill>
-                <a:latin typeface="微軟正黑體" panose="020B0604030504040204" pitchFamily="34" charset="-120"/>
-                <a:ea typeface="微軟正黑體" panose="020B0604030504040204" pitchFamily="34" charset="-120"/>
-                <a:sym typeface="Source Han Serif SC" panose="02020400000000000000" pitchFamily="18" charset="-122"/>
-              </a:rPr>
-              <a:t>指導老師：江傳文</a:t>
-            </a:r>
-            <a:endParaRPr lang="en-US" altLang="zh-TW" dirty="0" smtClean="0">
-              <a:solidFill>
-                <a:schemeClr val="bg2">
-                  <a:lumMod val="25000"/>
-                </a:schemeClr>
-              </a:solidFill>
-              <a:latin typeface="微軟正黑體" panose="020B0604030504040204" pitchFamily="34" charset="-120"/>
-              <a:ea typeface="微軟正黑體" panose="020B0604030504040204" pitchFamily="34" charset="-120"/>
-              <a:sym typeface="Source Han Serif SC" panose="02020400000000000000" pitchFamily="18" charset="-122"/>
-            </a:endParaRPr>
-          </a:p>
-          <a:p>
-            <a:pPr algn="ctr">
-              <a:lnSpc>
-                <a:spcPct val="120000"/>
-              </a:lnSpc>
-            </a:pPr>
-            <a:r>
-              <a:rPr lang="zh-TW" altLang="en-US" dirty="0" smtClean="0">
-                <a:solidFill>
-                  <a:schemeClr val="bg2">
-                    <a:lumMod val="25000"/>
-                  </a:schemeClr>
-                </a:solidFill>
-                <a:latin typeface="微軟正黑體" panose="020B0604030504040204" pitchFamily="34" charset="-120"/>
-                <a:ea typeface="微軟正黑體" panose="020B0604030504040204" pitchFamily="34" charset="-120"/>
-                <a:sym typeface="Source Han Serif SC" panose="02020400000000000000" pitchFamily="18" charset="-122"/>
-              </a:rPr>
-              <a:t>隊員姓名：廖辰懋、曾柏翰、詹賀淋、許百加</a:t>
-            </a:r>
-            <a:endParaRPr lang="zh-CN" altLang="en-US" dirty="0">
-              <a:solidFill>
-                <a:schemeClr val="bg2">
-                  <a:lumMod val="25000"/>
-                </a:schemeClr>
-              </a:solidFill>
-              <a:latin typeface="微軟正黑體" panose="020B0604030504040204" pitchFamily="34" charset="-120"/>
-              <a:ea typeface="微軟正黑體" panose="020B0604030504040204" pitchFamily="34" charset="-120"/>
-              <a:sym typeface="Source Han Serif SC" panose="02020400000000000000" pitchFamily="18" charset="-122"/>
-            </a:endParaRPr>
-          </a:p>
-        </p:txBody>
-      </p:sp>
-    </p:spTree>
-    <p:extLst>
-      <p:ext uri="{BB962C8B-B14F-4D97-AF65-F5344CB8AC3E}">
-        <p14:creationId xmlns:p14="http://schemas.microsoft.com/office/powerpoint/2010/main" val="247547615"/>
-      </p:ext>
-    </p:extLst>
-  </p:cSld>
-  <p:clrMapOvr>
-    <a:masterClrMapping/>
-  </p:clrMapOvr>
-  <mc:AlternateContent xmlns:mc="http://schemas.openxmlformats.org/markup-compatibility/2006" xmlns:p14="http://schemas.microsoft.com/office/powerpoint/2010/main">
-    <mc:Choice Requires="p14">
-      <p:transition p14:dur="0"/>
-    </mc:Choice>
-    <mc:Fallback xmlns="">
-      <p:transition/>
-    </mc:Fallback>
-  </mc:AlternateContent>
-  <p:timing>
-    <p:tnLst>
-      <p:par>
-        <p:cTn id="1" dur="indefinite" restart="never" nodeType="tmRoot">
-          <p:childTnLst>
-            <p:seq concurrent="1" nextAc="seek">
-              <p:cTn id="2" dur="indefinite" nodeType="mainSeq">
-                <p:childTnLst>
-                  <p:par>
-                    <p:cTn id="3" fill="hold">
-                      <p:stCondLst>
-                        <p:cond delay="indefinite"/>
-                        <p:cond evt="onBegin" delay="0">
-                          <p:tn val="2"/>
-                        </p:cond>
-                      </p:stCondLst>
-                      <p:childTnLst>
-                        <p:par>
-                          <p:cTn id="4" fill="hold">
-                            <p:stCondLst>
-                              <p:cond delay="0"/>
-                            </p:stCondLst>
-                            <p:childTnLst>
-                              <p:par>
-                                <p:cTn id="5" presetID="14" presetClass="entr" presetSubtype="10" fill="hold" nodeType="afterEffect">
-                                  <p:stCondLst>
-                                    <p:cond delay="0"/>
-                                  </p:stCondLst>
-                                  <p:childTnLst>
-                                    <p:set>
-                                      <p:cBhvr>
-                                        <p:cTn id="6" dur="1" fill="hold">
-                                          <p:stCondLst>
-                                            <p:cond delay="0"/>
-                                          </p:stCondLst>
-                                        </p:cTn>
-                                        <p:tgtEl>
-                                          <p:spTgt spid="3"/>
-                                        </p:tgtEl>
-                                        <p:attrNameLst>
-                                          <p:attrName>style.visibility</p:attrName>
-                                        </p:attrNameLst>
-                                      </p:cBhvr>
-                                      <p:to>
-                                        <p:strVal val="visible"/>
-                                      </p:to>
-                                    </p:set>
-                                    <p:animEffect transition="in" filter="randombar(horizontal)">
-                                      <p:cBhvr>
-                                        <p:cTn id="7" dur="500"/>
-                                        <p:tgtEl>
-                                          <p:spTgt spid="3"/>
-                                        </p:tgtEl>
-                                      </p:cBhvr>
-                                    </p:animEffect>
-                                  </p:childTnLst>
-                                </p:cTn>
-                              </p:par>
-                            </p:childTnLst>
-                          </p:cTn>
-                        </p:par>
-                        <p:par>
-                          <p:cTn id="8" fill="hold">
-                            <p:stCondLst>
-                              <p:cond delay="500"/>
-                            </p:stCondLst>
-                            <p:childTnLst>
-                              <p:par>
-                                <p:cTn id="9" presetID="14" presetClass="entr" presetSubtype="10" fill="hold" grpId="0" nodeType="afterEffect">
-                                  <p:stCondLst>
-                                    <p:cond delay="0"/>
-                                  </p:stCondLst>
-                                  <p:childTnLst>
-                                    <p:set>
-                                      <p:cBhvr>
-                                        <p:cTn id="10" dur="1" fill="hold">
-                                          <p:stCondLst>
-                                            <p:cond delay="0"/>
-                                          </p:stCondLst>
-                                        </p:cTn>
-                                        <p:tgtEl>
-                                          <p:spTgt spid="8"/>
-                                        </p:tgtEl>
-                                        <p:attrNameLst>
-                                          <p:attrName>style.visibility</p:attrName>
-                                        </p:attrNameLst>
-                                      </p:cBhvr>
-                                      <p:to>
-                                        <p:strVal val="visible"/>
-                                      </p:to>
-                                    </p:set>
-                                    <p:animEffect transition="in" filter="randombar(horizontal)">
-                                      <p:cBhvr>
-                                        <p:cTn id="11" dur="500"/>
-                                        <p:tgtEl>
-                                          <p:spTgt spid="8"/>
-                                        </p:tgtEl>
-                                      </p:cBhvr>
-                                    </p:animEffect>
-                                  </p:childTnLst>
-                                </p:cTn>
-                              </p:par>
-                              <p:par>
-                                <p:cTn id="12" presetID="14" presetClass="entr" presetSubtype="10" fill="hold" grpId="0" nodeType="withEffect">
-                                  <p:stCondLst>
-                                    <p:cond delay="0"/>
-                                  </p:stCondLst>
-                                  <p:childTnLst>
-                                    <p:set>
-                                      <p:cBhvr>
-                                        <p:cTn id="13" dur="1" fill="hold">
-                                          <p:stCondLst>
-                                            <p:cond delay="0"/>
-                                          </p:stCondLst>
-                                        </p:cTn>
-                                        <p:tgtEl>
-                                          <p:spTgt spid="7"/>
-                                        </p:tgtEl>
-                                        <p:attrNameLst>
-                                          <p:attrName>style.visibility</p:attrName>
-                                        </p:attrNameLst>
-                                      </p:cBhvr>
-                                      <p:to>
-                                        <p:strVal val="visible"/>
-                                      </p:to>
-                                    </p:set>
-                                    <p:animEffect transition="in" filter="randombar(horizontal)">
-                                      <p:cBhvr>
-                                        <p:cTn id="14" dur="500"/>
-                                        <p:tgtEl>
-                                          <p:spTgt spid="7"/>
-                                        </p:tgtEl>
-                                      </p:cBhvr>
-                                    </p:animEffect>
-                                  </p:childTnLst>
-                                </p:cTn>
-                              </p:par>
-                            </p:childTnLst>
-                          </p:cTn>
-                        </p:par>
-                      </p:childTnLst>
-                    </p:cTn>
-                  </p:par>
-                </p:childTnLst>
-              </p:cTn>
-              <p:prevCondLst>
-                <p:cond evt="onPrev" delay="0">
-                  <p:tgtEl>
-                    <p:sldTgt/>
-                  </p:tgtEl>
-                </p:cond>
-              </p:prevCondLst>
-              <p:nextCondLst>
-                <p:cond evt="onNext" delay="0">
-                  <p:tgtEl>
-                    <p:sldTgt/>
-                  </p:tgtEl>
-                </p:cond>
-              </p:nextCondLst>
-            </p:seq>
-          </p:childTnLst>
-        </p:cTn>
-      </p:par>
-    </p:tnLst>
-    <p:bldLst>
-      <p:bldP spid="8" grpId="0"/>
-      <p:bldP spid="7" grpId="0"/>
     </p:bldLst>
   </p:timing>
 </p:sld>
@@ -15528,9 +16265,9 @@
         <p:grpSpPr>
           <a:xfrm>
             <a:off x="1431071" y="2938366"/>
-            <a:ext cx="4000937" cy="914400"/>
+            <a:ext cx="3947542" cy="914400"/>
             <a:chOff x="6887633" y="3186685"/>
-            <a:chExt cx="4000937" cy="914400"/>
+            <a:chExt cx="3947542" cy="914400"/>
           </a:xfrm>
         </p:grpSpPr>
         <p:sp>
@@ -15547,7 +16284,7 @@
           </p:nvSpPr>
           <p:spPr>
             <a:xfrm>
-              <a:off x="8099649" y="3378302"/>
+              <a:off x="8046254" y="3406722"/>
               <a:ext cx="2788921" cy="461665"/>
             </a:xfrm>
             <a:prstGeom prst="rect">
@@ -17046,7 +17783,7 @@
         </p:nvSpPr>
         <p:spPr>
           <a:xfrm>
-            <a:off x="6148244" y="6550223"/>
+            <a:off x="5886820" y="6529540"/>
             <a:ext cx="6164093" cy="307777"/>
           </a:xfrm>
           <a:prstGeom prst="rect">
@@ -19312,7 +20049,7 @@
           <a:graphicData uri="http://schemas.openxmlformats.org/presentationml/2006/ole">
             <mc:AlternateContent xmlns:mc="http://schemas.openxmlformats.org/markup-compatibility/2006">
               <mc:Choice xmlns:v="urn:schemas-microsoft-com:vml" Requires="v">
-                <p:oleObj spid="_x0000_s1058" name="Visio" r:id="rId4" imgW="10706135" imgH="7574217" progId="Visio.Drawing.11">
+                <p:oleObj spid="_x0000_s1060" name="Visio" r:id="rId4" imgW="10706135" imgH="7574217" progId="Visio.Drawing.11">
                   <p:embed/>
                 </p:oleObj>
               </mc:Choice>
@@ -19779,10 +20516,10 @@
         </p:nvGrpSpPr>
         <p:grpSpPr>
           <a:xfrm>
-            <a:off x="1466421" y="1765972"/>
-            <a:ext cx="9704123" cy="4027649"/>
+            <a:off x="1344601" y="1264322"/>
+            <a:ext cx="9704123" cy="5092028"/>
             <a:chOff x="1466421" y="1796452"/>
-            <a:chExt cx="9704123" cy="4027649"/>
+            <a:chExt cx="9704123" cy="5164473"/>
           </a:xfrm>
         </p:grpSpPr>
         <p:sp>
@@ -19835,8 +20572,8 @@
           </p:nvSpPr>
           <p:spPr bwMode="gray">
             <a:xfrm>
-              <a:off x="1474254" y="3653778"/>
-              <a:ext cx="2456345" cy="2170322"/>
+              <a:off x="1466422" y="4004384"/>
+              <a:ext cx="2464178" cy="2956541"/>
             </a:xfrm>
             <a:prstGeom prst="roundRect">
               <a:avLst>
@@ -19968,15 +20705,7 @@
                   <a:ea typeface="微軟正黑體" panose="020B0604030504040204" pitchFamily="34" charset="-120"/>
                   <a:sym typeface="Source Han Serif SC" panose="02020400000000000000" pitchFamily="18" charset="-122"/>
                 </a:rPr>
-                <a:t>記錄</a:t>
-              </a:r>
-              <a:r>
-                <a:rPr lang="zh-TW" altLang="en-US" sz="2000" dirty="0" smtClean="0">
-                  <a:latin typeface="微軟正黑體" panose="020B0604030504040204" pitchFamily="34" charset="-120"/>
-                  <a:ea typeface="微軟正黑體" panose="020B0604030504040204" pitchFamily="34" charset="-120"/>
-                  <a:sym typeface="Source Han Serif SC" panose="02020400000000000000" pitchFamily="18" charset="-122"/>
-                </a:rPr>
-                <a:t>學生</a:t>
+                <a:t>記錄學生</a:t>
               </a:r>
               <a:r>
                 <a:rPr lang="zh-TW" altLang="en-US" sz="2000" dirty="0">
@@ -19992,7 +20721,15 @@
                   <a:ea typeface="微軟正黑體" panose="020B0604030504040204" pitchFamily="34" charset="-120"/>
                   <a:sym typeface="Source Han Serif SC" panose="02020400000000000000" pitchFamily="18" charset="-122"/>
                 </a:rPr>
-                <a:t>情形統計並分析，並利用</a:t>
+                <a:t>情形統計並分析</a:t>
+              </a:r>
+              <a:r>
+                <a:rPr lang="zh-TW" altLang="en-US" sz="2000" dirty="0" smtClean="0">
+                  <a:latin typeface="微軟正黑體" panose="020B0604030504040204" pitchFamily="34" charset="-120"/>
+                  <a:ea typeface="微軟正黑體" panose="020B0604030504040204" pitchFamily="34" charset="-120"/>
+                  <a:sym typeface="Source Han Serif SC" panose="02020400000000000000" pitchFamily="18" charset="-122"/>
+                </a:rPr>
+                <a:t>，利用</a:t>
               </a:r>
               <a:r>
                 <a:rPr lang="en-US" altLang="zh-TW" sz="2000" dirty="0" smtClean="0">
@@ -20008,7 +20745,39 @@
                   <a:ea typeface="微軟正黑體" panose="020B0604030504040204" pitchFamily="34" charset="-120"/>
                   <a:sym typeface="Source Han Serif SC" panose="02020400000000000000" pitchFamily="18" charset="-122"/>
                 </a:rPr>
-                <a:t>模型以三維圖形呈現。</a:t>
+                <a:t>模型以三維圖形呈現</a:t>
+              </a:r>
+              <a:r>
+                <a:rPr lang="zh-TW" altLang="en-US" sz="2000" dirty="0" smtClean="0">
+                  <a:latin typeface="微軟正黑體" panose="020B0604030504040204" pitchFamily="34" charset="-120"/>
+                  <a:ea typeface="微軟正黑體" panose="020B0604030504040204" pitchFamily="34" charset="-120"/>
+                  <a:sym typeface="Source Han Serif SC" panose="02020400000000000000" pitchFamily="18" charset="-122"/>
+                </a:rPr>
+                <a:t>。教師</a:t>
+              </a:r>
+              <a:r>
+                <a:rPr lang="zh-TW" altLang="en-US" sz="2000" dirty="0" smtClean="0">
+                  <a:latin typeface="微軟正黑體" panose="020B0604030504040204" pitchFamily="34" charset="-120"/>
+                  <a:ea typeface="微軟正黑體" panose="020B0604030504040204" pitchFamily="34" charset="-120"/>
+                  <a:sym typeface="Source Han Serif SC" panose="02020400000000000000" pitchFamily="18" charset="-122"/>
+                </a:rPr>
+                <a:t>可對</a:t>
+              </a:r>
+              <a:r>
+                <a:rPr lang="en-US" altLang="zh-TW" sz="2000" dirty="0" smtClean="0">
+                  <a:latin typeface="微軟正黑體" panose="020B0604030504040204" pitchFamily="34" charset="-120"/>
+                  <a:ea typeface="微軟正黑體" panose="020B0604030504040204" pitchFamily="34" charset="-120"/>
+                  <a:sym typeface="Source Han Serif SC" panose="02020400000000000000" pitchFamily="18" charset="-122"/>
+                </a:rPr>
+                <a:t>RFM</a:t>
+              </a:r>
+              <a:r>
+                <a:rPr lang="zh-TW" altLang="en-US" sz="2000" dirty="0" smtClean="0">
+                  <a:latin typeface="微軟正黑體" panose="020B0604030504040204" pitchFamily="34" charset="-120"/>
+                  <a:ea typeface="微軟正黑體" panose="020B0604030504040204" pitchFamily="34" charset="-120"/>
+                  <a:sym typeface="Source Han Serif SC" panose="02020400000000000000" pitchFamily="18" charset="-122"/>
+                </a:rPr>
+                <a:t>模型進行分群，以助於找到學習方面相對落後的學生。</a:t>
               </a:r>
               <a:endParaRPr lang="zh-CN" altLang="zh-CN" sz="2000" dirty="0">
                 <a:latin typeface="微軟正黑體" panose="020B0604030504040204" pitchFamily="34" charset="-120"/>
@@ -20028,8 +20797,8 @@
           </p:nvSpPr>
           <p:spPr bwMode="gray">
             <a:xfrm>
-              <a:off x="5086642" y="3653779"/>
-              <a:ext cx="2462400" cy="2170322"/>
+              <a:off x="5086642" y="3640409"/>
+              <a:ext cx="2462400" cy="3320516"/>
             </a:xfrm>
             <a:prstGeom prst="roundRect">
               <a:avLst>
@@ -20161,7 +20930,7 @@
                   <a:ea typeface="微軟正黑體" panose="020B0604030504040204" pitchFamily="34" charset="-120"/>
                   <a:sym typeface="Source Han Serif SC" panose="02020400000000000000" pitchFamily="18" charset="-122"/>
                 </a:rPr>
-                <a:t>系統</a:t>
+                <a:t>系統提供自動批閱減少教師批改</a:t>
               </a:r>
               <a:r>
                 <a:rPr lang="zh-TW" altLang="en-US" sz="2000" dirty="0" smtClean="0">
@@ -20169,7 +20938,23 @@
                   <a:ea typeface="微軟正黑體" panose="020B0604030504040204" pitchFamily="34" charset="-120"/>
                   <a:sym typeface="Source Han Serif SC" panose="02020400000000000000" pitchFamily="18" charset="-122"/>
                 </a:rPr>
-                <a:t>提供自動批閱減少教師批改測驗時間，並以圖表統計呈現。</a:t>
+                <a:t>測驗的時間</a:t>
+              </a:r>
+              <a:r>
+                <a:rPr lang="zh-TW" altLang="en-US" sz="2000" dirty="0" smtClean="0">
+                  <a:latin typeface="微軟正黑體" panose="020B0604030504040204" pitchFamily="34" charset="-120"/>
+                  <a:ea typeface="微軟正黑體" panose="020B0604030504040204" pitchFamily="34" charset="-120"/>
+                  <a:sym typeface="Source Han Serif SC" panose="02020400000000000000" pitchFamily="18" charset="-122"/>
+                </a:rPr>
+                <a:t>，並以圖表統計呈現</a:t>
+              </a:r>
+              <a:r>
+                <a:rPr lang="zh-TW" altLang="en-US" sz="2000" dirty="0" smtClean="0">
+                  <a:latin typeface="微軟正黑體" panose="020B0604030504040204" pitchFamily="34" charset="-120"/>
+                  <a:ea typeface="微軟正黑體" panose="020B0604030504040204" pitchFamily="34" charset="-120"/>
+                  <a:sym typeface="Source Han Serif SC" panose="02020400000000000000" pitchFamily="18" charset="-122"/>
+                </a:rPr>
+                <a:t>。此圖表可讓教師清楚的了解學生的問題出在哪。</a:t>
               </a:r>
               <a:endParaRPr lang="zh-CN" altLang="zh-CN" sz="2000" dirty="0">
                 <a:latin typeface="微軟正黑體" panose="020B0604030504040204" pitchFamily="34" charset="-120"/>
@@ -20189,8 +20974,8 @@
           </p:nvSpPr>
           <p:spPr bwMode="gray">
             <a:xfrm>
-              <a:off x="8706863" y="3615733"/>
-              <a:ext cx="2463681" cy="2208367"/>
+              <a:off x="8706863" y="3229855"/>
+              <a:ext cx="2463681" cy="3731069"/>
             </a:xfrm>
             <a:prstGeom prst="roundRect">
               <a:avLst>
@@ -20341,7 +21126,71 @@
                   <a:ea typeface="微軟正黑體" panose="020B0604030504040204" pitchFamily="34" charset="-120"/>
                   <a:sym typeface="Source Han Serif SC" panose="02020400000000000000" pitchFamily="18" charset="-122"/>
                 </a:rPr>
-                <a:t>提供線上編譯器給學生一個更加便利的學習環境，同時訓練學生運算思維能力。</a:t>
+                <a:t>提供程式練習題給學生練習，以</a:t>
+              </a:r>
+              <a:r>
+                <a:rPr lang="zh-TW" altLang="en-US" sz="2000" dirty="0">
+                  <a:latin typeface="微軟正黑體" panose="020B0604030504040204" pitchFamily="34" charset="-120"/>
+                  <a:ea typeface="微軟正黑體" panose="020B0604030504040204" pitchFamily="34" charset="-120"/>
+                  <a:sym typeface="Source Han Serif SC" panose="02020400000000000000" pitchFamily="18" charset="-122"/>
+                </a:rPr>
+                <a:t>助於訓練學生運算思維能力</a:t>
+              </a:r>
+              <a:r>
+                <a:rPr lang="zh-TW" altLang="en-US" sz="2000" dirty="0" smtClean="0">
+                  <a:latin typeface="微軟正黑體" panose="020B0604030504040204" pitchFamily="34" charset="-120"/>
+                  <a:ea typeface="微軟正黑體" panose="020B0604030504040204" pitchFamily="34" charset="-120"/>
+                  <a:sym typeface="Source Han Serif SC" panose="02020400000000000000" pitchFamily="18" charset="-122"/>
+                </a:rPr>
+                <a:t>。並且在此附有</a:t>
+              </a:r>
+              <a:r>
+                <a:rPr lang="zh-TW" altLang="en-US" sz="2000" dirty="0" smtClean="0">
+                  <a:latin typeface="微軟正黑體" panose="020B0604030504040204" pitchFamily="34" charset="-120"/>
+                  <a:ea typeface="微軟正黑體" panose="020B0604030504040204" pitchFamily="34" charset="-120"/>
+                  <a:sym typeface="Source Han Serif SC" panose="02020400000000000000" pitchFamily="18" charset="-122"/>
+                </a:rPr>
+                <a:t>線</a:t>
+              </a:r>
+              <a:r>
+                <a:rPr lang="zh-TW" altLang="en-US" sz="2000" dirty="0" smtClean="0">
+                  <a:latin typeface="微軟正黑體" panose="020B0604030504040204" pitchFamily="34" charset="-120"/>
+                  <a:ea typeface="微軟正黑體" panose="020B0604030504040204" pitchFamily="34" charset="-120"/>
+                  <a:sym typeface="Source Han Serif SC" panose="02020400000000000000" pitchFamily="18" charset="-122"/>
+                </a:rPr>
+                <a:t>上</a:t>
+              </a:r>
+              <a:r>
+                <a:rPr lang="zh-TW" altLang="en-US" sz="2000" dirty="0" smtClean="0">
+                  <a:latin typeface="微軟正黑體" panose="020B0604030504040204" pitchFamily="34" charset="-120"/>
+                  <a:ea typeface="微軟正黑體" panose="020B0604030504040204" pitchFamily="34" charset="-120"/>
+                  <a:sym typeface="Source Han Serif SC" panose="02020400000000000000" pitchFamily="18" charset="-122"/>
+                </a:rPr>
+                <a:t>編譯器，供給</a:t>
+              </a:r>
+              <a:r>
+                <a:rPr lang="zh-TW" altLang="en-US" sz="2000" dirty="0" smtClean="0">
+                  <a:latin typeface="微軟正黑體" panose="020B0604030504040204" pitchFamily="34" charset="-120"/>
+                  <a:ea typeface="微軟正黑體" panose="020B0604030504040204" pitchFamily="34" charset="-120"/>
+                  <a:sym typeface="Source Han Serif SC" panose="02020400000000000000" pitchFamily="18" charset="-122"/>
+                </a:rPr>
+                <a:t>學生一個更加便利的學習</a:t>
+              </a:r>
+              <a:r>
+                <a:rPr lang="zh-TW" altLang="en-US" sz="2000" dirty="0" smtClean="0">
+                  <a:latin typeface="微軟正黑體" panose="020B0604030504040204" pitchFamily="34" charset="-120"/>
+                  <a:ea typeface="微軟正黑體" panose="020B0604030504040204" pitchFamily="34" charset="-120"/>
+                  <a:sym typeface="Source Han Serif SC" panose="02020400000000000000" pitchFamily="18" charset="-122"/>
+                </a:rPr>
+                <a:t>環境</a:t>
+              </a:r>
+              <a:r>
+                <a:rPr lang="zh-TW" altLang="en-US" sz="2000" dirty="0">
+                  <a:latin typeface="微軟正黑體" panose="020B0604030504040204" pitchFamily="34" charset="-120"/>
+                  <a:ea typeface="微軟正黑體" panose="020B0604030504040204" pitchFamily="34" charset="-120"/>
+                  <a:sym typeface="Source Han Serif SC" panose="02020400000000000000" pitchFamily="18" charset="-122"/>
+                </a:rPr>
+                <a:t>。</a:t>
               </a:r>
               <a:endParaRPr lang="zh-CN" altLang="zh-CN" sz="2000" dirty="0">
                 <a:latin typeface="微軟正黑體" panose="020B0604030504040204" pitchFamily="34" charset="-120"/>
@@ -20416,7 +21265,7 @@
           </p:blipFill>
           <p:spPr>
             <a:xfrm>
-              <a:off x="1767892" y="2364039"/>
+              <a:off x="1909324" y="2330068"/>
               <a:ext cx="1515136" cy="1515136"/>
             </a:xfrm>
             <a:prstGeom prst="rect">
@@ -20538,7 +21387,7 @@
           </p:blipFill>
           <p:spPr>
             <a:xfrm>
-              <a:off x="5446486" y="2417293"/>
+              <a:off x="5714692" y="2373680"/>
               <a:ext cx="1439170" cy="1427911"/>
             </a:xfrm>
             <a:prstGeom prst="rect">
@@ -20597,8 +21446,8 @@
           </p:nvSpPr>
           <p:spPr>
             <a:xfrm flipH="1">
-              <a:off x="9065722" y="1801216"/>
-              <a:ext cx="1723548" cy="461665"/>
+              <a:off x="8923040" y="1807474"/>
+              <a:ext cx="2031325" cy="461665"/>
             </a:xfrm>
             <a:prstGeom prst="rect">
               <a:avLst/>
@@ -20618,7 +21467,16 @@
                   <a:cs typeface="Roboto Black" charset="0"/>
                   <a:sym typeface="Source Han Serif SC" panose="02020400000000000000" pitchFamily="18" charset="-122"/>
                 </a:rPr>
-                <a:t>程式練習區</a:t>
+                <a:t>自主學習</a:t>
+              </a:r>
+              <a:r>
+                <a:rPr lang="zh-TW" altLang="en-US" sz="2400" b="1" dirty="0">
+                  <a:latin typeface="微軟正黑體" panose="020B0604030504040204" pitchFamily="34" charset="-120"/>
+                  <a:ea typeface="微軟正黑體" panose="020B0604030504040204" pitchFamily="34" charset="-120"/>
+                  <a:cs typeface="Roboto Black" charset="0"/>
+                  <a:sym typeface="Source Han Serif SC" panose="02020400000000000000" pitchFamily="18" charset="-122"/>
+                </a:rPr>
+                <a:t>環境</a:t>
               </a:r>
               <a:endParaRPr lang="en-US" sz="2400" b="1" dirty="0">
                 <a:latin typeface="微軟正黑體" panose="020B0604030504040204" pitchFamily="34" charset="-120"/>
@@ -20660,7 +21518,7 @@
           </p:blipFill>
           <p:spPr>
             <a:xfrm>
-              <a:off x="9085070" y="2417292"/>
+              <a:off x="9238659" y="2412915"/>
               <a:ext cx="1436665" cy="1436665"/>
             </a:xfrm>
             <a:prstGeom prst="rect">
